--- a/finalPresentation.pptx
+++ b/finalPresentation.pptx
@@ -5,10 +5,10 @@
     <p:sldMasterId id="2147483648" r:id="rId1"/>
   </p:sldMasterIdLst>
   <p:notesMasterIdLst>
-    <p:notesMasterId r:id="rId27"/>
+    <p:notesMasterId r:id="rId35"/>
   </p:notesMasterIdLst>
   <p:handoutMasterIdLst>
-    <p:handoutMasterId r:id="rId28"/>
+    <p:handoutMasterId r:id="rId36"/>
   </p:handoutMasterIdLst>
   <p:sldIdLst>
     <p:sldId id="1947" r:id="rId2"/>
@@ -19,23 +19,31 @@
     <p:sldId id="1957" r:id="rId7"/>
     <p:sldId id="1958" r:id="rId8"/>
     <p:sldId id="1962" r:id="rId9"/>
-    <p:sldId id="1951" r:id="rId10"/>
-    <p:sldId id="1959" r:id="rId11"/>
-    <p:sldId id="1961" r:id="rId12"/>
-    <p:sldId id="1953" r:id="rId13"/>
-    <p:sldId id="1956" r:id="rId14"/>
-    <p:sldId id="1965" r:id="rId15"/>
-    <p:sldId id="1974" r:id="rId16"/>
-    <p:sldId id="1963" r:id="rId17"/>
-    <p:sldId id="1966" r:id="rId18"/>
-    <p:sldId id="1964" r:id="rId19"/>
-    <p:sldId id="1967" r:id="rId20"/>
-    <p:sldId id="1968" r:id="rId21"/>
-    <p:sldId id="1969" r:id="rId22"/>
-    <p:sldId id="1970" r:id="rId23"/>
-    <p:sldId id="1971" r:id="rId24"/>
-    <p:sldId id="1972" r:id="rId25"/>
-    <p:sldId id="1973" r:id="rId26"/>
+    <p:sldId id="1975" r:id="rId10"/>
+    <p:sldId id="1976" r:id="rId11"/>
+    <p:sldId id="1977" r:id="rId12"/>
+    <p:sldId id="1978" r:id="rId13"/>
+    <p:sldId id="1979" r:id="rId14"/>
+    <p:sldId id="1980" r:id="rId15"/>
+    <p:sldId id="1981" r:id="rId16"/>
+    <p:sldId id="1982" r:id="rId17"/>
+    <p:sldId id="1951" r:id="rId18"/>
+    <p:sldId id="1959" r:id="rId19"/>
+    <p:sldId id="1961" r:id="rId20"/>
+    <p:sldId id="1953" r:id="rId21"/>
+    <p:sldId id="1956" r:id="rId22"/>
+    <p:sldId id="1965" r:id="rId23"/>
+    <p:sldId id="1974" r:id="rId24"/>
+    <p:sldId id="1963" r:id="rId25"/>
+    <p:sldId id="1966" r:id="rId26"/>
+    <p:sldId id="1964" r:id="rId27"/>
+    <p:sldId id="1967" r:id="rId28"/>
+    <p:sldId id="1968" r:id="rId29"/>
+    <p:sldId id="1969" r:id="rId30"/>
+    <p:sldId id="1970" r:id="rId31"/>
+    <p:sldId id="1971" r:id="rId32"/>
+    <p:sldId id="1972" r:id="rId33"/>
+    <p:sldId id="1973" r:id="rId34"/>
   </p:sldIdLst>
   <p:sldSz cx="9144000" cy="6858000" type="screen4x3"/>
   <p:notesSz cx="6858000" cy="9661525"/>
@@ -45,7 +53,7 @@
     </p:custShow>
   </p:custShowLst>
   <p:custDataLst>
-    <p:tags r:id="rId29"/>
+    <p:tags r:id="rId37"/>
   </p:custDataLst>
   <p:defaultTextStyle>
     <a:defPPr>
@@ -174,7 +182,7 @@
   </p:defaultTextStyle>
   <p:extLst>
     <p:ext uri="{EFAFB233-063F-42B5-8137-9DF3F51BA10A}">
-      <p15:sldGuideLst xmlns="" xmlns:p15="http://schemas.microsoft.com/office/powerpoint/2012/main">
+      <p15:sldGuideLst xmlns:p15="http://schemas.microsoft.com/office/powerpoint/2012/main">
         <p15:guide id="1" orient="horz" pos="119">
           <p15:clr>
             <a:srgbClr val="A4A3A4"/>
@@ -243,7 +251,7 @@
       </p15:sldGuideLst>
     </p:ext>
     <p:ext uri="{2D200454-40CA-4A62-9FC3-DE9A4176ACB9}">
-      <p15:notesGuideLst xmlns="" xmlns:p15="http://schemas.microsoft.com/office/powerpoint/2012/main">
+      <p15:notesGuideLst xmlns:p15="http://schemas.microsoft.com/office/powerpoint/2012/main">
         <p15:guide id="1" orient="horz" pos="3043">
           <p15:clr>
             <a:srgbClr val="A4A3A4"/>
@@ -6300,13 +6308,6 @@
         </dgm:presLayoutVars>
       </dgm:prSet>
       <dgm:spPr/>
-      <dgm:t>
-        <a:bodyPr/>
-        <a:lstStyle/>
-        <a:p>
-          <a:endParaRPr lang="de-DE"/>
-        </a:p>
-      </dgm:t>
     </dgm:pt>
     <dgm:pt modelId="{A6B19B8E-CD5F-4290-859B-D1C08D3D6B07}" type="pres">
       <dgm:prSet presAssocID="{C0AF1D52-1CBA-4261-8857-2FE1CDE40C0E}" presName="linNode" presStyleCnt="0"/>
@@ -6320,13 +6321,6 @@
         </dgm:presLayoutVars>
       </dgm:prSet>
       <dgm:spPr/>
-      <dgm:t>
-        <a:bodyPr/>
-        <a:lstStyle/>
-        <a:p>
-          <a:endParaRPr lang="de-DE"/>
-        </a:p>
-      </dgm:t>
     </dgm:pt>
     <dgm:pt modelId="{84A4B988-6C70-44B8-BAB2-B23705298AA6}" type="pres">
       <dgm:prSet presAssocID="{64695C0E-2FBB-4056-ACAC-C9F1B202DF07}" presName="sp" presStyleCnt="0"/>
@@ -6344,13 +6338,6 @@
         </dgm:presLayoutVars>
       </dgm:prSet>
       <dgm:spPr/>
-      <dgm:t>
-        <a:bodyPr/>
-        <a:lstStyle/>
-        <a:p>
-          <a:endParaRPr lang="de-DE"/>
-        </a:p>
-      </dgm:t>
     </dgm:pt>
     <dgm:pt modelId="{E54D9F91-E2A7-4A04-9D96-C91B504B83C3}" type="pres">
       <dgm:prSet presAssocID="{0E9BB6C0-A5E1-4A13-8553-6ADD424A818B}" presName="sp" presStyleCnt="0"/>
@@ -6368,13 +6355,6 @@
         </dgm:presLayoutVars>
       </dgm:prSet>
       <dgm:spPr/>
-      <dgm:t>
-        <a:bodyPr/>
-        <a:lstStyle/>
-        <a:p>
-          <a:endParaRPr lang="de-DE"/>
-        </a:p>
-      </dgm:t>
     </dgm:pt>
     <dgm:pt modelId="{6AEB81C3-805F-49A4-8439-5DD74037EB5C}" type="pres">
       <dgm:prSet presAssocID="{15A03D51-020B-460E-A388-564AA11F07DC}" presName="sp" presStyleCnt="0"/>
@@ -6392,25 +6372,18 @@
         </dgm:presLayoutVars>
       </dgm:prSet>
       <dgm:spPr/>
-      <dgm:t>
-        <a:bodyPr/>
-        <a:lstStyle/>
-        <a:p>
-          <a:endParaRPr lang="de-DE"/>
-        </a:p>
-      </dgm:t>
     </dgm:pt>
   </dgm:ptLst>
   <dgm:cxnLst>
-    <dgm:cxn modelId="{19E79DE5-16BD-4470-A391-D24A93A2ACF6}" srcId="{F0BC96FD-B857-44A7-964A-652F6B60A596}" destId="{843B6852-0AA5-4744-9479-56AFDD38D5F5}" srcOrd="1" destOrd="0" parTransId="{074438D9-1139-48DB-94D9-3A45599BACDF}" sibTransId="{0E9BB6C0-A5E1-4A13-8553-6ADD424A818B}"/>
+    <dgm:cxn modelId="{FE735B0C-BE92-4E0B-9B03-88F6131BE14E}" type="presOf" srcId="{843B6852-0AA5-4744-9479-56AFDD38D5F5}" destId="{95715669-8423-43AC-AAE0-14D3390F5CFC}" srcOrd="0" destOrd="0" presId="urn:microsoft.com/office/officeart/2005/8/layout/vList5"/>
+    <dgm:cxn modelId="{B4DC361E-9B75-47F9-9D45-A3E907152E71}" srcId="{F0BC96FD-B857-44A7-964A-652F6B60A596}" destId="{6509B46A-26D9-4492-94D2-9F7A41D9D071}" srcOrd="3" destOrd="0" parTransId="{35361A17-7322-4CF5-817C-500EEEC5FFCF}" sibTransId="{EE086FA0-5E66-46A4-B46A-4F81A7CCE1ED}"/>
+    <dgm:cxn modelId="{A6D5FE20-B3CC-418D-95C2-860B92C280F2}" type="presOf" srcId="{C0AF1D52-1CBA-4261-8857-2FE1CDE40C0E}" destId="{EE27A2A2-10DA-41FA-9E19-4DFDB4331D40}" srcOrd="0" destOrd="0" presId="urn:microsoft.com/office/officeart/2005/8/layout/vList5"/>
+    <dgm:cxn modelId="{29BEA42A-988D-477D-A6FC-564E653E6753}" type="presOf" srcId="{126AE852-739C-45BF-AE90-AA8C6063346F}" destId="{D3876921-7BEB-4E83-B399-BA9C72B8EBB3}" srcOrd="0" destOrd="0" presId="urn:microsoft.com/office/officeart/2005/8/layout/vList5"/>
+    <dgm:cxn modelId="{B821023A-FAA0-4125-AC0C-14E080610CED}" type="presOf" srcId="{F0BC96FD-B857-44A7-964A-652F6B60A596}" destId="{7FCE9753-5206-4184-BE9F-0983E11CDEF6}" srcOrd="0" destOrd="0" presId="urn:microsoft.com/office/officeart/2005/8/layout/vList5"/>
     <dgm:cxn modelId="{E090396E-5536-408C-BFBC-A5E2EE5D4BB9}" type="presOf" srcId="{6509B46A-26D9-4492-94D2-9F7A41D9D071}" destId="{ECDB91A6-652D-454F-B65A-30749F0E0B14}" srcOrd="0" destOrd="0" presId="urn:microsoft.com/office/officeart/2005/8/layout/vList5"/>
     <dgm:cxn modelId="{E6C9D057-F0C5-4D70-80C1-755BE7F5C2FB}" srcId="{F0BC96FD-B857-44A7-964A-652F6B60A596}" destId="{126AE852-739C-45BF-AE90-AA8C6063346F}" srcOrd="2" destOrd="0" parTransId="{DA7A3FDC-64BB-4C7F-8412-100C83FF2AE6}" sibTransId="{15A03D51-020B-460E-A388-564AA11F07DC}"/>
-    <dgm:cxn modelId="{FE735B0C-BE92-4E0B-9B03-88F6131BE14E}" type="presOf" srcId="{843B6852-0AA5-4744-9479-56AFDD38D5F5}" destId="{95715669-8423-43AC-AAE0-14D3390F5CFC}" srcOrd="0" destOrd="0" presId="urn:microsoft.com/office/officeart/2005/8/layout/vList5"/>
-    <dgm:cxn modelId="{B821023A-FAA0-4125-AC0C-14E080610CED}" type="presOf" srcId="{F0BC96FD-B857-44A7-964A-652F6B60A596}" destId="{7FCE9753-5206-4184-BE9F-0983E11CDEF6}" srcOrd="0" destOrd="0" presId="urn:microsoft.com/office/officeart/2005/8/layout/vList5"/>
-    <dgm:cxn modelId="{29BEA42A-988D-477D-A6FC-564E653E6753}" type="presOf" srcId="{126AE852-739C-45BF-AE90-AA8C6063346F}" destId="{D3876921-7BEB-4E83-B399-BA9C72B8EBB3}" srcOrd="0" destOrd="0" presId="urn:microsoft.com/office/officeart/2005/8/layout/vList5"/>
-    <dgm:cxn modelId="{A6D5FE20-B3CC-418D-95C2-860B92C280F2}" type="presOf" srcId="{C0AF1D52-1CBA-4261-8857-2FE1CDE40C0E}" destId="{EE27A2A2-10DA-41FA-9E19-4DFDB4331D40}" srcOrd="0" destOrd="0" presId="urn:microsoft.com/office/officeart/2005/8/layout/vList5"/>
-    <dgm:cxn modelId="{B4DC361E-9B75-47F9-9D45-A3E907152E71}" srcId="{F0BC96FD-B857-44A7-964A-652F6B60A596}" destId="{6509B46A-26D9-4492-94D2-9F7A41D9D071}" srcOrd="3" destOrd="0" parTransId="{35361A17-7322-4CF5-817C-500EEEC5FFCF}" sibTransId="{EE086FA0-5E66-46A4-B46A-4F81A7CCE1ED}"/>
     <dgm:cxn modelId="{D10D87B2-2BD7-4344-A54C-B42215D2B7A7}" srcId="{F0BC96FD-B857-44A7-964A-652F6B60A596}" destId="{C0AF1D52-1CBA-4261-8857-2FE1CDE40C0E}" srcOrd="0" destOrd="0" parTransId="{4ADF81E3-62CB-4E26-B442-833BB74936C9}" sibTransId="{64695C0E-2FBB-4056-ACAC-C9F1B202DF07}"/>
+    <dgm:cxn modelId="{19E79DE5-16BD-4470-A391-D24A93A2ACF6}" srcId="{F0BC96FD-B857-44A7-964A-652F6B60A596}" destId="{843B6852-0AA5-4744-9479-56AFDD38D5F5}" srcOrd="1" destOrd="0" parTransId="{074438D9-1139-48DB-94D9-3A45599BACDF}" sibTransId="{0E9BB6C0-A5E1-4A13-8553-6ADD424A818B}"/>
     <dgm:cxn modelId="{D675AD14-B7E6-4F35-A769-81E5FEF842C9}" type="presParOf" srcId="{7FCE9753-5206-4184-BE9F-0983E11CDEF6}" destId="{A6B19B8E-CD5F-4290-859B-D1C08D3D6B07}" srcOrd="0" destOrd="0" presId="urn:microsoft.com/office/officeart/2005/8/layout/vList5"/>
     <dgm:cxn modelId="{0EDE85C2-1DAA-4B9F-8DFC-B7444ABE3B6D}" type="presParOf" srcId="{A6B19B8E-CD5F-4290-859B-D1C08D3D6B07}" destId="{EE27A2A2-10DA-41FA-9E19-4DFDB4331D40}" srcOrd="0" destOrd="0" presId="urn:microsoft.com/office/officeart/2005/8/layout/vList5"/>
     <dgm:cxn modelId="{0CB5AA44-4F0E-4F49-8D4D-E0603222FB2A}" type="presParOf" srcId="{7FCE9753-5206-4184-BE9F-0983E11CDEF6}" destId="{84A4B988-6C70-44B8-BAB2-B23705298AA6}" srcOrd="1" destOrd="0" presId="urn:microsoft.com/office/officeart/2005/8/layout/vList5"/>
@@ -6427,7 +6400,7 @@
   <dgm:whole/>
   <dgm:extLst>
     <a:ext uri="http://schemas.microsoft.com/office/drawing/2008/diagram">
-      <dsp:dataModelExt xmlns:dsp="http://schemas.microsoft.com/office/drawing/2008/diagram" xmlns="" relId="rId6" minVer="http://schemas.openxmlformats.org/drawingml/2006/diagram"/>
+      <dsp:dataModelExt xmlns:dsp="http://schemas.microsoft.com/office/drawing/2008/diagram" relId="rId6" minVer="http://schemas.openxmlformats.org/drawingml/2006/diagram"/>
     </a:ext>
   </dgm:extLst>
 </dgm:dataModel>
@@ -6636,13 +6609,6 @@
         </dgm:presLayoutVars>
       </dgm:prSet>
       <dgm:spPr/>
-      <dgm:t>
-        <a:bodyPr/>
-        <a:lstStyle/>
-        <a:p>
-          <a:endParaRPr lang="de-DE"/>
-        </a:p>
-      </dgm:t>
     </dgm:pt>
     <dgm:pt modelId="{63D53A3B-4D5B-47BB-B8E8-5B53B272AFD5}" type="pres">
       <dgm:prSet presAssocID="{1AF0AF05-1102-4C13-B97B-540306C3400C}" presName="circ1" presStyleLbl="vennNode1" presStyleIdx="0" presStyleCnt="5"/>
@@ -6657,13 +6623,6 @@
         </dgm:presLayoutVars>
       </dgm:prSet>
       <dgm:spPr/>
-      <dgm:t>
-        <a:bodyPr/>
-        <a:lstStyle/>
-        <a:p>
-          <a:endParaRPr lang="de-DE"/>
-        </a:p>
-      </dgm:t>
     </dgm:pt>
     <dgm:pt modelId="{A8C09EF0-172F-42CF-A6C9-C0FFCC582545}" type="pres">
       <dgm:prSet presAssocID="{544C27C2-1223-42BB-A645-2EAD98B9FAD3}" presName="circ2" presStyleLbl="vennNode1" presStyleIdx="1" presStyleCnt="5"/>
@@ -6678,13 +6637,6 @@
         </dgm:presLayoutVars>
       </dgm:prSet>
       <dgm:spPr/>
-      <dgm:t>
-        <a:bodyPr/>
-        <a:lstStyle/>
-        <a:p>
-          <a:endParaRPr lang="de-DE"/>
-        </a:p>
-      </dgm:t>
     </dgm:pt>
     <dgm:pt modelId="{EF17E774-C656-4AC4-A38F-62D88E02B32D}" type="pres">
       <dgm:prSet presAssocID="{79D91F3A-AB0E-47C9-B394-ECDE90C81465}" presName="circ3" presStyleLbl="vennNode1" presStyleIdx="2" presStyleCnt="5"/>
@@ -6699,13 +6651,6 @@
         </dgm:presLayoutVars>
       </dgm:prSet>
       <dgm:spPr/>
-      <dgm:t>
-        <a:bodyPr/>
-        <a:lstStyle/>
-        <a:p>
-          <a:endParaRPr lang="de-DE"/>
-        </a:p>
-      </dgm:t>
     </dgm:pt>
     <dgm:pt modelId="{18D027AC-83EC-4A74-84C6-62DF738F1D44}" type="pres">
       <dgm:prSet presAssocID="{06FE15D3-B23F-4765-8929-3AE868F80EB6}" presName="circ4" presStyleLbl="vennNode1" presStyleIdx="3" presStyleCnt="5"/>
@@ -6720,13 +6665,6 @@
         </dgm:presLayoutVars>
       </dgm:prSet>
       <dgm:spPr/>
-      <dgm:t>
-        <a:bodyPr/>
-        <a:lstStyle/>
-        <a:p>
-          <a:endParaRPr lang="de-DE"/>
-        </a:p>
-      </dgm:t>
     </dgm:pt>
     <dgm:pt modelId="{13E045FB-34D1-410B-B223-B8C458FCC7CA}" type="pres">
       <dgm:prSet presAssocID="{891AFDF7-45E6-40C5-B687-87CA9DF124B2}" presName="circ5" presStyleLbl="vennNode1" presStyleIdx="4" presStyleCnt="5"/>
@@ -6741,27 +6679,20 @@
         </dgm:presLayoutVars>
       </dgm:prSet>
       <dgm:spPr/>
-      <dgm:t>
-        <a:bodyPr/>
-        <a:lstStyle/>
-        <a:p>
-          <a:endParaRPr lang="de-DE"/>
-        </a:p>
-      </dgm:t>
     </dgm:pt>
   </dgm:ptLst>
   <dgm:cxnLst>
+    <dgm:cxn modelId="{C1D6370E-DEBA-45E3-942E-46F4024CB93B}" srcId="{DE629B0C-2751-4D99-9525-1D5326645973}" destId="{891AFDF7-45E6-40C5-B687-87CA9DF124B2}" srcOrd="4" destOrd="0" parTransId="{B67AFAA1-3D0E-4A84-9013-55AD5B437262}" sibTransId="{025A0AB9-AD79-4251-AAD4-7EBB3063D6A3}"/>
+    <dgm:cxn modelId="{9A969F1F-A55D-4A27-8ED2-9CE73F15C98B}" type="presOf" srcId="{1AF0AF05-1102-4C13-B97B-540306C3400C}" destId="{4721F6CC-2D4D-4521-84B5-C4C8FA293CEB}" srcOrd="0" destOrd="0" presId="urn:microsoft.com/office/officeart/2005/8/layout/venn1"/>
     <dgm:cxn modelId="{93B02625-929C-4FFE-8CC9-2C1127B8D89C}" srcId="{DE629B0C-2751-4D99-9525-1D5326645973}" destId="{1AF0AF05-1102-4C13-B97B-540306C3400C}" srcOrd="0" destOrd="0" parTransId="{CCC71DBA-A0A0-4D57-9038-192D2550336D}" sibTransId="{595BD6CA-2396-4015-80C5-F48B718E3726}"/>
+    <dgm:cxn modelId="{E8D50A46-29E5-4A11-B497-9B07788F3FAC}" type="presOf" srcId="{79D91F3A-AB0E-47C9-B394-ECDE90C81465}" destId="{B3814468-3C2D-418C-9180-F3424EBA280F}" srcOrd="0" destOrd="0" presId="urn:microsoft.com/office/officeart/2005/8/layout/venn1"/>
+    <dgm:cxn modelId="{1977814F-85C1-4A1F-A9D6-F24CB299265C}" srcId="{DE629B0C-2751-4D99-9525-1D5326645973}" destId="{79D91F3A-AB0E-47C9-B394-ECDE90C81465}" srcOrd="2" destOrd="0" parTransId="{150749D4-C21E-4379-BCC3-53D658C9463C}" sibTransId="{F6981BAB-4CC9-4431-A178-1F2910B9946C}"/>
+    <dgm:cxn modelId="{662FD79A-E02D-49D4-9EBA-DC0A347EDB16}" srcId="{DE629B0C-2751-4D99-9525-1D5326645973}" destId="{06FE15D3-B23F-4765-8929-3AE868F80EB6}" srcOrd="3" destOrd="0" parTransId="{451B9714-4C81-4620-80B9-124656082E5D}" sibTransId="{60251770-92B4-41D4-814D-0F2C46E2C023}"/>
     <dgm:cxn modelId="{EDC18CB8-252E-4225-BE4F-1CB6814C03E2}" srcId="{DE629B0C-2751-4D99-9525-1D5326645973}" destId="{544C27C2-1223-42BB-A645-2EAD98B9FAD3}" srcOrd="1" destOrd="0" parTransId="{3E9B50B5-8F81-474C-8BE5-E014578E67FA}" sibTransId="{A8E3B217-36D5-4A01-80CA-F4F41DEC0F1A}"/>
-    <dgm:cxn modelId="{E8D50A46-29E5-4A11-B497-9B07788F3FAC}" type="presOf" srcId="{79D91F3A-AB0E-47C9-B394-ECDE90C81465}" destId="{B3814468-3C2D-418C-9180-F3424EBA280F}" srcOrd="0" destOrd="0" presId="urn:microsoft.com/office/officeart/2005/8/layout/venn1"/>
-    <dgm:cxn modelId="{C1D6370E-DEBA-45E3-942E-46F4024CB93B}" srcId="{DE629B0C-2751-4D99-9525-1D5326645973}" destId="{891AFDF7-45E6-40C5-B687-87CA9DF124B2}" srcOrd="4" destOrd="0" parTransId="{B67AFAA1-3D0E-4A84-9013-55AD5B437262}" sibTransId="{025A0AB9-AD79-4251-AAD4-7EBB3063D6A3}"/>
-    <dgm:cxn modelId="{1977814F-85C1-4A1F-A9D6-F24CB299265C}" srcId="{DE629B0C-2751-4D99-9525-1D5326645973}" destId="{79D91F3A-AB0E-47C9-B394-ECDE90C81465}" srcOrd="2" destOrd="0" parTransId="{150749D4-C21E-4379-BCC3-53D658C9463C}" sibTransId="{F6981BAB-4CC9-4431-A178-1F2910B9946C}"/>
+    <dgm:cxn modelId="{128FD2D6-8973-41B0-BB17-B305FCB9D433}" type="presOf" srcId="{891AFDF7-45E6-40C5-B687-87CA9DF124B2}" destId="{5E0845A9-FCF2-47B3-8B0C-C226CD5FB40B}" srcOrd="0" destOrd="0" presId="urn:microsoft.com/office/officeart/2005/8/layout/venn1"/>
     <dgm:cxn modelId="{006797D9-D2A7-414A-8BEF-4565C65C74BD}" type="presOf" srcId="{DE629B0C-2751-4D99-9525-1D5326645973}" destId="{D4967B78-F62A-4461-89CA-1CE92A5F7DFD}" srcOrd="0" destOrd="0" presId="urn:microsoft.com/office/officeart/2005/8/layout/venn1"/>
-    <dgm:cxn modelId="{9A969F1F-A55D-4A27-8ED2-9CE73F15C98B}" type="presOf" srcId="{1AF0AF05-1102-4C13-B97B-540306C3400C}" destId="{4721F6CC-2D4D-4521-84B5-C4C8FA293CEB}" srcOrd="0" destOrd="0" presId="urn:microsoft.com/office/officeart/2005/8/layout/venn1"/>
-    <dgm:cxn modelId="{128FD2D6-8973-41B0-BB17-B305FCB9D433}" type="presOf" srcId="{891AFDF7-45E6-40C5-B687-87CA9DF124B2}" destId="{5E0845A9-FCF2-47B3-8B0C-C226CD5FB40B}" srcOrd="0" destOrd="0" presId="urn:microsoft.com/office/officeart/2005/8/layout/venn1"/>
     <dgm:cxn modelId="{BED6F8DE-6933-4EFF-88AE-D590A29EF55F}" type="presOf" srcId="{544C27C2-1223-42BB-A645-2EAD98B9FAD3}" destId="{497D19D9-E8BE-46A0-8F84-808AF46585ED}" srcOrd="0" destOrd="0" presId="urn:microsoft.com/office/officeart/2005/8/layout/venn1"/>
     <dgm:cxn modelId="{FC5BBAE9-4EFD-429F-9D9C-7F7EB7620F2F}" type="presOf" srcId="{06FE15D3-B23F-4765-8929-3AE868F80EB6}" destId="{EF770828-0B3A-4F54-8CAC-F67E8B9F2DF9}" srcOrd="0" destOrd="0" presId="urn:microsoft.com/office/officeart/2005/8/layout/venn1"/>
-    <dgm:cxn modelId="{662FD79A-E02D-49D4-9EBA-DC0A347EDB16}" srcId="{DE629B0C-2751-4D99-9525-1D5326645973}" destId="{06FE15D3-B23F-4765-8929-3AE868F80EB6}" srcOrd="3" destOrd="0" parTransId="{451B9714-4C81-4620-80B9-124656082E5D}" sibTransId="{60251770-92B4-41D4-814D-0F2C46E2C023}"/>
     <dgm:cxn modelId="{B2016573-8827-490F-A8E8-2B7F49DE91EF}" type="presParOf" srcId="{D4967B78-F62A-4461-89CA-1CE92A5F7DFD}" destId="{63D53A3B-4D5B-47BB-B8E8-5B53B272AFD5}" srcOrd="0" destOrd="0" presId="urn:microsoft.com/office/officeart/2005/8/layout/venn1"/>
     <dgm:cxn modelId="{A718D4D3-CC63-49A4-BAF7-8CE3132232E4}" type="presParOf" srcId="{D4967B78-F62A-4461-89CA-1CE92A5F7DFD}" destId="{4721F6CC-2D4D-4521-84B5-C4C8FA293CEB}" srcOrd="1" destOrd="0" presId="urn:microsoft.com/office/officeart/2005/8/layout/venn1"/>
     <dgm:cxn modelId="{553ABE8F-70A1-41CD-BA5F-1A5129935466}" type="presParOf" srcId="{D4967B78-F62A-4461-89CA-1CE92A5F7DFD}" destId="{A8C09EF0-172F-42CF-A6C9-C0FFCC582545}" srcOrd="2" destOrd="0" presId="urn:microsoft.com/office/officeart/2005/8/layout/venn1"/>
@@ -6777,7 +6708,7 @@
   <dgm:whole/>
   <dgm:extLst>
     <a:ext uri="http://schemas.microsoft.com/office/drawing/2008/diagram">
-      <dsp:dataModelExt xmlns:dsp="http://schemas.microsoft.com/office/drawing/2008/diagram" xmlns="" relId="rId6" minVer="http://schemas.openxmlformats.org/drawingml/2006/diagram"/>
+      <dsp:dataModelExt xmlns:dsp="http://schemas.microsoft.com/office/drawing/2008/diagram" relId="rId6" minVer="http://schemas.openxmlformats.org/drawingml/2006/diagram"/>
     </a:ext>
   </dgm:extLst>
 </dgm:dataModel>
@@ -7138,13 +7069,6 @@
         </dgm:presLayoutVars>
       </dgm:prSet>
       <dgm:spPr/>
-      <dgm:t>
-        <a:bodyPr/>
-        <a:lstStyle/>
-        <a:p>
-          <a:endParaRPr lang="de-DE"/>
-        </a:p>
-      </dgm:t>
     </dgm:pt>
     <dgm:pt modelId="{AB795A0E-3C7B-47E3-BC47-3534A54F9190}" type="pres">
       <dgm:prSet presAssocID="{3A6AA12D-C2E9-4BD8-BD2C-3FE7294AFEB9}" presName="hierRoot1" presStyleCnt="0">
@@ -7165,24 +7089,10 @@
         </dgm:presLayoutVars>
       </dgm:prSet>
       <dgm:spPr/>
-      <dgm:t>
-        <a:bodyPr/>
-        <a:lstStyle/>
-        <a:p>
-          <a:endParaRPr lang="de-DE"/>
-        </a:p>
-      </dgm:t>
     </dgm:pt>
     <dgm:pt modelId="{9AB5A911-E489-48AE-B687-7440697238B3}" type="pres">
       <dgm:prSet presAssocID="{3A6AA12D-C2E9-4BD8-BD2C-3FE7294AFEB9}" presName="rootConnector1" presStyleLbl="node1" presStyleIdx="0" presStyleCnt="0"/>
       <dgm:spPr/>
-      <dgm:t>
-        <a:bodyPr/>
-        <a:lstStyle/>
-        <a:p>
-          <a:endParaRPr lang="de-DE"/>
-        </a:p>
-      </dgm:t>
     </dgm:pt>
     <dgm:pt modelId="{E404BA80-6E0F-4C3E-BC06-4E7117DCF3CE}" type="pres">
       <dgm:prSet presAssocID="{3A6AA12D-C2E9-4BD8-BD2C-3FE7294AFEB9}" presName="hierChild2" presStyleCnt="0"/>
@@ -7191,13 +7101,6 @@
     <dgm:pt modelId="{1F1BF832-7D6F-4314-8A20-B77ADD6E09FD}" type="pres">
       <dgm:prSet presAssocID="{FF1888FE-33B9-4643-AE7A-09A40E256103}" presName="Name37" presStyleLbl="parChTrans1D2" presStyleIdx="0" presStyleCnt="8" custSzX="6005334" custSzY="306613"/>
       <dgm:spPr/>
-      <dgm:t>
-        <a:bodyPr/>
-        <a:lstStyle/>
-        <a:p>
-          <a:endParaRPr lang="de-DE"/>
-        </a:p>
-      </dgm:t>
     </dgm:pt>
     <dgm:pt modelId="{338F5E53-0455-48EE-ABDF-BFB85DD1E3B8}" type="pres">
       <dgm:prSet presAssocID="{9FB97EE0-DCD5-4156-8D38-FCFF580D44FD}" presName="hierRoot2" presStyleCnt="0">
@@ -7218,24 +7121,10 @@
         </dgm:presLayoutVars>
       </dgm:prSet>
       <dgm:spPr/>
-      <dgm:t>
-        <a:bodyPr/>
-        <a:lstStyle/>
-        <a:p>
-          <a:endParaRPr lang="de-DE"/>
-        </a:p>
-      </dgm:t>
     </dgm:pt>
     <dgm:pt modelId="{2D7AE81F-8C7C-4CA7-9284-3B78B04D4886}" type="pres">
       <dgm:prSet presAssocID="{9FB97EE0-DCD5-4156-8D38-FCFF580D44FD}" presName="rootConnector" presStyleLbl="node2" presStyleIdx="0" presStyleCnt="8"/>
       <dgm:spPr/>
-      <dgm:t>
-        <a:bodyPr/>
-        <a:lstStyle/>
-        <a:p>
-          <a:endParaRPr lang="de-DE"/>
-        </a:p>
-      </dgm:t>
     </dgm:pt>
     <dgm:pt modelId="{57B634ED-9877-4988-A910-1E72805200C1}" type="pres">
       <dgm:prSet presAssocID="{9FB97EE0-DCD5-4156-8D38-FCFF580D44FD}" presName="hierChild4" presStyleCnt="0"/>
@@ -7248,13 +7137,6 @@
     <dgm:pt modelId="{C18E588E-D810-43F6-B8D0-371D7DDA551F}" type="pres">
       <dgm:prSet presAssocID="{62C9F470-4316-48F8-8263-FB85C0AF66D0}" presName="Name37" presStyleLbl="parChTrans1D2" presStyleIdx="1" presStyleCnt="8" custSzX="4289524" custSzY="306613"/>
       <dgm:spPr/>
-      <dgm:t>
-        <a:bodyPr/>
-        <a:lstStyle/>
-        <a:p>
-          <a:endParaRPr lang="de-DE"/>
-        </a:p>
-      </dgm:t>
     </dgm:pt>
     <dgm:pt modelId="{84EB36B9-62D1-4B5C-A597-7F19B7690CBB}" type="pres">
       <dgm:prSet presAssocID="{B6DB7651-7D81-4F5E-A74E-1CE9D132FFA1}" presName="hierRoot2" presStyleCnt="0">
@@ -7275,24 +7157,10 @@
         </dgm:presLayoutVars>
       </dgm:prSet>
       <dgm:spPr/>
-      <dgm:t>
-        <a:bodyPr/>
-        <a:lstStyle/>
-        <a:p>
-          <a:endParaRPr lang="de-DE"/>
-        </a:p>
-      </dgm:t>
     </dgm:pt>
     <dgm:pt modelId="{B05F8344-AFEA-433E-AB6E-DA6446A9FBE1}" type="pres">
       <dgm:prSet presAssocID="{B6DB7651-7D81-4F5E-A74E-1CE9D132FFA1}" presName="rootConnector" presStyleLbl="node2" presStyleIdx="1" presStyleCnt="8"/>
       <dgm:spPr/>
-      <dgm:t>
-        <a:bodyPr/>
-        <a:lstStyle/>
-        <a:p>
-          <a:endParaRPr lang="de-DE"/>
-        </a:p>
-      </dgm:t>
     </dgm:pt>
     <dgm:pt modelId="{D6EB8568-0C1F-45AB-B966-8E98CC819E16}" type="pres">
       <dgm:prSet presAssocID="{B6DB7651-7D81-4F5E-A74E-1CE9D132FFA1}" presName="hierChild4" presStyleCnt="0"/>
@@ -7305,13 +7173,6 @@
     <dgm:pt modelId="{766BDE4F-B05F-4DE9-9297-2C646DE2E6AF}" type="pres">
       <dgm:prSet presAssocID="{D3D0C99A-1A2F-48B9-92A7-B5D699B81BB4}" presName="Name37" presStyleLbl="parChTrans1D2" presStyleIdx="2" presStyleCnt="8" custSzX="2573714" custSzY="306613"/>
       <dgm:spPr/>
-      <dgm:t>
-        <a:bodyPr/>
-        <a:lstStyle/>
-        <a:p>
-          <a:endParaRPr lang="de-DE"/>
-        </a:p>
-      </dgm:t>
     </dgm:pt>
     <dgm:pt modelId="{1CBB0A5B-52FA-4FDC-A7F6-04043CF6D315}" type="pres">
       <dgm:prSet presAssocID="{DDAD9549-51AC-4852-8D1F-7853EE254EAB}" presName="hierRoot2" presStyleCnt="0">
@@ -7332,24 +7193,10 @@
         </dgm:presLayoutVars>
       </dgm:prSet>
       <dgm:spPr/>
-      <dgm:t>
-        <a:bodyPr/>
-        <a:lstStyle/>
-        <a:p>
-          <a:endParaRPr lang="de-DE"/>
-        </a:p>
-      </dgm:t>
     </dgm:pt>
     <dgm:pt modelId="{5BE1293F-E52E-4364-815E-BA964B2E313E}" type="pres">
       <dgm:prSet presAssocID="{DDAD9549-51AC-4852-8D1F-7853EE254EAB}" presName="rootConnector" presStyleLbl="node2" presStyleIdx="2" presStyleCnt="8"/>
       <dgm:spPr/>
-      <dgm:t>
-        <a:bodyPr/>
-        <a:lstStyle/>
-        <a:p>
-          <a:endParaRPr lang="de-DE"/>
-        </a:p>
-      </dgm:t>
     </dgm:pt>
     <dgm:pt modelId="{4DF886EB-5C4D-4256-BFCD-293C86C11368}" type="pres">
       <dgm:prSet presAssocID="{DDAD9549-51AC-4852-8D1F-7853EE254EAB}" presName="hierChild4" presStyleCnt="0"/>
@@ -7362,13 +7209,6 @@
     <dgm:pt modelId="{EBDEDD73-1A0D-448D-87EC-AF798632099F}" type="pres">
       <dgm:prSet presAssocID="{65A34516-2507-40EF-8E38-D5D5269E852E}" presName="Name37" presStyleLbl="parChTrans1D2" presStyleIdx="3" presStyleCnt="8" custSzX="857904" custSzY="306613"/>
       <dgm:spPr/>
-      <dgm:t>
-        <a:bodyPr/>
-        <a:lstStyle/>
-        <a:p>
-          <a:endParaRPr lang="de-DE"/>
-        </a:p>
-      </dgm:t>
     </dgm:pt>
     <dgm:pt modelId="{C82B6449-FC96-4809-891D-3F77115F2A6E}" type="pres">
       <dgm:prSet presAssocID="{3BD6BDA0-26C3-403D-88CB-AA822E74B732}" presName="hierRoot2" presStyleCnt="0">
@@ -7389,24 +7229,10 @@
         </dgm:presLayoutVars>
       </dgm:prSet>
       <dgm:spPr/>
-      <dgm:t>
-        <a:bodyPr/>
-        <a:lstStyle/>
-        <a:p>
-          <a:endParaRPr lang="de-DE"/>
-        </a:p>
-      </dgm:t>
     </dgm:pt>
     <dgm:pt modelId="{6A578C9B-36DC-47B6-B550-4B2973A0AD3E}" type="pres">
       <dgm:prSet presAssocID="{3BD6BDA0-26C3-403D-88CB-AA822E74B732}" presName="rootConnector" presStyleLbl="node2" presStyleIdx="3" presStyleCnt="8"/>
       <dgm:spPr/>
-      <dgm:t>
-        <a:bodyPr/>
-        <a:lstStyle/>
-        <a:p>
-          <a:endParaRPr lang="de-DE"/>
-        </a:p>
-      </dgm:t>
     </dgm:pt>
     <dgm:pt modelId="{AD9A910C-E527-4DA9-9196-9F0784AF9A03}" type="pres">
       <dgm:prSet presAssocID="{3BD6BDA0-26C3-403D-88CB-AA822E74B732}" presName="hierChild4" presStyleCnt="0"/>
@@ -7419,13 +7245,6 @@
     <dgm:pt modelId="{E5B64A66-98C3-4BB7-B533-49BBD6320137}" type="pres">
       <dgm:prSet presAssocID="{2C8BBE09-D937-4AF8-B69B-DA9CA12F6B02}" presName="Name37" presStyleLbl="parChTrans1D2" presStyleIdx="4" presStyleCnt="8" custSzX="857904" custSzY="306613"/>
       <dgm:spPr/>
-      <dgm:t>
-        <a:bodyPr/>
-        <a:lstStyle/>
-        <a:p>
-          <a:endParaRPr lang="de-DE"/>
-        </a:p>
-      </dgm:t>
     </dgm:pt>
     <dgm:pt modelId="{C9AC80DA-5C67-471C-A517-09C56065513F}" type="pres">
       <dgm:prSet presAssocID="{356BB6D9-A53C-40AA-9340-A57AFC579674}" presName="hierRoot2" presStyleCnt="0">
@@ -7446,24 +7265,10 @@
         </dgm:presLayoutVars>
       </dgm:prSet>
       <dgm:spPr/>
-      <dgm:t>
-        <a:bodyPr/>
-        <a:lstStyle/>
-        <a:p>
-          <a:endParaRPr lang="de-DE"/>
-        </a:p>
-      </dgm:t>
     </dgm:pt>
     <dgm:pt modelId="{A746DBFA-FF7B-450A-9600-1DCEA1D74B2C}" type="pres">
       <dgm:prSet presAssocID="{356BB6D9-A53C-40AA-9340-A57AFC579674}" presName="rootConnector" presStyleLbl="node2" presStyleIdx="4" presStyleCnt="8"/>
       <dgm:spPr/>
-      <dgm:t>
-        <a:bodyPr/>
-        <a:lstStyle/>
-        <a:p>
-          <a:endParaRPr lang="de-DE"/>
-        </a:p>
-      </dgm:t>
     </dgm:pt>
     <dgm:pt modelId="{D6908B42-389D-4B5A-BA13-88E673F4D8AC}" type="pres">
       <dgm:prSet presAssocID="{356BB6D9-A53C-40AA-9340-A57AFC579674}" presName="hierChild4" presStyleCnt="0"/>
@@ -7476,13 +7281,6 @@
     <dgm:pt modelId="{0D5A4952-58DB-4379-A0FF-9CF9AA8B30A9}" type="pres">
       <dgm:prSet presAssocID="{78879A09-8796-42CA-8554-7D4602B98BE0}" presName="Name37" presStyleLbl="parChTrans1D2" presStyleIdx="5" presStyleCnt="8" custSzX="2573714" custSzY="306613"/>
       <dgm:spPr/>
-      <dgm:t>
-        <a:bodyPr/>
-        <a:lstStyle/>
-        <a:p>
-          <a:endParaRPr lang="de-DE"/>
-        </a:p>
-      </dgm:t>
     </dgm:pt>
     <dgm:pt modelId="{D2909641-ED8A-4F63-8E22-D0C2F560868D}" type="pres">
       <dgm:prSet presAssocID="{4CBA4916-03C1-4A6B-AF7E-954DE1AB4700}" presName="hierRoot2" presStyleCnt="0">
@@ -7503,24 +7301,10 @@
         </dgm:presLayoutVars>
       </dgm:prSet>
       <dgm:spPr/>
-      <dgm:t>
-        <a:bodyPr/>
-        <a:lstStyle/>
-        <a:p>
-          <a:endParaRPr lang="de-DE"/>
-        </a:p>
-      </dgm:t>
     </dgm:pt>
     <dgm:pt modelId="{4434DAB3-9F54-4E34-870E-DE4B9CBDF485}" type="pres">
       <dgm:prSet presAssocID="{4CBA4916-03C1-4A6B-AF7E-954DE1AB4700}" presName="rootConnector" presStyleLbl="node2" presStyleIdx="5" presStyleCnt="8"/>
       <dgm:spPr/>
-      <dgm:t>
-        <a:bodyPr/>
-        <a:lstStyle/>
-        <a:p>
-          <a:endParaRPr lang="de-DE"/>
-        </a:p>
-      </dgm:t>
     </dgm:pt>
     <dgm:pt modelId="{6D49527A-6F9D-48D3-82C3-4CC6BEAC2FC9}" type="pres">
       <dgm:prSet presAssocID="{4CBA4916-03C1-4A6B-AF7E-954DE1AB4700}" presName="hierChild4" presStyleCnt="0"/>
@@ -7533,13 +7317,6 @@
     <dgm:pt modelId="{7C650D1E-3017-4717-95CC-BB314B759F2C}" type="pres">
       <dgm:prSet presAssocID="{52018A7B-3ADD-46AE-AA01-F8F8C6C7FE96}" presName="Name37" presStyleLbl="parChTrans1D2" presStyleIdx="6" presStyleCnt="8" custSzX="4289524" custSzY="306613"/>
       <dgm:spPr/>
-      <dgm:t>
-        <a:bodyPr/>
-        <a:lstStyle/>
-        <a:p>
-          <a:endParaRPr lang="de-DE"/>
-        </a:p>
-      </dgm:t>
     </dgm:pt>
     <dgm:pt modelId="{4C66E9E1-6C36-4396-934D-67AA4CDE3382}" type="pres">
       <dgm:prSet presAssocID="{C57AEB62-8521-4B3A-8958-87E1270B529D}" presName="hierRoot2" presStyleCnt="0">
@@ -7560,24 +7337,10 @@
         </dgm:presLayoutVars>
       </dgm:prSet>
       <dgm:spPr/>
-      <dgm:t>
-        <a:bodyPr/>
-        <a:lstStyle/>
-        <a:p>
-          <a:endParaRPr lang="de-DE"/>
-        </a:p>
-      </dgm:t>
     </dgm:pt>
     <dgm:pt modelId="{019907A6-8841-40DF-BD59-2AE933C6AF50}" type="pres">
       <dgm:prSet presAssocID="{C57AEB62-8521-4B3A-8958-87E1270B529D}" presName="rootConnector" presStyleLbl="node2" presStyleIdx="6" presStyleCnt="8"/>
       <dgm:spPr/>
-      <dgm:t>
-        <a:bodyPr/>
-        <a:lstStyle/>
-        <a:p>
-          <a:endParaRPr lang="de-DE"/>
-        </a:p>
-      </dgm:t>
     </dgm:pt>
     <dgm:pt modelId="{8C029093-EDCE-41EE-BBC1-026AF27C95C6}" type="pres">
       <dgm:prSet presAssocID="{C57AEB62-8521-4B3A-8958-87E1270B529D}" presName="hierChild4" presStyleCnt="0"/>
@@ -7590,13 +7353,6 @@
     <dgm:pt modelId="{3C8AB344-DDA2-4C65-9FAE-8474291F8300}" type="pres">
       <dgm:prSet presAssocID="{FEF15825-2017-48CE-B3E0-6646B9E3F8E6}" presName="Name37" presStyleLbl="parChTrans1D2" presStyleIdx="7" presStyleCnt="8" custSzX="6005334" custSzY="306613"/>
       <dgm:spPr/>
-      <dgm:t>
-        <a:bodyPr/>
-        <a:lstStyle/>
-        <a:p>
-          <a:endParaRPr lang="de-DE"/>
-        </a:p>
-      </dgm:t>
     </dgm:pt>
     <dgm:pt modelId="{B15583D3-9B6E-4A52-8503-28A41B2EB79E}" type="pres">
       <dgm:prSet presAssocID="{26018C0D-57D8-4ED6-A88E-C484A4AE7FDB}" presName="hierRoot2" presStyleCnt="0">
@@ -7617,24 +7373,10 @@
         </dgm:presLayoutVars>
       </dgm:prSet>
       <dgm:spPr/>
-      <dgm:t>
-        <a:bodyPr/>
-        <a:lstStyle/>
-        <a:p>
-          <a:endParaRPr lang="de-DE"/>
-        </a:p>
-      </dgm:t>
     </dgm:pt>
     <dgm:pt modelId="{3035AC2D-A387-4228-9E38-423DF014FF0A}" type="pres">
       <dgm:prSet presAssocID="{26018C0D-57D8-4ED6-A88E-C484A4AE7FDB}" presName="rootConnector" presStyleLbl="node2" presStyleIdx="7" presStyleCnt="8"/>
       <dgm:spPr/>
-      <dgm:t>
-        <a:bodyPr/>
-        <a:lstStyle/>
-        <a:p>
-          <a:endParaRPr lang="de-DE"/>
-        </a:p>
-      </dgm:t>
     </dgm:pt>
     <dgm:pt modelId="{E4548A40-41F8-4DC0-9F8F-122C27CA444F}" type="pres">
       <dgm:prSet presAssocID="{26018C0D-57D8-4ED6-A88E-C484A4AE7FDB}" presName="hierChild4" presStyleCnt="0"/>
@@ -7650,42 +7392,42 @@
     </dgm:pt>
   </dgm:ptLst>
   <dgm:cxnLst>
-    <dgm:cxn modelId="{6A986DE3-EA29-42DA-9DE5-1787A7CE0A8D}" type="presOf" srcId="{C57AEB62-8521-4B3A-8958-87E1270B529D}" destId="{019907A6-8841-40DF-BD59-2AE933C6AF50}" srcOrd="1" destOrd="0" presId="urn:microsoft.com/office/officeart/2005/8/layout/orgChart1"/>
+    <dgm:cxn modelId="{D8BE2E0C-D298-4EE3-A65E-F5C05E27826F}" type="presOf" srcId="{26018C0D-57D8-4ED6-A88E-C484A4AE7FDB}" destId="{3035AC2D-A387-4228-9E38-423DF014FF0A}" srcOrd="1" destOrd="0" presId="urn:microsoft.com/office/officeart/2005/8/layout/orgChart1"/>
+    <dgm:cxn modelId="{A3C2930D-A995-4A13-B150-06E24AD2829B}" type="presOf" srcId="{DDAD9549-51AC-4852-8D1F-7853EE254EAB}" destId="{CB31C50E-0282-4D4F-B0CC-4E9722E2149F}" srcOrd="0" destOrd="0" presId="urn:microsoft.com/office/officeart/2005/8/layout/orgChart1"/>
     <dgm:cxn modelId="{B4E7DB18-52DD-4DFE-8AFF-C229CF58B7D7}" type="presOf" srcId="{4CBA4916-03C1-4A6B-AF7E-954DE1AB4700}" destId="{4434DAB3-9F54-4E34-870E-DE4B9CBDF485}" srcOrd="1" destOrd="0" presId="urn:microsoft.com/office/officeart/2005/8/layout/orgChart1"/>
+    <dgm:cxn modelId="{61711B1B-9C74-4FFC-8EC2-E4E4CD1412EF}" srcId="{3A6AA12D-C2E9-4BD8-BD2C-3FE7294AFEB9}" destId="{26018C0D-57D8-4ED6-A88E-C484A4AE7FDB}" srcOrd="7" destOrd="0" parTransId="{FEF15825-2017-48CE-B3E0-6646B9E3F8E6}" sibTransId="{FFB39916-0886-468D-ACCE-099D53516939}"/>
+    <dgm:cxn modelId="{9D023827-73D4-4F3E-86D4-86A7255FA673}" type="presOf" srcId="{356BB6D9-A53C-40AA-9340-A57AFC579674}" destId="{8A836A0C-FAC7-4158-B0FF-92C12F5D70AB}" srcOrd="0" destOrd="0" presId="urn:microsoft.com/office/officeart/2005/8/layout/orgChart1"/>
+    <dgm:cxn modelId="{4A065327-F67C-478E-8018-E87F817897E3}" type="presOf" srcId="{65A34516-2507-40EF-8E38-D5D5269E852E}" destId="{EBDEDD73-1A0D-448D-87EC-AF798632099F}" srcOrd="0" destOrd="0" presId="urn:microsoft.com/office/officeart/2005/8/layout/orgChart1"/>
+    <dgm:cxn modelId="{D107082D-E6FB-42C2-9C79-D42AED2ACB64}" type="presOf" srcId="{52018A7B-3ADD-46AE-AA01-F8F8C6C7FE96}" destId="{7C650D1E-3017-4717-95CC-BB314B759F2C}" srcOrd="0" destOrd="0" presId="urn:microsoft.com/office/officeart/2005/8/layout/orgChart1"/>
+    <dgm:cxn modelId="{E184953C-0694-4CD0-8632-E1BD3BAD7A6B}" type="presOf" srcId="{DDAD9549-51AC-4852-8D1F-7853EE254EAB}" destId="{5BE1293F-E52E-4364-815E-BA964B2E313E}" srcOrd="1" destOrd="0" presId="urn:microsoft.com/office/officeart/2005/8/layout/orgChart1"/>
+    <dgm:cxn modelId="{F032C83C-2CDE-4DF1-A8DC-B85E12986189}" type="presOf" srcId="{3A6AA12D-C2E9-4BD8-BD2C-3FE7294AFEB9}" destId="{3DD70376-3E3F-43E1-B2C6-956970C172ED}" srcOrd="0" destOrd="0" presId="urn:microsoft.com/office/officeart/2005/8/layout/orgChart1"/>
+    <dgm:cxn modelId="{9FC21D5B-06BC-49E5-8C4E-F480E835FE0A}" srcId="{3A6AA12D-C2E9-4BD8-BD2C-3FE7294AFEB9}" destId="{3BD6BDA0-26C3-403D-88CB-AA822E74B732}" srcOrd="3" destOrd="0" parTransId="{65A34516-2507-40EF-8E38-D5D5269E852E}" sibTransId="{875E4EA7-E344-4050-AAC7-9D78DAA4E1B4}"/>
+    <dgm:cxn modelId="{19C50842-3C4E-4120-AA47-0CB579E31C4C}" type="presOf" srcId="{FEF15825-2017-48CE-B3E0-6646B9E3F8E6}" destId="{3C8AB344-DDA2-4C65-9FAE-8474291F8300}" srcOrd="0" destOrd="0" presId="urn:microsoft.com/office/officeart/2005/8/layout/orgChart1"/>
+    <dgm:cxn modelId="{2A57BB48-EEA3-4D82-82C5-A5CCD73690B9}" type="presOf" srcId="{4CBA4916-03C1-4A6B-AF7E-954DE1AB4700}" destId="{6E21471F-70DD-425A-96EB-D138019D0017}" srcOrd="0" destOrd="0" presId="urn:microsoft.com/office/officeart/2005/8/layout/orgChart1"/>
+    <dgm:cxn modelId="{06EAE96A-939C-4E13-8405-E08EE8AA498F}" type="presOf" srcId="{9FB97EE0-DCD5-4156-8D38-FCFF580D44FD}" destId="{2D7AE81F-8C7C-4CA7-9284-3B78B04D4886}" srcOrd="1" destOrd="0" presId="urn:microsoft.com/office/officeart/2005/8/layout/orgChart1"/>
+    <dgm:cxn modelId="{DF6C7C4B-810F-4B4F-8577-277D98D6FA11}" srcId="{3A6AA12D-C2E9-4BD8-BD2C-3FE7294AFEB9}" destId="{9FB97EE0-DCD5-4156-8D38-FCFF580D44FD}" srcOrd="0" destOrd="0" parTransId="{FF1888FE-33B9-4643-AE7A-09A40E256103}" sibTransId="{58FFF5EC-3E90-4DDD-A670-28424277750F}"/>
+    <dgm:cxn modelId="{D8D3036D-63BE-483E-B0AF-FD04F63D2A49}" type="presOf" srcId="{3A6AA12D-C2E9-4BD8-BD2C-3FE7294AFEB9}" destId="{9AB5A911-E489-48AE-B687-7440697238B3}" srcOrd="1" destOrd="0" presId="urn:microsoft.com/office/officeart/2005/8/layout/orgChart1"/>
+    <dgm:cxn modelId="{1D6C916D-396B-4F46-8DBA-7510D0EB5C8F}" srcId="{3A6AA12D-C2E9-4BD8-BD2C-3FE7294AFEB9}" destId="{C57AEB62-8521-4B3A-8958-87E1270B529D}" srcOrd="6" destOrd="0" parTransId="{52018A7B-3ADD-46AE-AA01-F8F8C6C7FE96}" sibTransId="{29608A20-D110-42A1-9C64-14C0B62390F1}"/>
+    <dgm:cxn modelId="{7D163A4F-193A-4940-A8BA-4CE1BE9E84D8}" type="presOf" srcId="{FF1888FE-33B9-4643-AE7A-09A40E256103}" destId="{1F1BF832-7D6F-4314-8A20-B77ADD6E09FD}" srcOrd="0" destOrd="0" presId="urn:microsoft.com/office/officeart/2005/8/layout/orgChart1"/>
+    <dgm:cxn modelId="{35F84B56-B58F-42F6-8D42-4E794C0A3AEE}" type="presOf" srcId="{3BD6BDA0-26C3-403D-88CB-AA822E74B732}" destId="{609EB9A4-2680-422B-ADA3-4CA28FF595B7}" srcOrd="0" destOrd="0" presId="urn:microsoft.com/office/officeart/2005/8/layout/orgChart1"/>
+    <dgm:cxn modelId="{E5C03097-8C23-405D-8CB3-ED598E296DC3}" srcId="{3A6AA12D-C2E9-4BD8-BD2C-3FE7294AFEB9}" destId="{4CBA4916-03C1-4A6B-AF7E-954DE1AB4700}" srcOrd="5" destOrd="0" parTransId="{78879A09-8796-42CA-8554-7D4602B98BE0}" sibTransId="{D1522DCD-FAB1-4478-862F-3D1E39FDE66C}"/>
     <dgm:cxn modelId="{2A74989D-8787-4D02-8BD3-B0333F6DA503}" type="presOf" srcId="{26018C0D-57D8-4ED6-A88E-C484A4AE7FDB}" destId="{3D4EB2F9-3B09-45FA-A6CC-B4ABB57F75C1}" srcOrd="0" destOrd="0" presId="urn:microsoft.com/office/officeart/2005/8/layout/orgChart1"/>
-    <dgm:cxn modelId="{28AD6DC2-7F70-4CF1-BE69-A0B726F63C93}" type="presOf" srcId="{B6DB7651-7D81-4F5E-A74E-1CE9D132FFA1}" destId="{B05F8344-AFEA-433E-AB6E-DA6446A9FBE1}" srcOrd="1" destOrd="0" presId="urn:microsoft.com/office/officeart/2005/8/layout/orgChart1"/>
-    <dgm:cxn modelId="{E5C03097-8C23-405D-8CB3-ED598E296DC3}" srcId="{3A6AA12D-C2E9-4BD8-BD2C-3FE7294AFEB9}" destId="{4CBA4916-03C1-4A6B-AF7E-954DE1AB4700}" srcOrd="5" destOrd="0" parTransId="{78879A09-8796-42CA-8554-7D4602B98BE0}" sibTransId="{D1522DCD-FAB1-4478-862F-3D1E39FDE66C}"/>
-    <dgm:cxn modelId="{06EAE96A-939C-4E13-8405-E08EE8AA498F}" type="presOf" srcId="{9FB97EE0-DCD5-4156-8D38-FCFF580D44FD}" destId="{2D7AE81F-8C7C-4CA7-9284-3B78B04D4886}" srcOrd="1" destOrd="0" presId="urn:microsoft.com/office/officeart/2005/8/layout/orgChart1"/>
-    <dgm:cxn modelId="{D6DD01DF-9AA7-4FCC-9B56-5694F179575B}" type="presOf" srcId="{356BB6D9-A53C-40AA-9340-A57AFC579674}" destId="{A746DBFA-FF7B-450A-9600-1DCEA1D74B2C}" srcOrd="1" destOrd="0" presId="urn:microsoft.com/office/officeart/2005/8/layout/orgChart1"/>
-    <dgm:cxn modelId="{A3C2930D-A995-4A13-B150-06E24AD2829B}" type="presOf" srcId="{DDAD9549-51AC-4852-8D1F-7853EE254EAB}" destId="{CB31C50E-0282-4D4F-B0CC-4E9722E2149F}" srcOrd="0" destOrd="0" presId="urn:microsoft.com/office/officeart/2005/8/layout/orgChart1"/>
-    <dgm:cxn modelId="{19C50842-3C4E-4120-AA47-0CB579E31C4C}" type="presOf" srcId="{FEF15825-2017-48CE-B3E0-6646B9E3F8E6}" destId="{3C8AB344-DDA2-4C65-9FAE-8474291F8300}" srcOrd="0" destOrd="0" presId="urn:microsoft.com/office/officeart/2005/8/layout/orgChart1"/>
-    <dgm:cxn modelId="{D8BE2E0C-D298-4EE3-A65E-F5C05E27826F}" type="presOf" srcId="{26018C0D-57D8-4ED6-A88E-C484A4AE7FDB}" destId="{3035AC2D-A387-4228-9E38-423DF014FF0A}" srcOrd="1" destOrd="0" presId="urn:microsoft.com/office/officeart/2005/8/layout/orgChart1"/>
-    <dgm:cxn modelId="{41CA94F0-5A8E-4ACB-8F43-2EE3CFC41C3F}" srcId="{3A6AA12D-C2E9-4BD8-BD2C-3FE7294AFEB9}" destId="{B6DB7651-7D81-4F5E-A74E-1CE9D132FFA1}" srcOrd="1" destOrd="0" parTransId="{62C9F470-4316-48F8-8263-FB85C0AF66D0}" sibTransId="{DB3F6F20-C891-487A-A115-B4C419FAC740}"/>
+    <dgm:cxn modelId="{DFEFC1A0-1FC4-4E95-B9C9-0F449C95655C}" type="presOf" srcId="{D3D0C99A-1A2F-48B9-92A7-B5D699B81BB4}" destId="{766BDE4F-B05F-4DE9-9297-2C646DE2E6AF}" srcOrd="0" destOrd="0" presId="urn:microsoft.com/office/officeart/2005/8/layout/orgChart1"/>
+    <dgm:cxn modelId="{64AF36A2-FAAE-4A6F-8408-0DAA70EF67D3}" srcId="{D0A0F61B-4303-4677-84F2-61B7E1A91C18}" destId="{3A6AA12D-C2E9-4BD8-BD2C-3FE7294AFEB9}" srcOrd="0" destOrd="0" parTransId="{CB68BD35-2E0D-48E5-8A70-3DF166BD3AE0}" sibTransId="{279954E4-66B2-4DF1-BBD5-CB4E7B281C1D}"/>
+    <dgm:cxn modelId="{B7DD91A3-CCE7-4CB4-B37C-53FDDC6BA836}" type="presOf" srcId="{2C8BBE09-D937-4AF8-B69B-DA9CA12F6B02}" destId="{E5B64A66-98C3-4BB7-B533-49BBD6320137}" srcOrd="0" destOrd="0" presId="urn:microsoft.com/office/officeart/2005/8/layout/orgChart1"/>
+    <dgm:cxn modelId="{66931EAC-E36B-4C7E-B667-75F915330C0D}" srcId="{3A6AA12D-C2E9-4BD8-BD2C-3FE7294AFEB9}" destId="{DDAD9549-51AC-4852-8D1F-7853EE254EAB}" srcOrd="2" destOrd="0" parTransId="{D3D0C99A-1A2F-48B9-92A7-B5D699B81BB4}" sibTransId="{4D69A56D-7A7B-4814-81BC-D8408374810F}"/>
+    <dgm:cxn modelId="{11A413AD-5B67-4931-87CE-EF433FEA3739}" srcId="{3A6AA12D-C2E9-4BD8-BD2C-3FE7294AFEB9}" destId="{356BB6D9-A53C-40AA-9340-A57AFC579674}" srcOrd="4" destOrd="0" parTransId="{2C8BBE09-D937-4AF8-B69B-DA9CA12F6B02}" sibTransId="{2321DCB6-A69E-4DF4-BE16-88C5FCCE48DC}"/>
     <dgm:cxn modelId="{FE45CBAE-DE70-44B0-8572-50F540EE3538}" type="presOf" srcId="{C57AEB62-8521-4B3A-8958-87E1270B529D}" destId="{09F933FE-904C-41E0-8847-5EE14ADC5F19}" srcOrd="0" destOrd="0" presId="urn:microsoft.com/office/officeart/2005/8/layout/orgChart1"/>
     <dgm:cxn modelId="{A464E7B9-0D77-4D52-BEF7-9D604FF3DC08}" type="presOf" srcId="{9FB97EE0-DCD5-4156-8D38-FCFF580D44FD}" destId="{BCA0F817-645B-4DF6-B98A-68FC4A66FB72}" srcOrd="0" destOrd="0" presId="urn:microsoft.com/office/officeart/2005/8/layout/orgChart1"/>
+    <dgm:cxn modelId="{D4EFCBBC-F070-4F79-A9F1-362C22BB94FE}" type="presOf" srcId="{B6DB7651-7D81-4F5E-A74E-1CE9D132FFA1}" destId="{919252C1-5E8F-4C1E-8B07-9019D6B598DF}" srcOrd="0" destOrd="0" presId="urn:microsoft.com/office/officeart/2005/8/layout/orgChart1"/>
+    <dgm:cxn modelId="{28AD6DC2-7F70-4CF1-BE69-A0B726F63C93}" type="presOf" srcId="{B6DB7651-7D81-4F5E-A74E-1CE9D132FFA1}" destId="{B05F8344-AFEA-433E-AB6E-DA6446A9FBE1}" srcOrd="1" destOrd="0" presId="urn:microsoft.com/office/officeart/2005/8/layout/orgChart1"/>
     <dgm:cxn modelId="{408FDCD7-6D9B-4919-8D87-FEE836EC6689}" type="presOf" srcId="{3BD6BDA0-26C3-403D-88CB-AA822E74B732}" destId="{6A578C9B-36DC-47B6-B550-4B2973A0AD3E}" srcOrd="1" destOrd="0" presId="urn:microsoft.com/office/officeart/2005/8/layout/orgChart1"/>
-    <dgm:cxn modelId="{D107082D-E6FB-42C2-9C79-D42AED2ACB64}" type="presOf" srcId="{52018A7B-3ADD-46AE-AA01-F8F8C6C7FE96}" destId="{7C650D1E-3017-4717-95CC-BB314B759F2C}" srcOrd="0" destOrd="0" presId="urn:microsoft.com/office/officeart/2005/8/layout/orgChart1"/>
-    <dgm:cxn modelId="{DFEFC1A0-1FC4-4E95-B9C9-0F449C95655C}" type="presOf" srcId="{D3D0C99A-1A2F-48B9-92A7-B5D699B81BB4}" destId="{766BDE4F-B05F-4DE9-9297-2C646DE2E6AF}" srcOrd="0" destOrd="0" presId="urn:microsoft.com/office/officeart/2005/8/layout/orgChart1"/>
-    <dgm:cxn modelId="{64AF36A2-FAAE-4A6F-8408-0DAA70EF67D3}" srcId="{D0A0F61B-4303-4677-84F2-61B7E1A91C18}" destId="{3A6AA12D-C2E9-4BD8-BD2C-3FE7294AFEB9}" srcOrd="0" destOrd="0" parTransId="{CB68BD35-2E0D-48E5-8A70-3DF166BD3AE0}" sibTransId="{279954E4-66B2-4DF1-BBD5-CB4E7B281C1D}"/>
-    <dgm:cxn modelId="{61711B1B-9C74-4FFC-8EC2-E4E4CD1412EF}" srcId="{3A6AA12D-C2E9-4BD8-BD2C-3FE7294AFEB9}" destId="{26018C0D-57D8-4ED6-A88E-C484A4AE7FDB}" srcOrd="7" destOrd="0" parTransId="{FEF15825-2017-48CE-B3E0-6646B9E3F8E6}" sibTransId="{FFB39916-0886-468D-ACCE-099D53516939}"/>
-    <dgm:cxn modelId="{9D023827-73D4-4F3E-86D4-86A7255FA673}" type="presOf" srcId="{356BB6D9-A53C-40AA-9340-A57AFC579674}" destId="{8A836A0C-FAC7-4158-B0FF-92C12F5D70AB}" srcOrd="0" destOrd="0" presId="urn:microsoft.com/office/officeart/2005/8/layout/orgChart1"/>
-    <dgm:cxn modelId="{E184953C-0694-4CD0-8632-E1BD3BAD7A6B}" type="presOf" srcId="{DDAD9549-51AC-4852-8D1F-7853EE254EAB}" destId="{5BE1293F-E52E-4364-815E-BA964B2E313E}" srcOrd="1" destOrd="0" presId="urn:microsoft.com/office/officeart/2005/8/layout/orgChart1"/>
-    <dgm:cxn modelId="{7D163A4F-193A-4940-A8BA-4CE1BE9E84D8}" type="presOf" srcId="{FF1888FE-33B9-4643-AE7A-09A40E256103}" destId="{1F1BF832-7D6F-4314-8A20-B77ADD6E09FD}" srcOrd="0" destOrd="0" presId="urn:microsoft.com/office/officeart/2005/8/layout/orgChart1"/>
-    <dgm:cxn modelId="{4A065327-F67C-478E-8018-E87F817897E3}" type="presOf" srcId="{65A34516-2507-40EF-8E38-D5D5269E852E}" destId="{EBDEDD73-1A0D-448D-87EC-AF798632099F}" srcOrd="0" destOrd="0" presId="urn:microsoft.com/office/officeart/2005/8/layout/orgChart1"/>
-    <dgm:cxn modelId="{2A57BB48-EEA3-4D82-82C5-A5CCD73690B9}" type="presOf" srcId="{4CBA4916-03C1-4A6B-AF7E-954DE1AB4700}" destId="{6E21471F-70DD-425A-96EB-D138019D0017}" srcOrd="0" destOrd="0" presId="urn:microsoft.com/office/officeart/2005/8/layout/orgChart1"/>
-    <dgm:cxn modelId="{35F84B56-B58F-42F6-8D42-4E794C0A3AEE}" type="presOf" srcId="{3BD6BDA0-26C3-403D-88CB-AA822E74B732}" destId="{609EB9A4-2680-422B-ADA3-4CA28FF595B7}" srcOrd="0" destOrd="0" presId="urn:microsoft.com/office/officeart/2005/8/layout/orgChart1"/>
+    <dgm:cxn modelId="{4A4D75DE-8916-4725-9070-945E3EED449F}" type="presOf" srcId="{62C9F470-4316-48F8-8263-FB85C0AF66D0}" destId="{C18E588E-D810-43F6-B8D0-371D7DDA551F}" srcOrd="0" destOrd="0" presId="urn:microsoft.com/office/officeart/2005/8/layout/orgChart1"/>
+    <dgm:cxn modelId="{D6DD01DF-9AA7-4FCC-9B56-5694F179575B}" type="presOf" srcId="{356BB6D9-A53C-40AA-9340-A57AFC579674}" destId="{A746DBFA-FF7B-450A-9600-1DCEA1D74B2C}" srcOrd="1" destOrd="0" presId="urn:microsoft.com/office/officeart/2005/8/layout/orgChart1"/>
+    <dgm:cxn modelId="{6A986DE3-EA29-42DA-9DE5-1787A7CE0A8D}" type="presOf" srcId="{C57AEB62-8521-4B3A-8958-87E1270B529D}" destId="{019907A6-8841-40DF-BD59-2AE933C6AF50}" srcOrd="1" destOrd="0" presId="urn:microsoft.com/office/officeart/2005/8/layout/orgChart1"/>
+    <dgm:cxn modelId="{B62A91E6-1B1E-4C73-880C-82235C311D16}" type="presOf" srcId="{D0A0F61B-4303-4677-84F2-61B7E1A91C18}" destId="{CB5D569C-B44B-4308-B27F-633455E5871F}" srcOrd="0" destOrd="0" presId="urn:microsoft.com/office/officeart/2005/8/layout/orgChart1"/>
     <dgm:cxn modelId="{D8771FEA-5C29-4C98-9410-A0D7FBC06628}" type="presOf" srcId="{78879A09-8796-42CA-8554-7D4602B98BE0}" destId="{0D5A4952-58DB-4379-A0FF-9CF9AA8B30A9}" srcOrd="0" destOrd="0" presId="urn:microsoft.com/office/officeart/2005/8/layout/orgChart1"/>
-    <dgm:cxn modelId="{11A413AD-5B67-4931-87CE-EF433FEA3739}" srcId="{3A6AA12D-C2E9-4BD8-BD2C-3FE7294AFEB9}" destId="{356BB6D9-A53C-40AA-9340-A57AFC579674}" srcOrd="4" destOrd="0" parTransId="{2C8BBE09-D937-4AF8-B69B-DA9CA12F6B02}" sibTransId="{2321DCB6-A69E-4DF4-BE16-88C5FCCE48DC}"/>
-    <dgm:cxn modelId="{4A4D75DE-8916-4725-9070-945E3EED449F}" type="presOf" srcId="{62C9F470-4316-48F8-8263-FB85C0AF66D0}" destId="{C18E588E-D810-43F6-B8D0-371D7DDA551F}" srcOrd="0" destOrd="0" presId="urn:microsoft.com/office/officeart/2005/8/layout/orgChart1"/>
-    <dgm:cxn modelId="{B62A91E6-1B1E-4C73-880C-82235C311D16}" type="presOf" srcId="{D0A0F61B-4303-4677-84F2-61B7E1A91C18}" destId="{CB5D569C-B44B-4308-B27F-633455E5871F}" srcOrd="0" destOrd="0" presId="urn:microsoft.com/office/officeart/2005/8/layout/orgChart1"/>
-    <dgm:cxn modelId="{B7DD91A3-CCE7-4CB4-B37C-53FDDC6BA836}" type="presOf" srcId="{2C8BBE09-D937-4AF8-B69B-DA9CA12F6B02}" destId="{E5B64A66-98C3-4BB7-B533-49BBD6320137}" srcOrd="0" destOrd="0" presId="urn:microsoft.com/office/officeart/2005/8/layout/orgChart1"/>
-    <dgm:cxn modelId="{9FC21D5B-06BC-49E5-8C4E-F480E835FE0A}" srcId="{3A6AA12D-C2E9-4BD8-BD2C-3FE7294AFEB9}" destId="{3BD6BDA0-26C3-403D-88CB-AA822E74B732}" srcOrd="3" destOrd="0" parTransId="{65A34516-2507-40EF-8E38-D5D5269E852E}" sibTransId="{875E4EA7-E344-4050-AAC7-9D78DAA4E1B4}"/>
-    <dgm:cxn modelId="{1D6C916D-396B-4F46-8DBA-7510D0EB5C8F}" srcId="{3A6AA12D-C2E9-4BD8-BD2C-3FE7294AFEB9}" destId="{C57AEB62-8521-4B3A-8958-87E1270B529D}" srcOrd="6" destOrd="0" parTransId="{52018A7B-3ADD-46AE-AA01-F8F8C6C7FE96}" sibTransId="{29608A20-D110-42A1-9C64-14C0B62390F1}"/>
-    <dgm:cxn modelId="{D8D3036D-63BE-483E-B0AF-FD04F63D2A49}" type="presOf" srcId="{3A6AA12D-C2E9-4BD8-BD2C-3FE7294AFEB9}" destId="{9AB5A911-E489-48AE-B687-7440697238B3}" srcOrd="1" destOrd="0" presId="urn:microsoft.com/office/officeart/2005/8/layout/orgChart1"/>
-    <dgm:cxn modelId="{DF6C7C4B-810F-4B4F-8577-277D98D6FA11}" srcId="{3A6AA12D-C2E9-4BD8-BD2C-3FE7294AFEB9}" destId="{9FB97EE0-DCD5-4156-8D38-FCFF580D44FD}" srcOrd="0" destOrd="0" parTransId="{FF1888FE-33B9-4643-AE7A-09A40E256103}" sibTransId="{58FFF5EC-3E90-4DDD-A670-28424277750F}"/>
-    <dgm:cxn modelId="{D4EFCBBC-F070-4F79-A9F1-362C22BB94FE}" type="presOf" srcId="{B6DB7651-7D81-4F5E-A74E-1CE9D132FFA1}" destId="{919252C1-5E8F-4C1E-8B07-9019D6B598DF}" srcOrd="0" destOrd="0" presId="urn:microsoft.com/office/officeart/2005/8/layout/orgChart1"/>
-    <dgm:cxn modelId="{66931EAC-E36B-4C7E-B667-75F915330C0D}" srcId="{3A6AA12D-C2E9-4BD8-BD2C-3FE7294AFEB9}" destId="{DDAD9549-51AC-4852-8D1F-7853EE254EAB}" srcOrd="2" destOrd="0" parTransId="{D3D0C99A-1A2F-48B9-92A7-B5D699B81BB4}" sibTransId="{4D69A56D-7A7B-4814-81BC-D8408374810F}"/>
-    <dgm:cxn modelId="{F032C83C-2CDE-4DF1-A8DC-B85E12986189}" type="presOf" srcId="{3A6AA12D-C2E9-4BD8-BD2C-3FE7294AFEB9}" destId="{3DD70376-3E3F-43E1-B2C6-956970C172ED}" srcOrd="0" destOrd="0" presId="urn:microsoft.com/office/officeart/2005/8/layout/orgChart1"/>
+    <dgm:cxn modelId="{41CA94F0-5A8E-4ACB-8F43-2EE3CFC41C3F}" srcId="{3A6AA12D-C2E9-4BD8-BD2C-3FE7294AFEB9}" destId="{B6DB7651-7D81-4F5E-A74E-1CE9D132FFA1}" srcOrd="1" destOrd="0" parTransId="{62C9F470-4316-48F8-8263-FB85C0AF66D0}" sibTransId="{DB3F6F20-C891-487A-A115-B4C419FAC740}"/>
     <dgm:cxn modelId="{29057BAA-5C17-4DE3-9C01-9B8EEED7853B}" type="presParOf" srcId="{CB5D569C-B44B-4308-B27F-633455E5871F}" destId="{AB795A0E-3C7B-47E3-BC47-3534A54F9190}" srcOrd="0" destOrd="0" presId="urn:microsoft.com/office/officeart/2005/8/layout/orgChart1"/>
     <dgm:cxn modelId="{C071476A-4F93-452C-84C5-CEDF2FDC26FF}" type="presParOf" srcId="{AB795A0E-3C7B-47E3-BC47-3534A54F9190}" destId="{6AEEC0CB-D732-40ED-98C7-E88C954633C1}" srcOrd="0" destOrd="0" presId="urn:microsoft.com/office/officeart/2005/8/layout/orgChart1"/>
     <dgm:cxn modelId="{11A92872-9377-4006-B8FD-92DA524FCEE7}" type="presParOf" srcId="{6AEEC0CB-D732-40ED-98C7-E88C954633C1}" destId="{3DD70376-3E3F-43E1-B2C6-956970C172ED}" srcOrd="0" destOrd="0" presId="urn:microsoft.com/office/officeart/2005/8/layout/orgChart1"/>
@@ -7753,7 +7495,7 @@
   <dgm:whole/>
   <dgm:extLst>
     <a:ext uri="http://schemas.microsoft.com/office/drawing/2008/diagram">
-      <dsp:dataModelExt xmlns:dsp="http://schemas.microsoft.com/office/drawing/2008/diagram" xmlns="" relId="rId6" minVer="http://schemas.openxmlformats.org/drawingml/2006/diagram"/>
+      <dsp:dataModelExt xmlns:dsp="http://schemas.microsoft.com/office/drawing/2008/diagram" relId="rId6" minVer="http://schemas.openxmlformats.org/drawingml/2006/diagram"/>
     </a:ext>
   </dgm:extLst>
 </dgm:dataModel>
@@ -8073,13 +7815,6 @@
         </dgm:presLayoutVars>
       </dgm:prSet>
       <dgm:spPr/>
-      <dgm:t>
-        <a:bodyPr/>
-        <a:lstStyle/>
-        <a:p>
-          <a:endParaRPr lang="de-DE"/>
-        </a:p>
-      </dgm:t>
     </dgm:pt>
     <dgm:pt modelId="{AB795A0E-3C7B-47E3-BC47-3534A54F9190}" type="pres">
       <dgm:prSet presAssocID="{3A6AA12D-C2E9-4BD8-BD2C-3FE7294AFEB9}" presName="hierRoot1" presStyleCnt="0">
@@ -8100,24 +7835,10 @@
         </dgm:presLayoutVars>
       </dgm:prSet>
       <dgm:spPr/>
-      <dgm:t>
-        <a:bodyPr/>
-        <a:lstStyle/>
-        <a:p>
-          <a:endParaRPr lang="de-DE"/>
-        </a:p>
-      </dgm:t>
     </dgm:pt>
     <dgm:pt modelId="{9AB5A911-E489-48AE-B687-7440697238B3}" type="pres">
       <dgm:prSet presAssocID="{3A6AA12D-C2E9-4BD8-BD2C-3FE7294AFEB9}" presName="rootConnector1" presStyleLbl="node1" presStyleIdx="0" presStyleCnt="0"/>
       <dgm:spPr/>
-      <dgm:t>
-        <a:bodyPr/>
-        <a:lstStyle/>
-        <a:p>
-          <a:endParaRPr lang="de-DE"/>
-        </a:p>
-      </dgm:t>
     </dgm:pt>
     <dgm:pt modelId="{E404BA80-6E0F-4C3E-BC06-4E7117DCF3CE}" type="pres">
       <dgm:prSet presAssocID="{3A6AA12D-C2E9-4BD8-BD2C-3FE7294AFEB9}" presName="hierChild2" presStyleCnt="0"/>
@@ -8126,13 +7847,6 @@
     <dgm:pt modelId="{1F1BF832-7D6F-4314-8A20-B77ADD6E09FD}" type="pres">
       <dgm:prSet presAssocID="{FF1888FE-33B9-4643-AE7A-09A40E256103}" presName="Name37" presStyleLbl="parChTrans1D2" presStyleIdx="0" presStyleCnt="7" custSzX="6005334" custSzY="306613"/>
       <dgm:spPr/>
-      <dgm:t>
-        <a:bodyPr/>
-        <a:lstStyle/>
-        <a:p>
-          <a:endParaRPr lang="de-DE"/>
-        </a:p>
-      </dgm:t>
     </dgm:pt>
     <dgm:pt modelId="{338F5E53-0455-48EE-ABDF-BFB85DD1E3B8}" type="pres">
       <dgm:prSet presAssocID="{9FB97EE0-DCD5-4156-8D38-FCFF580D44FD}" presName="hierRoot2" presStyleCnt="0">
@@ -8153,24 +7867,10 @@
         </dgm:presLayoutVars>
       </dgm:prSet>
       <dgm:spPr/>
-      <dgm:t>
-        <a:bodyPr/>
-        <a:lstStyle/>
-        <a:p>
-          <a:endParaRPr lang="de-DE"/>
-        </a:p>
-      </dgm:t>
     </dgm:pt>
     <dgm:pt modelId="{2D7AE81F-8C7C-4CA7-9284-3B78B04D4886}" type="pres">
       <dgm:prSet presAssocID="{9FB97EE0-DCD5-4156-8D38-FCFF580D44FD}" presName="rootConnector" presStyleLbl="node2" presStyleIdx="0" presStyleCnt="7"/>
       <dgm:spPr/>
-      <dgm:t>
-        <a:bodyPr/>
-        <a:lstStyle/>
-        <a:p>
-          <a:endParaRPr lang="de-DE"/>
-        </a:p>
-      </dgm:t>
     </dgm:pt>
     <dgm:pt modelId="{57B634ED-9877-4988-A910-1E72805200C1}" type="pres">
       <dgm:prSet presAssocID="{9FB97EE0-DCD5-4156-8D38-FCFF580D44FD}" presName="hierChild4" presStyleCnt="0"/>
@@ -8183,13 +7883,6 @@
     <dgm:pt modelId="{C18E588E-D810-43F6-B8D0-371D7DDA551F}" type="pres">
       <dgm:prSet presAssocID="{62C9F470-4316-48F8-8263-FB85C0AF66D0}" presName="Name37" presStyleLbl="parChTrans1D2" presStyleIdx="1" presStyleCnt="7" custSzX="4289524" custSzY="306613"/>
       <dgm:spPr/>
-      <dgm:t>
-        <a:bodyPr/>
-        <a:lstStyle/>
-        <a:p>
-          <a:endParaRPr lang="de-DE"/>
-        </a:p>
-      </dgm:t>
     </dgm:pt>
     <dgm:pt modelId="{84EB36B9-62D1-4B5C-A597-7F19B7690CBB}" type="pres">
       <dgm:prSet presAssocID="{B6DB7651-7D81-4F5E-A74E-1CE9D132FFA1}" presName="hierRoot2" presStyleCnt="0">
@@ -8210,24 +7903,10 @@
         </dgm:presLayoutVars>
       </dgm:prSet>
       <dgm:spPr/>
-      <dgm:t>
-        <a:bodyPr/>
-        <a:lstStyle/>
-        <a:p>
-          <a:endParaRPr lang="de-DE"/>
-        </a:p>
-      </dgm:t>
     </dgm:pt>
     <dgm:pt modelId="{B05F8344-AFEA-433E-AB6E-DA6446A9FBE1}" type="pres">
       <dgm:prSet presAssocID="{B6DB7651-7D81-4F5E-A74E-1CE9D132FFA1}" presName="rootConnector" presStyleLbl="node2" presStyleIdx="1" presStyleCnt="7"/>
       <dgm:spPr/>
-      <dgm:t>
-        <a:bodyPr/>
-        <a:lstStyle/>
-        <a:p>
-          <a:endParaRPr lang="de-DE"/>
-        </a:p>
-      </dgm:t>
     </dgm:pt>
     <dgm:pt modelId="{D6EB8568-0C1F-45AB-B966-8E98CC819E16}" type="pres">
       <dgm:prSet presAssocID="{B6DB7651-7D81-4F5E-A74E-1CE9D132FFA1}" presName="hierChild4" presStyleCnt="0"/>
@@ -8240,13 +7919,6 @@
     <dgm:pt modelId="{766BDE4F-B05F-4DE9-9297-2C646DE2E6AF}" type="pres">
       <dgm:prSet presAssocID="{D3D0C99A-1A2F-48B9-92A7-B5D699B81BB4}" presName="Name37" presStyleLbl="parChTrans1D2" presStyleIdx="2" presStyleCnt="7" custSzX="2573714" custSzY="306613"/>
       <dgm:spPr/>
-      <dgm:t>
-        <a:bodyPr/>
-        <a:lstStyle/>
-        <a:p>
-          <a:endParaRPr lang="de-DE"/>
-        </a:p>
-      </dgm:t>
     </dgm:pt>
     <dgm:pt modelId="{1CBB0A5B-52FA-4FDC-A7F6-04043CF6D315}" type="pres">
       <dgm:prSet presAssocID="{DDAD9549-51AC-4852-8D1F-7853EE254EAB}" presName="hierRoot2" presStyleCnt="0">
@@ -8267,24 +7939,10 @@
         </dgm:presLayoutVars>
       </dgm:prSet>
       <dgm:spPr/>
-      <dgm:t>
-        <a:bodyPr/>
-        <a:lstStyle/>
-        <a:p>
-          <a:endParaRPr lang="de-DE"/>
-        </a:p>
-      </dgm:t>
     </dgm:pt>
     <dgm:pt modelId="{5BE1293F-E52E-4364-815E-BA964B2E313E}" type="pres">
       <dgm:prSet presAssocID="{DDAD9549-51AC-4852-8D1F-7853EE254EAB}" presName="rootConnector" presStyleLbl="node2" presStyleIdx="2" presStyleCnt="7"/>
       <dgm:spPr/>
-      <dgm:t>
-        <a:bodyPr/>
-        <a:lstStyle/>
-        <a:p>
-          <a:endParaRPr lang="de-DE"/>
-        </a:p>
-      </dgm:t>
     </dgm:pt>
     <dgm:pt modelId="{4DF886EB-5C4D-4256-BFCD-293C86C11368}" type="pres">
       <dgm:prSet presAssocID="{DDAD9549-51AC-4852-8D1F-7853EE254EAB}" presName="hierChild4" presStyleCnt="0"/>
@@ -8297,13 +7955,6 @@
     <dgm:pt modelId="{EBDEDD73-1A0D-448D-87EC-AF798632099F}" type="pres">
       <dgm:prSet presAssocID="{65A34516-2507-40EF-8E38-D5D5269E852E}" presName="Name37" presStyleLbl="parChTrans1D2" presStyleIdx="3" presStyleCnt="7" custSzX="857904" custSzY="306613"/>
       <dgm:spPr/>
-      <dgm:t>
-        <a:bodyPr/>
-        <a:lstStyle/>
-        <a:p>
-          <a:endParaRPr lang="de-DE"/>
-        </a:p>
-      </dgm:t>
     </dgm:pt>
     <dgm:pt modelId="{C82B6449-FC96-4809-891D-3F77115F2A6E}" type="pres">
       <dgm:prSet presAssocID="{3BD6BDA0-26C3-403D-88CB-AA822E74B732}" presName="hierRoot2" presStyleCnt="0">
@@ -8324,24 +7975,10 @@
         </dgm:presLayoutVars>
       </dgm:prSet>
       <dgm:spPr/>
-      <dgm:t>
-        <a:bodyPr/>
-        <a:lstStyle/>
-        <a:p>
-          <a:endParaRPr lang="de-DE"/>
-        </a:p>
-      </dgm:t>
     </dgm:pt>
     <dgm:pt modelId="{6A578C9B-36DC-47B6-B550-4B2973A0AD3E}" type="pres">
       <dgm:prSet presAssocID="{3BD6BDA0-26C3-403D-88CB-AA822E74B732}" presName="rootConnector" presStyleLbl="node2" presStyleIdx="3" presStyleCnt="7"/>
       <dgm:spPr/>
-      <dgm:t>
-        <a:bodyPr/>
-        <a:lstStyle/>
-        <a:p>
-          <a:endParaRPr lang="de-DE"/>
-        </a:p>
-      </dgm:t>
     </dgm:pt>
     <dgm:pt modelId="{AD9A910C-E527-4DA9-9196-9F0784AF9A03}" type="pres">
       <dgm:prSet presAssocID="{3BD6BDA0-26C3-403D-88CB-AA822E74B732}" presName="hierChild4" presStyleCnt="0"/>
@@ -8354,13 +7991,6 @@
     <dgm:pt modelId="{E5B64A66-98C3-4BB7-B533-49BBD6320137}" type="pres">
       <dgm:prSet presAssocID="{2C8BBE09-D937-4AF8-B69B-DA9CA12F6B02}" presName="Name37" presStyleLbl="parChTrans1D2" presStyleIdx="4" presStyleCnt="7" custSzX="857904" custSzY="306613"/>
       <dgm:spPr/>
-      <dgm:t>
-        <a:bodyPr/>
-        <a:lstStyle/>
-        <a:p>
-          <a:endParaRPr lang="de-DE"/>
-        </a:p>
-      </dgm:t>
     </dgm:pt>
     <dgm:pt modelId="{C9AC80DA-5C67-471C-A517-09C56065513F}" type="pres">
       <dgm:prSet presAssocID="{356BB6D9-A53C-40AA-9340-A57AFC579674}" presName="hierRoot2" presStyleCnt="0">
@@ -8381,24 +8011,10 @@
         </dgm:presLayoutVars>
       </dgm:prSet>
       <dgm:spPr/>
-      <dgm:t>
-        <a:bodyPr/>
-        <a:lstStyle/>
-        <a:p>
-          <a:endParaRPr lang="de-DE"/>
-        </a:p>
-      </dgm:t>
     </dgm:pt>
     <dgm:pt modelId="{A746DBFA-FF7B-450A-9600-1DCEA1D74B2C}" type="pres">
       <dgm:prSet presAssocID="{356BB6D9-A53C-40AA-9340-A57AFC579674}" presName="rootConnector" presStyleLbl="node2" presStyleIdx="4" presStyleCnt="7"/>
       <dgm:spPr/>
-      <dgm:t>
-        <a:bodyPr/>
-        <a:lstStyle/>
-        <a:p>
-          <a:endParaRPr lang="de-DE"/>
-        </a:p>
-      </dgm:t>
     </dgm:pt>
     <dgm:pt modelId="{D6908B42-389D-4B5A-BA13-88E673F4D8AC}" type="pres">
       <dgm:prSet presAssocID="{356BB6D9-A53C-40AA-9340-A57AFC579674}" presName="hierChild4" presStyleCnt="0"/>
@@ -8411,13 +8027,6 @@
     <dgm:pt modelId="{0D5A4952-58DB-4379-A0FF-9CF9AA8B30A9}" type="pres">
       <dgm:prSet presAssocID="{78879A09-8796-42CA-8554-7D4602B98BE0}" presName="Name37" presStyleLbl="parChTrans1D2" presStyleIdx="5" presStyleCnt="7" custSzX="2573714" custSzY="306613"/>
       <dgm:spPr/>
-      <dgm:t>
-        <a:bodyPr/>
-        <a:lstStyle/>
-        <a:p>
-          <a:endParaRPr lang="de-DE"/>
-        </a:p>
-      </dgm:t>
     </dgm:pt>
     <dgm:pt modelId="{D2909641-ED8A-4F63-8E22-D0C2F560868D}" type="pres">
       <dgm:prSet presAssocID="{4CBA4916-03C1-4A6B-AF7E-954DE1AB4700}" presName="hierRoot2" presStyleCnt="0">
@@ -8438,24 +8047,10 @@
         </dgm:presLayoutVars>
       </dgm:prSet>
       <dgm:spPr/>
-      <dgm:t>
-        <a:bodyPr/>
-        <a:lstStyle/>
-        <a:p>
-          <a:endParaRPr lang="de-DE"/>
-        </a:p>
-      </dgm:t>
     </dgm:pt>
     <dgm:pt modelId="{4434DAB3-9F54-4E34-870E-DE4B9CBDF485}" type="pres">
       <dgm:prSet presAssocID="{4CBA4916-03C1-4A6B-AF7E-954DE1AB4700}" presName="rootConnector" presStyleLbl="node2" presStyleIdx="5" presStyleCnt="7"/>
       <dgm:spPr/>
-      <dgm:t>
-        <a:bodyPr/>
-        <a:lstStyle/>
-        <a:p>
-          <a:endParaRPr lang="de-DE"/>
-        </a:p>
-      </dgm:t>
     </dgm:pt>
     <dgm:pt modelId="{6D49527A-6F9D-48D3-82C3-4CC6BEAC2FC9}" type="pres">
       <dgm:prSet presAssocID="{4CBA4916-03C1-4A6B-AF7E-954DE1AB4700}" presName="hierChild4" presStyleCnt="0"/>
@@ -8468,13 +8063,6 @@
     <dgm:pt modelId="{7C650D1E-3017-4717-95CC-BB314B759F2C}" type="pres">
       <dgm:prSet presAssocID="{52018A7B-3ADD-46AE-AA01-F8F8C6C7FE96}" presName="Name37" presStyleLbl="parChTrans1D2" presStyleIdx="6" presStyleCnt="7" custSzX="4289524" custSzY="306613"/>
       <dgm:spPr/>
-      <dgm:t>
-        <a:bodyPr/>
-        <a:lstStyle/>
-        <a:p>
-          <a:endParaRPr lang="de-DE"/>
-        </a:p>
-      </dgm:t>
     </dgm:pt>
     <dgm:pt modelId="{4C66E9E1-6C36-4396-934D-67AA4CDE3382}" type="pres">
       <dgm:prSet presAssocID="{C57AEB62-8521-4B3A-8958-87E1270B529D}" presName="hierRoot2" presStyleCnt="0">
@@ -8495,24 +8083,10 @@
         </dgm:presLayoutVars>
       </dgm:prSet>
       <dgm:spPr/>
-      <dgm:t>
-        <a:bodyPr/>
-        <a:lstStyle/>
-        <a:p>
-          <a:endParaRPr lang="de-DE"/>
-        </a:p>
-      </dgm:t>
     </dgm:pt>
     <dgm:pt modelId="{019907A6-8841-40DF-BD59-2AE933C6AF50}" type="pres">
       <dgm:prSet presAssocID="{C57AEB62-8521-4B3A-8958-87E1270B529D}" presName="rootConnector" presStyleLbl="node2" presStyleIdx="6" presStyleCnt="7"/>
       <dgm:spPr/>
-      <dgm:t>
-        <a:bodyPr/>
-        <a:lstStyle/>
-        <a:p>
-          <a:endParaRPr lang="de-DE"/>
-        </a:p>
-      </dgm:t>
     </dgm:pt>
     <dgm:pt modelId="{8C029093-EDCE-41EE-BBC1-026AF27C95C6}" type="pres">
       <dgm:prSet presAssocID="{C57AEB62-8521-4B3A-8958-87E1270B529D}" presName="hierChild4" presStyleCnt="0"/>
@@ -8528,38 +8102,38 @@
     </dgm:pt>
   </dgm:ptLst>
   <dgm:cxnLst>
+    <dgm:cxn modelId="{A3C2930D-A995-4A13-B150-06E24AD2829B}" type="presOf" srcId="{DDAD9549-51AC-4852-8D1F-7853EE254EAB}" destId="{CB31C50E-0282-4D4F-B0CC-4E9722E2149F}" srcOrd="0" destOrd="0" presId="urn:microsoft.com/office/officeart/2005/8/layout/orgChart1"/>
+    <dgm:cxn modelId="{B4E7DB18-52DD-4DFE-8AFF-C229CF58B7D7}" type="presOf" srcId="{4CBA4916-03C1-4A6B-AF7E-954DE1AB4700}" destId="{4434DAB3-9F54-4E34-870E-DE4B9CBDF485}" srcOrd="1" destOrd="0" presId="urn:microsoft.com/office/officeart/2005/8/layout/orgChart1"/>
+    <dgm:cxn modelId="{9D023827-73D4-4F3E-86D4-86A7255FA673}" type="presOf" srcId="{356BB6D9-A53C-40AA-9340-A57AFC579674}" destId="{8A836A0C-FAC7-4158-B0FF-92C12F5D70AB}" srcOrd="0" destOrd="0" presId="urn:microsoft.com/office/officeart/2005/8/layout/orgChart1"/>
+    <dgm:cxn modelId="{4A065327-F67C-478E-8018-E87F817897E3}" type="presOf" srcId="{65A34516-2507-40EF-8E38-D5D5269E852E}" destId="{EBDEDD73-1A0D-448D-87EC-AF798632099F}" srcOrd="0" destOrd="0" presId="urn:microsoft.com/office/officeart/2005/8/layout/orgChart1"/>
+    <dgm:cxn modelId="{D107082D-E6FB-42C2-9C79-D42AED2ACB64}" type="presOf" srcId="{52018A7B-3ADD-46AE-AA01-F8F8C6C7FE96}" destId="{7C650D1E-3017-4717-95CC-BB314B759F2C}" srcOrd="0" destOrd="0" presId="urn:microsoft.com/office/officeart/2005/8/layout/orgChart1"/>
+    <dgm:cxn modelId="{E184953C-0694-4CD0-8632-E1BD3BAD7A6B}" type="presOf" srcId="{DDAD9549-51AC-4852-8D1F-7853EE254EAB}" destId="{5BE1293F-E52E-4364-815E-BA964B2E313E}" srcOrd="1" destOrd="0" presId="urn:microsoft.com/office/officeart/2005/8/layout/orgChart1"/>
+    <dgm:cxn modelId="{F032C83C-2CDE-4DF1-A8DC-B85E12986189}" type="presOf" srcId="{3A6AA12D-C2E9-4BD8-BD2C-3FE7294AFEB9}" destId="{3DD70376-3E3F-43E1-B2C6-956970C172ED}" srcOrd="0" destOrd="0" presId="urn:microsoft.com/office/officeart/2005/8/layout/orgChart1"/>
+    <dgm:cxn modelId="{9FC21D5B-06BC-49E5-8C4E-F480E835FE0A}" srcId="{3A6AA12D-C2E9-4BD8-BD2C-3FE7294AFEB9}" destId="{3BD6BDA0-26C3-403D-88CB-AA822E74B732}" srcOrd="3" destOrd="0" parTransId="{65A34516-2507-40EF-8E38-D5D5269E852E}" sibTransId="{875E4EA7-E344-4050-AAC7-9D78DAA4E1B4}"/>
+    <dgm:cxn modelId="{2A57BB48-EEA3-4D82-82C5-A5CCD73690B9}" type="presOf" srcId="{4CBA4916-03C1-4A6B-AF7E-954DE1AB4700}" destId="{6E21471F-70DD-425A-96EB-D138019D0017}" srcOrd="0" destOrd="0" presId="urn:microsoft.com/office/officeart/2005/8/layout/orgChart1"/>
+    <dgm:cxn modelId="{06EAE96A-939C-4E13-8405-E08EE8AA498F}" type="presOf" srcId="{9FB97EE0-DCD5-4156-8D38-FCFF580D44FD}" destId="{2D7AE81F-8C7C-4CA7-9284-3B78B04D4886}" srcOrd="1" destOrd="0" presId="urn:microsoft.com/office/officeart/2005/8/layout/orgChart1"/>
+    <dgm:cxn modelId="{DF6C7C4B-810F-4B4F-8577-277D98D6FA11}" srcId="{3A6AA12D-C2E9-4BD8-BD2C-3FE7294AFEB9}" destId="{9FB97EE0-DCD5-4156-8D38-FCFF580D44FD}" srcOrd="0" destOrd="0" parTransId="{FF1888FE-33B9-4643-AE7A-09A40E256103}" sibTransId="{58FFF5EC-3E90-4DDD-A670-28424277750F}"/>
+    <dgm:cxn modelId="{D8D3036D-63BE-483E-B0AF-FD04F63D2A49}" type="presOf" srcId="{3A6AA12D-C2E9-4BD8-BD2C-3FE7294AFEB9}" destId="{9AB5A911-E489-48AE-B687-7440697238B3}" srcOrd="1" destOrd="0" presId="urn:microsoft.com/office/officeart/2005/8/layout/orgChart1"/>
+    <dgm:cxn modelId="{1D6C916D-396B-4F46-8DBA-7510D0EB5C8F}" srcId="{3A6AA12D-C2E9-4BD8-BD2C-3FE7294AFEB9}" destId="{C57AEB62-8521-4B3A-8958-87E1270B529D}" srcOrd="6" destOrd="0" parTransId="{52018A7B-3ADD-46AE-AA01-F8F8C6C7FE96}" sibTransId="{29608A20-D110-42A1-9C64-14C0B62390F1}"/>
+    <dgm:cxn modelId="{7D163A4F-193A-4940-A8BA-4CE1BE9E84D8}" type="presOf" srcId="{FF1888FE-33B9-4643-AE7A-09A40E256103}" destId="{1F1BF832-7D6F-4314-8A20-B77ADD6E09FD}" srcOrd="0" destOrd="0" presId="urn:microsoft.com/office/officeart/2005/8/layout/orgChart1"/>
+    <dgm:cxn modelId="{35F84B56-B58F-42F6-8D42-4E794C0A3AEE}" type="presOf" srcId="{3BD6BDA0-26C3-403D-88CB-AA822E74B732}" destId="{609EB9A4-2680-422B-ADA3-4CA28FF595B7}" srcOrd="0" destOrd="0" presId="urn:microsoft.com/office/officeart/2005/8/layout/orgChart1"/>
+    <dgm:cxn modelId="{E5C03097-8C23-405D-8CB3-ED598E296DC3}" srcId="{3A6AA12D-C2E9-4BD8-BD2C-3FE7294AFEB9}" destId="{4CBA4916-03C1-4A6B-AF7E-954DE1AB4700}" srcOrd="5" destOrd="0" parTransId="{78879A09-8796-42CA-8554-7D4602B98BE0}" sibTransId="{D1522DCD-FAB1-4478-862F-3D1E39FDE66C}"/>
     <dgm:cxn modelId="{DFEFC1A0-1FC4-4E95-B9C9-0F449C95655C}" type="presOf" srcId="{D3D0C99A-1A2F-48B9-92A7-B5D699B81BB4}" destId="{766BDE4F-B05F-4DE9-9297-2C646DE2E6AF}" srcOrd="0" destOrd="0" presId="urn:microsoft.com/office/officeart/2005/8/layout/orgChart1"/>
+    <dgm:cxn modelId="{64AF36A2-FAAE-4A6F-8408-0DAA70EF67D3}" srcId="{D0A0F61B-4303-4677-84F2-61B7E1A91C18}" destId="{3A6AA12D-C2E9-4BD8-BD2C-3FE7294AFEB9}" srcOrd="0" destOrd="0" parTransId="{CB68BD35-2E0D-48E5-8A70-3DF166BD3AE0}" sibTransId="{279954E4-66B2-4DF1-BBD5-CB4E7B281C1D}"/>
+    <dgm:cxn modelId="{B7DD91A3-CCE7-4CB4-B37C-53FDDC6BA836}" type="presOf" srcId="{2C8BBE09-D937-4AF8-B69B-DA9CA12F6B02}" destId="{E5B64A66-98C3-4BB7-B533-49BBD6320137}" srcOrd="0" destOrd="0" presId="urn:microsoft.com/office/officeart/2005/8/layout/orgChart1"/>
+    <dgm:cxn modelId="{66931EAC-E36B-4C7E-B667-75F915330C0D}" srcId="{3A6AA12D-C2E9-4BD8-BD2C-3FE7294AFEB9}" destId="{DDAD9549-51AC-4852-8D1F-7853EE254EAB}" srcOrd="2" destOrd="0" parTransId="{D3D0C99A-1A2F-48B9-92A7-B5D699B81BB4}" sibTransId="{4D69A56D-7A7B-4814-81BC-D8408374810F}"/>
+    <dgm:cxn modelId="{11A413AD-5B67-4931-87CE-EF433FEA3739}" srcId="{3A6AA12D-C2E9-4BD8-BD2C-3FE7294AFEB9}" destId="{356BB6D9-A53C-40AA-9340-A57AFC579674}" srcOrd="4" destOrd="0" parTransId="{2C8BBE09-D937-4AF8-B69B-DA9CA12F6B02}" sibTransId="{2321DCB6-A69E-4DF4-BE16-88C5FCCE48DC}"/>
+    <dgm:cxn modelId="{FE45CBAE-DE70-44B0-8572-50F540EE3538}" type="presOf" srcId="{C57AEB62-8521-4B3A-8958-87E1270B529D}" destId="{09F933FE-904C-41E0-8847-5EE14ADC5F19}" srcOrd="0" destOrd="0" presId="urn:microsoft.com/office/officeart/2005/8/layout/orgChart1"/>
+    <dgm:cxn modelId="{A464E7B9-0D77-4D52-BEF7-9D604FF3DC08}" type="presOf" srcId="{9FB97EE0-DCD5-4156-8D38-FCFF580D44FD}" destId="{BCA0F817-645B-4DF6-B98A-68FC4A66FB72}" srcOrd="0" destOrd="0" presId="urn:microsoft.com/office/officeart/2005/8/layout/orgChart1"/>
+    <dgm:cxn modelId="{D4EFCBBC-F070-4F79-A9F1-362C22BB94FE}" type="presOf" srcId="{B6DB7651-7D81-4F5E-A74E-1CE9D132FFA1}" destId="{919252C1-5E8F-4C1E-8B07-9019D6B598DF}" srcOrd="0" destOrd="0" presId="urn:microsoft.com/office/officeart/2005/8/layout/orgChart1"/>
     <dgm:cxn modelId="{28AD6DC2-7F70-4CF1-BE69-A0B726F63C93}" type="presOf" srcId="{B6DB7651-7D81-4F5E-A74E-1CE9D132FFA1}" destId="{B05F8344-AFEA-433E-AB6E-DA6446A9FBE1}" srcOrd="1" destOrd="0" presId="urn:microsoft.com/office/officeart/2005/8/layout/orgChart1"/>
     <dgm:cxn modelId="{408FDCD7-6D9B-4919-8D87-FEE836EC6689}" type="presOf" srcId="{3BD6BDA0-26C3-403D-88CB-AA822E74B732}" destId="{6A578C9B-36DC-47B6-B550-4B2973A0AD3E}" srcOrd="1" destOrd="0" presId="urn:microsoft.com/office/officeart/2005/8/layout/orgChart1"/>
-    <dgm:cxn modelId="{06EAE96A-939C-4E13-8405-E08EE8AA498F}" type="presOf" srcId="{9FB97EE0-DCD5-4156-8D38-FCFF580D44FD}" destId="{2D7AE81F-8C7C-4CA7-9284-3B78B04D4886}" srcOrd="1" destOrd="0" presId="urn:microsoft.com/office/officeart/2005/8/layout/orgChart1"/>
-    <dgm:cxn modelId="{64AF36A2-FAAE-4A6F-8408-0DAA70EF67D3}" srcId="{D0A0F61B-4303-4677-84F2-61B7E1A91C18}" destId="{3A6AA12D-C2E9-4BD8-BD2C-3FE7294AFEB9}" srcOrd="0" destOrd="0" parTransId="{CB68BD35-2E0D-48E5-8A70-3DF166BD3AE0}" sibTransId="{279954E4-66B2-4DF1-BBD5-CB4E7B281C1D}"/>
-    <dgm:cxn modelId="{35F84B56-B58F-42F6-8D42-4E794C0A3AEE}" type="presOf" srcId="{3BD6BDA0-26C3-403D-88CB-AA822E74B732}" destId="{609EB9A4-2680-422B-ADA3-4CA28FF595B7}" srcOrd="0" destOrd="0" presId="urn:microsoft.com/office/officeart/2005/8/layout/orgChart1"/>
-    <dgm:cxn modelId="{FE45CBAE-DE70-44B0-8572-50F540EE3538}" type="presOf" srcId="{C57AEB62-8521-4B3A-8958-87E1270B529D}" destId="{09F933FE-904C-41E0-8847-5EE14ADC5F19}" srcOrd="0" destOrd="0" presId="urn:microsoft.com/office/officeart/2005/8/layout/orgChart1"/>
-    <dgm:cxn modelId="{66931EAC-E36B-4C7E-B667-75F915330C0D}" srcId="{3A6AA12D-C2E9-4BD8-BD2C-3FE7294AFEB9}" destId="{DDAD9549-51AC-4852-8D1F-7853EE254EAB}" srcOrd="2" destOrd="0" parTransId="{D3D0C99A-1A2F-48B9-92A7-B5D699B81BB4}" sibTransId="{4D69A56D-7A7B-4814-81BC-D8408374810F}"/>
-    <dgm:cxn modelId="{A3C2930D-A995-4A13-B150-06E24AD2829B}" type="presOf" srcId="{DDAD9549-51AC-4852-8D1F-7853EE254EAB}" destId="{CB31C50E-0282-4D4F-B0CC-4E9722E2149F}" srcOrd="0" destOrd="0" presId="urn:microsoft.com/office/officeart/2005/8/layout/orgChart1"/>
-    <dgm:cxn modelId="{1D6C916D-396B-4F46-8DBA-7510D0EB5C8F}" srcId="{3A6AA12D-C2E9-4BD8-BD2C-3FE7294AFEB9}" destId="{C57AEB62-8521-4B3A-8958-87E1270B529D}" srcOrd="6" destOrd="0" parTransId="{52018A7B-3ADD-46AE-AA01-F8F8C6C7FE96}" sibTransId="{29608A20-D110-42A1-9C64-14C0B62390F1}"/>
-    <dgm:cxn modelId="{F032C83C-2CDE-4DF1-A8DC-B85E12986189}" type="presOf" srcId="{3A6AA12D-C2E9-4BD8-BD2C-3FE7294AFEB9}" destId="{3DD70376-3E3F-43E1-B2C6-956970C172ED}" srcOrd="0" destOrd="0" presId="urn:microsoft.com/office/officeart/2005/8/layout/orgChart1"/>
+    <dgm:cxn modelId="{4A4D75DE-8916-4725-9070-945E3EED449F}" type="presOf" srcId="{62C9F470-4316-48F8-8263-FB85C0AF66D0}" destId="{C18E588E-D810-43F6-B8D0-371D7DDA551F}" srcOrd="0" destOrd="0" presId="urn:microsoft.com/office/officeart/2005/8/layout/orgChart1"/>
+    <dgm:cxn modelId="{D6DD01DF-9AA7-4FCC-9B56-5694F179575B}" type="presOf" srcId="{356BB6D9-A53C-40AA-9340-A57AFC579674}" destId="{A746DBFA-FF7B-450A-9600-1DCEA1D74B2C}" srcOrd="1" destOrd="0" presId="urn:microsoft.com/office/officeart/2005/8/layout/orgChart1"/>
+    <dgm:cxn modelId="{6A986DE3-EA29-42DA-9DE5-1787A7CE0A8D}" type="presOf" srcId="{C57AEB62-8521-4B3A-8958-87E1270B529D}" destId="{019907A6-8841-40DF-BD59-2AE933C6AF50}" srcOrd="1" destOrd="0" presId="urn:microsoft.com/office/officeart/2005/8/layout/orgChart1"/>
+    <dgm:cxn modelId="{B62A91E6-1B1E-4C73-880C-82235C311D16}" type="presOf" srcId="{D0A0F61B-4303-4677-84F2-61B7E1A91C18}" destId="{CB5D569C-B44B-4308-B27F-633455E5871F}" srcOrd="0" destOrd="0" presId="urn:microsoft.com/office/officeart/2005/8/layout/orgChart1"/>
+    <dgm:cxn modelId="{D8771FEA-5C29-4C98-9410-A0D7FBC06628}" type="presOf" srcId="{78879A09-8796-42CA-8554-7D4602B98BE0}" destId="{0D5A4952-58DB-4379-A0FF-9CF9AA8B30A9}" srcOrd="0" destOrd="0" presId="urn:microsoft.com/office/officeart/2005/8/layout/orgChart1"/>
     <dgm:cxn modelId="{41CA94F0-5A8E-4ACB-8F43-2EE3CFC41C3F}" srcId="{3A6AA12D-C2E9-4BD8-BD2C-3FE7294AFEB9}" destId="{B6DB7651-7D81-4F5E-A74E-1CE9D132FFA1}" srcOrd="1" destOrd="0" parTransId="{62C9F470-4316-48F8-8263-FB85C0AF66D0}" sibTransId="{DB3F6F20-C891-487A-A115-B4C419FAC740}"/>
-    <dgm:cxn modelId="{7D163A4F-193A-4940-A8BA-4CE1BE9E84D8}" type="presOf" srcId="{FF1888FE-33B9-4643-AE7A-09A40E256103}" destId="{1F1BF832-7D6F-4314-8A20-B77ADD6E09FD}" srcOrd="0" destOrd="0" presId="urn:microsoft.com/office/officeart/2005/8/layout/orgChart1"/>
-    <dgm:cxn modelId="{B7DD91A3-CCE7-4CB4-B37C-53FDDC6BA836}" type="presOf" srcId="{2C8BBE09-D937-4AF8-B69B-DA9CA12F6B02}" destId="{E5B64A66-98C3-4BB7-B533-49BBD6320137}" srcOrd="0" destOrd="0" presId="urn:microsoft.com/office/officeart/2005/8/layout/orgChart1"/>
-    <dgm:cxn modelId="{4A065327-F67C-478E-8018-E87F817897E3}" type="presOf" srcId="{65A34516-2507-40EF-8E38-D5D5269E852E}" destId="{EBDEDD73-1A0D-448D-87EC-AF798632099F}" srcOrd="0" destOrd="0" presId="urn:microsoft.com/office/officeart/2005/8/layout/orgChart1"/>
-    <dgm:cxn modelId="{D8D3036D-63BE-483E-B0AF-FD04F63D2A49}" type="presOf" srcId="{3A6AA12D-C2E9-4BD8-BD2C-3FE7294AFEB9}" destId="{9AB5A911-E489-48AE-B687-7440697238B3}" srcOrd="1" destOrd="0" presId="urn:microsoft.com/office/officeart/2005/8/layout/orgChart1"/>
-    <dgm:cxn modelId="{6A986DE3-EA29-42DA-9DE5-1787A7CE0A8D}" type="presOf" srcId="{C57AEB62-8521-4B3A-8958-87E1270B529D}" destId="{019907A6-8841-40DF-BD59-2AE933C6AF50}" srcOrd="1" destOrd="0" presId="urn:microsoft.com/office/officeart/2005/8/layout/orgChart1"/>
-    <dgm:cxn modelId="{2A57BB48-EEA3-4D82-82C5-A5CCD73690B9}" type="presOf" srcId="{4CBA4916-03C1-4A6B-AF7E-954DE1AB4700}" destId="{6E21471F-70DD-425A-96EB-D138019D0017}" srcOrd="0" destOrd="0" presId="urn:microsoft.com/office/officeart/2005/8/layout/orgChart1"/>
-    <dgm:cxn modelId="{E184953C-0694-4CD0-8632-E1BD3BAD7A6B}" type="presOf" srcId="{DDAD9549-51AC-4852-8D1F-7853EE254EAB}" destId="{5BE1293F-E52E-4364-815E-BA964B2E313E}" srcOrd="1" destOrd="0" presId="urn:microsoft.com/office/officeart/2005/8/layout/orgChart1"/>
-    <dgm:cxn modelId="{B62A91E6-1B1E-4C73-880C-82235C311D16}" type="presOf" srcId="{D0A0F61B-4303-4677-84F2-61B7E1A91C18}" destId="{CB5D569C-B44B-4308-B27F-633455E5871F}" srcOrd="0" destOrd="0" presId="urn:microsoft.com/office/officeart/2005/8/layout/orgChart1"/>
-    <dgm:cxn modelId="{E5C03097-8C23-405D-8CB3-ED598E296DC3}" srcId="{3A6AA12D-C2E9-4BD8-BD2C-3FE7294AFEB9}" destId="{4CBA4916-03C1-4A6B-AF7E-954DE1AB4700}" srcOrd="5" destOrd="0" parTransId="{78879A09-8796-42CA-8554-7D4602B98BE0}" sibTransId="{D1522DCD-FAB1-4478-862F-3D1E39FDE66C}"/>
-    <dgm:cxn modelId="{B4E7DB18-52DD-4DFE-8AFF-C229CF58B7D7}" type="presOf" srcId="{4CBA4916-03C1-4A6B-AF7E-954DE1AB4700}" destId="{4434DAB3-9F54-4E34-870E-DE4B9CBDF485}" srcOrd="1" destOrd="0" presId="urn:microsoft.com/office/officeart/2005/8/layout/orgChart1"/>
-    <dgm:cxn modelId="{DF6C7C4B-810F-4B4F-8577-277D98D6FA11}" srcId="{3A6AA12D-C2E9-4BD8-BD2C-3FE7294AFEB9}" destId="{9FB97EE0-DCD5-4156-8D38-FCFF580D44FD}" srcOrd="0" destOrd="0" parTransId="{FF1888FE-33B9-4643-AE7A-09A40E256103}" sibTransId="{58FFF5EC-3E90-4DDD-A670-28424277750F}"/>
-    <dgm:cxn modelId="{D6DD01DF-9AA7-4FCC-9B56-5694F179575B}" type="presOf" srcId="{356BB6D9-A53C-40AA-9340-A57AFC579674}" destId="{A746DBFA-FF7B-450A-9600-1DCEA1D74B2C}" srcOrd="1" destOrd="0" presId="urn:microsoft.com/office/officeart/2005/8/layout/orgChart1"/>
-    <dgm:cxn modelId="{4A4D75DE-8916-4725-9070-945E3EED449F}" type="presOf" srcId="{62C9F470-4316-48F8-8263-FB85C0AF66D0}" destId="{C18E588E-D810-43F6-B8D0-371D7DDA551F}" srcOrd="0" destOrd="0" presId="urn:microsoft.com/office/officeart/2005/8/layout/orgChart1"/>
-    <dgm:cxn modelId="{A464E7B9-0D77-4D52-BEF7-9D604FF3DC08}" type="presOf" srcId="{9FB97EE0-DCD5-4156-8D38-FCFF580D44FD}" destId="{BCA0F817-645B-4DF6-B98A-68FC4A66FB72}" srcOrd="0" destOrd="0" presId="urn:microsoft.com/office/officeart/2005/8/layout/orgChart1"/>
-    <dgm:cxn modelId="{D4EFCBBC-F070-4F79-A9F1-362C22BB94FE}" type="presOf" srcId="{B6DB7651-7D81-4F5E-A74E-1CE9D132FFA1}" destId="{919252C1-5E8F-4C1E-8B07-9019D6B598DF}" srcOrd="0" destOrd="0" presId="urn:microsoft.com/office/officeart/2005/8/layout/orgChart1"/>
-    <dgm:cxn modelId="{D107082D-E6FB-42C2-9C79-D42AED2ACB64}" type="presOf" srcId="{52018A7B-3ADD-46AE-AA01-F8F8C6C7FE96}" destId="{7C650D1E-3017-4717-95CC-BB314B759F2C}" srcOrd="0" destOrd="0" presId="urn:microsoft.com/office/officeart/2005/8/layout/orgChart1"/>
-    <dgm:cxn modelId="{9D023827-73D4-4F3E-86D4-86A7255FA673}" type="presOf" srcId="{356BB6D9-A53C-40AA-9340-A57AFC579674}" destId="{8A836A0C-FAC7-4158-B0FF-92C12F5D70AB}" srcOrd="0" destOrd="0" presId="urn:microsoft.com/office/officeart/2005/8/layout/orgChart1"/>
-    <dgm:cxn modelId="{D8771FEA-5C29-4C98-9410-A0D7FBC06628}" type="presOf" srcId="{78879A09-8796-42CA-8554-7D4602B98BE0}" destId="{0D5A4952-58DB-4379-A0FF-9CF9AA8B30A9}" srcOrd="0" destOrd="0" presId="urn:microsoft.com/office/officeart/2005/8/layout/orgChart1"/>
-    <dgm:cxn modelId="{9FC21D5B-06BC-49E5-8C4E-F480E835FE0A}" srcId="{3A6AA12D-C2E9-4BD8-BD2C-3FE7294AFEB9}" destId="{3BD6BDA0-26C3-403D-88CB-AA822E74B732}" srcOrd="3" destOrd="0" parTransId="{65A34516-2507-40EF-8E38-D5D5269E852E}" sibTransId="{875E4EA7-E344-4050-AAC7-9D78DAA4E1B4}"/>
-    <dgm:cxn modelId="{11A413AD-5B67-4931-87CE-EF433FEA3739}" srcId="{3A6AA12D-C2E9-4BD8-BD2C-3FE7294AFEB9}" destId="{356BB6D9-A53C-40AA-9340-A57AFC579674}" srcOrd="4" destOrd="0" parTransId="{2C8BBE09-D937-4AF8-B69B-DA9CA12F6B02}" sibTransId="{2321DCB6-A69E-4DF4-BE16-88C5FCCE48DC}"/>
     <dgm:cxn modelId="{29057BAA-5C17-4DE3-9C01-9B8EEED7853B}" type="presParOf" srcId="{CB5D569C-B44B-4308-B27F-633455E5871F}" destId="{AB795A0E-3C7B-47E3-BC47-3534A54F9190}" srcOrd="0" destOrd="0" presId="urn:microsoft.com/office/officeart/2005/8/layout/orgChart1"/>
     <dgm:cxn modelId="{C071476A-4F93-452C-84C5-CEDF2FDC26FF}" type="presParOf" srcId="{AB795A0E-3C7B-47E3-BC47-3534A54F9190}" destId="{6AEEC0CB-D732-40ED-98C7-E88C954633C1}" srcOrd="0" destOrd="0" presId="urn:microsoft.com/office/officeart/2005/8/layout/orgChart1"/>
     <dgm:cxn modelId="{11A92872-9377-4006-B8FD-92DA524FCEE7}" type="presParOf" srcId="{6AEEC0CB-D732-40ED-98C7-E88C954633C1}" destId="{3DD70376-3E3F-43E1-B2C6-956970C172ED}" srcOrd="0" destOrd="0" presId="urn:microsoft.com/office/officeart/2005/8/layout/orgChart1"/>
@@ -8620,7 +8194,7 @@
   <dgm:whole/>
   <dgm:extLst>
     <a:ext uri="http://schemas.microsoft.com/office/drawing/2008/diagram">
-      <dsp:dataModelExt xmlns:dsp="http://schemas.microsoft.com/office/drawing/2008/diagram" xmlns="" relId="rId6" minVer="http://schemas.openxmlformats.org/drawingml/2006/diagram"/>
+      <dsp:dataModelExt xmlns:dsp="http://schemas.microsoft.com/office/drawing/2008/diagram" relId="rId6" minVer="http://schemas.openxmlformats.org/drawingml/2006/diagram"/>
     </a:ext>
   </dgm:extLst>
 </dgm:dataModel>
@@ -8940,13 +8514,6 @@
         </dgm:presLayoutVars>
       </dgm:prSet>
       <dgm:spPr/>
-      <dgm:t>
-        <a:bodyPr/>
-        <a:lstStyle/>
-        <a:p>
-          <a:endParaRPr lang="de-DE"/>
-        </a:p>
-      </dgm:t>
     </dgm:pt>
     <dgm:pt modelId="{AB795A0E-3C7B-47E3-BC47-3534A54F9190}" type="pres">
       <dgm:prSet presAssocID="{3A6AA12D-C2E9-4BD8-BD2C-3FE7294AFEB9}" presName="hierRoot1" presStyleCnt="0">
@@ -8967,24 +8534,10 @@
         </dgm:presLayoutVars>
       </dgm:prSet>
       <dgm:spPr/>
-      <dgm:t>
-        <a:bodyPr/>
-        <a:lstStyle/>
-        <a:p>
-          <a:endParaRPr lang="de-DE"/>
-        </a:p>
-      </dgm:t>
     </dgm:pt>
     <dgm:pt modelId="{9AB5A911-E489-48AE-B687-7440697238B3}" type="pres">
       <dgm:prSet presAssocID="{3A6AA12D-C2E9-4BD8-BD2C-3FE7294AFEB9}" presName="rootConnector1" presStyleLbl="node1" presStyleIdx="0" presStyleCnt="0"/>
       <dgm:spPr/>
-      <dgm:t>
-        <a:bodyPr/>
-        <a:lstStyle/>
-        <a:p>
-          <a:endParaRPr lang="de-DE"/>
-        </a:p>
-      </dgm:t>
     </dgm:pt>
     <dgm:pt modelId="{E404BA80-6E0F-4C3E-BC06-4E7117DCF3CE}" type="pres">
       <dgm:prSet presAssocID="{3A6AA12D-C2E9-4BD8-BD2C-3FE7294AFEB9}" presName="hierChild2" presStyleCnt="0"/>
@@ -8993,13 +8546,6 @@
     <dgm:pt modelId="{1F1BF832-7D6F-4314-8A20-B77ADD6E09FD}" type="pres">
       <dgm:prSet presAssocID="{FF1888FE-33B9-4643-AE7A-09A40E256103}" presName="Name37" presStyleLbl="parChTrans1D2" presStyleIdx="0" presStyleCnt="7" custSzX="6005334" custSzY="306613"/>
       <dgm:spPr/>
-      <dgm:t>
-        <a:bodyPr/>
-        <a:lstStyle/>
-        <a:p>
-          <a:endParaRPr lang="de-DE"/>
-        </a:p>
-      </dgm:t>
     </dgm:pt>
     <dgm:pt modelId="{338F5E53-0455-48EE-ABDF-BFB85DD1E3B8}" type="pres">
       <dgm:prSet presAssocID="{9FB97EE0-DCD5-4156-8D38-FCFF580D44FD}" presName="hierRoot2" presStyleCnt="0">
@@ -9020,24 +8566,10 @@
         </dgm:presLayoutVars>
       </dgm:prSet>
       <dgm:spPr/>
-      <dgm:t>
-        <a:bodyPr/>
-        <a:lstStyle/>
-        <a:p>
-          <a:endParaRPr lang="de-DE"/>
-        </a:p>
-      </dgm:t>
     </dgm:pt>
     <dgm:pt modelId="{2D7AE81F-8C7C-4CA7-9284-3B78B04D4886}" type="pres">
       <dgm:prSet presAssocID="{9FB97EE0-DCD5-4156-8D38-FCFF580D44FD}" presName="rootConnector" presStyleLbl="node2" presStyleIdx="0" presStyleCnt="7"/>
       <dgm:spPr/>
-      <dgm:t>
-        <a:bodyPr/>
-        <a:lstStyle/>
-        <a:p>
-          <a:endParaRPr lang="de-DE"/>
-        </a:p>
-      </dgm:t>
     </dgm:pt>
     <dgm:pt modelId="{57B634ED-9877-4988-A910-1E72805200C1}" type="pres">
       <dgm:prSet presAssocID="{9FB97EE0-DCD5-4156-8D38-FCFF580D44FD}" presName="hierChild4" presStyleCnt="0"/>
@@ -9050,13 +8582,6 @@
     <dgm:pt modelId="{C18E588E-D810-43F6-B8D0-371D7DDA551F}" type="pres">
       <dgm:prSet presAssocID="{62C9F470-4316-48F8-8263-FB85C0AF66D0}" presName="Name37" presStyleLbl="parChTrans1D2" presStyleIdx="1" presStyleCnt="7" custSzX="4289524" custSzY="306613"/>
       <dgm:spPr/>
-      <dgm:t>
-        <a:bodyPr/>
-        <a:lstStyle/>
-        <a:p>
-          <a:endParaRPr lang="de-DE"/>
-        </a:p>
-      </dgm:t>
     </dgm:pt>
     <dgm:pt modelId="{84EB36B9-62D1-4B5C-A597-7F19B7690CBB}" type="pres">
       <dgm:prSet presAssocID="{B6DB7651-7D81-4F5E-A74E-1CE9D132FFA1}" presName="hierRoot2" presStyleCnt="0">
@@ -9077,24 +8602,10 @@
         </dgm:presLayoutVars>
       </dgm:prSet>
       <dgm:spPr/>
-      <dgm:t>
-        <a:bodyPr/>
-        <a:lstStyle/>
-        <a:p>
-          <a:endParaRPr lang="de-DE"/>
-        </a:p>
-      </dgm:t>
     </dgm:pt>
     <dgm:pt modelId="{B05F8344-AFEA-433E-AB6E-DA6446A9FBE1}" type="pres">
       <dgm:prSet presAssocID="{B6DB7651-7D81-4F5E-A74E-1CE9D132FFA1}" presName="rootConnector" presStyleLbl="node2" presStyleIdx="1" presStyleCnt="7"/>
       <dgm:spPr/>
-      <dgm:t>
-        <a:bodyPr/>
-        <a:lstStyle/>
-        <a:p>
-          <a:endParaRPr lang="de-DE"/>
-        </a:p>
-      </dgm:t>
     </dgm:pt>
     <dgm:pt modelId="{D6EB8568-0C1F-45AB-B966-8E98CC819E16}" type="pres">
       <dgm:prSet presAssocID="{B6DB7651-7D81-4F5E-A74E-1CE9D132FFA1}" presName="hierChild4" presStyleCnt="0"/>
@@ -9107,13 +8618,6 @@
     <dgm:pt modelId="{766BDE4F-B05F-4DE9-9297-2C646DE2E6AF}" type="pres">
       <dgm:prSet presAssocID="{D3D0C99A-1A2F-48B9-92A7-B5D699B81BB4}" presName="Name37" presStyleLbl="parChTrans1D2" presStyleIdx="2" presStyleCnt="7" custSzX="2573714" custSzY="306613"/>
       <dgm:spPr/>
-      <dgm:t>
-        <a:bodyPr/>
-        <a:lstStyle/>
-        <a:p>
-          <a:endParaRPr lang="de-DE"/>
-        </a:p>
-      </dgm:t>
     </dgm:pt>
     <dgm:pt modelId="{1CBB0A5B-52FA-4FDC-A7F6-04043CF6D315}" type="pres">
       <dgm:prSet presAssocID="{DDAD9549-51AC-4852-8D1F-7853EE254EAB}" presName="hierRoot2" presStyleCnt="0">
@@ -9134,24 +8638,10 @@
         </dgm:presLayoutVars>
       </dgm:prSet>
       <dgm:spPr/>
-      <dgm:t>
-        <a:bodyPr/>
-        <a:lstStyle/>
-        <a:p>
-          <a:endParaRPr lang="de-DE"/>
-        </a:p>
-      </dgm:t>
     </dgm:pt>
     <dgm:pt modelId="{5BE1293F-E52E-4364-815E-BA964B2E313E}" type="pres">
       <dgm:prSet presAssocID="{DDAD9549-51AC-4852-8D1F-7853EE254EAB}" presName="rootConnector" presStyleLbl="node2" presStyleIdx="2" presStyleCnt="7"/>
       <dgm:spPr/>
-      <dgm:t>
-        <a:bodyPr/>
-        <a:lstStyle/>
-        <a:p>
-          <a:endParaRPr lang="de-DE"/>
-        </a:p>
-      </dgm:t>
     </dgm:pt>
     <dgm:pt modelId="{4DF886EB-5C4D-4256-BFCD-293C86C11368}" type="pres">
       <dgm:prSet presAssocID="{DDAD9549-51AC-4852-8D1F-7853EE254EAB}" presName="hierChild4" presStyleCnt="0"/>
@@ -9164,13 +8654,6 @@
     <dgm:pt modelId="{EBDEDD73-1A0D-448D-87EC-AF798632099F}" type="pres">
       <dgm:prSet presAssocID="{65A34516-2507-40EF-8E38-D5D5269E852E}" presName="Name37" presStyleLbl="parChTrans1D2" presStyleIdx="3" presStyleCnt="7" custSzX="857904" custSzY="306613"/>
       <dgm:spPr/>
-      <dgm:t>
-        <a:bodyPr/>
-        <a:lstStyle/>
-        <a:p>
-          <a:endParaRPr lang="de-DE"/>
-        </a:p>
-      </dgm:t>
     </dgm:pt>
     <dgm:pt modelId="{C82B6449-FC96-4809-891D-3F77115F2A6E}" type="pres">
       <dgm:prSet presAssocID="{3BD6BDA0-26C3-403D-88CB-AA822E74B732}" presName="hierRoot2" presStyleCnt="0">
@@ -9191,24 +8674,10 @@
         </dgm:presLayoutVars>
       </dgm:prSet>
       <dgm:spPr/>
-      <dgm:t>
-        <a:bodyPr/>
-        <a:lstStyle/>
-        <a:p>
-          <a:endParaRPr lang="de-DE"/>
-        </a:p>
-      </dgm:t>
     </dgm:pt>
     <dgm:pt modelId="{6A578C9B-36DC-47B6-B550-4B2973A0AD3E}" type="pres">
       <dgm:prSet presAssocID="{3BD6BDA0-26C3-403D-88CB-AA822E74B732}" presName="rootConnector" presStyleLbl="node2" presStyleIdx="3" presStyleCnt="7"/>
       <dgm:spPr/>
-      <dgm:t>
-        <a:bodyPr/>
-        <a:lstStyle/>
-        <a:p>
-          <a:endParaRPr lang="de-DE"/>
-        </a:p>
-      </dgm:t>
     </dgm:pt>
     <dgm:pt modelId="{AD9A910C-E527-4DA9-9196-9F0784AF9A03}" type="pres">
       <dgm:prSet presAssocID="{3BD6BDA0-26C3-403D-88CB-AA822E74B732}" presName="hierChild4" presStyleCnt="0"/>
@@ -9221,13 +8690,6 @@
     <dgm:pt modelId="{E5B64A66-98C3-4BB7-B533-49BBD6320137}" type="pres">
       <dgm:prSet presAssocID="{2C8BBE09-D937-4AF8-B69B-DA9CA12F6B02}" presName="Name37" presStyleLbl="parChTrans1D2" presStyleIdx="4" presStyleCnt="7" custSzX="857904" custSzY="306613"/>
       <dgm:spPr/>
-      <dgm:t>
-        <a:bodyPr/>
-        <a:lstStyle/>
-        <a:p>
-          <a:endParaRPr lang="de-DE"/>
-        </a:p>
-      </dgm:t>
     </dgm:pt>
     <dgm:pt modelId="{C9AC80DA-5C67-471C-A517-09C56065513F}" type="pres">
       <dgm:prSet presAssocID="{356BB6D9-A53C-40AA-9340-A57AFC579674}" presName="hierRoot2" presStyleCnt="0">
@@ -9248,24 +8710,10 @@
         </dgm:presLayoutVars>
       </dgm:prSet>
       <dgm:spPr/>
-      <dgm:t>
-        <a:bodyPr/>
-        <a:lstStyle/>
-        <a:p>
-          <a:endParaRPr lang="de-DE"/>
-        </a:p>
-      </dgm:t>
     </dgm:pt>
     <dgm:pt modelId="{A746DBFA-FF7B-450A-9600-1DCEA1D74B2C}" type="pres">
       <dgm:prSet presAssocID="{356BB6D9-A53C-40AA-9340-A57AFC579674}" presName="rootConnector" presStyleLbl="node2" presStyleIdx="4" presStyleCnt="7"/>
       <dgm:spPr/>
-      <dgm:t>
-        <a:bodyPr/>
-        <a:lstStyle/>
-        <a:p>
-          <a:endParaRPr lang="de-DE"/>
-        </a:p>
-      </dgm:t>
     </dgm:pt>
     <dgm:pt modelId="{D6908B42-389D-4B5A-BA13-88E673F4D8AC}" type="pres">
       <dgm:prSet presAssocID="{356BB6D9-A53C-40AA-9340-A57AFC579674}" presName="hierChild4" presStyleCnt="0"/>
@@ -9278,13 +8726,6 @@
     <dgm:pt modelId="{0D5A4952-58DB-4379-A0FF-9CF9AA8B30A9}" type="pres">
       <dgm:prSet presAssocID="{78879A09-8796-42CA-8554-7D4602B98BE0}" presName="Name37" presStyleLbl="parChTrans1D2" presStyleIdx="5" presStyleCnt="7" custSzX="2573714" custSzY="306613"/>
       <dgm:spPr/>
-      <dgm:t>
-        <a:bodyPr/>
-        <a:lstStyle/>
-        <a:p>
-          <a:endParaRPr lang="de-DE"/>
-        </a:p>
-      </dgm:t>
     </dgm:pt>
     <dgm:pt modelId="{D2909641-ED8A-4F63-8E22-D0C2F560868D}" type="pres">
       <dgm:prSet presAssocID="{4CBA4916-03C1-4A6B-AF7E-954DE1AB4700}" presName="hierRoot2" presStyleCnt="0">
@@ -9305,24 +8746,10 @@
         </dgm:presLayoutVars>
       </dgm:prSet>
       <dgm:spPr/>
-      <dgm:t>
-        <a:bodyPr/>
-        <a:lstStyle/>
-        <a:p>
-          <a:endParaRPr lang="de-DE"/>
-        </a:p>
-      </dgm:t>
     </dgm:pt>
     <dgm:pt modelId="{4434DAB3-9F54-4E34-870E-DE4B9CBDF485}" type="pres">
       <dgm:prSet presAssocID="{4CBA4916-03C1-4A6B-AF7E-954DE1AB4700}" presName="rootConnector" presStyleLbl="node2" presStyleIdx="5" presStyleCnt="7"/>
       <dgm:spPr/>
-      <dgm:t>
-        <a:bodyPr/>
-        <a:lstStyle/>
-        <a:p>
-          <a:endParaRPr lang="de-DE"/>
-        </a:p>
-      </dgm:t>
     </dgm:pt>
     <dgm:pt modelId="{6D49527A-6F9D-48D3-82C3-4CC6BEAC2FC9}" type="pres">
       <dgm:prSet presAssocID="{4CBA4916-03C1-4A6B-AF7E-954DE1AB4700}" presName="hierChild4" presStyleCnt="0"/>
@@ -9335,13 +8762,6 @@
     <dgm:pt modelId="{7C650D1E-3017-4717-95CC-BB314B759F2C}" type="pres">
       <dgm:prSet presAssocID="{52018A7B-3ADD-46AE-AA01-F8F8C6C7FE96}" presName="Name37" presStyleLbl="parChTrans1D2" presStyleIdx="6" presStyleCnt="7" custSzX="4289524" custSzY="306613"/>
       <dgm:spPr/>
-      <dgm:t>
-        <a:bodyPr/>
-        <a:lstStyle/>
-        <a:p>
-          <a:endParaRPr lang="de-DE"/>
-        </a:p>
-      </dgm:t>
     </dgm:pt>
     <dgm:pt modelId="{4C66E9E1-6C36-4396-934D-67AA4CDE3382}" type="pres">
       <dgm:prSet presAssocID="{C57AEB62-8521-4B3A-8958-87E1270B529D}" presName="hierRoot2" presStyleCnt="0">
@@ -9362,24 +8782,10 @@
         </dgm:presLayoutVars>
       </dgm:prSet>
       <dgm:spPr/>
-      <dgm:t>
-        <a:bodyPr/>
-        <a:lstStyle/>
-        <a:p>
-          <a:endParaRPr lang="de-DE"/>
-        </a:p>
-      </dgm:t>
     </dgm:pt>
     <dgm:pt modelId="{019907A6-8841-40DF-BD59-2AE933C6AF50}" type="pres">
       <dgm:prSet presAssocID="{C57AEB62-8521-4B3A-8958-87E1270B529D}" presName="rootConnector" presStyleLbl="node2" presStyleIdx="6" presStyleCnt="7"/>
       <dgm:spPr/>
-      <dgm:t>
-        <a:bodyPr/>
-        <a:lstStyle/>
-        <a:p>
-          <a:endParaRPr lang="de-DE"/>
-        </a:p>
-      </dgm:t>
     </dgm:pt>
     <dgm:pt modelId="{8C029093-EDCE-41EE-BBC1-026AF27C95C6}" type="pres">
       <dgm:prSet presAssocID="{C57AEB62-8521-4B3A-8958-87E1270B529D}" presName="hierChild4" presStyleCnt="0"/>
@@ -9395,38 +8801,38 @@
     </dgm:pt>
   </dgm:ptLst>
   <dgm:cxnLst>
+    <dgm:cxn modelId="{A3C2930D-A995-4A13-B150-06E24AD2829B}" type="presOf" srcId="{DDAD9549-51AC-4852-8D1F-7853EE254EAB}" destId="{CB31C50E-0282-4D4F-B0CC-4E9722E2149F}" srcOrd="0" destOrd="0" presId="urn:microsoft.com/office/officeart/2005/8/layout/orgChart1"/>
+    <dgm:cxn modelId="{B4E7DB18-52DD-4DFE-8AFF-C229CF58B7D7}" type="presOf" srcId="{4CBA4916-03C1-4A6B-AF7E-954DE1AB4700}" destId="{4434DAB3-9F54-4E34-870E-DE4B9CBDF485}" srcOrd="1" destOrd="0" presId="urn:microsoft.com/office/officeart/2005/8/layout/orgChart1"/>
+    <dgm:cxn modelId="{9D023827-73D4-4F3E-86D4-86A7255FA673}" type="presOf" srcId="{356BB6D9-A53C-40AA-9340-A57AFC579674}" destId="{8A836A0C-FAC7-4158-B0FF-92C12F5D70AB}" srcOrd="0" destOrd="0" presId="urn:microsoft.com/office/officeart/2005/8/layout/orgChart1"/>
+    <dgm:cxn modelId="{4A065327-F67C-478E-8018-E87F817897E3}" type="presOf" srcId="{65A34516-2507-40EF-8E38-D5D5269E852E}" destId="{EBDEDD73-1A0D-448D-87EC-AF798632099F}" srcOrd="0" destOrd="0" presId="urn:microsoft.com/office/officeart/2005/8/layout/orgChart1"/>
+    <dgm:cxn modelId="{D107082D-E6FB-42C2-9C79-D42AED2ACB64}" type="presOf" srcId="{52018A7B-3ADD-46AE-AA01-F8F8C6C7FE96}" destId="{7C650D1E-3017-4717-95CC-BB314B759F2C}" srcOrd="0" destOrd="0" presId="urn:microsoft.com/office/officeart/2005/8/layout/orgChart1"/>
+    <dgm:cxn modelId="{E184953C-0694-4CD0-8632-E1BD3BAD7A6B}" type="presOf" srcId="{DDAD9549-51AC-4852-8D1F-7853EE254EAB}" destId="{5BE1293F-E52E-4364-815E-BA964B2E313E}" srcOrd="1" destOrd="0" presId="urn:microsoft.com/office/officeart/2005/8/layout/orgChart1"/>
+    <dgm:cxn modelId="{F032C83C-2CDE-4DF1-A8DC-B85E12986189}" type="presOf" srcId="{3A6AA12D-C2E9-4BD8-BD2C-3FE7294AFEB9}" destId="{3DD70376-3E3F-43E1-B2C6-956970C172ED}" srcOrd="0" destOrd="0" presId="urn:microsoft.com/office/officeart/2005/8/layout/orgChart1"/>
+    <dgm:cxn modelId="{9FC21D5B-06BC-49E5-8C4E-F480E835FE0A}" srcId="{3A6AA12D-C2E9-4BD8-BD2C-3FE7294AFEB9}" destId="{3BD6BDA0-26C3-403D-88CB-AA822E74B732}" srcOrd="3" destOrd="0" parTransId="{65A34516-2507-40EF-8E38-D5D5269E852E}" sibTransId="{875E4EA7-E344-4050-AAC7-9D78DAA4E1B4}"/>
+    <dgm:cxn modelId="{2A57BB48-EEA3-4D82-82C5-A5CCD73690B9}" type="presOf" srcId="{4CBA4916-03C1-4A6B-AF7E-954DE1AB4700}" destId="{6E21471F-70DD-425A-96EB-D138019D0017}" srcOrd="0" destOrd="0" presId="urn:microsoft.com/office/officeart/2005/8/layout/orgChart1"/>
+    <dgm:cxn modelId="{06EAE96A-939C-4E13-8405-E08EE8AA498F}" type="presOf" srcId="{9FB97EE0-DCD5-4156-8D38-FCFF580D44FD}" destId="{2D7AE81F-8C7C-4CA7-9284-3B78B04D4886}" srcOrd="1" destOrd="0" presId="urn:microsoft.com/office/officeart/2005/8/layout/orgChart1"/>
+    <dgm:cxn modelId="{DF6C7C4B-810F-4B4F-8577-277D98D6FA11}" srcId="{3A6AA12D-C2E9-4BD8-BD2C-3FE7294AFEB9}" destId="{9FB97EE0-DCD5-4156-8D38-FCFF580D44FD}" srcOrd="0" destOrd="0" parTransId="{FF1888FE-33B9-4643-AE7A-09A40E256103}" sibTransId="{58FFF5EC-3E90-4DDD-A670-28424277750F}"/>
+    <dgm:cxn modelId="{D8D3036D-63BE-483E-B0AF-FD04F63D2A49}" type="presOf" srcId="{3A6AA12D-C2E9-4BD8-BD2C-3FE7294AFEB9}" destId="{9AB5A911-E489-48AE-B687-7440697238B3}" srcOrd="1" destOrd="0" presId="urn:microsoft.com/office/officeart/2005/8/layout/orgChart1"/>
+    <dgm:cxn modelId="{1D6C916D-396B-4F46-8DBA-7510D0EB5C8F}" srcId="{3A6AA12D-C2E9-4BD8-BD2C-3FE7294AFEB9}" destId="{C57AEB62-8521-4B3A-8958-87E1270B529D}" srcOrd="6" destOrd="0" parTransId="{52018A7B-3ADD-46AE-AA01-F8F8C6C7FE96}" sibTransId="{29608A20-D110-42A1-9C64-14C0B62390F1}"/>
+    <dgm:cxn modelId="{7D163A4F-193A-4940-A8BA-4CE1BE9E84D8}" type="presOf" srcId="{FF1888FE-33B9-4643-AE7A-09A40E256103}" destId="{1F1BF832-7D6F-4314-8A20-B77ADD6E09FD}" srcOrd="0" destOrd="0" presId="urn:microsoft.com/office/officeart/2005/8/layout/orgChart1"/>
+    <dgm:cxn modelId="{35F84B56-B58F-42F6-8D42-4E794C0A3AEE}" type="presOf" srcId="{3BD6BDA0-26C3-403D-88CB-AA822E74B732}" destId="{609EB9A4-2680-422B-ADA3-4CA28FF595B7}" srcOrd="0" destOrd="0" presId="urn:microsoft.com/office/officeart/2005/8/layout/orgChart1"/>
+    <dgm:cxn modelId="{E5C03097-8C23-405D-8CB3-ED598E296DC3}" srcId="{3A6AA12D-C2E9-4BD8-BD2C-3FE7294AFEB9}" destId="{4CBA4916-03C1-4A6B-AF7E-954DE1AB4700}" srcOrd="5" destOrd="0" parTransId="{78879A09-8796-42CA-8554-7D4602B98BE0}" sibTransId="{D1522DCD-FAB1-4478-862F-3D1E39FDE66C}"/>
     <dgm:cxn modelId="{DFEFC1A0-1FC4-4E95-B9C9-0F449C95655C}" type="presOf" srcId="{D3D0C99A-1A2F-48B9-92A7-B5D699B81BB4}" destId="{766BDE4F-B05F-4DE9-9297-2C646DE2E6AF}" srcOrd="0" destOrd="0" presId="urn:microsoft.com/office/officeart/2005/8/layout/orgChart1"/>
+    <dgm:cxn modelId="{64AF36A2-FAAE-4A6F-8408-0DAA70EF67D3}" srcId="{D0A0F61B-4303-4677-84F2-61B7E1A91C18}" destId="{3A6AA12D-C2E9-4BD8-BD2C-3FE7294AFEB9}" srcOrd="0" destOrd="0" parTransId="{CB68BD35-2E0D-48E5-8A70-3DF166BD3AE0}" sibTransId="{279954E4-66B2-4DF1-BBD5-CB4E7B281C1D}"/>
+    <dgm:cxn modelId="{B7DD91A3-CCE7-4CB4-B37C-53FDDC6BA836}" type="presOf" srcId="{2C8BBE09-D937-4AF8-B69B-DA9CA12F6B02}" destId="{E5B64A66-98C3-4BB7-B533-49BBD6320137}" srcOrd="0" destOrd="0" presId="urn:microsoft.com/office/officeart/2005/8/layout/orgChart1"/>
+    <dgm:cxn modelId="{66931EAC-E36B-4C7E-B667-75F915330C0D}" srcId="{3A6AA12D-C2E9-4BD8-BD2C-3FE7294AFEB9}" destId="{DDAD9549-51AC-4852-8D1F-7853EE254EAB}" srcOrd="2" destOrd="0" parTransId="{D3D0C99A-1A2F-48B9-92A7-B5D699B81BB4}" sibTransId="{4D69A56D-7A7B-4814-81BC-D8408374810F}"/>
+    <dgm:cxn modelId="{11A413AD-5B67-4931-87CE-EF433FEA3739}" srcId="{3A6AA12D-C2E9-4BD8-BD2C-3FE7294AFEB9}" destId="{356BB6D9-A53C-40AA-9340-A57AFC579674}" srcOrd="4" destOrd="0" parTransId="{2C8BBE09-D937-4AF8-B69B-DA9CA12F6B02}" sibTransId="{2321DCB6-A69E-4DF4-BE16-88C5FCCE48DC}"/>
+    <dgm:cxn modelId="{FE45CBAE-DE70-44B0-8572-50F540EE3538}" type="presOf" srcId="{C57AEB62-8521-4B3A-8958-87E1270B529D}" destId="{09F933FE-904C-41E0-8847-5EE14ADC5F19}" srcOrd="0" destOrd="0" presId="urn:microsoft.com/office/officeart/2005/8/layout/orgChart1"/>
+    <dgm:cxn modelId="{A464E7B9-0D77-4D52-BEF7-9D604FF3DC08}" type="presOf" srcId="{9FB97EE0-DCD5-4156-8D38-FCFF580D44FD}" destId="{BCA0F817-645B-4DF6-B98A-68FC4A66FB72}" srcOrd="0" destOrd="0" presId="urn:microsoft.com/office/officeart/2005/8/layout/orgChart1"/>
+    <dgm:cxn modelId="{D4EFCBBC-F070-4F79-A9F1-362C22BB94FE}" type="presOf" srcId="{B6DB7651-7D81-4F5E-A74E-1CE9D132FFA1}" destId="{919252C1-5E8F-4C1E-8B07-9019D6B598DF}" srcOrd="0" destOrd="0" presId="urn:microsoft.com/office/officeart/2005/8/layout/orgChart1"/>
     <dgm:cxn modelId="{28AD6DC2-7F70-4CF1-BE69-A0B726F63C93}" type="presOf" srcId="{B6DB7651-7D81-4F5E-A74E-1CE9D132FFA1}" destId="{B05F8344-AFEA-433E-AB6E-DA6446A9FBE1}" srcOrd="1" destOrd="0" presId="urn:microsoft.com/office/officeart/2005/8/layout/orgChart1"/>
     <dgm:cxn modelId="{408FDCD7-6D9B-4919-8D87-FEE836EC6689}" type="presOf" srcId="{3BD6BDA0-26C3-403D-88CB-AA822E74B732}" destId="{6A578C9B-36DC-47B6-B550-4B2973A0AD3E}" srcOrd="1" destOrd="0" presId="urn:microsoft.com/office/officeart/2005/8/layout/orgChart1"/>
-    <dgm:cxn modelId="{06EAE96A-939C-4E13-8405-E08EE8AA498F}" type="presOf" srcId="{9FB97EE0-DCD5-4156-8D38-FCFF580D44FD}" destId="{2D7AE81F-8C7C-4CA7-9284-3B78B04D4886}" srcOrd="1" destOrd="0" presId="urn:microsoft.com/office/officeart/2005/8/layout/orgChart1"/>
-    <dgm:cxn modelId="{64AF36A2-FAAE-4A6F-8408-0DAA70EF67D3}" srcId="{D0A0F61B-4303-4677-84F2-61B7E1A91C18}" destId="{3A6AA12D-C2E9-4BD8-BD2C-3FE7294AFEB9}" srcOrd="0" destOrd="0" parTransId="{CB68BD35-2E0D-48E5-8A70-3DF166BD3AE0}" sibTransId="{279954E4-66B2-4DF1-BBD5-CB4E7B281C1D}"/>
-    <dgm:cxn modelId="{35F84B56-B58F-42F6-8D42-4E794C0A3AEE}" type="presOf" srcId="{3BD6BDA0-26C3-403D-88CB-AA822E74B732}" destId="{609EB9A4-2680-422B-ADA3-4CA28FF595B7}" srcOrd="0" destOrd="0" presId="urn:microsoft.com/office/officeart/2005/8/layout/orgChart1"/>
-    <dgm:cxn modelId="{FE45CBAE-DE70-44B0-8572-50F540EE3538}" type="presOf" srcId="{C57AEB62-8521-4B3A-8958-87E1270B529D}" destId="{09F933FE-904C-41E0-8847-5EE14ADC5F19}" srcOrd="0" destOrd="0" presId="urn:microsoft.com/office/officeart/2005/8/layout/orgChart1"/>
-    <dgm:cxn modelId="{66931EAC-E36B-4C7E-B667-75F915330C0D}" srcId="{3A6AA12D-C2E9-4BD8-BD2C-3FE7294AFEB9}" destId="{DDAD9549-51AC-4852-8D1F-7853EE254EAB}" srcOrd="2" destOrd="0" parTransId="{D3D0C99A-1A2F-48B9-92A7-B5D699B81BB4}" sibTransId="{4D69A56D-7A7B-4814-81BC-D8408374810F}"/>
-    <dgm:cxn modelId="{A3C2930D-A995-4A13-B150-06E24AD2829B}" type="presOf" srcId="{DDAD9549-51AC-4852-8D1F-7853EE254EAB}" destId="{CB31C50E-0282-4D4F-B0CC-4E9722E2149F}" srcOrd="0" destOrd="0" presId="urn:microsoft.com/office/officeart/2005/8/layout/orgChart1"/>
-    <dgm:cxn modelId="{1D6C916D-396B-4F46-8DBA-7510D0EB5C8F}" srcId="{3A6AA12D-C2E9-4BD8-BD2C-3FE7294AFEB9}" destId="{C57AEB62-8521-4B3A-8958-87E1270B529D}" srcOrd="6" destOrd="0" parTransId="{52018A7B-3ADD-46AE-AA01-F8F8C6C7FE96}" sibTransId="{29608A20-D110-42A1-9C64-14C0B62390F1}"/>
-    <dgm:cxn modelId="{F032C83C-2CDE-4DF1-A8DC-B85E12986189}" type="presOf" srcId="{3A6AA12D-C2E9-4BD8-BD2C-3FE7294AFEB9}" destId="{3DD70376-3E3F-43E1-B2C6-956970C172ED}" srcOrd="0" destOrd="0" presId="urn:microsoft.com/office/officeart/2005/8/layout/orgChart1"/>
+    <dgm:cxn modelId="{4A4D75DE-8916-4725-9070-945E3EED449F}" type="presOf" srcId="{62C9F470-4316-48F8-8263-FB85C0AF66D0}" destId="{C18E588E-D810-43F6-B8D0-371D7DDA551F}" srcOrd="0" destOrd="0" presId="urn:microsoft.com/office/officeart/2005/8/layout/orgChart1"/>
+    <dgm:cxn modelId="{D6DD01DF-9AA7-4FCC-9B56-5694F179575B}" type="presOf" srcId="{356BB6D9-A53C-40AA-9340-A57AFC579674}" destId="{A746DBFA-FF7B-450A-9600-1DCEA1D74B2C}" srcOrd="1" destOrd="0" presId="urn:microsoft.com/office/officeart/2005/8/layout/orgChart1"/>
+    <dgm:cxn modelId="{6A986DE3-EA29-42DA-9DE5-1787A7CE0A8D}" type="presOf" srcId="{C57AEB62-8521-4B3A-8958-87E1270B529D}" destId="{019907A6-8841-40DF-BD59-2AE933C6AF50}" srcOrd="1" destOrd="0" presId="urn:microsoft.com/office/officeart/2005/8/layout/orgChart1"/>
+    <dgm:cxn modelId="{B62A91E6-1B1E-4C73-880C-82235C311D16}" type="presOf" srcId="{D0A0F61B-4303-4677-84F2-61B7E1A91C18}" destId="{CB5D569C-B44B-4308-B27F-633455E5871F}" srcOrd="0" destOrd="0" presId="urn:microsoft.com/office/officeart/2005/8/layout/orgChart1"/>
+    <dgm:cxn modelId="{D8771FEA-5C29-4C98-9410-A0D7FBC06628}" type="presOf" srcId="{78879A09-8796-42CA-8554-7D4602B98BE0}" destId="{0D5A4952-58DB-4379-A0FF-9CF9AA8B30A9}" srcOrd="0" destOrd="0" presId="urn:microsoft.com/office/officeart/2005/8/layout/orgChart1"/>
     <dgm:cxn modelId="{41CA94F0-5A8E-4ACB-8F43-2EE3CFC41C3F}" srcId="{3A6AA12D-C2E9-4BD8-BD2C-3FE7294AFEB9}" destId="{B6DB7651-7D81-4F5E-A74E-1CE9D132FFA1}" srcOrd="1" destOrd="0" parTransId="{62C9F470-4316-48F8-8263-FB85C0AF66D0}" sibTransId="{DB3F6F20-C891-487A-A115-B4C419FAC740}"/>
-    <dgm:cxn modelId="{7D163A4F-193A-4940-A8BA-4CE1BE9E84D8}" type="presOf" srcId="{FF1888FE-33B9-4643-AE7A-09A40E256103}" destId="{1F1BF832-7D6F-4314-8A20-B77ADD6E09FD}" srcOrd="0" destOrd="0" presId="urn:microsoft.com/office/officeart/2005/8/layout/orgChart1"/>
-    <dgm:cxn modelId="{B7DD91A3-CCE7-4CB4-B37C-53FDDC6BA836}" type="presOf" srcId="{2C8BBE09-D937-4AF8-B69B-DA9CA12F6B02}" destId="{E5B64A66-98C3-4BB7-B533-49BBD6320137}" srcOrd="0" destOrd="0" presId="urn:microsoft.com/office/officeart/2005/8/layout/orgChart1"/>
-    <dgm:cxn modelId="{4A065327-F67C-478E-8018-E87F817897E3}" type="presOf" srcId="{65A34516-2507-40EF-8E38-D5D5269E852E}" destId="{EBDEDD73-1A0D-448D-87EC-AF798632099F}" srcOrd="0" destOrd="0" presId="urn:microsoft.com/office/officeart/2005/8/layout/orgChart1"/>
-    <dgm:cxn modelId="{D8D3036D-63BE-483E-B0AF-FD04F63D2A49}" type="presOf" srcId="{3A6AA12D-C2E9-4BD8-BD2C-3FE7294AFEB9}" destId="{9AB5A911-E489-48AE-B687-7440697238B3}" srcOrd="1" destOrd="0" presId="urn:microsoft.com/office/officeart/2005/8/layout/orgChart1"/>
-    <dgm:cxn modelId="{6A986DE3-EA29-42DA-9DE5-1787A7CE0A8D}" type="presOf" srcId="{C57AEB62-8521-4B3A-8958-87E1270B529D}" destId="{019907A6-8841-40DF-BD59-2AE933C6AF50}" srcOrd="1" destOrd="0" presId="urn:microsoft.com/office/officeart/2005/8/layout/orgChart1"/>
-    <dgm:cxn modelId="{2A57BB48-EEA3-4D82-82C5-A5CCD73690B9}" type="presOf" srcId="{4CBA4916-03C1-4A6B-AF7E-954DE1AB4700}" destId="{6E21471F-70DD-425A-96EB-D138019D0017}" srcOrd="0" destOrd="0" presId="urn:microsoft.com/office/officeart/2005/8/layout/orgChart1"/>
-    <dgm:cxn modelId="{E184953C-0694-4CD0-8632-E1BD3BAD7A6B}" type="presOf" srcId="{DDAD9549-51AC-4852-8D1F-7853EE254EAB}" destId="{5BE1293F-E52E-4364-815E-BA964B2E313E}" srcOrd="1" destOrd="0" presId="urn:microsoft.com/office/officeart/2005/8/layout/orgChart1"/>
-    <dgm:cxn modelId="{B62A91E6-1B1E-4C73-880C-82235C311D16}" type="presOf" srcId="{D0A0F61B-4303-4677-84F2-61B7E1A91C18}" destId="{CB5D569C-B44B-4308-B27F-633455E5871F}" srcOrd="0" destOrd="0" presId="urn:microsoft.com/office/officeart/2005/8/layout/orgChart1"/>
-    <dgm:cxn modelId="{E5C03097-8C23-405D-8CB3-ED598E296DC3}" srcId="{3A6AA12D-C2E9-4BD8-BD2C-3FE7294AFEB9}" destId="{4CBA4916-03C1-4A6B-AF7E-954DE1AB4700}" srcOrd="5" destOrd="0" parTransId="{78879A09-8796-42CA-8554-7D4602B98BE0}" sibTransId="{D1522DCD-FAB1-4478-862F-3D1E39FDE66C}"/>
-    <dgm:cxn modelId="{B4E7DB18-52DD-4DFE-8AFF-C229CF58B7D7}" type="presOf" srcId="{4CBA4916-03C1-4A6B-AF7E-954DE1AB4700}" destId="{4434DAB3-9F54-4E34-870E-DE4B9CBDF485}" srcOrd="1" destOrd="0" presId="urn:microsoft.com/office/officeart/2005/8/layout/orgChart1"/>
-    <dgm:cxn modelId="{DF6C7C4B-810F-4B4F-8577-277D98D6FA11}" srcId="{3A6AA12D-C2E9-4BD8-BD2C-3FE7294AFEB9}" destId="{9FB97EE0-DCD5-4156-8D38-FCFF580D44FD}" srcOrd="0" destOrd="0" parTransId="{FF1888FE-33B9-4643-AE7A-09A40E256103}" sibTransId="{58FFF5EC-3E90-4DDD-A670-28424277750F}"/>
-    <dgm:cxn modelId="{D6DD01DF-9AA7-4FCC-9B56-5694F179575B}" type="presOf" srcId="{356BB6D9-A53C-40AA-9340-A57AFC579674}" destId="{A746DBFA-FF7B-450A-9600-1DCEA1D74B2C}" srcOrd="1" destOrd="0" presId="urn:microsoft.com/office/officeart/2005/8/layout/orgChart1"/>
-    <dgm:cxn modelId="{4A4D75DE-8916-4725-9070-945E3EED449F}" type="presOf" srcId="{62C9F470-4316-48F8-8263-FB85C0AF66D0}" destId="{C18E588E-D810-43F6-B8D0-371D7DDA551F}" srcOrd="0" destOrd="0" presId="urn:microsoft.com/office/officeart/2005/8/layout/orgChart1"/>
-    <dgm:cxn modelId="{A464E7B9-0D77-4D52-BEF7-9D604FF3DC08}" type="presOf" srcId="{9FB97EE0-DCD5-4156-8D38-FCFF580D44FD}" destId="{BCA0F817-645B-4DF6-B98A-68FC4A66FB72}" srcOrd="0" destOrd="0" presId="urn:microsoft.com/office/officeart/2005/8/layout/orgChart1"/>
-    <dgm:cxn modelId="{D4EFCBBC-F070-4F79-A9F1-362C22BB94FE}" type="presOf" srcId="{B6DB7651-7D81-4F5E-A74E-1CE9D132FFA1}" destId="{919252C1-5E8F-4C1E-8B07-9019D6B598DF}" srcOrd="0" destOrd="0" presId="urn:microsoft.com/office/officeart/2005/8/layout/orgChart1"/>
-    <dgm:cxn modelId="{D107082D-E6FB-42C2-9C79-D42AED2ACB64}" type="presOf" srcId="{52018A7B-3ADD-46AE-AA01-F8F8C6C7FE96}" destId="{7C650D1E-3017-4717-95CC-BB314B759F2C}" srcOrd="0" destOrd="0" presId="urn:microsoft.com/office/officeart/2005/8/layout/orgChart1"/>
-    <dgm:cxn modelId="{9D023827-73D4-4F3E-86D4-86A7255FA673}" type="presOf" srcId="{356BB6D9-A53C-40AA-9340-A57AFC579674}" destId="{8A836A0C-FAC7-4158-B0FF-92C12F5D70AB}" srcOrd="0" destOrd="0" presId="urn:microsoft.com/office/officeart/2005/8/layout/orgChart1"/>
-    <dgm:cxn modelId="{D8771FEA-5C29-4C98-9410-A0D7FBC06628}" type="presOf" srcId="{78879A09-8796-42CA-8554-7D4602B98BE0}" destId="{0D5A4952-58DB-4379-A0FF-9CF9AA8B30A9}" srcOrd="0" destOrd="0" presId="urn:microsoft.com/office/officeart/2005/8/layout/orgChart1"/>
-    <dgm:cxn modelId="{9FC21D5B-06BC-49E5-8C4E-F480E835FE0A}" srcId="{3A6AA12D-C2E9-4BD8-BD2C-3FE7294AFEB9}" destId="{3BD6BDA0-26C3-403D-88CB-AA822E74B732}" srcOrd="3" destOrd="0" parTransId="{65A34516-2507-40EF-8E38-D5D5269E852E}" sibTransId="{875E4EA7-E344-4050-AAC7-9D78DAA4E1B4}"/>
-    <dgm:cxn modelId="{11A413AD-5B67-4931-87CE-EF433FEA3739}" srcId="{3A6AA12D-C2E9-4BD8-BD2C-3FE7294AFEB9}" destId="{356BB6D9-A53C-40AA-9340-A57AFC579674}" srcOrd="4" destOrd="0" parTransId="{2C8BBE09-D937-4AF8-B69B-DA9CA12F6B02}" sibTransId="{2321DCB6-A69E-4DF4-BE16-88C5FCCE48DC}"/>
     <dgm:cxn modelId="{29057BAA-5C17-4DE3-9C01-9B8EEED7853B}" type="presParOf" srcId="{CB5D569C-B44B-4308-B27F-633455E5871F}" destId="{AB795A0E-3C7B-47E3-BC47-3534A54F9190}" srcOrd="0" destOrd="0" presId="urn:microsoft.com/office/officeart/2005/8/layout/orgChart1"/>
     <dgm:cxn modelId="{C071476A-4F93-452C-84C5-CEDF2FDC26FF}" type="presParOf" srcId="{AB795A0E-3C7B-47E3-BC47-3534A54F9190}" destId="{6AEEC0CB-D732-40ED-98C7-E88C954633C1}" srcOrd="0" destOrd="0" presId="urn:microsoft.com/office/officeart/2005/8/layout/orgChart1"/>
     <dgm:cxn modelId="{11A92872-9377-4006-B8FD-92DA524FCEE7}" type="presParOf" srcId="{6AEEC0CB-D732-40ED-98C7-E88C954633C1}" destId="{3DD70376-3E3F-43E1-B2C6-956970C172ED}" srcOrd="0" destOrd="0" presId="urn:microsoft.com/office/officeart/2005/8/layout/orgChart1"/>
@@ -9489,7 +8895,7 @@
   <dgm:whole/>
   <dgm:extLst>
     <a:ext uri="http://schemas.microsoft.com/office/drawing/2008/diagram">
-      <dsp:dataModelExt xmlns:dsp="http://schemas.microsoft.com/office/drawing/2008/diagram" xmlns="" relId="rId6" minVer="http://schemas.openxmlformats.org/drawingml/2006/diagram"/>
+      <dsp:dataModelExt xmlns:dsp="http://schemas.microsoft.com/office/drawing/2008/diagram" relId="rId6" minVer="http://schemas.openxmlformats.org/drawingml/2006/diagram"/>
     </a:ext>
   </dgm:extLst>
 </dgm:dataModel>
@@ -9809,13 +9215,6 @@
         </dgm:presLayoutVars>
       </dgm:prSet>
       <dgm:spPr/>
-      <dgm:t>
-        <a:bodyPr/>
-        <a:lstStyle/>
-        <a:p>
-          <a:endParaRPr lang="de-DE"/>
-        </a:p>
-      </dgm:t>
     </dgm:pt>
     <dgm:pt modelId="{AB795A0E-3C7B-47E3-BC47-3534A54F9190}" type="pres">
       <dgm:prSet presAssocID="{3A6AA12D-C2E9-4BD8-BD2C-3FE7294AFEB9}" presName="hierRoot1" presStyleCnt="0">
@@ -9836,24 +9235,10 @@
         </dgm:presLayoutVars>
       </dgm:prSet>
       <dgm:spPr/>
-      <dgm:t>
-        <a:bodyPr/>
-        <a:lstStyle/>
-        <a:p>
-          <a:endParaRPr lang="de-DE"/>
-        </a:p>
-      </dgm:t>
     </dgm:pt>
     <dgm:pt modelId="{9AB5A911-E489-48AE-B687-7440697238B3}" type="pres">
       <dgm:prSet presAssocID="{3A6AA12D-C2E9-4BD8-BD2C-3FE7294AFEB9}" presName="rootConnector1" presStyleLbl="node1" presStyleIdx="0" presStyleCnt="0"/>
       <dgm:spPr/>
-      <dgm:t>
-        <a:bodyPr/>
-        <a:lstStyle/>
-        <a:p>
-          <a:endParaRPr lang="de-DE"/>
-        </a:p>
-      </dgm:t>
     </dgm:pt>
     <dgm:pt modelId="{E404BA80-6E0F-4C3E-BC06-4E7117DCF3CE}" type="pres">
       <dgm:prSet presAssocID="{3A6AA12D-C2E9-4BD8-BD2C-3FE7294AFEB9}" presName="hierChild2" presStyleCnt="0"/>
@@ -9862,13 +9247,6 @@
     <dgm:pt modelId="{1F1BF832-7D6F-4314-8A20-B77ADD6E09FD}" type="pres">
       <dgm:prSet presAssocID="{FF1888FE-33B9-4643-AE7A-09A40E256103}" presName="Name37" presStyleLbl="parChTrans1D2" presStyleIdx="0" presStyleCnt="7" custSzX="6005334" custSzY="306613"/>
       <dgm:spPr/>
-      <dgm:t>
-        <a:bodyPr/>
-        <a:lstStyle/>
-        <a:p>
-          <a:endParaRPr lang="de-DE"/>
-        </a:p>
-      </dgm:t>
     </dgm:pt>
     <dgm:pt modelId="{338F5E53-0455-48EE-ABDF-BFB85DD1E3B8}" type="pres">
       <dgm:prSet presAssocID="{9FB97EE0-DCD5-4156-8D38-FCFF580D44FD}" presName="hierRoot2" presStyleCnt="0">
@@ -9889,24 +9267,10 @@
         </dgm:presLayoutVars>
       </dgm:prSet>
       <dgm:spPr/>
-      <dgm:t>
-        <a:bodyPr/>
-        <a:lstStyle/>
-        <a:p>
-          <a:endParaRPr lang="de-DE"/>
-        </a:p>
-      </dgm:t>
     </dgm:pt>
     <dgm:pt modelId="{2D7AE81F-8C7C-4CA7-9284-3B78B04D4886}" type="pres">
       <dgm:prSet presAssocID="{9FB97EE0-DCD5-4156-8D38-FCFF580D44FD}" presName="rootConnector" presStyleLbl="node2" presStyleIdx="0" presStyleCnt="7"/>
       <dgm:spPr/>
-      <dgm:t>
-        <a:bodyPr/>
-        <a:lstStyle/>
-        <a:p>
-          <a:endParaRPr lang="de-DE"/>
-        </a:p>
-      </dgm:t>
     </dgm:pt>
     <dgm:pt modelId="{57B634ED-9877-4988-A910-1E72805200C1}" type="pres">
       <dgm:prSet presAssocID="{9FB97EE0-DCD5-4156-8D38-FCFF580D44FD}" presName="hierChild4" presStyleCnt="0"/>
@@ -9919,13 +9283,6 @@
     <dgm:pt modelId="{C18E588E-D810-43F6-B8D0-371D7DDA551F}" type="pres">
       <dgm:prSet presAssocID="{62C9F470-4316-48F8-8263-FB85C0AF66D0}" presName="Name37" presStyleLbl="parChTrans1D2" presStyleIdx="1" presStyleCnt="7" custSzX="4289524" custSzY="306613"/>
       <dgm:spPr/>
-      <dgm:t>
-        <a:bodyPr/>
-        <a:lstStyle/>
-        <a:p>
-          <a:endParaRPr lang="de-DE"/>
-        </a:p>
-      </dgm:t>
     </dgm:pt>
     <dgm:pt modelId="{84EB36B9-62D1-4B5C-A597-7F19B7690CBB}" type="pres">
       <dgm:prSet presAssocID="{B6DB7651-7D81-4F5E-A74E-1CE9D132FFA1}" presName="hierRoot2" presStyleCnt="0">
@@ -9946,24 +9303,10 @@
         </dgm:presLayoutVars>
       </dgm:prSet>
       <dgm:spPr/>
-      <dgm:t>
-        <a:bodyPr/>
-        <a:lstStyle/>
-        <a:p>
-          <a:endParaRPr lang="de-DE"/>
-        </a:p>
-      </dgm:t>
     </dgm:pt>
     <dgm:pt modelId="{B05F8344-AFEA-433E-AB6E-DA6446A9FBE1}" type="pres">
       <dgm:prSet presAssocID="{B6DB7651-7D81-4F5E-A74E-1CE9D132FFA1}" presName="rootConnector" presStyleLbl="node2" presStyleIdx="1" presStyleCnt="7"/>
       <dgm:spPr/>
-      <dgm:t>
-        <a:bodyPr/>
-        <a:lstStyle/>
-        <a:p>
-          <a:endParaRPr lang="de-DE"/>
-        </a:p>
-      </dgm:t>
     </dgm:pt>
     <dgm:pt modelId="{D6EB8568-0C1F-45AB-B966-8E98CC819E16}" type="pres">
       <dgm:prSet presAssocID="{B6DB7651-7D81-4F5E-A74E-1CE9D132FFA1}" presName="hierChild4" presStyleCnt="0"/>
@@ -9976,13 +9319,6 @@
     <dgm:pt modelId="{766BDE4F-B05F-4DE9-9297-2C646DE2E6AF}" type="pres">
       <dgm:prSet presAssocID="{D3D0C99A-1A2F-48B9-92A7-B5D699B81BB4}" presName="Name37" presStyleLbl="parChTrans1D2" presStyleIdx="2" presStyleCnt="7" custSzX="2573714" custSzY="306613"/>
       <dgm:spPr/>
-      <dgm:t>
-        <a:bodyPr/>
-        <a:lstStyle/>
-        <a:p>
-          <a:endParaRPr lang="de-DE"/>
-        </a:p>
-      </dgm:t>
     </dgm:pt>
     <dgm:pt modelId="{1CBB0A5B-52FA-4FDC-A7F6-04043CF6D315}" type="pres">
       <dgm:prSet presAssocID="{DDAD9549-51AC-4852-8D1F-7853EE254EAB}" presName="hierRoot2" presStyleCnt="0">
@@ -10003,24 +9339,10 @@
         </dgm:presLayoutVars>
       </dgm:prSet>
       <dgm:spPr/>
-      <dgm:t>
-        <a:bodyPr/>
-        <a:lstStyle/>
-        <a:p>
-          <a:endParaRPr lang="de-DE"/>
-        </a:p>
-      </dgm:t>
     </dgm:pt>
     <dgm:pt modelId="{5BE1293F-E52E-4364-815E-BA964B2E313E}" type="pres">
       <dgm:prSet presAssocID="{DDAD9549-51AC-4852-8D1F-7853EE254EAB}" presName="rootConnector" presStyleLbl="node2" presStyleIdx="2" presStyleCnt="7"/>
       <dgm:spPr/>
-      <dgm:t>
-        <a:bodyPr/>
-        <a:lstStyle/>
-        <a:p>
-          <a:endParaRPr lang="de-DE"/>
-        </a:p>
-      </dgm:t>
     </dgm:pt>
     <dgm:pt modelId="{4DF886EB-5C4D-4256-BFCD-293C86C11368}" type="pres">
       <dgm:prSet presAssocID="{DDAD9549-51AC-4852-8D1F-7853EE254EAB}" presName="hierChild4" presStyleCnt="0"/>
@@ -10033,13 +9355,6 @@
     <dgm:pt modelId="{EBDEDD73-1A0D-448D-87EC-AF798632099F}" type="pres">
       <dgm:prSet presAssocID="{65A34516-2507-40EF-8E38-D5D5269E852E}" presName="Name37" presStyleLbl="parChTrans1D2" presStyleIdx="3" presStyleCnt="7" custSzX="857904" custSzY="306613"/>
       <dgm:spPr/>
-      <dgm:t>
-        <a:bodyPr/>
-        <a:lstStyle/>
-        <a:p>
-          <a:endParaRPr lang="de-DE"/>
-        </a:p>
-      </dgm:t>
     </dgm:pt>
     <dgm:pt modelId="{C82B6449-FC96-4809-891D-3F77115F2A6E}" type="pres">
       <dgm:prSet presAssocID="{3BD6BDA0-26C3-403D-88CB-AA822E74B732}" presName="hierRoot2" presStyleCnt="0">
@@ -10060,24 +9375,10 @@
         </dgm:presLayoutVars>
       </dgm:prSet>
       <dgm:spPr/>
-      <dgm:t>
-        <a:bodyPr/>
-        <a:lstStyle/>
-        <a:p>
-          <a:endParaRPr lang="de-DE"/>
-        </a:p>
-      </dgm:t>
     </dgm:pt>
     <dgm:pt modelId="{6A578C9B-36DC-47B6-B550-4B2973A0AD3E}" type="pres">
       <dgm:prSet presAssocID="{3BD6BDA0-26C3-403D-88CB-AA822E74B732}" presName="rootConnector" presStyleLbl="node2" presStyleIdx="3" presStyleCnt="7"/>
       <dgm:spPr/>
-      <dgm:t>
-        <a:bodyPr/>
-        <a:lstStyle/>
-        <a:p>
-          <a:endParaRPr lang="de-DE"/>
-        </a:p>
-      </dgm:t>
     </dgm:pt>
     <dgm:pt modelId="{AD9A910C-E527-4DA9-9196-9F0784AF9A03}" type="pres">
       <dgm:prSet presAssocID="{3BD6BDA0-26C3-403D-88CB-AA822E74B732}" presName="hierChild4" presStyleCnt="0"/>
@@ -10090,13 +9391,6 @@
     <dgm:pt modelId="{E5B64A66-98C3-4BB7-B533-49BBD6320137}" type="pres">
       <dgm:prSet presAssocID="{2C8BBE09-D937-4AF8-B69B-DA9CA12F6B02}" presName="Name37" presStyleLbl="parChTrans1D2" presStyleIdx="4" presStyleCnt="7" custSzX="857904" custSzY="306613"/>
       <dgm:spPr/>
-      <dgm:t>
-        <a:bodyPr/>
-        <a:lstStyle/>
-        <a:p>
-          <a:endParaRPr lang="de-DE"/>
-        </a:p>
-      </dgm:t>
     </dgm:pt>
     <dgm:pt modelId="{C9AC80DA-5C67-471C-A517-09C56065513F}" type="pres">
       <dgm:prSet presAssocID="{356BB6D9-A53C-40AA-9340-A57AFC579674}" presName="hierRoot2" presStyleCnt="0">
@@ -10117,24 +9411,10 @@
         </dgm:presLayoutVars>
       </dgm:prSet>
       <dgm:spPr/>
-      <dgm:t>
-        <a:bodyPr/>
-        <a:lstStyle/>
-        <a:p>
-          <a:endParaRPr lang="de-DE"/>
-        </a:p>
-      </dgm:t>
     </dgm:pt>
     <dgm:pt modelId="{A746DBFA-FF7B-450A-9600-1DCEA1D74B2C}" type="pres">
       <dgm:prSet presAssocID="{356BB6D9-A53C-40AA-9340-A57AFC579674}" presName="rootConnector" presStyleLbl="node2" presStyleIdx="4" presStyleCnt="7"/>
       <dgm:spPr/>
-      <dgm:t>
-        <a:bodyPr/>
-        <a:lstStyle/>
-        <a:p>
-          <a:endParaRPr lang="de-DE"/>
-        </a:p>
-      </dgm:t>
     </dgm:pt>
     <dgm:pt modelId="{D6908B42-389D-4B5A-BA13-88E673F4D8AC}" type="pres">
       <dgm:prSet presAssocID="{356BB6D9-A53C-40AA-9340-A57AFC579674}" presName="hierChild4" presStyleCnt="0"/>
@@ -10147,13 +9427,6 @@
     <dgm:pt modelId="{0D5A4952-58DB-4379-A0FF-9CF9AA8B30A9}" type="pres">
       <dgm:prSet presAssocID="{78879A09-8796-42CA-8554-7D4602B98BE0}" presName="Name37" presStyleLbl="parChTrans1D2" presStyleIdx="5" presStyleCnt="7" custSzX="2573714" custSzY="306613"/>
       <dgm:spPr/>
-      <dgm:t>
-        <a:bodyPr/>
-        <a:lstStyle/>
-        <a:p>
-          <a:endParaRPr lang="de-DE"/>
-        </a:p>
-      </dgm:t>
     </dgm:pt>
     <dgm:pt modelId="{D2909641-ED8A-4F63-8E22-D0C2F560868D}" type="pres">
       <dgm:prSet presAssocID="{4CBA4916-03C1-4A6B-AF7E-954DE1AB4700}" presName="hierRoot2" presStyleCnt="0">
@@ -10174,24 +9447,10 @@
         </dgm:presLayoutVars>
       </dgm:prSet>
       <dgm:spPr/>
-      <dgm:t>
-        <a:bodyPr/>
-        <a:lstStyle/>
-        <a:p>
-          <a:endParaRPr lang="de-DE"/>
-        </a:p>
-      </dgm:t>
     </dgm:pt>
     <dgm:pt modelId="{4434DAB3-9F54-4E34-870E-DE4B9CBDF485}" type="pres">
       <dgm:prSet presAssocID="{4CBA4916-03C1-4A6B-AF7E-954DE1AB4700}" presName="rootConnector" presStyleLbl="node2" presStyleIdx="5" presStyleCnt="7"/>
       <dgm:spPr/>
-      <dgm:t>
-        <a:bodyPr/>
-        <a:lstStyle/>
-        <a:p>
-          <a:endParaRPr lang="de-DE"/>
-        </a:p>
-      </dgm:t>
     </dgm:pt>
     <dgm:pt modelId="{6D49527A-6F9D-48D3-82C3-4CC6BEAC2FC9}" type="pres">
       <dgm:prSet presAssocID="{4CBA4916-03C1-4A6B-AF7E-954DE1AB4700}" presName="hierChild4" presStyleCnt="0"/>
@@ -10204,13 +9463,6 @@
     <dgm:pt modelId="{AC7F4E16-96FE-497B-BF0B-5656787227AF}" type="pres">
       <dgm:prSet presAssocID="{C117095E-5E26-4FE9-A2E8-EA1C4CC44EEB}" presName="Name37" presStyleLbl="parChTrans1D2" presStyleIdx="6" presStyleCnt="7" custSzX="2573714" custSzY="306613"/>
       <dgm:spPr/>
-      <dgm:t>
-        <a:bodyPr/>
-        <a:lstStyle/>
-        <a:p>
-          <a:endParaRPr lang="de-DE"/>
-        </a:p>
-      </dgm:t>
     </dgm:pt>
     <dgm:pt modelId="{42C95E19-B713-4536-A9E9-4D1F73338EC0}" type="pres">
       <dgm:prSet presAssocID="{264BE61B-92A3-4AD0-8A98-24C10B153985}" presName="hierRoot2" presStyleCnt="0">
@@ -10231,24 +9483,10 @@
         </dgm:presLayoutVars>
       </dgm:prSet>
       <dgm:spPr/>
-      <dgm:t>
-        <a:bodyPr/>
-        <a:lstStyle/>
-        <a:p>
-          <a:endParaRPr lang="de-DE"/>
-        </a:p>
-      </dgm:t>
     </dgm:pt>
     <dgm:pt modelId="{7374C554-11B3-48EB-9740-621AA1D8993C}" type="pres">
       <dgm:prSet presAssocID="{264BE61B-92A3-4AD0-8A98-24C10B153985}" presName="rootConnector" presStyleLbl="node2" presStyleIdx="6" presStyleCnt="7"/>
       <dgm:spPr/>
-      <dgm:t>
-        <a:bodyPr/>
-        <a:lstStyle/>
-        <a:p>
-          <a:endParaRPr lang="de-DE"/>
-        </a:p>
-      </dgm:t>
     </dgm:pt>
     <dgm:pt modelId="{71AA5CDD-7E62-4184-B1AA-3B2AE5CCE5F2}" type="pres">
       <dgm:prSet presAssocID="{264BE61B-92A3-4AD0-8A98-24C10B153985}" presName="hierChild4" presStyleCnt="0"/>
@@ -10264,38 +9502,38 @@
     </dgm:pt>
   </dgm:ptLst>
   <dgm:cxnLst>
+    <dgm:cxn modelId="{A3C2930D-A995-4A13-B150-06E24AD2829B}" type="presOf" srcId="{DDAD9549-51AC-4852-8D1F-7853EE254EAB}" destId="{CB31C50E-0282-4D4F-B0CC-4E9722E2149F}" srcOrd="0" destOrd="0" presId="urn:microsoft.com/office/officeart/2005/8/layout/orgChart1"/>
+    <dgm:cxn modelId="{B4E7DB18-52DD-4DFE-8AFF-C229CF58B7D7}" type="presOf" srcId="{4CBA4916-03C1-4A6B-AF7E-954DE1AB4700}" destId="{4434DAB3-9F54-4E34-870E-DE4B9CBDF485}" srcOrd="1" destOrd="0" presId="urn:microsoft.com/office/officeart/2005/8/layout/orgChart1"/>
+    <dgm:cxn modelId="{62883920-89A2-4BE4-8F42-A58C851505DE}" type="presOf" srcId="{264BE61B-92A3-4AD0-8A98-24C10B153985}" destId="{ABA442A2-AB17-4DFA-A6A0-AF866B22BE45}" srcOrd="0" destOrd="0" presId="urn:microsoft.com/office/officeart/2005/8/layout/orgChart1"/>
+    <dgm:cxn modelId="{9D023827-73D4-4F3E-86D4-86A7255FA673}" type="presOf" srcId="{356BB6D9-A53C-40AA-9340-A57AFC579674}" destId="{8A836A0C-FAC7-4158-B0FF-92C12F5D70AB}" srcOrd="0" destOrd="0" presId="urn:microsoft.com/office/officeart/2005/8/layout/orgChart1"/>
+    <dgm:cxn modelId="{4A065327-F67C-478E-8018-E87F817897E3}" type="presOf" srcId="{65A34516-2507-40EF-8E38-D5D5269E852E}" destId="{EBDEDD73-1A0D-448D-87EC-AF798632099F}" srcOrd="0" destOrd="0" presId="urn:microsoft.com/office/officeart/2005/8/layout/orgChart1"/>
+    <dgm:cxn modelId="{E184953C-0694-4CD0-8632-E1BD3BAD7A6B}" type="presOf" srcId="{DDAD9549-51AC-4852-8D1F-7853EE254EAB}" destId="{5BE1293F-E52E-4364-815E-BA964B2E313E}" srcOrd="1" destOrd="0" presId="urn:microsoft.com/office/officeart/2005/8/layout/orgChart1"/>
+    <dgm:cxn modelId="{F032C83C-2CDE-4DF1-A8DC-B85E12986189}" type="presOf" srcId="{3A6AA12D-C2E9-4BD8-BD2C-3FE7294AFEB9}" destId="{3DD70376-3E3F-43E1-B2C6-956970C172ED}" srcOrd="0" destOrd="0" presId="urn:microsoft.com/office/officeart/2005/8/layout/orgChart1"/>
+    <dgm:cxn modelId="{A3F7D13C-4D29-4266-9044-E2412572E380}" srcId="{3A6AA12D-C2E9-4BD8-BD2C-3FE7294AFEB9}" destId="{264BE61B-92A3-4AD0-8A98-24C10B153985}" srcOrd="6" destOrd="0" parTransId="{C117095E-5E26-4FE9-A2E8-EA1C4CC44EEB}" sibTransId="{6FF6C917-CB46-40CE-B03F-5DBDA20649EB}"/>
+    <dgm:cxn modelId="{9FC21D5B-06BC-49E5-8C4E-F480E835FE0A}" srcId="{3A6AA12D-C2E9-4BD8-BD2C-3FE7294AFEB9}" destId="{3BD6BDA0-26C3-403D-88CB-AA822E74B732}" srcOrd="3" destOrd="0" parTransId="{65A34516-2507-40EF-8E38-D5D5269E852E}" sibTransId="{875E4EA7-E344-4050-AAC7-9D78DAA4E1B4}"/>
+    <dgm:cxn modelId="{2A57BB48-EEA3-4D82-82C5-A5CCD73690B9}" type="presOf" srcId="{4CBA4916-03C1-4A6B-AF7E-954DE1AB4700}" destId="{6E21471F-70DD-425A-96EB-D138019D0017}" srcOrd="0" destOrd="0" presId="urn:microsoft.com/office/officeart/2005/8/layout/orgChart1"/>
+    <dgm:cxn modelId="{06EAE96A-939C-4E13-8405-E08EE8AA498F}" type="presOf" srcId="{9FB97EE0-DCD5-4156-8D38-FCFF580D44FD}" destId="{2D7AE81F-8C7C-4CA7-9284-3B78B04D4886}" srcOrd="1" destOrd="0" presId="urn:microsoft.com/office/officeart/2005/8/layout/orgChart1"/>
+    <dgm:cxn modelId="{DF6C7C4B-810F-4B4F-8577-277D98D6FA11}" srcId="{3A6AA12D-C2E9-4BD8-BD2C-3FE7294AFEB9}" destId="{9FB97EE0-DCD5-4156-8D38-FCFF580D44FD}" srcOrd="0" destOrd="0" parTransId="{FF1888FE-33B9-4643-AE7A-09A40E256103}" sibTransId="{58FFF5EC-3E90-4DDD-A670-28424277750F}"/>
+    <dgm:cxn modelId="{D8D3036D-63BE-483E-B0AF-FD04F63D2A49}" type="presOf" srcId="{3A6AA12D-C2E9-4BD8-BD2C-3FE7294AFEB9}" destId="{9AB5A911-E489-48AE-B687-7440697238B3}" srcOrd="1" destOrd="0" presId="urn:microsoft.com/office/officeart/2005/8/layout/orgChart1"/>
+    <dgm:cxn modelId="{D9250A6D-5BAB-4CFE-A162-D8794785B445}" type="presOf" srcId="{C117095E-5E26-4FE9-A2E8-EA1C4CC44EEB}" destId="{AC7F4E16-96FE-497B-BF0B-5656787227AF}" srcOrd="0" destOrd="0" presId="urn:microsoft.com/office/officeart/2005/8/layout/orgChart1"/>
+    <dgm:cxn modelId="{7D163A4F-193A-4940-A8BA-4CE1BE9E84D8}" type="presOf" srcId="{FF1888FE-33B9-4643-AE7A-09A40E256103}" destId="{1F1BF832-7D6F-4314-8A20-B77ADD6E09FD}" srcOrd="0" destOrd="0" presId="urn:microsoft.com/office/officeart/2005/8/layout/orgChart1"/>
+    <dgm:cxn modelId="{35F84B56-B58F-42F6-8D42-4E794C0A3AEE}" type="presOf" srcId="{3BD6BDA0-26C3-403D-88CB-AA822E74B732}" destId="{609EB9A4-2680-422B-ADA3-4CA28FF595B7}" srcOrd="0" destOrd="0" presId="urn:microsoft.com/office/officeart/2005/8/layout/orgChart1"/>
+    <dgm:cxn modelId="{E5C03097-8C23-405D-8CB3-ED598E296DC3}" srcId="{3A6AA12D-C2E9-4BD8-BD2C-3FE7294AFEB9}" destId="{4CBA4916-03C1-4A6B-AF7E-954DE1AB4700}" srcOrd="5" destOrd="0" parTransId="{78879A09-8796-42CA-8554-7D4602B98BE0}" sibTransId="{D1522DCD-FAB1-4478-862F-3D1E39FDE66C}"/>
     <dgm:cxn modelId="{DFEFC1A0-1FC4-4E95-B9C9-0F449C95655C}" type="presOf" srcId="{D3D0C99A-1A2F-48B9-92A7-B5D699B81BB4}" destId="{766BDE4F-B05F-4DE9-9297-2C646DE2E6AF}" srcOrd="0" destOrd="0" presId="urn:microsoft.com/office/officeart/2005/8/layout/orgChart1"/>
-    <dgm:cxn modelId="{28AD6DC2-7F70-4CF1-BE69-A0B726F63C93}" type="presOf" srcId="{B6DB7651-7D81-4F5E-A74E-1CE9D132FFA1}" destId="{B05F8344-AFEA-433E-AB6E-DA6446A9FBE1}" srcOrd="1" destOrd="0" presId="urn:microsoft.com/office/officeart/2005/8/layout/orgChart1"/>
-    <dgm:cxn modelId="{408FDCD7-6D9B-4919-8D87-FEE836EC6689}" type="presOf" srcId="{3BD6BDA0-26C3-403D-88CB-AA822E74B732}" destId="{6A578C9B-36DC-47B6-B550-4B2973A0AD3E}" srcOrd="1" destOrd="0" presId="urn:microsoft.com/office/officeart/2005/8/layout/orgChart1"/>
-    <dgm:cxn modelId="{06EAE96A-939C-4E13-8405-E08EE8AA498F}" type="presOf" srcId="{9FB97EE0-DCD5-4156-8D38-FCFF580D44FD}" destId="{2D7AE81F-8C7C-4CA7-9284-3B78B04D4886}" srcOrd="1" destOrd="0" presId="urn:microsoft.com/office/officeart/2005/8/layout/orgChart1"/>
     <dgm:cxn modelId="{64AF36A2-FAAE-4A6F-8408-0DAA70EF67D3}" srcId="{D0A0F61B-4303-4677-84F2-61B7E1A91C18}" destId="{3A6AA12D-C2E9-4BD8-BD2C-3FE7294AFEB9}" srcOrd="0" destOrd="0" parTransId="{CB68BD35-2E0D-48E5-8A70-3DF166BD3AE0}" sibTransId="{279954E4-66B2-4DF1-BBD5-CB4E7B281C1D}"/>
-    <dgm:cxn modelId="{35F84B56-B58F-42F6-8D42-4E794C0A3AEE}" type="presOf" srcId="{3BD6BDA0-26C3-403D-88CB-AA822E74B732}" destId="{609EB9A4-2680-422B-ADA3-4CA28FF595B7}" srcOrd="0" destOrd="0" presId="urn:microsoft.com/office/officeart/2005/8/layout/orgChart1"/>
-    <dgm:cxn modelId="{9AD0BDD7-F197-4817-B06F-E9BE49EF1F01}" type="presOf" srcId="{264BE61B-92A3-4AD0-8A98-24C10B153985}" destId="{7374C554-11B3-48EB-9740-621AA1D8993C}" srcOrd="1" destOrd="0" presId="urn:microsoft.com/office/officeart/2005/8/layout/orgChart1"/>
-    <dgm:cxn modelId="{62883920-89A2-4BE4-8F42-A58C851505DE}" type="presOf" srcId="{264BE61B-92A3-4AD0-8A98-24C10B153985}" destId="{ABA442A2-AB17-4DFA-A6A0-AF866B22BE45}" srcOrd="0" destOrd="0" presId="urn:microsoft.com/office/officeart/2005/8/layout/orgChart1"/>
+    <dgm:cxn modelId="{B7DD91A3-CCE7-4CB4-B37C-53FDDC6BA836}" type="presOf" srcId="{2C8BBE09-D937-4AF8-B69B-DA9CA12F6B02}" destId="{E5B64A66-98C3-4BB7-B533-49BBD6320137}" srcOrd="0" destOrd="0" presId="urn:microsoft.com/office/officeart/2005/8/layout/orgChart1"/>
     <dgm:cxn modelId="{66931EAC-E36B-4C7E-B667-75F915330C0D}" srcId="{3A6AA12D-C2E9-4BD8-BD2C-3FE7294AFEB9}" destId="{DDAD9549-51AC-4852-8D1F-7853EE254EAB}" srcOrd="2" destOrd="0" parTransId="{D3D0C99A-1A2F-48B9-92A7-B5D699B81BB4}" sibTransId="{4D69A56D-7A7B-4814-81BC-D8408374810F}"/>
-    <dgm:cxn modelId="{A3C2930D-A995-4A13-B150-06E24AD2829B}" type="presOf" srcId="{DDAD9549-51AC-4852-8D1F-7853EE254EAB}" destId="{CB31C50E-0282-4D4F-B0CC-4E9722E2149F}" srcOrd="0" destOrd="0" presId="urn:microsoft.com/office/officeart/2005/8/layout/orgChart1"/>
-    <dgm:cxn modelId="{F032C83C-2CDE-4DF1-A8DC-B85E12986189}" type="presOf" srcId="{3A6AA12D-C2E9-4BD8-BD2C-3FE7294AFEB9}" destId="{3DD70376-3E3F-43E1-B2C6-956970C172ED}" srcOrd="0" destOrd="0" presId="urn:microsoft.com/office/officeart/2005/8/layout/orgChart1"/>
-    <dgm:cxn modelId="{41CA94F0-5A8E-4ACB-8F43-2EE3CFC41C3F}" srcId="{3A6AA12D-C2E9-4BD8-BD2C-3FE7294AFEB9}" destId="{B6DB7651-7D81-4F5E-A74E-1CE9D132FFA1}" srcOrd="1" destOrd="0" parTransId="{62C9F470-4316-48F8-8263-FB85C0AF66D0}" sibTransId="{DB3F6F20-C891-487A-A115-B4C419FAC740}"/>
-    <dgm:cxn modelId="{7D163A4F-193A-4940-A8BA-4CE1BE9E84D8}" type="presOf" srcId="{FF1888FE-33B9-4643-AE7A-09A40E256103}" destId="{1F1BF832-7D6F-4314-8A20-B77ADD6E09FD}" srcOrd="0" destOrd="0" presId="urn:microsoft.com/office/officeart/2005/8/layout/orgChart1"/>
-    <dgm:cxn modelId="{B7DD91A3-CCE7-4CB4-B37C-53FDDC6BA836}" type="presOf" srcId="{2C8BBE09-D937-4AF8-B69B-DA9CA12F6B02}" destId="{E5B64A66-98C3-4BB7-B533-49BBD6320137}" srcOrd="0" destOrd="0" presId="urn:microsoft.com/office/officeart/2005/8/layout/orgChart1"/>
-    <dgm:cxn modelId="{4A065327-F67C-478E-8018-E87F817897E3}" type="presOf" srcId="{65A34516-2507-40EF-8E38-D5D5269E852E}" destId="{EBDEDD73-1A0D-448D-87EC-AF798632099F}" srcOrd="0" destOrd="0" presId="urn:microsoft.com/office/officeart/2005/8/layout/orgChart1"/>
-    <dgm:cxn modelId="{D8D3036D-63BE-483E-B0AF-FD04F63D2A49}" type="presOf" srcId="{3A6AA12D-C2E9-4BD8-BD2C-3FE7294AFEB9}" destId="{9AB5A911-E489-48AE-B687-7440697238B3}" srcOrd="1" destOrd="0" presId="urn:microsoft.com/office/officeart/2005/8/layout/orgChart1"/>
-    <dgm:cxn modelId="{2A57BB48-EEA3-4D82-82C5-A5CCD73690B9}" type="presOf" srcId="{4CBA4916-03C1-4A6B-AF7E-954DE1AB4700}" destId="{6E21471F-70DD-425A-96EB-D138019D0017}" srcOrd="0" destOrd="0" presId="urn:microsoft.com/office/officeart/2005/8/layout/orgChart1"/>
-    <dgm:cxn modelId="{E184953C-0694-4CD0-8632-E1BD3BAD7A6B}" type="presOf" srcId="{DDAD9549-51AC-4852-8D1F-7853EE254EAB}" destId="{5BE1293F-E52E-4364-815E-BA964B2E313E}" srcOrd="1" destOrd="0" presId="urn:microsoft.com/office/officeart/2005/8/layout/orgChart1"/>
-    <dgm:cxn modelId="{D9250A6D-5BAB-4CFE-A162-D8794785B445}" type="presOf" srcId="{C117095E-5E26-4FE9-A2E8-EA1C4CC44EEB}" destId="{AC7F4E16-96FE-497B-BF0B-5656787227AF}" srcOrd="0" destOrd="0" presId="urn:microsoft.com/office/officeart/2005/8/layout/orgChart1"/>
-    <dgm:cxn modelId="{B62A91E6-1B1E-4C73-880C-82235C311D16}" type="presOf" srcId="{D0A0F61B-4303-4677-84F2-61B7E1A91C18}" destId="{CB5D569C-B44B-4308-B27F-633455E5871F}" srcOrd="0" destOrd="0" presId="urn:microsoft.com/office/officeart/2005/8/layout/orgChart1"/>
-    <dgm:cxn modelId="{E5C03097-8C23-405D-8CB3-ED598E296DC3}" srcId="{3A6AA12D-C2E9-4BD8-BD2C-3FE7294AFEB9}" destId="{4CBA4916-03C1-4A6B-AF7E-954DE1AB4700}" srcOrd="5" destOrd="0" parTransId="{78879A09-8796-42CA-8554-7D4602B98BE0}" sibTransId="{D1522DCD-FAB1-4478-862F-3D1E39FDE66C}"/>
-    <dgm:cxn modelId="{B4E7DB18-52DD-4DFE-8AFF-C229CF58B7D7}" type="presOf" srcId="{4CBA4916-03C1-4A6B-AF7E-954DE1AB4700}" destId="{4434DAB3-9F54-4E34-870E-DE4B9CBDF485}" srcOrd="1" destOrd="0" presId="urn:microsoft.com/office/officeart/2005/8/layout/orgChart1"/>
-    <dgm:cxn modelId="{DF6C7C4B-810F-4B4F-8577-277D98D6FA11}" srcId="{3A6AA12D-C2E9-4BD8-BD2C-3FE7294AFEB9}" destId="{9FB97EE0-DCD5-4156-8D38-FCFF580D44FD}" srcOrd="0" destOrd="0" parTransId="{FF1888FE-33B9-4643-AE7A-09A40E256103}" sibTransId="{58FFF5EC-3E90-4DDD-A670-28424277750F}"/>
-    <dgm:cxn modelId="{D6DD01DF-9AA7-4FCC-9B56-5694F179575B}" type="presOf" srcId="{356BB6D9-A53C-40AA-9340-A57AFC579674}" destId="{A746DBFA-FF7B-450A-9600-1DCEA1D74B2C}" srcOrd="1" destOrd="0" presId="urn:microsoft.com/office/officeart/2005/8/layout/orgChart1"/>
-    <dgm:cxn modelId="{4A4D75DE-8916-4725-9070-945E3EED449F}" type="presOf" srcId="{62C9F470-4316-48F8-8263-FB85C0AF66D0}" destId="{C18E588E-D810-43F6-B8D0-371D7DDA551F}" srcOrd="0" destOrd="0" presId="urn:microsoft.com/office/officeart/2005/8/layout/orgChart1"/>
+    <dgm:cxn modelId="{11A413AD-5B67-4931-87CE-EF433FEA3739}" srcId="{3A6AA12D-C2E9-4BD8-BD2C-3FE7294AFEB9}" destId="{356BB6D9-A53C-40AA-9340-A57AFC579674}" srcOrd="4" destOrd="0" parTransId="{2C8BBE09-D937-4AF8-B69B-DA9CA12F6B02}" sibTransId="{2321DCB6-A69E-4DF4-BE16-88C5FCCE48DC}"/>
     <dgm:cxn modelId="{A464E7B9-0D77-4D52-BEF7-9D604FF3DC08}" type="presOf" srcId="{9FB97EE0-DCD5-4156-8D38-FCFF580D44FD}" destId="{BCA0F817-645B-4DF6-B98A-68FC4A66FB72}" srcOrd="0" destOrd="0" presId="urn:microsoft.com/office/officeart/2005/8/layout/orgChart1"/>
     <dgm:cxn modelId="{D4EFCBBC-F070-4F79-A9F1-362C22BB94FE}" type="presOf" srcId="{B6DB7651-7D81-4F5E-A74E-1CE9D132FFA1}" destId="{919252C1-5E8F-4C1E-8B07-9019D6B598DF}" srcOrd="0" destOrd="0" presId="urn:microsoft.com/office/officeart/2005/8/layout/orgChart1"/>
-    <dgm:cxn modelId="{9D023827-73D4-4F3E-86D4-86A7255FA673}" type="presOf" srcId="{356BB6D9-A53C-40AA-9340-A57AFC579674}" destId="{8A836A0C-FAC7-4158-B0FF-92C12F5D70AB}" srcOrd="0" destOrd="0" presId="urn:microsoft.com/office/officeart/2005/8/layout/orgChart1"/>
+    <dgm:cxn modelId="{28AD6DC2-7F70-4CF1-BE69-A0B726F63C93}" type="presOf" srcId="{B6DB7651-7D81-4F5E-A74E-1CE9D132FFA1}" destId="{B05F8344-AFEA-433E-AB6E-DA6446A9FBE1}" srcOrd="1" destOrd="0" presId="urn:microsoft.com/office/officeart/2005/8/layout/orgChart1"/>
+    <dgm:cxn modelId="{9AD0BDD7-F197-4817-B06F-E9BE49EF1F01}" type="presOf" srcId="{264BE61B-92A3-4AD0-8A98-24C10B153985}" destId="{7374C554-11B3-48EB-9740-621AA1D8993C}" srcOrd="1" destOrd="0" presId="urn:microsoft.com/office/officeart/2005/8/layout/orgChart1"/>
+    <dgm:cxn modelId="{408FDCD7-6D9B-4919-8D87-FEE836EC6689}" type="presOf" srcId="{3BD6BDA0-26C3-403D-88CB-AA822E74B732}" destId="{6A578C9B-36DC-47B6-B550-4B2973A0AD3E}" srcOrd="1" destOrd="0" presId="urn:microsoft.com/office/officeart/2005/8/layout/orgChart1"/>
+    <dgm:cxn modelId="{4A4D75DE-8916-4725-9070-945E3EED449F}" type="presOf" srcId="{62C9F470-4316-48F8-8263-FB85C0AF66D0}" destId="{C18E588E-D810-43F6-B8D0-371D7DDA551F}" srcOrd="0" destOrd="0" presId="urn:microsoft.com/office/officeart/2005/8/layout/orgChart1"/>
+    <dgm:cxn modelId="{D6DD01DF-9AA7-4FCC-9B56-5694F179575B}" type="presOf" srcId="{356BB6D9-A53C-40AA-9340-A57AFC579674}" destId="{A746DBFA-FF7B-450A-9600-1DCEA1D74B2C}" srcOrd="1" destOrd="0" presId="urn:microsoft.com/office/officeart/2005/8/layout/orgChart1"/>
+    <dgm:cxn modelId="{B62A91E6-1B1E-4C73-880C-82235C311D16}" type="presOf" srcId="{D0A0F61B-4303-4677-84F2-61B7E1A91C18}" destId="{CB5D569C-B44B-4308-B27F-633455E5871F}" srcOrd="0" destOrd="0" presId="urn:microsoft.com/office/officeart/2005/8/layout/orgChart1"/>
     <dgm:cxn modelId="{D8771FEA-5C29-4C98-9410-A0D7FBC06628}" type="presOf" srcId="{78879A09-8796-42CA-8554-7D4602B98BE0}" destId="{0D5A4952-58DB-4379-A0FF-9CF9AA8B30A9}" srcOrd="0" destOrd="0" presId="urn:microsoft.com/office/officeart/2005/8/layout/orgChart1"/>
-    <dgm:cxn modelId="{9FC21D5B-06BC-49E5-8C4E-F480E835FE0A}" srcId="{3A6AA12D-C2E9-4BD8-BD2C-3FE7294AFEB9}" destId="{3BD6BDA0-26C3-403D-88CB-AA822E74B732}" srcOrd="3" destOrd="0" parTransId="{65A34516-2507-40EF-8E38-D5D5269E852E}" sibTransId="{875E4EA7-E344-4050-AAC7-9D78DAA4E1B4}"/>
-    <dgm:cxn modelId="{A3F7D13C-4D29-4266-9044-E2412572E380}" srcId="{3A6AA12D-C2E9-4BD8-BD2C-3FE7294AFEB9}" destId="{264BE61B-92A3-4AD0-8A98-24C10B153985}" srcOrd="6" destOrd="0" parTransId="{C117095E-5E26-4FE9-A2E8-EA1C4CC44EEB}" sibTransId="{6FF6C917-CB46-40CE-B03F-5DBDA20649EB}"/>
-    <dgm:cxn modelId="{11A413AD-5B67-4931-87CE-EF433FEA3739}" srcId="{3A6AA12D-C2E9-4BD8-BD2C-3FE7294AFEB9}" destId="{356BB6D9-A53C-40AA-9340-A57AFC579674}" srcOrd="4" destOrd="0" parTransId="{2C8BBE09-D937-4AF8-B69B-DA9CA12F6B02}" sibTransId="{2321DCB6-A69E-4DF4-BE16-88C5FCCE48DC}"/>
+    <dgm:cxn modelId="{41CA94F0-5A8E-4ACB-8F43-2EE3CFC41C3F}" srcId="{3A6AA12D-C2E9-4BD8-BD2C-3FE7294AFEB9}" destId="{B6DB7651-7D81-4F5E-A74E-1CE9D132FFA1}" srcOrd="1" destOrd="0" parTransId="{62C9F470-4316-48F8-8263-FB85C0AF66D0}" sibTransId="{DB3F6F20-C891-487A-A115-B4C419FAC740}"/>
     <dgm:cxn modelId="{29057BAA-5C17-4DE3-9C01-9B8EEED7853B}" type="presParOf" srcId="{CB5D569C-B44B-4308-B27F-633455E5871F}" destId="{AB795A0E-3C7B-47E3-BC47-3534A54F9190}" srcOrd="0" destOrd="0" presId="urn:microsoft.com/office/officeart/2005/8/layout/orgChart1"/>
     <dgm:cxn modelId="{C071476A-4F93-452C-84C5-CEDF2FDC26FF}" type="presParOf" srcId="{AB795A0E-3C7B-47E3-BC47-3534A54F9190}" destId="{6AEEC0CB-D732-40ED-98C7-E88C954633C1}" srcOrd="0" destOrd="0" presId="urn:microsoft.com/office/officeart/2005/8/layout/orgChart1"/>
     <dgm:cxn modelId="{11A92872-9377-4006-B8FD-92DA524FCEE7}" type="presParOf" srcId="{6AEEC0CB-D732-40ED-98C7-E88C954633C1}" destId="{3DD70376-3E3F-43E1-B2C6-956970C172ED}" srcOrd="0" destOrd="0" presId="urn:microsoft.com/office/officeart/2005/8/layout/orgChart1"/>
@@ -10358,7 +9596,7 @@
   <dgm:whole/>
   <dgm:extLst>
     <a:ext uri="http://schemas.microsoft.com/office/drawing/2008/diagram">
-      <dsp:dataModelExt xmlns:dsp="http://schemas.microsoft.com/office/drawing/2008/diagram" xmlns="" relId="rId6" minVer="http://schemas.openxmlformats.org/drawingml/2006/diagram"/>
+      <dsp:dataModelExt xmlns:dsp="http://schemas.microsoft.com/office/drawing/2008/diagram" relId="rId6" minVer="http://schemas.openxmlformats.org/drawingml/2006/diagram"/>
     </a:ext>
   </dgm:extLst>
 </dgm:dataModel>
@@ -10610,13 +9848,6 @@
         </dgm:presLayoutVars>
       </dgm:prSet>
       <dgm:spPr/>
-      <dgm:t>
-        <a:bodyPr/>
-        <a:lstStyle/>
-        <a:p>
-          <a:endParaRPr lang="de-DE"/>
-        </a:p>
-      </dgm:t>
     </dgm:pt>
     <dgm:pt modelId="{081C4271-97C9-4585-AD8B-C94394E078D9}" type="pres">
       <dgm:prSet presAssocID="{05902AA6-96DF-4A3D-9275-8D48946301A5}" presName="arrow" presStyleLbl="bgShp" presStyleIdx="0" presStyleCnt="1"/>
@@ -10633,13 +9864,6 @@
         </dgm:presLayoutVars>
       </dgm:prSet>
       <dgm:spPr/>
-      <dgm:t>
-        <a:bodyPr/>
-        <a:lstStyle/>
-        <a:p>
-          <a:endParaRPr lang="de-DE"/>
-        </a:p>
-      </dgm:t>
     </dgm:pt>
     <dgm:pt modelId="{9D28D710-BADF-4EAD-8656-CCB573ED810B}" type="pres">
       <dgm:prSet presAssocID="{91AA41A5-345C-4889-8411-441251CBEFD2}" presName="sibTrans" presStyleCnt="0"/>
@@ -10652,13 +9876,6 @@
         </dgm:presLayoutVars>
       </dgm:prSet>
       <dgm:spPr/>
-      <dgm:t>
-        <a:bodyPr/>
-        <a:lstStyle/>
-        <a:p>
-          <a:endParaRPr lang="de-DE"/>
-        </a:p>
-      </dgm:t>
     </dgm:pt>
     <dgm:pt modelId="{34F7EBCD-0FC3-4A25-903E-A0C5299C0037}" type="pres">
       <dgm:prSet presAssocID="{F327EB18-4ACB-4AE1-ACE6-3D6FD7D0F317}" presName="sibTrans" presStyleCnt="0"/>
@@ -10671,13 +9888,6 @@
         </dgm:presLayoutVars>
       </dgm:prSet>
       <dgm:spPr/>
-      <dgm:t>
-        <a:bodyPr/>
-        <a:lstStyle/>
-        <a:p>
-          <a:endParaRPr lang="de-DE"/>
-        </a:p>
-      </dgm:t>
     </dgm:pt>
     <dgm:pt modelId="{7CD19C5C-27C4-4B0E-BDB5-6CE424201113}" type="pres">
       <dgm:prSet presAssocID="{4B2ABB52-9FEA-49BA-887A-7F45422BFC24}" presName="sibTrans" presStyleCnt="0"/>
@@ -10690,13 +9900,6 @@
         </dgm:presLayoutVars>
       </dgm:prSet>
       <dgm:spPr/>
-      <dgm:t>
-        <a:bodyPr/>
-        <a:lstStyle/>
-        <a:p>
-          <a:endParaRPr lang="de-DE"/>
-        </a:p>
-      </dgm:t>
     </dgm:pt>
     <dgm:pt modelId="{C7217561-D396-4B81-879A-04ECBF494CE2}" type="pres">
       <dgm:prSet presAssocID="{871AE1BC-3E0F-4139-B438-5261D7C54CD2}" presName="sibTrans" presStyleCnt="0"/>
@@ -10709,29 +9912,22 @@
         </dgm:presLayoutVars>
       </dgm:prSet>
       <dgm:spPr/>
-      <dgm:t>
-        <a:bodyPr/>
-        <a:lstStyle/>
-        <a:p>
-          <a:endParaRPr lang="de-DE"/>
-        </a:p>
-      </dgm:t>
     </dgm:pt>
   </dgm:ptLst>
   <dgm:cxnLst>
+    <dgm:cxn modelId="{26AE701B-46BC-4DC0-A279-0037F59E523D}" type="presOf" srcId="{EF587930-82B3-41BE-A00D-F64F81FCCFF8}" destId="{D18F99D5-99F8-4161-9EB2-CB4843E7331F}" srcOrd="0" destOrd="0" presId="urn:microsoft.com/office/officeart/2005/8/layout/hProcess9"/>
     <dgm:cxn modelId="{E7C9C71C-248C-4720-9D23-F11DAE3252FC}" srcId="{05902AA6-96DF-4A3D-9275-8D48946301A5}" destId="{A431A3E8-81A4-402D-8550-B73C5ABB7530}" srcOrd="3" destOrd="0" parTransId="{0F6F4F94-4E81-42E3-BBF5-74365704F1D2}" sibTransId="{871AE1BC-3E0F-4139-B438-5261D7C54CD2}"/>
-    <dgm:cxn modelId="{F27DA3F7-DF95-4C95-99D7-2293EB3204B8}" srcId="{05902AA6-96DF-4A3D-9275-8D48946301A5}" destId="{EF587930-82B3-41BE-A00D-F64F81FCCFF8}" srcOrd="2" destOrd="0" parTransId="{1526125A-2D27-45FE-93E5-1A31AA34B547}" sibTransId="{4B2ABB52-9FEA-49BA-887A-7F45422BFC24}"/>
+    <dgm:cxn modelId="{423D7C1E-38C6-460F-A635-33BEACFEE653}" type="presOf" srcId="{209D9134-9B0A-46B8-A978-A46D3AB9A70B}" destId="{83AA8CCA-D335-4A93-AC1C-330B5DA904F3}" srcOrd="0" destOrd="1" presId="urn:microsoft.com/office/officeart/2005/8/layout/hProcess9"/>
     <dgm:cxn modelId="{44D33822-6320-4724-9338-448AC3797ABB}" type="presOf" srcId="{CAE99879-3F37-4933-8F2E-41550FF57BA5}" destId="{1B95D6BE-54AC-486B-960D-5BBA9E945FAA}" srcOrd="0" destOrd="0" presId="urn:microsoft.com/office/officeart/2005/8/layout/hProcess9"/>
-    <dgm:cxn modelId="{DDD4F9D8-2A18-40D0-9DF1-0FEE20A2349D}" srcId="{84636778-9234-41B5-A9D5-F21D349A5678}" destId="{209D9134-9B0A-46B8-A978-A46D3AB9A70B}" srcOrd="0" destOrd="0" parTransId="{CE1BE490-B66B-4A7E-B32E-0D7FD5E1C45F}" sibTransId="{067B6B4A-92FC-4FCC-BAF3-4FDAA345FFEB}"/>
-    <dgm:cxn modelId="{8E70E2D5-3D78-4EB3-B765-10973609A3A4}" type="presOf" srcId="{A431A3E8-81A4-402D-8550-B73C5ABB7530}" destId="{8709D373-8470-4F0A-B3DA-319DD3871C6E}" srcOrd="0" destOrd="0" presId="urn:microsoft.com/office/officeart/2005/8/layout/hProcess9"/>
+    <dgm:cxn modelId="{59DDB252-C2B1-4262-8132-132840F18953}" srcId="{05902AA6-96DF-4A3D-9275-8D48946301A5}" destId="{09A374C0-62C4-4E0B-A904-58D59AF48F32}" srcOrd="0" destOrd="0" parTransId="{A794A77B-C5A4-4759-BF16-D7547284FAD7}" sibTransId="{91AA41A5-345C-4889-8411-441251CBEFD2}"/>
+    <dgm:cxn modelId="{EA8E8187-EC80-4BE9-A40D-81E1AE63C238}" type="presOf" srcId="{05902AA6-96DF-4A3D-9275-8D48946301A5}" destId="{D7B1A716-B5B0-407B-A520-0FE1D5607913}" srcOrd="0" destOrd="0" presId="urn:microsoft.com/office/officeart/2005/8/layout/hProcess9"/>
+    <dgm:cxn modelId="{76EA4F88-F42E-4AAF-A6FD-230EE04DA525}" type="presOf" srcId="{09A374C0-62C4-4E0B-A904-58D59AF48F32}" destId="{A807AEA5-AB65-4BF0-8E8B-E03980A323BA}" srcOrd="0" destOrd="0" presId="urn:microsoft.com/office/officeart/2005/8/layout/hProcess9"/>
     <dgm:cxn modelId="{04D58992-ACA9-4CF9-9510-B57F43976584}" srcId="{05902AA6-96DF-4A3D-9275-8D48946301A5}" destId="{CAE99879-3F37-4933-8F2E-41550FF57BA5}" srcOrd="4" destOrd="0" parTransId="{35ED31CB-9374-4252-91ED-F0A0656B2D5D}" sibTransId="{3D2A2045-2C77-4067-88E9-920743C72B89}"/>
     <dgm:cxn modelId="{44ADECA1-22CD-4660-9307-36E5EE0867B4}" type="presOf" srcId="{84636778-9234-41B5-A9D5-F21D349A5678}" destId="{83AA8CCA-D335-4A93-AC1C-330B5DA904F3}" srcOrd="0" destOrd="0" presId="urn:microsoft.com/office/officeart/2005/8/layout/hProcess9"/>
-    <dgm:cxn modelId="{76EA4F88-F42E-4AAF-A6FD-230EE04DA525}" type="presOf" srcId="{09A374C0-62C4-4E0B-A904-58D59AF48F32}" destId="{A807AEA5-AB65-4BF0-8E8B-E03980A323BA}" srcOrd="0" destOrd="0" presId="urn:microsoft.com/office/officeart/2005/8/layout/hProcess9"/>
-    <dgm:cxn modelId="{26AE701B-46BC-4DC0-A279-0037F59E523D}" type="presOf" srcId="{EF587930-82B3-41BE-A00D-F64F81FCCFF8}" destId="{D18F99D5-99F8-4161-9EB2-CB4843E7331F}" srcOrd="0" destOrd="0" presId="urn:microsoft.com/office/officeart/2005/8/layout/hProcess9"/>
+    <dgm:cxn modelId="{8E70E2D5-3D78-4EB3-B765-10973609A3A4}" type="presOf" srcId="{A431A3E8-81A4-402D-8550-B73C5ABB7530}" destId="{8709D373-8470-4F0A-B3DA-319DD3871C6E}" srcOrd="0" destOrd="0" presId="urn:microsoft.com/office/officeart/2005/8/layout/hProcess9"/>
     <dgm:cxn modelId="{D42FC8D6-0AF1-40F3-8AFF-BB8A4C76A435}" srcId="{05902AA6-96DF-4A3D-9275-8D48946301A5}" destId="{84636778-9234-41B5-A9D5-F21D349A5678}" srcOrd="1" destOrd="0" parTransId="{CD349D7B-0146-47C0-97F5-86C0E2222880}" sibTransId="{F327EB18-4ACB-4AE1-ACE6-3D6FD7D0F317}"/>
-    <dgm:cxn modelId="{59DDB252-C2B1-4262-8132-132840F18953}" srcId="{05902AA6-96DF-4A3D-9275-8D48946301A5}" destId="{09A374C0-62C4-4E0B-A904-58D59AF48F32}" srcOrd="0" destOrd="0" parTransId="{A794A77B-C5A4-4759-BF16-D7547284FAD7}" sibTransId="{91AA41A5-345C-4889-8411-441251CBEFD2}"/>
-    <dgm:cxn modelId="{423D7C1E-38C6-460F-A635-33BEACFEE653}" type="presOf" srcId="{209D9134-9B0A-46B8-A978-A46D3AB9A70B}" destId="{83AA8CCA-D335-4A93-AC1C-330B5DA904F3}" srcOrd="0" destOrd="1" presId="urn:microsoft.com/office/officeart/2005/8/layout/hProcess9"/>
-    <dgm:cxn modelId="{EA8E8187-EC80-4BE9-A40D-81E1AE63C238}" type="presOf" srcId="{05902AA6-96DF-4A3D-9275-8D48946301A5}" destId="{D7B1A716-B5B0-407B-A520-0FE1D5607913}" srcOrd="0" destOrd="0" presId="urn:microsoft.com/office/officeart/2005/8/layout/hProcess9"/>
+    <dgm:cxn modelId="{DDD4F9D8-2A18-40D0-9DF1-0FEE20A2349D}" srcId="{84636778-9234-41B5-A9D5-F21D349A5678}" destId="{209D9134-9B0A-46B8-A978-A46D3AB9A70B}" srcOrd="0" destOrd="0" parTransId="{CE1BE490-B66B-4A7E-B32E-0D7FD5E1C45F}" sibTransId="{067B6B4A-92FC-4FCC-BAF3-4FDAA345FFEB}"/>
+    <dgm:cxn modelId="{F27DA3F7-DF95-4C95-99D7-2293EB3204B8}" srcId="{05902AA6-96DF-4A3D-9275-8D48946301A5}" destId="{EF587930-82B3-41BE-A00D-F64F81FCCFF8}" srcOrd="2" destOrd="0" parTransId="{1526125A-2D27-45FE-93E5-1A31AA34B547}" sibTransId="{4B2ABB52-9FEA-49BA-887A-7F45422BFC24}"/>
     <dgm:cxn modelId="{0F28DDAC-261E-4CDB-9341-ADA8799E02A3}" type="presParOf" srcId="{D7B1A716-B5B0-407B-A520-0FE1D5607913}" destId="{081C4271-97C9-4585-AD8B-C94394E078D9}" srcOrd="0" destOrd="0" presId="urn:microsoft.com/office/officeart/2005/8/layout/hProcess9"/>
     <dgm:cxn modelId="{206A1635-9FCD-4D2D-A4E0-05EF1AAA5493}" type="presParOf" srcId="{D7B1A716-B5B0-407B-A520-0FE1D5607913}" destId="{401C4F64-BCC8-4722-B382-7F946A6EB47F}" srcOrd="1" destOrd="0" presId="urn:microsoft.com/office/officeart/2005/8/layout/hProcess9"/>
     <dgm:cxn modelId="{F03A1F62-3807-488A-93D4-2EC91C1A1511}" type="presParOf" srcId="{401C4F64-BCC8-4722-B382-7F946A6EB47F}" destId="{A807AEA5-AB65-4BF0-8E8B-E03980A323BA}" srcOrd="0" destOrd="0" presId="urn:microsoft.com/office/officeart/2005/8/layout/hProcess9"/>
@@ -10748,14 +9944,14 @@
   <dgm:whole/>
   <dgm:extLst>
     <a:ext uri="http://schemas.microsoft.com/office/drawing/2008/diagram">
-      <dsp:dataModelExt xmlns:dsp="http://schemas.microsoft.com/office/drawing/2008/diagram" xmlns="" relId="rId6" minVer="http://schemas.openxmlformats.org/drawingml/2006/diagram"/>
+      <dsp:dataModelExt xmlns:dsp="http://schemas.microsoft.com/office/drawing/2008/diagram" relId="rId6" minVer="http://schemas.openxmlformats.org/drawingml/2006/diagram"/>
     </a:ext>
   </dgm:extLst>
 </dgm:dataModel>
 </file>
 
 <file path=ppt/diagrams/drawing1.xml><?xml version="1.0" encoding="utf-8"?>
-<dsp:drawing xmlns:dgm="http://schemas.openxmlformats.org/drawingml/2006/diagram" xmlns:a="http://schemas.openxmlformats.org/drawingml/2006/main" xmlns:dsp="http://schemas.microsoft.com/office/drawing/2008/diagram">
+<dsp:drawing xmlns:dgm="http://schemas.openxmlformats.org/drawingml/2006/diagram" xmlns:dsp="http://schemas.microsoft.com/office/drawing/2008/diagram" xmlns:a="http://schemas.openxmlformats.org/drawingml/2006/main">
   <dsp:spTree>
     <dsp:nvGrpSpPr>
       <dsp:cNvPr id="0" name=""/>
@@ -10817,7 +10013,7 @@
         </a:bodyPr>
         <a:lstStyle/>
         <a:p>
-          <a:pPr lvl="0" algn="ctr" defTabSz="1244600">
+          <a:pPr marL="0" lvl="0" indent="0" algn="ctr" defTabSz="1244600">
             <a:lnSpc>
               <a:spcPct val="90000"/>
             </a:lnSpc>
@@ -10827,6 +10023,7 @@
             <a:spcAft>
               <a:spcPct val="35000"/>
             </a:spcAft>
+            <a:buNone/>
           </a:pPr>
           <a:r>
             <a:rPr lang="de-DE" sz="2800" kern="1200" dirty="0"/>
@@ -10894,7 +10091,7 @@
         </a:bodyPr>
         <a:lstStyle/>
         <a:p>
-          <a:pPr lvl="0" algn="ctr" defTabSz="1244600">
+          <a:pPr marL="0" lvl="0" indent="0" algn="ctr" defTabSz="1244600">
             <a:lnSpc>
               <a:spcPct val="90000"/>
             </a:lnSpc>
@@ -10904,6 +10101,7 @@
             <a:spcAft>
               <a:spcPct val="35000"/>
             </a:spcAft>
+            <a:buNone/>
           </a:pPr>
           <a:r>
             <a:rPr lang="de-DE" sz="2800" kern="1200"/>
@@ -10971,7 +10169,7 @@
         </a:bodyPr>
         <a:lstStyle/>
         <a:p>
-          <a:pPr lvl="0" algn="ctr" defTabSz="1244600">
+          <a:pPr marL="0" lvl="0" indent="0" algn="ctr" defTabSz="1244600">
             <a:lnSpc>
               <a:spcPct val="90000"/>
             </a:lnSpc>
@@ -10981,6 +10179,7 @@
             <a:spcAft>
               <a:spcPct val="35000"/>
             </a:spcAft>
+            <a:buNone/>
           </a:pPr>
           <a:r>
             <a:rPr lang="de-DE" sz="2800" kern="1200"/>
@@ -11048,7 +10247,7 @@
         </a:bodyPr>
         <a:lstStyle/>
         <a:p>
-          <a:pPr lvl="0" algn="ctr" defTabSz="1244600">
+          <a:pPr marL="0" lvl="0" indent="0" algn="ctr" defTabSz="1244600">
             <a:lnSpc>
               <a:spcPct val="90000"/>
             </a:lnSpc>
@@ -11058,6 +10257,7 @@
             <a:spcAft>
               <a:spcPct val="35000"/>
             </a:spcAft>
+            <a:buNone/>
           </a:pPr>
           <a:r>
             <a:rPr lang="de-DE" sz="2800" kern="1200"/>
@@ -11075,7 +10275,7 @@
 </file>
 
 <file path=ppt/diagrams/drawing2.xml><?xml version="1.0" encoding="utf-8"?>
-<dsp:drawing xmlns:dgm="http://schemas.openxmlformats.org/drawingml/2006/diagram" xmlns:a="http://schemas.openxmlformats.org/drawingml/2006/main" xmlns:dsp="http://schemas.microsoft.com/office/drawing/2008/diagram">
+<dsp:drawing xmlns:dgm="http://schemas.openxmlformats.org/drawingml/2006/diagram" xmlns:dsp="http://schemas.microsoft.com/office/drawing/2008/diagram" xmlns:a="http://schemas.openxmlformats.org/drawingml/2006/main">
   <dsp:spTree>
     <dsp:nvGrpSpPr>
       <dsp:cNvPr id="0" name=""/>
@@ -11170,7 +10370,7 @@
         </a:bodyPr>
         <a:lstStyle/>
         <a:p>
-          <a:pPr lvl="0" algn="ctr" defTabSz="622300">
+          <a:pPr marL="0" lvl="0" indent="0" algn="ctr" defTabSz="622300">
             <a:lnSpc>
               <a:spcPct val="90000"/>
             </a:lnSpc>
@@ -11180,6 +10380,7 @@
             <a:spcAft>
               <a:spcPct val="35000"/>
             </a:spcAft>
+            <a:buNone/>
           </a:pPr>
           <a:r>
             <a:rPr lang="de-DE" sz="1400" kern="1200"/>
@@ -11280,7 +10481,7 @@
         </a:bodyPr>
         <a:lstStyle/>
         <a:p>
-          <a:pPr lvl="0" algn="ctr" defTabSz="622300">
+          <a:pPr marL="0" lvl="0" indent="0" algn="ctr" defTabSz="622300">
             <a:lnSpc>
               <a:spcPct val="90000"/>
             </a:lnSpc>
@@ -11290,6 +10491,7 @@
             <a:spcAft>
               <a:spcPct val="35000"/>
             </a:spcAft>
+            <a:buNone/>
           </a:pPr>
           <a:r>
             <a:rPr lang="de-DE" sz="1400" kern="1200"/>
@@ -11390,7 +10592,7 @@
         </a:bodyPr>
         <a:lstStyle/>
         <a:p>
-          <a:pPr lvl="0" algn="ctr" defTabSz="622300">
+          <a:pPr marL="0" lvl="0" indent="0" algn="ctr" defTabSz="622300">
             <a:lnSpc>
               <a:spcPct val="90000"/>
             </a:lnSpc>
@@ -11400,6 +10602,7 @@
             <a:spcAft>
               <a:spcPct val="35000"/>
             </a:spcAft>
+            <a:buNone/>
           </a:pPr>
           <a:r>
             <a:rPr lang="de-DE" sz="1400" kern="1200"/>
@@ -11500,7 +10703,7 @@
         </a:bodyPr>
         <a:lstStyle/>
         <a:p>
-          <a:pPr lvl="0" algn="ctr" defTabSz="622300">
+          <a:pPr marL="0" lvl="0" indent="0" algn="ctr" defTabSz="622300">
             <a:lnSpc>
               <a:spcPct val="90000"/>
             </a:lnSpc>
@@ -11510,6 +10713,7 @@
             <a:spcAft>
               <a:spcPct val="35000"/>
             </a:spcAft>
+            <a:buNone/>
           </a:pPr>
           <a:r>
             <a:rPr lang="de-DE" sz="1400" kern="1200"/>
@@ -11610,7 +10814,7 @@
         </a:bodyPr>
         <a:lstStyle/>
         <a:p>
-          <a:pPr lvl="0" algn="ctr" defTabSz="622300">
+          <a:pPr marL="0" lvl="0" indent="0" algn="ctr" defTabSz="622300">
             <a:lnSpc>
               <a:spcPct val="90000"/>
             </a:lnSpc>
@@ -11620,6 +10824,7 @@
             <a:spcAft>
               <a:spcPct val="35000"/>
             </a:spcAft>
+            <a:buNone/>
           </a:pPr>
           <a:r>
             <a:rPr lang="de-DE" sz="1400" kern="1200" dirty="0"/>
@@ -11637,7 +10842,7 @@
 </file>
 
 <file path=ppt/diagrams/drawing3.xml><?xml version="1.0" encoding="utf-8"?>
-<dsp:drawing xmlns:dgm="http://schemas.openxmlformats.org/drawingml/2006/diagram" xmlns:a="http://schemas.openxmlformats.org/drawingml/2006/main" xmlns:dsp="http://schemas.microsoft.com/office/drawing/2008/diagram">
+<dsp:drawing xmlns:dgm="http://schemas.openxmlformats.org/drawingml/2006/diagram" xmlns:dsp="http://schemas.microsoft.com/office/drawing/2008/diagram" xmlns:a="http://schemas.openxmlformats.org/drawingml/2006/main">
   <dsp:spTree>
     <dsp:nvGrpSpPr>
       <dsp:cNvPr id="0" name=""/>
@@ -12187,7 +11392,7 @@
         </a:bodyPr>
         <a:lstStyle/>
         <a:p>
-          <a:pPr lvl="0" algn="ctr" defTabSz="444500">
+          <a:pPr marL="0" lvl="0" indent="0" algn="ctr" defTabSz="444500">
             <a:lnSpc>
               <a:spcPct val="90000"/>
             </a:lnSpc>
@@ -12197,6 +11402,7 @@
             <a:spcAft>
               <a:spcPct val="35000"/>
             </a:spcAft>
+            <a:buNone/>
           </a:pPr>
           <a:r>
             <a:rPr lang="de-DE" sz="1000" kern="1200" dirty="0"/>
@@ -12264,7 +11470,7 @@
         </a:bodyPr>
         <a:lstStyle/>
         <a:p>
-          <a:pPr lvl="0" algn="ctr" defTabSz="444500">
+          <a:pPr marL="0" lvl="0" indent="0" algn="ctr" defTabSz="444500">
             <a:lnSpc>
               <a:spcPct val="90000"/>
             </a:lnSpc>
@@ -12274,6 +11480,7 @@
             <a:spcAft>
               <a:spcPct val="35000"/>
             </a:spcAft>
+            <a:buNone/>
           </a:pPr>
           <a:r>
             <a:rPr lang="de-DE" sz="1000" kern="1200" dirty="0"/>
@@ -12341,7 +11548,7 @@
         </a:bodyPr>
         <a:lstStyle/>
         <a:p>
-          <a:pPr lvl="0" algn="ctr" defTabSz="444500">
+          <a:pPr marL="0" lvl="0" indent="0" algn="ctr" defTabSz="444500">
             <a:lnSpc>
               <a:spcPct val="90000"/>
             </a:lnSpc>
@@ -12351,6 +11558,7 @@
             <a:spcAft>
               <a:spcPct val="35000"/>
             </a:spcAft>
+            <a:buNone/>
           </a:pPr>
           <a:r>
             <a:rPr lang="de-DE" sz="1000" kern="1200"/>
@@ -12418,7 +11626,7 @@
         </a:bodyPr>
         <a:lstStyle/>
         <a:p>
-          <a:pPr lvl="0" algn="ctr" defTabSz="444500">
+          <a:pPr marL="0" lvl="0" indent="0" algn="ctr" defTabSz="444500">
             <a:lnSpc>
               <a:spcPct val="90000"/>
             </a:lnSpc>
@@ -12428,6 +11636,7 @@
             <a:spcAft>
               <a:spcPct val="35000"/>
             </a:spcAft>
+            <a:buNone/>
           </a:pPr>
           <a:r>
             <a:rPr lang="de-DE" sz="1000" kern="1200"/>
@@ -12495,7 +11704,7 @@
         </a:bodyPr>
         <a:lstStyle/>
         <a:p>
-          <a:pPr lvl="0" algn="ctr" defTabSz="444500">
+          <a:pPr marL="0" lvl="0" indent="0" algn="ctr" defTabSz="444500">
             <a:lnSpc>
               <a:spcPct val="90000"/>
             </a:lnSpc>
@@ -12505,6 +11714,7 @@
             <a:spcAft>
               <a:spcPct val="35000"/>
             </a:spcAft>
+            <a:buNone/>
           </a:pPr>
           <a:r>
             <a:rPr lang="de-DE" sz="1000" kern="1200"/>
@@ -12572,7 +11782,7 @@
         </a:bodyPr>
         <a:lstStyle/>
         <a:p>
-          <a:pPr lvl="0" algn="ctr" defTabSz="444500">
+          <a:pPr marL="0" lvl="0" indent="0" algn="ctr" defTabSz="444500">
             <a:lnSpc>
               <a:spcPct val="90000"/>
             </a:lnSpc>
@@ -12582,6 +11792,7 @@
             <a:spcAft>
               <a:spcPct val="35000"/>
             </a:spcAft>
+            <a:buNone/>
           </a:pPr>
           <a:r>
             <a:rPr lang="de-DE" sz="1000" kern="1200"/>
@@ -12649,7 +11860,7 @@
         </a:bodyPr>
         <a:lstStyle/>
         <a:p>
-          <a:pPr lvl="0" algn="ctr" defTabSz="444500">
+          <a:pPr marL="0" lvl="0" indent="0" algn="ctr" defTabSz="444500">
             <a:lnSpc>
               <a:spcPct val="90000"/>
             </a:lnSpc>
@@ -12659,6 +11870,7 @@
             <a:spcAft>
               <a:spcPct val="35000"/>
             </a:spcAft>
+            <a:buNone/>
           </a:pPr>
           <a:r>
             <a:rPr lang="de-DE" sz="1000" kern="1200" dirty="0"/>
@@ -12731,7 +11943,7 @@
         </a:bodyPr>
         <a:lstStyle/>
         <a:p>
-          <a:pPr lvl="0" algn="ctr" defTabSz="444500">
+          <a:pPr marL="0" lvl="0" indent="0" algn="ctr" defTabSz="444500">
             <a:lnSpc>
               <a:spcPct val="90000"/>
             </a:lnSpc>
@@ -12741,6 +11953,7 @@
             <a:spcAft>
               <a:spcPct val="35000"/>
             </a:spcAft>
+            <a:buNone/>
           </a:pPr>
           <a:r>
             <a:rPr lang="de-DE" sz="1000" kern="1200"/>
@@ -12808,7 +12021,7 @@
         </a:bodyPr>
         <a:lstStyle/>
         <a:p>
-          <a:pPr lvl="0" algn="ctr" defTabSz="444500">
+          <a:pPr marL="0" lvl="0" indent="0" algn="ctr" defTabSz="444500">
             <a:lnSpc>
               <a:spcPct val="90000"/>
             </a:lnSpc>
@@ -12818,6 +12031,7 @@
             <a:spcAft>
               <a:spcPct val="35000"/>
             </a:spcAft>
+            <a:buNone/>
           </a:pPr>
           <a:r>
             <a:rPr lang="de-DE" sz="1000" kern="1200" dirty="0"/>
@@ -12835,7 +12049,7 @@
 </file>
 
 <file path=ppt/diagrams/drawing4.xml><?xml version="1.0" encoding="utf-8"?>
-<dsp:drawing xmlns:dgm="http://schemas.openxmlformats.org/drawingml/2006/diagram" xmlns:a="http://schemas.openxmlformats.org/drawingml/2006/main" xmlns:dsp="http://schemas.microsoft.com/office/drawing/2008/diagram">
+<dsp:drawing xmlns:dgm="http://schemas.openxmlformats.org/drawingml/2006/diagram" xmlns:dsp="http://schemas.microsoft.com/office/drawing/2008/diagram" xmlns:a="http://schemas.openxmlformats.org/drawingml/2006/main">
   <dsp:spTree>
     <dsp:nvGrpSpPr>
       <dsp:cNvPr id="0" name=""/>
@@ -13318,7 +12532,7 @@
         </a:bodyPr>
         <a:lstStyle/>
         <a:p>
-          <a:pPr lvl="0" algn="ctr" defTabSz="444500">
+          <a:pPr marL="0" lvl="0" indent="0" algn="ctr" defTabSz="444500">
             <a:lnSpc>
               <a:spcPct val="90000"/>
             </a:lnSpc>
@@ -13328,6 +12542,7 @@
             <a:spcAft>
               <a:spcPct val="35000"/>
             </a:spcAft>
+            <a:buNone/>
           </a:pPr>
           <a:r>
             <a:rPr lang="de-DE" sz="1000" kern="1200"/>
@@ -13395,7 +12610,7 @@
         </a:bodyPr>
         <a:lstStyle/>
         <a:p>
-          <a:pPr lvl="0" algn="ctr" defTabSz="444500">
+          <a:pPr marL="0" lvl="0" indent="0" algn="ctr" defTabSz="444500">
             <a:lnSpc>
               <a:spcPct val="90000"/>
             </a:lnSpc>
@@ -13405,6 +12620,7 @@
             <a:spcAft>
               <a:spcPct val="35000"/>
             </a:spcAft>
+            <a:buNone/>
           </a:pPr>
           <a:r>
             <a:rPr lang="de-DE" sz="1000" kern="1200" dirty="0"/>
@@ -13472,7 +12688,7 @@
         </a:bodyPr>
         <a:lstStyle/>
         <a:p>
-          <a:pPr lvl="0" algn="ctr" defTabSz="444500">
+          <a:pPr marL="0" lvl="0" indent="0" algn="ctr" defTabSz="444500">
             <a:lnSpc>
               <a:spcPct val="90000"/>
             </a:lnSpc>
@@ -13482,6 +12698,7 @@
             <a:spcAft>
               <a:spcPct val="35000"/>
             </a:spcAft>
+            <a:buNone/>
           </a:pPr>
           <a:r>
             <a:rPr lang="de-DE" sz="1000" kern="1200"/>
@@ -13549,7 +12766,7 @@
         </a:bodyPr>
         <a:lstStyle/>
         <a:p>
-          <a:pPr lvl="0" algn="ctr" defTabSz="444500">
+          <a:pPr marL="0" lvl="0" indent="0" algn="ctr" defTabSz="444500">
             <a:lnSpc>
               <a:spcPct val="90000"/>
             </a:lnSpc>
@@ -13559,6 +12776,7 @@
             <a:spcAft>
               <a:spcPct val="35000"/>
             </a:spcAft>
+            <a:buNone/>
           </a:pPr>
           <a:r>
             <a:rPr lang="de-DE" sz="1000" kern="1200" dirty="0"/>
@@ -13626,7 +12844,7 @@
         </a:bodyPr>
         <a:lstStyle/>
         <a:p>
-          <a:pPr lvl="0" algn="ctr" defTabSz="444500">
+          <a:pPr marL="0" lvl="0" indent="0" algn="ctr" defTabSz="444500">
             <a:lnSpc>
               <a:spcPct val="90000"/>
             </a:lnSpc>
@@ -13636,6 +12854,7 @@
             <a:spcAft>
               <a:spcPct val="35000"/>
             </a:spcAft>
+            <a:buNone/>
           </a:pPr>
           <a:r>
             <a:rPr lang="de-DE" sz="1000" kern="1200" dirty="0"/>
@@ -13703,7 +12922,7 @@
         </a:bodyPr>
         <a:lstStyle/>
         <a:p>
-          <a:pPr lvl="0" algn="ctr" defTabSz="444500">
+          <a:pPr marL="0" lvl="0" indent="0" algn="ctr" defTabSz="444500">
             <a:lnSpc>
               <a:spcPct val="90000"/>
             </a:lnSpc>
@@ -13713,6 +12932,7 @@
             <a:spcAft>
               <a:spcPct val="35000"/>
             </a:spcAft>
+            <a:buNone/>
           </a:pPr>
           <a:r>
             <a:rPr lang="de-DE" sz="1000" kern="1200" dirty="0"/>
@@ -13780,7 +13000,7 @@
         </a:bodyPr>
         <a:lstStyle/>
         <a:p>
-          <a:pPr lvl="0" algn="ctr" defTabSz="444500">
+          <a:pPr marL="0" lvl="0" indent="0" algn="ctr" defTabSz="444500">
             <a:lnSpc>
               <a:spcPct val="90000"/>
             </a:lnSpc>
@@ -13790,6 +13010,7 @@
             <a:spcAft>
               <a:spcPct val="35000"/>
             </a:spcAft>
+            <a:buNone/>
           </a:pPr>
           <a:r>
             <a:rPr lang="de-DE" sz="1000" kern="1200" dirty="0"/>
@@ -13857,7 +13078,7 @@
         </a:bodyPr>
         <a:lstStyle/>
         <a:p>
-          <a:pPr lvl="0" algn="ctr" defTabSz="444500">
+          <a:pPr marL="0" lvl="0" indent="0" algn="ctr" defTabSz="444500">
             <a:lnSpc>
               <a:spcPct val="90000"/>
             </a:lnSpc>
@@ -13867,6 +13088,7 @@
             <a:spcAft>
               <a:spcPct val="35000"/>
             </a:spcAft>
+            <a:buNone/>
           </a:pPr>
           <a:r>
             <a:rPr lang="de-DE" sz="1000" kern="1200" dirty="0"/>
@@ -13884,7 +13106,7 @@
 </file>
 
 <file path=ppt/diagrams/drawing5.xml><?xml version="1.0" encoding="utf-8"?>
-<dsp:drawing xmlns:dgm="http://schemas.openxmlformats.org/drawingml/2006/diagram" xmlns:a="http://schemas.openxmlformats.org/drawingml/2006/main" xmlns:dsp="http://schemas.microsoft.com/office/drawing/2008/diagram">
+<dsp:drawing xmlns:dgm="http://schemas.openxmlformats.org/drawingml/2006/diagram" xmlns:dsp="http://schemas.microsoft.com/office/drawing/2008/diagram" xmlns:a="http://schemas.openxmlformats.org/drawingml/2006/main">
   <dsp:spTree>
     <dsp:nvGrpSpPr>
       <dsp:cNvPr id="0" name=""/>
@@ -14367,7 +13589,7 @@
         </a:bodyPr>
         <a:lstStyle/>
         <a:p>
-          <a:pPr lvl="0" algn="ctr" defTabSz="444500">
+          <a:pPr marL="0" lvl="0" indent="0" algn="ctr" defTabSz="444500">
             <a:lnSpc>
               <a:spcPct val="90000"/>
             </a:lnSpc>
@@ -14377,6 +13599,7 @@
             <a:spcAft>
               <a:spcPct val="35000"/>
             </a:spcAft>
+            <a:buNone/>
           </a:pPr>
           <a:r>
             <a:rPr lang="de-DE" sz="1000" kern="1200"/>
@@ -14444,7 +13667,7 @@
         </a:bodyPr>
         <a:lstStyle/>
         <a:p>
-          <a:pPr lvl="0" algn="ctr" defTabSz="444500">
+          <a:pPr marL="0" lvl="0" indent="0" algn="ctr" defTabSz="444500">
             <a:lnSpc>
               <a:spcPct val="90000"/>
             </a:lnSpc>
@@ -14454,6 +13677,7 @@
             <a:spcAft>
               <a:spcPct val="35000"/>
             </a:spcAft>
+            <a:buNone/>
           </a:pPr>
           <a:r>
             <a:rPr lang="de-DE" sz="1000" kern="1200" dirty="0"/>
@@ -14521,7 +13745,7 @@
         </a:bodyPr>
         <a:lstStyle/>
         <a:p>
-          <a:pPr lvl="0" algn="ctr" defTabSz="444500">
+          <a:pPr marL="0" lvl="0" indent="0" algn="ctr" defTabSz="444500">
             <a:lnSpc>
               <a:spcPct val="90000"/>
             </a:lnSpc>
@@ -14531,6 +13755,7 @@
             <a:spcAft>
               <a:spcPct val="35000"/>
             </a:spcAft>
+            <a:buNone/>
           </a:pPr>
           <a:r>
             <a:rPr lang="de-DE" sz="1000" kern="1200" dirty="0"/>
@@ -14598,7 +13823,7 @@
         </a:bodyPr>
         <a:lstStyle/>
         <a:p>
-          <a:pPr lvl="0" algn="ctr" defTabSz="444500">
+          <a:pPr marL="0" lvl="0" indent="0" algn="ctr" defTabSz="444500">
             <a:lnSpc>
               <a:spcPct val="90000"/>
             </a:lnSpc>
@@ -14608,6 +13833,7 @@
             <a:spcAft>
               <a:spcPct val="35000"/>
             </a:spcAft>
+            <a:buNone/>
           </a:pPr>
           <a:r>
             <a:rPr lang="de-DE" sz="1000" kern="1200" dirty="0"/>
@@ -14675,7 +13901,7 @@
         </a:bodyPr>
         <a:lstStyle/>
         <a:p>
-          <a:pPr lvl="0" algn="ctr" defTabSz="444500">
+          <a:pPr marL="0" lvl="0" indent="0" algn="ctr" defTabSz="444500">
             <a:lnSpc>
               <a:spcPct val="90000"/>
             </a:lnSpc>
@@ -14685,6 +13911,7 @@
             <a:spcAft>
               <a:spcPct val="35000"/>
             </a:spcAft>
+            <a:buNone/>
           </a:pPr>
           <a:r>
             <a:rPr lang="de-DE" sz="1000" kern="1200" dirty="0"/>
@@ -14752,7 +13979,7 @@
         </a:bodyPr>
         <a:lstStyle/>
         <a:p>
-          <a:pPr lvl="0" algn="ctr" defTabSz="444500">
+          <a:pPr marL="0" lvl="0" indent="0" algn="ctr" defTabSz="444500">
             <a:lnSpc>
               <a:spcPct val="90000"/>
             </a:lnSpc>
@@ -14762,6 +13989,7 @@
             <a:spcAft>
               <a:spcPct val="35000"/>
             </a:spcAft>
+            <a:buNone/>
           </a:pPr>
           <a:r>
             <a:rPr lang="de-DE" sz="1000" kern="1200" dirty="0"/>
@@ -14829,7 +14057,7 @@
         </a:bodyPr>
         <a:lstStyle/>
         <a:p>
-          <a:pPr lvl="0" algn="ctr" defTabSz="444500">
+          <a:pPr marL="0" lvl="0" indent="0" algn="ctr" defTabSz="444500">
             <a:lnSpc>
               <a:spcPct val="90000"/>
             </a:lnSpc>
@@ -14839,6 +14067,7 @@
             <a:spcAft>
               <a:spcPct val="35000"/>
             </a:spcAft>
+            <a:buNone/>
           </a:pPr>
           <a:r>
             <a:rPr lang="de-DE" sz="1000" kern="1200" dirty="0"/>
@@ -14906,7 +14135,7 @@
         </a:bodyPr>
         <a:lstStyle/>
         <a:p>
-          <a:pPr lvl="0" algn="ctr" defTabSz="444500">
+          <a:pPr marL="0" lvl="0" indent="0" algn="ctr" defTabSz="444500">
             <a:lnSpc>
               <a:spcPct val="90000"/>
             </a:lnSpc>
@@ -14916,6 +14145,7 @@
             <a:spcAft>
               <a:spcPct val="35000"/>
             </a:spcAft>
+            <a:buNone/>
           </a:pPr>
           <a:r>
             <a:rPr lang="de-DE" sz="1000" kern="1200" dirty="0"/>
@@ -14933,7 +14163,7 @@
 </file>
 
 <file path=ppt/diagrams/drawing6.xml><?xml version="1.0" encoding="utf-8"?>
-<dsp:drawing xmlns:dgm="http://schemas.openxmlformats.org/drawingml/2006/diagram" xmlns:a="http://schemas.openxmlformats.org/drawingml/2006/main" xmlns:dsp="http://schemas.microsoft.com/office/drawing/2008/diagram">
+<dsp:drawing xmlns:dgm="http://schemas.openxmlformats.org/drawingml/2006/diagram" xmlns:dsp="http://schemas.microsoft.com/office/drawing/2008/diagram" xmlns:a="http://schemas.openxmlformats.org/drawingml/2006/main">
   <dsp:spTree>
     <dsp:nvGrpSpPr>
       <dsp:cNvPr id="0" name=""/>
@@ -15416,7 +14646,7 @@
         </a:bodyPr>
         <a:lstStyle/>
         <a:p>
-          <a:pPr lvl="0" algn="ctr" defTabSz="444500">
+          <a:pPr marL="0" lvl="0" indent="0" algn="ctr" defTabSz="444500">
             <a:lnSpc>
               <a:spcPct val="90000"/>
             </a:lnSpc>
@@ -15426,6 +14656,7 @@
             <a:spcAft>
               <a:spcPct val="35000"/>
             </a:spcAft>
+            <a:buNone/>
           </a:pPr>
           <a:r>
             <a:rPr lang="de-DE" sz="1000" kern="1200"/>
@@ -15493,7 +14724,7 @@
         </a:bodyPr>
         <a:lstStyle/>
         <a:p>
-          <a:pPr lvl="0" algn="ctr" defTabSz="444500">
+          <a:pPr marL="0" lvl="0" indent="0" algn="ctr" defTabSz="444500">
             <a:lnSpc>
               <a:spcPct val="90000"/>
             </a:lnSpc>
@@ -15503,6 +14734,7 @@
             <a:spcAft>
               <a:spcPct val="35000"/>
             </a:spcAft>
+            <a:buNone/>
           </a:pPr>
           <a:r>
             <a:rPr lang="de-DE" sz="1000" kern="1200" dirty="0"/>
@@ -15570,7 +14802,7 @@
         </a:bodyPr>
         <a:lstStyle/>
         <a:p>
-          <a:pPr lvl="0" algn="ctr" defTabSz="444500">
+          <a:pPr marL="0" lvl="0" indent="0" algn="ctr" defTabSz="444500">
             <a:lnSpc>
               <a:spcPct val="90000"/>
             </a:lnSpc>
@@ -15580,6 +14812,7 @@
             <a:spcAft>
               <a:spcPct val="35000"/>
             </a:spcAft>
+            <a:buNone/>
           </a:pPr>
           <a:r>
             <a:rPr lang="de-DE" sz="1000" kern="1200" dirty="0"/>
@@ -15647,7 +14880,7 @@
         </a:bodyPr>
         <a:lstStyle/>
         <a:p>
-          <a:pPr lvl="0" algn="ctr" defTabSz="444500">
+          <a:pPr marL="0" lvl="0" indent="0" algn="ctr" defTabSz="444500">
             <a:lnSpc>
               <a:spcPct val="90000"/>
             </a:lnSpc>
@@ -15657,6 +14890,7 @@
             <a:spcAft>
               <a:spcPct val="35000"/>
             </a:spcAft>
+            <a:buNone/>
           </a:pPr>
           <a:r>
             <a:rPr lang="de-DE" sz="1000" kern="1200" dirty="0"/>
@@ -15724,7 +14958,7 @@
         </a:bodyPr>
         <a:lstStyle/>
         <a:p>
-          <a:pPr lvl="0" algn="ctr" defTabSz="444500">
+          <a:pPr marL="0" lvl="0" indent="0" algn="ctr" defTabSz="444500">
             <a:lnSpc>
               <a:spcPct val="90000"/>
             </a:lnSpc>
@@ -15734,6 +14968,7 @@
             <a:spcAft>
               <a:spcPct val="35000"/>
             </a:spcAft>
+            <a:buNone/>
           </a:pPr>
           <a:r>
             <a:rPr lang="de-DE" sz="1000" kern="1200" dirty="0"/>
@@ -15801,7 +15036,7 @@
         </a:bodyPr>
         <a:lstStyle/>
         <a:p>
-          <a:pPr lvl="0" algn="ctr" defTabSz="444500">
+          <a:pPr marL="0" lvl="0" indent="0" algn="ctr" defTabSz="444500">
             <a:lnSpc>
               <a:spcPct val="90000"/>
             </a:lnSpc>
@@ -15811,6 +15046,7 @@
             <a:spcAft>
               <a:spcPct val="35000"/>
             </a:spcAft>
+            <a:buNone/>
           </a:pPr>
           <a:r>
             <a:rPr lang="de-DE" sz="1000" kern="1200" dirty="0"/>
@@ -15878,7 +15114,7 @@
         </a:bodyPr>
         <a:lstStyle/>
         <a:p>
-          <a:pPr lvl="0" algn="ctr" defTabSz="444500">
+          <a:pPr marL="0" lvl="0" indent="0" algn="ctr" defTabSz="444500">
             <a:lnSpc>
               <a:spcPct val="90000"/>
             </a:lnSpc>
@@ -15888,6 +15124,7 @@
             <a:spcAft>
               <a:spcPct val="35000"/>
             </a:spcAft>
+            <a:buNone/>
           </a:pPr>
           <a:r>
             <a:rPr lang="de-DE" sz="1000" kern="1200" dirty="0"/>
@@ -15955,7 +15192,7 @@
         </a:bodyPr>
         <a:lstStyle/>
         <a:p>
-          <a:pPr lvl="0" algn="ctr" defTabSz="444500">
+          <a:pPr marL="0" lvl="0" indent="0" algn="ctr" defTabSz="444500">
             <a:lnSpc>
               <a:spcPct val="90000"/>
             </a:lnSpc>
@@ -15965,6 +15202,7 @@
             <a:spcAft>
               <a:spcPct val="35000"/>
             </a:spcAft>
+            <a:buNone/>
           </a:pPr>
           <a:r>
             <a:rPr lang="de-DE" sz="1000" kern="1200" dirty="0"/>
@@ -15982,7 +15220,7 @@
 </file>
 
 <file path=ppt/diagrams/drawing7.xml><?xml version="1.0" encoding="utf-8"?>
-<dsp:drawing xmlns:dgm="http://schemas.openxmlformats.org/drawingml/2006/diagram" xmlns:a="http://schemas.openxmlformats.org/drawingml/2006/main" xmlns:dsp="http://schemas.microsoft.com/office/drawing/2008/diagram">
+<dsp:drawing xmlns:dgm="http://schemas.openxmlformats.org/drawingml/2006/diagram" xmlns:dsp="http://schemas.microsoft.com/office/drawing/2008/diagram" xmlns:a="http://schemas.openxmlformats.org/drawingml/2006/main">
   <dsp:spTree>
     <dsp:nvGrpSpPr>
       <dsp:cNvPr id="0" name=""/>
@@ -16083,7 +15321,7 @@
         </a:bodyPr>
         <a:lstStyle/>
         <a:p>
-          <a:pPr lvl="0" algn="ctr" defTabSz="577850">
+          <a:pPr marL="0" lvl="0" indent="0" algn="ctr" defTabSz="577850">
             <a:lnSpc>
               <a:spcPct val="90000"/>
             </a:lnSpc>
@@ -16093,6 +15331,7 @@
             <a:spcAft>
               <a:spcPct val="35000"/>
             </a:spcAft>
+            <a:buNone/>
           </a:pPr>
           <a:r>
             <a:rPr lang="de-DE" sz="1300" kern="1200" dirty="0"/>
@@ -16109,8 +15348,8 @@
         </a:p>
       </dsp:txBody>
       <dsp:txXfrm>
-        <a:off x="3543" y="1358514"/>
-        <a:ext cx="1549406" cy="1811352"/>
+        <a:off x="79179" y="1434150"/>
+        <a:ext cx="1398134" cy="1660080"/>
       </dsp:txXfrm>
     </dsp:sp>
     <dsp:sp modelId="{83AA8CCA-D335-4A93-AC1C-330B5DA904F3}">
@@ -16167,7 +15406,7 @@
         </a:bodyPr>
         <a:lstStyle/>
         <a:p>
-          <a:pPr lvl="0" algn="l" defTabSz="577850">
+          <a:pPr marL="0" lvl="0" indent="0" algn="l" defTabSz="577850">
             <a:lnSpc>
               <a:spcPct val="90000"/>
             </a:lnSpc>
@@ -16177,6 +15416,7 @@
             <a:spcAft>
               <a:spcPct val="35000"/>
             </a:spcAft>
+            <a:buNone/>
           </a:pPr>
           <a:r>
             <a:rPr lang="de-DE" sz="1300" kern="1200" dirty="0"/>
@@ -16194,7 +15434,7 @@
             <a:spcAft>
               <a:spcPct val="15000"/>
             </a:spcAft>
-            <a:buChar char="••"/>
+            <a:buChar char="•"/>
           </a:pPr>
           <a:r>
             <a:rPr lang="de-DE" sz="1000" kern="1200"/>
@@ -16203,8 +15443,8 @@
         </a:p>
       </dsp:txBody>
       <dsp:txXfrm>
-        <a:off x="1630420" y="1358514"/>
-        <a:ext cx="1549406" cy="1811352"/>
+        <a:off x="1706056" y="1434150"/>
+        <a:ext cx="1398134" cy="1660080"/>
       </dsp:txXfrm>
     </dsp:sp>
     <dsp:sp modelId="{D18F99D5-99F8-4161-9EB2-CB4843E7331F}">
@@ -16261,7 +15501,7 @@
         </a:bodyPr>
         <a:lstStyle/>
         <a:p>
-          <a:pPr lvl="0" algn="ctr" defTabSz="577850">
+          <a:pPr marL="0" lvl="0" indent="0" algn="ctr" defTabSz="577850">
             <a:lnSpc>
               <a:spcPct val="90000"/>
             </a:lnSpc>
@@ -16271,6 +15511,7 @@
             <a:spcAft>
               <a:spcPct val="35000"/>
             </a:spcAft>
+            <a:buNone/>
           </a:pPr>
           <a:r>
             <a:rPr lang="de-DE" sz="1300" kern="1200"/>
@@ -16279,8 +15520,8 @@
         </a:p>
       </dsp:txBody>
       <dsp:txXfrm>
-        <a:off x="3257296" y="1358514"/>
-        <a:ext cx="1549406" cy="1811352"/>
+        <a:off x="3332932" y="1434150"/>
+        <a:ext cx="1398134" cy="1660080"/>
       </dsp:txXfrm>
     </dsp:sp>
     <dsp:sp modelId="{8709D373-8470-4F0A-B3DA-319DD3871C6E}">
@@ -16337,7 +15578,7 @@
         </a:bodyPr>
         <a:lstStyle/>
         <a:p>
-          <a:pPr lvl="0" algn="ctr" defTabSz="577850">
+          <a:pPr marL="0" lvl="0" indent="0" algn="ctr" defTabSz="577850">
             <a:lnSpc>
               <a:spcPct val="90000"/>
             </a:lnSpc>
@@ -16347,6 +15588,7 @@
             <a:spcAft>
               <a:spcPct val="35000"/>
             </a:spcAft>
+            <a:buNone/>
           </a:pPr>
           <a:r>
             <a:rPr lang="de-DE" sz="1300" kern="1200"/>
@@ -16355,8 +15597,8 @@
         </a:p>
       </dsp:txBody>
       <dsp:txXfrm>
-        <a:off x="4884172" y="1358514"/>
-        <a:ext cx="1549406" cy="1811352"/>
+        <a:off x="4959808" y="1434150"/>
+        <a:ext cx="1398134" cy="1660080"/>
       </dsp:txXfrm>
     </dsp:sp>
     <dsp:sp modelId="{1B95D6BE-54AC-486B-960D-5BBA9E945FAA}">
@@ -16413,7 +15655,7 @@
         </a:bodyPr>
         <a:lstStyle/>
         <a:p>
-          <a:pPr lvl="0" algn="ctr" defTabSz="577850">
+          <a:pPr marL="0" lvl="0" indent="0" algn="ctr" defTabSz="577850">
             <a:lnSpc>
               <a:spcPct val="90000"/>
             </a:lnSpc>
@@ -16423,6 +15665,7 @@
             <a:spcAft>
               <a:spcPct val="35000"/>
             </a:spcAft>
+            <a:buNone/>
           </a:pPr>
           <a:r>
             <a:rPr lang="de-DE" sz="1300" kern="1200"/>
@@ -16431,8 +15674,8 @@
         </a:p>
       </dsp:txBody>
       <dsp:txXfrm>
-        <a:off x="6511049" y="1358514"/>
-        <a:ext cx="1549406" cy="1811352"/>
+        <a:off x="6586685" y="1434150"/>
+        <a:ext cx="1398134" cy="1660080"/>
       </dsp:txXfrm>
     </dsp:sp>
   </dsp:spTree>
@@ -29573,14 +28816,14 @@
           <a:effectLst/>
           <a:extLst>
             <a:ext uri="{909E8E84-426E-40dd-AFC4-6F175D3DCCD1}">
-              <a14:hiddenFill xmlns:a14="http://schemas.microsoft.com/office/drawing/2010/main" xmlns="">
+              <a14:hiddenFill xmlns="" xmlns:a14="http://schemas.microsoft.com/office/drawing/2010/main">
                 <a:solidFill>
                   <a:schemeClr val="accent1"/>
                 </a:solidFill>
               </a14:hiddenFill>
             </a:ext>
             <a:ext uri="{91240B29-F687-4f45-9708-019B960494DF}">
-              <a14:hiddenLine xmlns:a14="http://schemas.microsoft.com/office/drawing/2010/main" xmlns="" w="9525">
+              <a14:hiddenLine xmlns="" xmlns:a14="http://schemas.microsoft.com/office/drawing/2010/main" w="9525">
                 <a:solidFill>
                   <a:schemeClr val="tx1"/>
                 </a:solidFill>
@@ -29590,7 +28833,7 @@
               </a14:hiddenLine>
             </a:ext>
             <a:ext uri="{AF507438-7753-43e0-B8FC-AC1667EBCBE1}">
-              <a14:hiddenEffects xmlns:a14="http://schemas.microsoft.com/office/drawing/2010/main" xmlns="">
+              <a14:hiddenEffects xmlns="" xmlns:a14="http://schemas.microsoft.com/office/drawing/2010/main">
                 <a:effectLst>
                   <a:outerShdw blurRad="63500" dist="38099" dir="2700000" algn="ctr" rotWithShape="0">
                     <a:schemeClr val="bg2">
@@ -29601,7 +28844,7 @@
               </a14:hiddenEffects>
             </a:ext>
             <a:ext uri="{FAA26D3D-D897-4be2-8F04-BA451C77F1D7}">
-              <ma14:placeholderFlag xmlns:ma14="http://schemas.microsoft.com/office/mac/drawingml/2011/main" xmlns="" val="1"/>
+              <ma14:placeholderFlag xmlns="" xmlns:ma14="http://schemas.microsoft.com/office/mac/drawingml/2011/main" val="1"/>
             </a:ext>
           </a:extLst>
         </p:spPr>
@@ -29651,14 +28894,14 @@
           <a:effectLst/>
           <a:extLst>
             <a:ext uri="{909E8E84-426E-40dd-AFC4-6F175D3DCCD1}">
-              <a14:hiddenFill xmlns:a14="http://schemas.microsoft.com/office/drawing/2010/main" xmlns="">
+              <a14:hiddenFill xmlns="" xmlns:a14="http://schemas.microsoft.com/office/drawing/2010/main">
                 <a:solidFill>
                   <a:schemeClr val="accent1"/>
                 </a:solidFill>
               </a14:hiddenFill>
             </a:ext>
             <a:ext uri="{91240B29-F687-4f45-9708-019B960494DF}">
-              <a14:hiddenLine xmlns:a14="http://schemas.microsoft.com/office/drawing/2010/main" xmlns="" w="9525">
+              <a14:hiddenLine xmlns="" xmlns:a14="http://schemas.microsoft.com/office/drawing/2010/main" w="9525">
                 <a:solidFill>
                   <a:schemeClr val="tx1"/>
                 </a:solidFill>
@@ -29668,7 +28911,7 @@
               </a14:hiddenLine>
             </a:ext>
             <a:ext uri="{AF507438-7753-43e0-B8FC-AC1667EBCBE1}">
-              <a14:hiddenEffects xmlns:a14="http://schemas.microsoft.com/office/drawing/2010/main" xmlns="">
+              <a14:hiddenEffects xmlns="" xmlns:a14="http://schemas.microsoft.com/office/drawing/2010/main">
                 <a:effectLst>
                   <a:outerShdw blurRad="63500" dist="38099" dir="2700000" algn="ctr" rotWithShape="0">
                     <a:schemeClr val="bg2">
@@ -29679,7 +28922,7 @@
               </a14:hiddenEffects>
             </a:ext>
             <a:ext uri="{FAA26D3D-D897-4be2-8F04-BA451C77F1D7}">
-              <ma14:placeholderFlag xmlns:ma14="http://schemas.microsoft.com/office/mac/drawingml/2011/main" xmlns="" val="1"/>
+              <ma14:placeholderFlag xmlns="" xmlns:ma14="http://schemas.microsoft.com/office/mac/drawingml/2011/main" val="1"/>
             </a:ext>
           </a:extLst>
         </p:spPr>
@@ -29729,14 +28972,14 @@
           <a:effectLst/>
           <a:extLst>
             <a:ext uri="{909E8E84-426E-40dd-AFC4-6F175D3DCCD1}">
-              <a14:hiddenFill xmlns:a14="http://schemas.microsoft.com/office/drawing/2010/main" xmlns="">
+              <a14:hiddenFill xmlns="" xmlns:a14="http://schemas.microsoft.com/office/drawing/2010/main">
                 <a:solidFill>
                   <a:schemeClr val="accent1"/>
                 </a:solidFill>
               </a14:hiddenFill>
             </a:ext>
             <a:ext uri="{91240B29-F687-4f45-9708-019B960494DF}">
-              <a14:hiddenLine xmlns:a14="http://schemas.microsoft.com/office/drawing/2010/main" xmlns="" w="9525">
+              <a14:hiddenLine xmlns="" xmlns:a14="http://schemas.microsoft.com/office/drawing/2010/main" w="9525">
                 <a:solidFill>
                   <a:schemeClr val="tx1"/>
                 </a:solidFill>
@@ -29746,7 +28989,7 @@
               </a14:hiddenLine>
             </a:ext>
             <a:ext uri="{AF507438-7753-43e0-B8FC-AC1667EBCBE1}">
-              <a14:hiddenEffects xmlns:a14="http://schemas.microsoft.com/office/drawing/2010/main" xmlns="">
+              <a14:hiddenEffects xmlns="" xmlns:a14="http://schemas.microsoft.com/office/drawing/2010/main">
                 <a:effectLst>
                   <a:outerShdw blurRad="63500" dist="38099" dir="2700000" algn="ctr" rotWithShape="0">
                     <a:schemeClr val="bg2">
@@ -29757,7 +29000,7 @@
               </a14:hiddenEffects>
             </a:ext>
             <a:ext uri="{FAA26D3D-D897-4be2-8F04-BA451C77F1D7}">
-              <ma14:placeholderFlag xmlns:ma14="http://schemas.microsoft.com/office/mac/drawingml/2011/main" xmlns="" val="1"/>
+              <ma14:placeholderFlag xmlns="" xmlns:ma14="http://schemas.microsoft.com/office/mac/drawingml/2011/main" val="1"/>
             </a:ext>
           </a:extLst>
         </p:spPr>
@@ -29807,14 +29050,14 @@
           <a:effectLst/>
           <a:extLst>
             <a:ext uri="{909E8E84-426E-40dd-AFC4-6F175D3DCCD1}">
-              <a14:hiddenFill xmlns:a14="http://schemas.microsoft.com/office/drawing/2010/main" xmlns="">
+              <a14:hiddenFill xmlns="" xmlns:a14="http://schemas.microsoft.com/office/drawing/2010/main">
                 <a:solidFill>
                   <a:schemeClr val="accent1"/>
                 </a:solidFill>
               </a14:hiddenFill>
             </a:ext>
             <a:ext uri="{91240B29-F687-4f45-9708-019B960494DF}">
-              <a14:hiddenLine xmlns:a14="http://schemas.microsoft.com/office/drawing/2010/main" xmlns="" w="9525">
+              <a14:hiddenLine xmlns="" xmlns:a14="http://schemas.microsoft.com/office/drawing/2010/main" w="9525">
                 <a:solidFill>
                   <a:schemeClr val="tx1"/>
                 </a:solidFill>
@@ -29824,7 +29067,7 @@
               </a14:hiddenLine>
             </a:ext>
             <a:ext uri="{AF507438-7753-43e0-B8FC-AC1667EBCBE1}">
-              <a14:hiddenEffects xmlns:a14="http://schemas.microsoft.com/office/drawing/2010/main" xmlns="">
+              <a14:hiddenEffects xmlns="" xmlns:a14="http://schemas.microsoft.com/office/drawing/2010/main">
                 <a:effectLst>
                   <a:outerShdw blurRad="63500" dist="38099" dir="2700000" algn="ctr" rotWithShape="0">
                     <a:schemeClr val="bg2">
@@ -29835,7 +29078,7 @@
               </a14:hiddenEffects>
             </a:ext>
             <a:ext uri="{FAA26D3D-D897-4be2-8F04-BA451C77F1D7}">
-              <ma14:placeholderFlag xmlns:ma14="http://schemas.microsoft.com/office/mac/drawingml/2011/main" xmlns="" val="1"/>
+              <ma14:placeholderFlag xmlns="" xmlns:ma14="http://schemas.microsoft.com/office/mac/drawingml/2011/main" val="1"/>
             </a:ext>
           </a:extLst>
         </p:spPr>
@@ -29868,7 +29111,7 @@
     </p:spTree>
     <p:extLst>
       <p:ext uri="{BB962C8B-B14F-4D97-AF65-F5344CB8AC3E}">
-        <p14:creationId xmlns="" xmlns:p14="http://schemas.microsoft.com/office/powerpoint/2010/main" val="2623944537"/>
+        <p14:creationId xmlns:p14="http://schemas.microsoft.com/office/powerpoint/2010/main" val="2623944537"/>
       </p:ext>
     </p:extLst>
   </p:cSld>
@@ -29931,7 +29174,7 @@
           <a:effectLst/>
           <a:extLst>
             <a:ext uri="{AF507438-7753-43e0-B8FC-AC1667EBCBE1}">
-              <a14:hiddenEffects xmlns:a14="http://schemas.microsoft.com/office/drawing/2010/main" xmlns="">
+              <a14:hiddenEffects xmlns="" xmlns:a14="http://schemas.microsoft.com/office/drawing/2010/main">
                 <a:effectLst>
                   <a:outerShdw blurRad="63500" dist="38099" dir="2700000" algn="ctr" rotWithShape="0">
                     <a:srgbClr val="000000">
@@ -29942,7 +29185,7 @@
               </a14:hiddenEffects>
             </a:ext>
             <a:ext uri="{53640926-AAD7-44d8-BBD7-CCE9431645EC}">
-              <a14:shadowObscured xmlns:a14="http://schemas.microsoft.com/office/drawing/2010/main" xmlns="" val="1"/>
+              <a14:shadowObscured xmlns="" xmlns:a14="http://schemas.microsoft.com/office/drawing/2010/main" val="1"/>
             </a:ext>
           </a:extLst>
         </p:spPr>
@@ -29972,14 +29215,14 @@
           <a:effectLst/>
           <a:extLst>
             <a:ext uri="{909E8E84-426E-40dd-AFC4-6F175D3DCCD1}">
-              <a14:hiddenFill xmlns:a14="http://schemas.microsoft.com/office/drawing/2010/main" xmlns="">
+              <a14:hiddenFill xmlns="" xmlns:a14="http://schemas.microsoft.com/office/drawing/2010/main">
                 <a:solidFill>
                   <a:schemeClr val="accent1"/>
                 </a:solidFill>
               </a14:hiddenFill>
             </a:ext>
             <a:ext uri="{91240B29-F687-4f45-9708-019B960494DF}">
-              <a14:hiddenLine xmlns:a14="http://schemas.microsoft.com/office/drawing/2010/main" xmlns="" w="9525">
+              <a14:hiddenLine xmlns="" xmlns:a14="http://schemas.microsoft.com/office/drawing/2010/main" w="9525">
                 <a:solidFill>
                   <a:schemeClr val="tx1"/>
                 </a:solidFill>
@@ -29989,7 +29232,7 @@
               </a14:hiddenLine>
             </a:ext>
             <a:ext uri="{AF507438-7753-43e0-B8FC-AC1667EBCBE1}">
-              <a14:hiddenEffects xmlns:a14="http://schemas.microsoft.com/office/drawing/2010/main" xmlns="">
+              <a14:hiddenEffects xmlns="" xmlns:a14="http://schemas.microsoft.com/office/drawing/2010/main">
                 <a:effectLst>
                   <a:outerShdw blurRad="63500" dist="38099" dir="2700000" algn="ctr" rotWithShape="0">
                     <a:schemeClr val="bg2">
@@ -30000,7 +29243,7 @@
               </a14:hiddenEffects>
             </a:ext>
             <a:ext uri="{FAA26D3D-D897-4be2-8F04-BA451C77F1D7}">
-              <ma14:placeholderFlag xmlns:ma14="http://schemas.microsoft.com/office/mac/drawingml/2011/main" xmlns="" val="1"/>
+              <ma14:placeholderFlag xmlns="" xmlns:ma14="http://schemas.microsoft.com/office/mac/drawingml/2011/main" val="1"/>
             </a:ext>
           </a:extLst>
         </p:spPr>
@@ -30023,7 +29266,7 @@
     </p:spTree>
     <p:extLst>
       <p:ext uri="{BB962C8B-B14F-4D97-AF65-F5344CB8AC3E}">
-        <p14:creationId xmlns="" xmlns:p14="http://schemas.microsoft.com/office/powerpoint/2010/main" val="1612218178"/>
+        <p14:creationId xmlns:p14="http://schemas.microsoft.com/office/powerpoint/2010/main" val="1612218178"/>
       </p:ext>
     </p:extLst>
   </p:cSld>
@@ -30243,7 +29486,7 @@
           <p:cNvPr id="8" name="Inhaltsplatzhalter 7">
             <a:extLst>
               <a:ext uri="{FF2B5EF4-FFF2-40B4-BE49-F238E27FC236}">
-                <a16:creationId xmlns="" xmlns:a16="http://schemas.microsoft.com/office/drawing/2014/main" id="{3BDC0EC7-4908-BF4F-9C97-5A659E4EFB33}"/>
+                <a16:creationId xmlns:a16="http://schemas.microsoft.com/office/drawing/2014/main" id="{3BDC0EC7-4908-BF4F-9C97-5A659E4EFB33}"/>
               </a:ext>
             </a:extLst>
           </p:cNvPr>
@@ -30330,7 +29573,7 @@
           <p:cNvPr id="9" name="Textfeld 8">
             <a:extLst>
               <a:ext uri="{FF2B5EF4-FFF2-40B4-BE49-F238E27FC236}">
-                <a16:creationId xmlns="" xmlns:a16="http://schemas.microsoft.com/office/drawing/2014/main" id="{CDFCBA60-F2B9-0540-B242-1262C366CC74}"/>
+                <a16:creationId xmlns:a16="http://schemas.microsoft.com/office/drawing/2014/main" id="{CDFCBA60-F2B9-0540-B242-1262C366CC74}"/>
               </a:ext>
             </a:extLst>
           </p:cNvPr>
@@ -30372,7 +29615,7 @@
           <p:cNvPr id="15" name="Textplatzhalter 14">
             <a:extLst>
               <a:ext uri="{FF2B5EF4-FFF2-40B4-BE49-F238E27FC236}">
-                <a16:creationId xmlns="" xmlns:a16="http://schemas.microsoft.com/office/drawing/2014/main" id="{48661F07-037C-1744-B00D-EB26BB45FDE8}"/>
+                <a16:creationId xmlns:a16="http://schemas.microsoft.com/office/drawing/2014/main" id="{48661F07-037C-1744-B00D-EB26BB45FDE8}"/>
               </a:ext>
             </a:extLst>
           </p:cNvPr>
@@ -30418,7 +29661,7 @@
     </p:spTree>
     <p:extLst>
       <p:ext uri="{BB962C8B-B14F-4D97-AF65-F5344CB8AC3E}">
-        <p14:creationId xmlns="" xmlns:p14="http://schemas.microsoft.com/office/powerpoint/2010/main" val="451353095"/>
+        <p14:creationId xmlns:p14="http://schemas.microsoft.com/office/powerpoint/2010/main" val="451353095"/>
       </p:ext>
     </p:extLst>
   </p:cSld>
@@ -30521,7 +29764,7 @@
           <p:cNvPr id="15" name="Textplatzhalter 14">
             <a:extLst>
               <a:ext uri="{FF2B5EF4-FFF2-40B4-BE49-F238E27FC236}">
-                <a16:creationId xmlns="" xmlns:a16="http://schemas.microsoft.com/office/drawing/2014/main" id="{48661F07-037C-1744-B00D-EB26BB45FDE8}"/>
+                <a16:creationId xmlns:a16="http://schemas.microsoft.com/office/drawing/2014/main" id="{48661F07-037C-1744-B00D-EB26BB45FDE8}"/>
               </a:ext>
             </a:extLst>
           </p:cNvPr>
@@ -30567,7 +29810,7 @@
     </p:spTree>
     <p:extLst>
       <p:ext uri="{BB962C8B-B14F-4D97-AF65-F5344CB8AC3E}">
-        <p14:creationId xmlns="" xmlns:p14="http://schemas.microsoft.com/office/powerpoint/2010/main" val="1875893249"/>
+        <p14:creationId xmlns:p14="http://schemas.microsoft.com/office/powerpoint/2010/main" val="1875893249"/>
       </p:ext>
     </p:extLst>
   </p:cSld>
@@ -30670,7 +29913,7 @@
           <p:cNvPr id="8" name="Inhaltsplatzhalter 7">
             <a:extLst>
               <a:ext uri="{FF2B5EF4-FFF2-40B4-BE49-F238E27FC236}">
-                <a16:creationId xmlns="" xmlns:a16="http://schemas.microsoft.com/office/drawing/2014/main" id="{3BDC0EC7-4908-BF4F-9C97-5A659E4EFB33}"/>
+                <a16:creationId xmlns:a16="http://schemas.microsoft.com/office/drawing/2014/main" id="{3BDC0EC7-4908-BF4F-9C97-5A659E4EFB33}"/>
               </a:ext>
             </a:extLst>
           </p:cNvPr>
@@ -30757,7 +30000,7 @@
           <p:cNvPr id="9" name="Textfeld 8">
             <a:extLst>
               <a:ext uri="{FF2B5EF4-FFF2-40B4-BE49-F238E27FC236}">
-                <a16:creationId xmlns="" xmlns:a16="http://schemas.microsoft.com/office/drawing/2014/main" id="{CDFCBA60-F2B9-0540-B242-1262C366CC74}"/>
+                <a16:creationId xmlns:a16="http://schemas.microsoft.com/office/drawing/2014/main" id="{CDFCBA60-F2B9-0540-B242-1262C366CC74}"/>
               </a:ext>
             </a:extLst>
           </p:cNvPr>
@@ -30799,7 +30042,7 @@
           <p:cNvPr id="15" name="Textplatzhalter 14">
             <a:extLst>
               <a:ext uri="{FF2B5EF4-FFF2-40B4-BE49-F238E27FC236}">
-                <a16:creationId xmlns="" xmlns:a16="http://schemas.microsoft.com/office/drawing/2014/main" id="{48661F07-037C-1744-B00D-EB26BB45FDE8}"/>
+                <a16:creationId xmlns:a16="http://schemas.microsoft.com/office/drawing/2014/main" id="{48661F07-037C-1744-B00D-EB26BB45FDE8}"/>
               </a:ext>
             </a:extLst>
           </p:cNvPr>
@@ -30847,7 +30090,7 @@
           <p:cNvPr id="7" name="Inhaltsplatzhalter 2">
             <a:extLst>
               <a:ext uri="{FF2B5EF4-FFF2-40B4-BE49-F238E27FC236}">
-                <a16:creationId xmlns="" xmlns:a16="http://schemas.microsoft.com/office/drawing/2014/main" id="{C62EF3F6-F6E9-5042-B877-596582C374A6}"/>
+                <a16:creationId xmlns:a16="http://schemas.microsoft.com/office/drawing/2014/main" id="{C62EF3F6-F6E9-5042-B877-596582C374A6}"/>
               </a:ext>
             </a:extLst>
           </p:cNvPr>
@@ -30889,7 +30132,7 @@
     </p:spTree>
     <p:extLst>
       <p:ext uri="{BB962C8B-B14F-4D97-AF65-F5344CB8AC3E}">
-        <p14:creationId xmlns="" xmlns:p14="http://schemas.microsoft.com/office/powerpoint/2010/main" val="1980715932"/>
+        <p14:creationId xmlns:p14="http://schemas.microsoft.com/office/powerpoint/2010/main" val="1980715932"/>
       </p:ext>
     </p:extLst>
   </p:cSld>
@@ -30954,7 +30197,7 @@
           <p:cNvPr id="15" name="Textplatzhalter 14">
             <a:extLst>
               <a:ext uri="{FF2B5EF4-FFF2-40B4-BE49-F238E27FC236}">
-                <a16:creationId xmlns="" xmlns:a16="http://schemas.microsoft.com/office/drawing/2014/main" id="{48661F07-037C-1744-B00D-EB26BB45FDE8}"/>
+                <a16:creationId xmlns:a16="http://schemas.microsoft.com/office/drawing/2014/main" id="{48661F07-037C-1744-B00D-EB26BB45FDE8}"/>
               </a:ext>
             </a:extLst>
           </p:cNvPr>
@@ -31002,7 +30245,7 @@
           <p:cNvPr id="5" name="Inhaltsplatzhalter 2">
             <a:extLst>
               <a:ext uri="{FF2B5EF4-FFF2-40B4-BE49-F238E27FC236}">
-                <a16:creationId xmlns="" xmlns:a16="http://schemas.microsoft.com/office/drawing/2014/main" id="{9CB60196-2670-1E4E-9B83-83B9D30D80D0}"/>
+                <a16:creationId xmlns:a16="http://schemas.microsoft.com/office/drawing/2014/main" id="{9CB60196-2670-1E4E-9B83-83B9D30D80D0}"/>
               </a:ext>
             </a:extLst>
           </p:cNvPr>
@@ -31046,7 +30289,7 @@
           <p:cNvPr id="6" name="Inhaltsplatzhalter 2">
             <a:extLst>
               <a:ext uri="{FF2B5EF4-FFF2-40B4-BE49-F238E27FC236}">
-                <a16:creationId xmlns="" xmlns:a16="http://schemas.microsoft.com/office/drawing/2014/main" id="{C217A189-E2FB-3F4B-ABCD-C8FBBA962B55}"/>
+                <a16:creationId xmlns:a16="http://schemas.microsoft.com/office/drawing/2014/main" id="{C217A189-E2FB-3F4B-ABCD-C8FBBA962B55}"/>
               </a:ext>
             </a:extLst>
           </p:cNvPr>
@@ -31088,7 +30331,7 @@
     </p:spTree>
     <p:extLst>
       <p:ext uri="{BB962C8B-B14F-4D97-AF65-F5344CB8AC3E}">
-        <p14:creationId xmlns="" xmlns:p14="http://schemas.microsoft.com/office/powerpoint/2010/main" val="644154500"/>
+        <p14:creationId xmlns:p14="http://schemas.microsoft.com/office/powerpoint/2010/main" val="644154500"/>
       </p:ext>
     </p:extLst>
   </p:cSld>
@@ -31191,7 +30434,7 @@
           <p:cNvPr id="8" name="Inhaltsplatzhalter 7">
             <a:extLst>
               <a:ext uri="{FF2B5EF4-FFF2-40B4-BE49-F238E27FC236}">
-                <a16:creationId xmlns="" xmlns:a16="http://schemas.microsoft.com/office/drawing/2014/main" id="{3BDC0EC7-4908-BF4F-9C97-5A659E4EFB33}"/>
+                <a16:creationId xmlns:a16="http://schemas.microsoft.com/office/drawing/2014/main" id="{3BDC0EC7-4908-BF4F-9C97-5A659E4EFB33}"/>
               </a:ext>
             </a:extLst>
           </p:cNvPr>
@@ -31278,7 +30521,7 @@
           <p:cNvPr id="9" name="Textfeld 8">
             <a:extLst>
               <a:ext uri="{FF2B5EF4-FFF2-40B4-BE49-F238E27FC236}">
-                <a16:creationId xmlns="" xmlns:a16="http://schemas.microsoft.com/office/drawing/2014/main" id="{CDFCBA60-F2B9-0540-B242-1262C366CC74}"/>
+                <a16:creationId xmlns:a16="http://schemas.microsoft.com/office/drawing/2014/main" id="{CDFCBA60-F2B9-0540-B242-1262C366CC74}"/>
               </a:ext>
             </a:extLst>
           </p:cNvPr>
@@ -31320,7 +30563,7 @@
           <p:cNvPr id="15" name="Textplatzhalter 14">
             <a:extLst>
               <a:ext uri="{FF2B5EF4-FFF2-40B4-BE49-F238E27FC236}">
-                <a16:creationId xmlns="" xmlns:a16="http://schemas.microsoft.com/office/drawing/2014/main" id="{48661F07-037C-1744-B00D-EB26BB45FDE8}"/>
+                <a16:creationId xmlns:a16="http://schemas.microsoft.com/office/drawing/2014/main" id="{48661F07-037C-1744-B00D-EB26BB45FDE8}"/>
               </a:ext>
             </a:extLst>
           </p:cNvPr>
@@ -31368,7 +30611,7 @@
           <p:cNvPr id="7" name="Inhaltsplatzhalter 2">
             <a:extLst>
               <a:ext uri="{FF2B5EF4-FFF2-40B4-BE49-F238E27FC236}">
-                <a16:creationId xmlns="" xmlns:a16="http://schemas.microsoft.com/office/drawing/2014/main" id="{C62EF3F6-F6E9-5042-B877-596582C374A6}"/>
+                <a16:creationId xmlns:a16="http://schemas.microsoft.com/office/drawing/2014/main" id="{C62EF3F6-F6E9-5042-B877-596582C374A6}"/>
               </a:ext>
             </a:extLst>
           </p:cNvPr>
@@ -31412,7 +30655,7 @@
           <p:cNvPr id="11" name="Inhaltsplatzhalter 2">
             <a:extLst>
               <a:ext uri="{FF2B5EF4-FFF2-40B4-BE49-F238E27FC236}">
-                <a16:creationId xmlns="" xmlns:a16="http://schemas.microsoft.com/office/drawing/2014/main" id="{A9BF1D72-C7DA-844D-9D02-3A0622DC17DB}"/>
+                <a16:creationId xmlns:a16="http://schemas.microsoft.com/office/drawing/2014/main" id="{A9BF1D72-C7DA-844D-9D02-3A0622DC17DB}"/>
               </a:ext>
             </a:extLst>
           </p:cNvPr>
@@ -31454,7 +30697,7 @@
     </p:spTree>
     <p:extLst>
       <p:ext uri="{BB962C8B-B14F-4D97-AF65-F5344CB8AC3E}">
-        <p14:creationId xmlns="" xmlns:p14="http://schemas.microsoft.com/office/powerpoint/2010/main" val="2951576585"/>
+        <p14:creationId xmlns:p14="http://schemas.microsoft.com/office/powerpoint/2010/main" val="2951576585"/>
       </p:ext>
     </p:extLst>
   </p:cSld>
@@ -31519,7 +30762,7 @@
           <p:cNvPr id="15" name="Textplatzhalter 14">
             <a:extLst>
               <a:ext uri="{FF2B5EF4-FFF2-40B4-BE49-F238E27FC236}">
-                <a16:creationId xmlns="" xmlns:a16="http://schemas.microsoft.com/office/drawing/2014/main" id="{48661F07-037C-1744-B00D-EB26BB45FDE8}"/>
+                <a16:creationId xmlns:a16="http://schemas.microsoft.com/office/drawing/2014/main" id="{48661F07-037C-1744-B00D-EB26BB45FDE8}"/>
               </a:ext>
             </a:extLst>
           </p:cNvPr>
@@ -31567,7 +30810,7 @@
           <p:cNvPr id="7" name="Inhaltsplatzhalter 2">
             <a:extLst>
               <a:ext uri="{FF2B5EF4-FFF2-40B4-BE49-F238E27FC236}">
-                <a16:creationId xmlns="" xmlns:a16="http://schemas.microsoft.com/office/drawing/2014/main" id="{24035B5A-D131-9E43-8819-54D8C7C5F658}"/>
+                <a16:creationId xmlns:a16="http://schemas.microsoft.com/office/drawing/2014/main" id="{24035B5A-D131-9E43-8819-54D8C7C5F658}"/>
               </a:ext>
             </a:extLst>
           </p:cNvPr>
@@ -31611,7 +30854,7 @@
           <p:cNvPr id="8" name="Inhaltsplatzhalter 2">
             <a:extLst>
               <a:ext uri="{FF2B5EF4-FFF2-40B4-BE49-F238E27FC236}">
-                <a16:creationId xmlns="" xmlns:a16="http://schemas.microsoft.com/office/drawing/2014/main" id="{DA824A7B-3A0B-A54A-AD70-3A727E9C6539}"/>
+                <a16:creationId xmlns:a16="http://schemas.microsoft.com/office/drawing/2014/main" id="{DA824A7B-3A0B-A54A-AD70-3A727E9C6539}"/>
               </a:ext>
             </a:extLst>
           </p:cNvPr>
@@ -31655,7 +30898,7 @@
           <p:cNvPr id="9" name="Inhaltsplatzhalter 2">
             <a:extLst>
               <a:ext uri="{FF2B5EF4-FFF2-40B4-BE49-F238E27FC236}">
-                <a16:creationId xmlns="" xmlns:a16="http://schemas.microsoft.com/office/drawing/2014/main" id="{B1B37D4C-618B-A04F-93D5-96AD3167BFE4}"/>
+                <a16:creationId xmlns:a16="http://schemas.microsoft.com/office/drawing/2014/main" id="{B1B37D4C-618B-A04F-93D5-96AD3167BFE4}"/>
               </a:ext>
             </a:extLst>
           </p:cNvPr>
@@ -31697,7 +30940,7 @@
     </p:spTree>
     <p:extLst>
       <p:ext uri="{BB962C8B-B14F-4D97-AF65-F5344CB8AC3E}">
-        <p14:creationId xmlns="" xmlns:p14="http://schemas.microsoft.com/office/powerpoint/2010/main" val="3408082518"/>
+        <p14:creationId xmlns:p14="http://schemas.microsoft.com/office/powerpoint/2010/main" val="3408082518"/>
       </p:ext>
     </p:extLst>
   </p:cSld>
@@ -31732,7 +30975,7 @@
           <p:cNvPr id="18" name="Inhaltsplatzhalter 2">
             <a:extLst>
               <a:ext uri="{FF2B5EF4-FFF2-40B4-BE49-F238E27FC236}">
-                <a16:creationId xmlns="" xmlns:a16="http://schemas.microsoft.com/office/drawing/2014/main" id="{DD5A821F-471D-1642-8AAE-398D4B6F271B}"/>
+                <a16:creationId xmlns:a16="http://schemas.microsoft.com/office/drawing/2014/main" id="{DD5A821F-471D-1642-8AAE-398D4B6F271B}"/>
               </a:ext>
             </a:extLst>
           </p:cNvPr>
@@ -31812,7 +31055,7 @@
           <p:cNvPr id="15" name="Textplatzhalter 14">
             <a:extLst>
               <a:ext uri="{FF2B5EF4-FFF2-40B4-BE49-F238E27FC236}">
-                <a16:creationId xmlns="" xmlns:a16="http://schemas.microsoft.com/office/drawing/2014/main" id="{48661F07-037C-1744-B00D-EB26BB45FDE8}"/>
+                <a16:creationId xmlns:a16="http://schemas.microsoft.com/office/drawing/2014/main" id="{48661F07-037C-1744-B00D-EB26BB45FDE8}"/>
               </a:ext>
             </a:extLst>
           </p:cNvPr>
@@ -31860,7 +31103,7 @@
           <p:cNvPr id="6" name="Richtungspfeil 5">
             <a:extLst>
               <a:ext uri="{FF2B5EF4-FFF2-40B4-BE49-F238E27FC236}">
-                <a16:creationId xmlns="" xmlns:a16="http://schemas.microsoft.com/office/drawing/2014/main" id="{F5863112-C4A3-094E-881C-56CF812BDF6F}"/>
+                <a16:creationId xmlns:a16="http://schemas.microsoft.com/office/drawing/2014/main" id="{F5863112-C4A3-094E-881C-56CF812BDF6F}"/>
               </a:ext>
             </a:extLst>
           </p:cNvPr>
@@ -31916,7 +31159,7 @@
           <p:cNvPr id="7" name="Richtungspfeil 6">
             <a:extLst>
               <a:ext uri="{FF2B5EF4-FFF2-40B4-BE49-F238E27FC236}">
-                <a16:creationId xmlns="" xmlns:a16="http://schemas.microsoft.com/office/drawing/2014/main" id="{E97FCA0C-BD0E-3D4B-883C-D081A0BBAB0C}"/>
+                <a16:creationId xmlns:a16="http://schemas.microsoft.com/office/drawing/2014/main" id="{E97FCA0C-BD0E-3D4B-883C-D081A0BBAB0C}"/>
               </a:ext>
             </a:extLst>
           </p:cNvPr>
@@ -31970,7 +31213,7 @@
           <p:cNvPr id="8" name="Richtungspfeil 7">
             <a:extLst>
               <a:ext uri="{FF2B5EF4-FFF2-40B4-BE49-F238E27FC236}">
-                <a16:creationId xmlns="" xmlns:a16="http://schemas.microsoft.com/office/drawing/2014/main" id="{D0E4C74F-F834-ED46-9242-187CBB5BBB12}"/>
+                <a16:creationId xmlns:a16="http://schemas.microsoft.com/office/drawing/2014/main" id="{D0E4C74F-F834-ED46-9242-187CBB5BBB12}"/>
               </a:ext>
             </a:extLst>
           </p:cNvPr>
@@ -32026,7 +31269,7 @@
           <p:cNvPr id="10" name="Grafik 9">
             <a:extLst>
               <a:ext uri="{FF2B5EF4-FFF2-40B4-BE49-F238E27FC236}">
-                <a16:creationId xmlns="" xmlns:a16="http://schemas.microsoft.com/office/drawing/2014/main" id="{79792184-303E-1043-881E-83B8E5221194}"/>
+                <a16:creationId xmlns:a16="http://schemas.microsoft.com/office/drawing/2014/main" id="{79792184-303E-1043-881E-83B8E5221194}"/>
               </a:ext>
             </a:extLst>
           </p:cNvPr>
@@ -32056,7 +31299,7 @@
           <p:cNvPr id="19" name="Rechteck 18">
             <a:extLst>
               <a:ext uri="{FF2B5EF4-FFF2-40B4-BE49-F238E27FC236}">
-                <a16:creationId xmlns="" xmlns:a16="http://schemas.microsoft.com/office/drawing/2014/main" id="{CDB0E940-A14D-C04F-A21F-2693423BA694}"/>
+                <a16:creationId xmlns:a16="http://schemas.microsoft.com/office/drawing/2014/main" id="{CDB0E940-A14D-C04F-A21F-2693423BA694}"/>
               </a:ext>
             </a:extLst>
           </p:cNvPr>
@@ -32084,14 +31327,14 @@
           <a:effectLst/>
           <a:extLst>
             <a:ext uri="{909E8E84-426E-40dd-AFC4-6F175D3DCCD1}">
-              <a14:hiddenFill xmlns:a14="http://schemas.microsoft.com/office/drawing/2010/main" xmlns="">
+              <a14:hiddenFill xmlns="" xmlns:a14="http://schemas.microsoft.com/office/drawing/2010/main">
                 <a:solidFill>
                   <a:schemeClr val="accent2"/>
                 </a:solidFill>
               </a14:hiddenFill>
             </a:ext>
             <a:ext uri="{AF507438-7753-43e0-B8FC-AC1667EBCBE1}">
-              <a14:hiddenEffects xmlns:a14="http://schemas.microsoft.com/office/drawing/2010/main" xmlns="">
+              <a14:hiddenEffects xmlns="" xmlns:a14="http://schemas.microsoft.com/office/drawing/2010/main">
                 <a:effectLst>
                   <a:outerShdw blurRad="63500" dist="35921" dir="2700000" algn="ctr" rotWithShape="0">
                     <a:schemeClr val="bg2"/>
@@ -32145,7 +31388,7 @@
           <p:cNvPr id="21" name="Inhaltsplatzhalter 20">
             <a:extLst>
               <a:ext uri="{FF2B5EF4-FFF2-40B4-BE49-F238E27FC236}">
-                <a16:creationId xmlns="" xmlns:a16="http://schemas.microsoft.com/office/drawing/2014/main" id="{34BCB425-150D-BB43-8D50-06323DF27832}"/>
+                <a16:creationId xmlns:a16="http://schemas.microsoft.com/office/drawing/2014/main" id="{34BCB425-150D-BB43-8D50-06323DF27832}"/>
               </a:ext>
             </a:extLst>
           </p:cNvPr>
@@ -32181,7 +31424,7 @@
     </p:spTree>
     <p:extLst>
       <p:ext uri="{BB962C8B-B14F-4D97-AF65-F5344CB8AC3E}">
-        <p14:creationId xmlns="" xmlns:p14="http://schemas.microsoft.com/office/powerpoint/2010/main" val="2999760585"/>
+        <p14:creationId xmlns:p14="http://schemas.microsoft.com/office/powerpoint/2010/main" val="2999760585"/>
       </p:ext>
     </p:extLst>
   </p:cSld>
@@ -32216,7 +31459,7 @@
           <p:cNvPr id="18" name="Inhaltsplatzhalter 2">
             <a:extLst>
               <a:ext uri="{FF2B5EF4-FFF2-40B4-BE49-F238E27FC236}">
-                <a16:creationId xmlns="" xmlns:a16="http://schemas.microsoft.com/office/drawing/2014/main" id="{DD5A821F-471D-1642-8AAE-398D4B6F271B}"/>
+                <a16:creationId xmlns:a16="http://schemas.microsoft.com/office/drawing/2014/main" id="{DD5A821F-471D-1642-8AAE-398D4B6F271B}"/>
               </a:ext>
             </a:extLst>
           </p:cNvPr>
@@ -32296,7 +31539,7 @@
           <p:cNvPr id="15" name="Textplatzhalter 14">
             <a:extLst>
               <a:ext uri="{FF2B5EF4-FFF2-40B4-BE49-F238E27FC236}">
-                <a16:creationId xmlns="" xmlns:a16="http://schemas.microsoft.com/office/drawing/2014/main" id="{48661F07-037C-1744-B00D-EB26BB45FDE8}"/>
+                <a16:creationId xmlns:a16="http://schemas.microsoft.com/office/drawing/2014/main" id="{48661F07-037C-1744-B00D-EB26BB45FDE8}"/>
               </a:ext>
             </a:extLst>
           </p:cNvPr>
@@ -32344,7 +31587,7 @@
           <p:cNvPr id="6" name="Richtungspfeil 5">
             <a:extLst>
               <a:ext uri="{FF2B5EF4-FFF2-40B4-BE49-F238E27FC236}">
-                <a16:creationId xmlns="" xmlns:a16="http://schemas.microsoft.com/office/drawing/2014/main" id="{F5863112-C4A3-094E-881C-56CF812BDF6F}"/>
+                <a16:creationId xmlns:a16="http://schemas.microsoft.com/office/drawing/2014/main" id="{F5863112-C4A3-094E-881C-56CF812BDF6F}"/>
               </a:ext>
             </a:extLst>
           </p:cNvPr>
@@ -32400,7 +31643,7 @@
           <p:cNvPr id="7" name="Richtungspfeil 6">
             <a:extLst>
               <a:ext uri="{FF2B5EF4-FFF2-40B4-BE49-F238E27FC236}">
-                <a16:creationId xmlns="" xmlns:a16="http://schemas.microsoft.com/office/drawing/2014/main" id="{E97FCA0C-BD0E-3D4B-883C-D081A0BBAB0C}"/>
+                <a16:creationId xmlns:a16="http://schemas.microsoft.com/office/drawing/2014/main" id="{E97FCA0C-BD0E-3D4B-883C-D081A0BBAB0C}"/>
               </a:ext>
             </a:extLst>
           </p:cNvPr>
@@ -32454,7 +31697,7 @@
           <p:cNvPr id="8" name="Richtungspfeil 7">
             <a:extLst>
               <a:ext uri="{FF2B5EF4-FFF2-40B4-BE49-F238E27FC236}">
-                <a16:creationId xmlns="" xmlns:a16="http://schemas.microsoft.com/office/drawing/2014/main" id="{D0E4C74F-F834-ED46-9242-187CBB5BBB12}"/>
+                <a16:creationId xmlns:a16="http://schemas.microsoft.com/office/drawing/2014/main" id="{D0E4C74F-F834-ED46-9242-187CBB5BBB12}"/>
               </a:ext>
             </a:extLst>
           </p:cNvPr>
@@ -32510,7 +31753,7 @@
           <p:cNvPr id="19" name="Rechteck 18">
             <a:extLst>
               <a:ext uri="{FF2B5EF4-FFF2-40B4-BE49-F238E27FC236}">
-                <a16:creationId xmlns="" xmlns:a16="http://schemas.microsoft.com/office/drawing/2014/main" id="{CDB0E940-A14D-C04F-A21F-2693423BA694}"/>
+                <a16:creationId xmlns:a16="http://schemas.microsoft.com/office/drawing/2014/main" id="{CDB0E940-A14D-C04F-A21F-2693423BA694}"/>
               </a:ext>
             </a:extLst>
           </p:cNvPr>
@@ -32538,14 +31781,14 @@
           <a:effectLst/>
           <a:extLst>
             <a:ext uri="{909E8E84-426E-40dd-AFC4-6F175D3DCCD1}">
-              <a14:hiddenFill xmlns:a14="http://schemas.microsoft.com/office/drawing/2010/main" xmlns="">
+              <a14:hiddenFill xmlns="" xmlns:a14="http://schemas.microsoft.com/office/drawing/2010/main">
                 <a:solidFill>
                   <a:schemeClr val="accent2"/>
                 </a:solidFill>
               </a14:hiddenFill>
             </a:ext>
             <a:ext uri="{AF507438-7753-43e0-B8FC-AC1667EBCBE1}">
-              <a14:hiddenEffects xmlns:a14="http://schemas.microsoft.com/office/drawing/2010/main" xmlns="">
+              <a14:hiddenEffects xmlns="" xmlns:a14="http://schemas.microsoft.com/office/drawing/2010/main">
                 <a:effectLst>
                   <a:outerShdw blurRad="63500" dist="35921" dir="2700000" algn="ctr" rotWithShape="0">
                     <a:schemeClr val="bg2"/>
@@ -32599,7 +31842,7 @@
           <p:cNvPr id="21" name="Inhaltsplatzhalter 20">
             <a:extLst>
               <a:ext uri="{FF2B5EF4-FFF2-40B4-BE49-F238E27FC236}">
-                <a16:creationId xmlns="" xmlns:a16="http://schemas.microsoft.com/office/drawing/2014/main" id="{34BCB425-150D-BB43-8D50-06323DF27832}"/>
+                <a16:creationId xmlns:a16="http://schemas.microsoft.com/office/drawing/2014/main" id="{34BCB425-150D-BB43-8D50-06323DF27832}"/>
               </a:ext>
             </a:extLst>
           </p:cNvPr>
@@ -32637,7 +31880,7 @@
           <p:cNvPr id="12" name="Grafik 11">
             <a:extLst>
               <a:ext uri="{FF2B5EF4-FFF2-40B4-BE49-F238E27FC236}">
-                <a16:creationId xmlns="" xmlns:a16="http://schemas.microsoft.com/office/drawing/2014/main" id="{CFADCD90-1538-794F-94D7-D1B6833F7FD8}"/>
+                <a16:creationId xmlns:a16="http://schemas.microsoft.com/office/drawing/2014/main" id="{CFADCD90-1538-794F-94D7-D1B6833F7FD8}"/>
               </a:ext>
             </a:extLst>
           </p:cNvPr>
@@ -32665,7 +31908,7 @@
     </p:spTree>
     <p:extLst>
       <p:ext uri="{BB962C8B-B14F-4D97-AF65-F5344CB8AC3E}">
-        <p14:creationId xmlns="" xmlns:p14="http://schemas.microsoft.com/office/powerpoint/2010/main" val="3962341426"/>
+        <p14:creationId xmlns:p14="http://schemas.microsoft.com/office/powerpoint/2010/main" val="3962341426"/>
       </p:ext>
     </p:extLst>
   </p:cSld>
@@ -32748,14 +31991,14 @@
           </a:prstGeom>
           <a:extLst>
             <a:ext uri="{909E8E84-426E-40dd-AFC4-6F175D3DCCD1}">
-              <a14:hiddenFill xmlns:a14="http://schemas.microsoft.com/office/drawing/2010/main" xmlns="">
+              <a14:hiddenFill xmlns="" xmlns:a14="http://schemas.microsoft.com/office/drawing/2010/main">
                 <a:solidFill>
                   <a:schemeClr val="accent2"/>
                 </a:solidFill>
               </a14:hiddenFill>
             </a:ext>
             <a:ext uri="{91240B29-F687-4f45-9708-019B960494DF}">
-              <a14:hiddenLine xmlns:a14="http://schemas.microsoft.com/office/drawing/2010/main" xmlns="" w="9525">
+              <a14:hiddenLine xmlns="" xmlns:a14="http://schemas.microsoft.com/office/drawing/2010/main" w="9525">
                 <a:solidFill>
                   <a:schemeClr val="accent2"/>
                 </a:solidFill>
@@ -33134,7 +32377,7 @@
           <a:blip r:embed="rId3">
             <a:extLst>
               <a:ext uri="{28A0092B-C50C-407E-A947-70E740481C1C}">
-                <a14:useLocalDpi xmlns="" xmlns:a14="http://schemas.microsoft.com/office/drawing/2010/main" val="0"/>
+                <a14:useLocalDpi xmlns:a14="http://schemas.microsoft.com/office/drawing/2010/main" val="0"/>
               </a:ext>
             </a:extLst>
           </a:blip>
@@ -33154,7 +32397,7 @@
           <a:noFill/>
           <a:extLst>
             <a:ext uri="{909E8E84-426E-40dd-AFC4-6F175D3DCCD1}">
-              <a14:hiddenFill xmlns:a14="http://schemas.microsoft.com/office/drawing/2010/main" xmlns="">
+              <a14:hiddenFill xmlns="" xmlns:a14="http://schemas.microsoft.com/office/drawing/2010/main">
                 <a:solidFill>
                   <a:srgbClr val="FFFFFF"/>
                 </a:solidFill>
@@ -33168,7 +32411,7 @@
           <p:cNvPr id="3" name="Textplatzhalter 2">
             <a:extLst>
               <a:ext uri="{FF2B5EF4-FFF2-40B4-BE49-F238E27FC236}">
-                <a16:creationId xmlns="" xmlns:a16="http://schemas.microsoft.com/office/drawing/2014/main" id="{C0B43EBC-5C81-9048-99D8-98BF6E9AAFB0}"/>
+                <a16:creationId xmlns:a16="http://schemas.microsoft.com/office/drawing/2014/main" id="{C0B43EBC-5C81-9048-99D8-98BF6E9AAFB0}"/>
               </a:ext>
             </a:extLst>
           </p:cNvPr>
@@ -33222,7 +32465,7 @@
           <a:blip r:embed="rId4">
             <a:extLst>
               <a:ext uri="{28A0092B-C50C-407E-A947-70E740481C1C}">
-                <a14:useLocalDpi xmlns="" xmlns:a14="http://schemas.microsoft.com/office/drawing/2010/main" val="0"/>
+                <a14:useLocalDpi xmlns:a14="http://schemas.microsoft.com/office/drawing/2010/main" val="0"/>
               </a:ext>
             </a:extLst>
           </a:blip>
@@ -33242,7 +32485,7 @@
           <a:noFill/>
           <a:extLst>
             <a:ext uri="{909E8E84-426E-40dd-AFC4-6F175D3DCCD1}">
-              <a14:hiddenFill xmlns:a14="http://schemas.microsoft.com/office/drawing/2010/main" xmlns="">
+              <a14:hiddenFill xmlns="" xmlns:a14="http://schemas.microsoft.com/office/drawing/2010/main">
                 <a:solidFill>
                   <a:srgbClr val="FFFFFF"/>
                 </a:solidFill>
@@ -33292,7 +32535,7 @@
           <p:cNvPr id="2" name="Rechteck 1" hidden="1">
             <a:extLst>
               <a:ext uri="{FF2B5EF4-FFF2-40B4-BE49-F238E27FC236}">
-                <a16:creationId xmlns="" xmlns:a16="http://schemas.microsoft.com/office/drawing/2014/main" id="{D6DFE7FB-BD09-AA46-851D-B1DBEFD8BECC}"/>
+                <a16:creationId xmlns:a16="http://schemas.microsoft.com/office/drawing/2014/main" id="{D6DFE7FB-BD09-AA46-851D-B1DBEFD8BECC}"/>
               </a:ext>
             </a:extLst>
           </p:cNvPr>
@@ -33324,14 +32567,14 @@
           <a:effectLst/>
           <a:extLst>
             <a:ext uri="{909E8E84-426E-40dd-AFC4-6F175D3DCCD1}">
-              <a14:hiddenFill xmlns:a14="http://schemas.microsoft.com/office/drawing/2010/main" xmlns="">
+              <a14:hiddenFill xmlns="" xmlns:a14="http://schemas.microsoft.com/office/drawing/2010/main">
                 <a:solidFill>
                   <a:schemeClr val="accent2"/>
                 </a:solidFill>
               </a14:hiddenFill>
             </a:ext>
             <a:ext uri="{AF507438-7753-43e0-B8FC-AC1667EBCBE1}">
-              <a14:hiddenEffects xmlns:a14="http://schemas.microsoft.com/office/drawing/2010/main" xmlns="">
+              <a14:hiddenEffects xmlns="" xmlns:a14="http://schemas.microsoft.com/office/drawing/2010/main">
                 <a:effectLst>
                   <a:outerShdw blurRad="63500" dist="35921" dir="2700000" algn="ctr" rotWithShape="0">
                     <a:schemeClr val="bg2"/>
@@ -33393,7 +32636,7 @@
           <a:blip r:embed="rId12">
             <a:extLst>
               <a:ext uri="{28A0092B-C50C-407E-A947-70E740481C1C}">
-                <a14:useLocalDpi xmlns="" xmlns:a14="http://schemas.microsoft.com/office/drawing/2010/main" val="0"/>
+                <a14:useLocalDpi xmlns:a14="http://schemas.microsoft.com/office/drawing/2010/main" val="0"/>
               </a:ext>
             </a:extLst>
           </a:blip>
@@ -33413,7 +32656,7 @@
           <a:noFill/>
           <a:extLst>
             <a:ext uri="{909E8E84-426E-40dd-AFC4-6F175D3DCCD1}">
-              <a14:hiddenFill xmlns:a14="http://schemas.microsoft.com/office/drawing/2010/main" xmlns="">
+              <a14:hiddenFill xmlns="" xmlns:a14="http://schemas.microsoft.com/office/drawing/2010/main">
                 <a:solidFill>
                   <a:srgbClr val="FFFFFF"/>
                 </a:solidFill>
@@ -33445,14 +32688,14 @@
           <a:effectLst/>
           <a:extLst>
             <a:ext uri="{909E8E84-426E-40dd-AFC4-6F175D3DCCD1}">
-              <a14:hiddenFill xmlns:a14="http://schemas.microsoft.com/office/drawing/2010/main" xmlns="">
+              <a14:hiddenFill xmlns="" xmlns:a14="http://schemas.microsoft.com/office/drawing/2010/main">
                 <a:solidFill>
                   <a:schemeClr val="accent1"/>
                 </a:solidFill>
               </a14:hiddenFill>
             </a:ext>
             <a:ext uri="{91240B29-F687-4f45-9708-019B960494DF}">
-              <a14:hiddenLine xmlns:a14="http://schemas.microsoft.com/office/drawing/2010/main" xmlns="" w="9525">
+              <a14:hiddenLine xmlns="" xmlns:a14="http://schemas.microsoft.com/office/drawing/2010/main" w="9525">
                 <a:solidFill>
                   <a:schemeClr val="tx1"/>
                 </a:solidFill>
@@ -33462,7 +32705,7 @@
               </a14:hiddenLine>
             </a:ext>
             <a:ext uri="{AF507438-7753-43e0-B8FC-AC1667EBCBE1}">
-              <a14:hiddenEffects xmlns:a14="http://schemas.microsoft.com/office/drawing/2010/main" xmlns="">
+              <a14:hiddenEffects xmlns="" xmlns:a14="http://schemas.microsoft.com/office/drawing/2010/main">
                 <a:effectLst>
                   <a:outerShdw blurRad="63500" dist="38099" dir="2700000" algn="ctr" rotWithShape="0">
                     <a:schemeClr val="bg2">
@@ -33544,7 +32787,7 @@
           <a:blip r:embed="rId13">
             <a:extLst>
               <a:ext uri="{28A0092B-C50C-407E-A947-70E740481C1C}">
-                <a14:useLocalDpi xmlns="" xmlns:a14="http://schemas.microsoft.com/office/drawing/2010/main" val="0"/>
+                <a14:useLocalDpi xmlns:a14="http://schemas.microsoft.com/office/drawing/2010/main" val="0"/>
               </a:ext>
             </a:extLst>
           </a:blip>
@@ -33564,7 +32807,7 @@
           <a:noFill/>
           <a:extLst>
             <a:ext uri="{909E8E84-426E-40dd-AFC4-6F175D3DCCD1}">
-              <a14:hiddenFill xmlns:a14="http://schemas.microsoft.com/office/drawing/2010/main" xmlns="">
+              <a14:hiddenFill xmlns="" xmlns:a14="http://schemas.microsoft.com/office/drawing/2010/main">
                 <a:solidFill>
                   <a:srgbClr val="FFFFFF"/>
                 </a:solidFill>
@@ -33585,7 +32828,7 @@
           <a:blip r:embed="rId14">
             <a:extLst>
               <a:ext uri="{28A0092B-C50C-407E-A947-70E740481C1C}">
-                <a14:useLocalDpi xmlns="" xmlns:a14="http://schemas.microsoft.com/office/drawing/2010/main" val="0"/>
+                <a14:useLocalDpi xmlns:a14="http://schemas.microsoft.com/office/drawing/2010/main" val="0"/>
               </a:ext>
             </a:extLst>
           </a:blip>
@@ -33605,7 +32848,7 @@
           <a:noFill/>
           <a:extLst>
             <a:ext uri="{909E8E84-426E-40dd-AFC4-6F175D3DCCD1}">
-              <a14:hiddenFill xmlns:a14="http://schemas.microsoft.com/office/drawing/2010/main" xmlns="">
+              <a14:hiddenFill xmlns="" xmlns:a14="http://schemas.microsoft.com/office/drawing/2010/main">
                 <a:solidFill>
                   <a:srgbClr val="FFFFFF"/>
                 </a:solidFill>
@@ -33619,7 +32862,7 @@
           <p:cNvPr id="4" name="MSIPCMContentMarking" descr="{&quot;HashCode&quot;:-1699574231,&quot;Placement&quot;:&quot;Footer&quot;,&quot;Top&quot;:523.380066,&quot;Left&quot;:0.0,&quot;SlideWidth&quot;:720,&quot;SlideHeight&quot;:540}">
             <a:extLst>
               <a:ext uri="{FF2B5EF4-FFF2-40B4-BE49-F238E27FC236}">
-                <a16:creationId xmlns="" xmlns:a16="http://schemas.microsoft.com/office/drawing/2014/main" id="{8AF2A6CD-C9E7-BF23-BD73-BEC0CE1C916E}"/>
+                <a16:creationId xmlns:a16="http://schemas.microsoft.com/office/drawing/2014/main" id="{8AF2A6CD-C9E7-BF23-BD73-BEC0CE1C916E}"/>
               </a:ext>
             </a:extLst>
           </p:cNvPr>
@@ -34180,21 +33423,14 @@
   <p:clrMapOvr>
     <a:masterClrMapping/>
   </p:clrMapOvr>
-  <mc:AlternateContent xmlns:mc="http://schemas.openxmlformats.org/markup-compatibility/2006">
-    <mc:Choice xmlns="" xmlns:p14="http://schemas.microsoft.com/office/powerpoint/2010/main" Requires="p14">
+  <mc:AlternateContent xmlns:mc="http://schemas.openxmlformats.org/markup-compatibility/2006" xmlns:p14="http://schemas.microsoft.com/office/powerpoint/2010/main">
+    <mc:Choice Requires="p14">
       <p:transition p14:dur="0"/>
     </mc:Choice>
-    <mc:Fallback>
+    <mc:Fallback xmlns="">
       <p:transition/>
     </mc:Fallback>
   </mc:AlternateContent>
-  <p:timing>
-    <p:tnLst>
-      <p:par>
-        <p:cTn id="1" dur="indefinite" restart="never" nodeType="tmRoot"/>
-      </p:par>
-    </p:tnLst>
-  </p:timing>
 </p:sld>
 </file>
 
@@ -34220,7 +33456,1508 @@
           <p:cNvPr id="2" name="Titel 1">
             <a:extLst>
               <a:ext uri="{FF2B5EF4-FFF2-40B4-BE49-F238E27FC236}">
-                <a16:creationId xmlns="" xmlns:a16="http://schemas.microsoft.com/office/drawing/2014/main" id="{0028F07C-0650-075C-382A-A1EEE94561FC}"/>
+                <a16:creationId xmlns:a16="http://schemas.microsoft.com/office/drawing/2014/main" id="{C49C1DBF-08C5-3891-7F27-61372FB3BA9D}"/>
+              </a:ext>
+            </a:extLst>
+          </p:cNvPr>
+          <p:cNvSpPr>
+            <a:spLocks noGrp="1"/>
+          </p:cNvSpPr>
+          <p:nvPr>
+            <p:ph type="title"/>
+          </p:nvPr>
+        </p:nvSpPr>
+        <p:spPr/>
+        <p:txBody>
+          <a:bodyPr anchor="ctr">
+            <a:normAutofit/>
+          </a:bodyPr>
+          <a:lstStyle/>
+          <a:p>
+            <a:pPr>
+              <a:lnSpc>
+                <a:spcPct val="90000"/>
+              </a:lnSpc>
+            </a:pPr>
+            <a:r>
+              <a:rPr lang="de-DE" sz="2000"/>
+              <a:t>Web Mining	</a:t>
+            </a:r>
+          </a:p>
+        </p:txBody>
+      </p:sp>
+      <p:sp>
+        <p:nvSpPr>
+          <p:cNvPr id="5" name="Inhaltsplatzhalter 4">
+            <a:extLst>
+              <a:ext uri="{FF2B5EF4-FFF2-40B4-BE49-F238E27FC236}">
+                <a16:creationId xmlns:a16="http://schemas.microsoft.com/office/drawing/2014/main" id="{A47FF883-BE3B-947C-F620-3B1ABD3BC425}"/>
+              </a:ext>
+            </a:extLst>
+          </p:cNvPr>
+          <p:cNvSpPr>
+            <a:spLocks noGrp="1"/>
+          </p:cNvSpPr>
+          <p:nvPr>
+            <p:ph idx="1"/>
+          </p:nvPr>
+        </p:nvSpPr>
+        <p:spPr/>
+        <p:txBody>
+          <a:bodyPr/>
+          <a:lstStyle/>
+          <a:p>
+            <a:endParaRPr lang="de-DE"/>
+          </a:p>
+        </p:txBody>
+      </p:sp>
+      <p:sp>
+        <p:nvSpPr>
+          <p:cNvPr id="4" name="Textplatzhalter 3">
+            <a:extLst>
+              <a:ext uri="{FF2B5EF4-FFF2-40B4-BE49-F238E27FC236}">
+                <a16:creationId xmlns:a16="http://schemas.microsoft.com/office/drawing/2014/main" id="{493EDF79-875E-82CF-D05E-06E2B216A261}"/>
+              </a:ext>
+            </a:extLst>
+          </p:cNvPr>
+          <p:cNvSpPr>
+            <a:spLocks noGrp="1"/>
+          </p:cNvSpPr>
+          <p:nvPr>
+            <p:ph type="body" sz="quarter" idx="12"/>
+          </p:nvPr>
+        </p:nvSpPr>
+        <p:spPr/>
+        <p:txBody>
+          <a:bodyPr anchor="ctr">
+            <a:normAutofit/>
+          </a:bodyPr>
+          <a:lstStyle/>
+          <a:p>
+            <a:pPr>
+              <a:lnSpc>
+                <a:spcPct val="90000"/>
+              </a:lnSpc>
+            </a:pPr>
+            <a:r>
+              <a:rPr lang="de-DE" sz="1300"/>
+              <a:t>Datenanalyse</a:t>
+            </a:r>
+          </a:p>
+        </p:txBody>
+      </p:sp>
+      <p:pic>
+        <p:nvPicPr>
+          <p:cNvPr id="2050" name="Picture 2">
+            <a:extLst>
+              <a:ext uri="{FF2B5EF4-FFF2-40B4-BE49-F238E27FC236}">
+                <a16:creationId xmlns:a16="http://schemas.microsoft.com/office/drawing/2014/main" id="{4795EBAF-B4CA-71BE-3F87-029800A66DFF}"/>
+              </a:ext>
+            </a:extLst>
+          </p:cNvPr>
+          <p:cNvPicPr>
+            <a:picLocks noChangeAspect="1" noChangeArrowheads="1"/>
+          </p:cNvPicPr>
+          <p:nvPr/>
+        </p:nvPicPr>
+        <p:blipFill>
+          <a:blip r:embed="rId2">
+            <a:extLst>
+              <a:ext uri="{28A0092B-C50C-407E-A947-70E740481C1C}">
+                <a14:useLocalDpi xmlns:a14="http://schemas.microsoft.com/office/drawing/2010/main" val="0"/>
+              </a:ext>
+            </a:extLst>
+          </a:blip>
+          <a:stretch>
+            <a:fillRect/>
+          </a:stretch>
+        </p:blipFill>
+        <p:spPr bwMode="auto">
+          <a:xfrm>
+            <a:off x="944307" y="1448672"/>
+            <a:ext cx="7322061" cy="4338321"/>
+          </a:xfrm>
+          <a:prstGeom prst="rect">
+            <a:avLst/>
+          </a:prstGeom>
+          <a:solidFill>
+            <a:srgbClr val="FFFFFF"/>
+          </a:solidFill>
+          <a:extLst>
+            <a:ext uri="{909E8E84-426E-40DD-AFC4-6F175D3DCCD1}">
+              <a14:hiddenFill xmlns:a14="http://schemas.microsoft.com/office/drawing/2010/main">
+                <a:solidFill>
+                  <a:srgbClr val="FFFFFF"/>
+                </a:solidFill>
+              </a14:hiddenFill>
+            </a:ext>
+          </a:extLst>
+        </p:spPr>
+      </p:pic>
+    </p:spTree>
+    <p:extLst>
+      <p:ext uri="{BB962C8B-B14F-4D97-AF65-F5344CB8AC3E}">
+        <p14:creationId xmlns:p14="http://schemas.microsoft.com/office/powerpoint/2010/main" val="3714465152"/>
+      </p:ext>
+    </p:extLst>
+  </p:cSld>
+  <p:clrMapOvr>
+    <a:masterClrMapping/>
+  </p:clrMapOvr>
+  <p:transition>
+    <p:dissolve/>
+  </p:transition>
+</p:sld>
+</file>
+
+<file path=ppt/slides/slide11.xml><?xml version="1.0" encoding="utf-8"?>
+<p:sld xmlns:a="http://schemas.openxmlformats.org/drawingml/2006/main" xmlns:r="http://schemas.openxmlformats.org/officeDocument/2006/relationships" xmlns:p="http://schemas.openxmlformats.org/presentationml/2006/main">
+  <p:cSld>
+    <p:spTree>
+      <p:nvGrpSpPr>
+        <p:cNvPr id="1" name=""/>
+        <p:cNvGrpSpPr/>
+        <p:nvPr/>
+      </p:nvGrpSpPr>
+      <p:grpSpPr>
+        <a:xfrm>
+          <a:off x="0" y="0"/>
+          <a:ext cx="0" cy="0"/>
+          <a:chOff x="0" y="0"/>
+          <a:chExt cx="0" cy="0"/>
+        </a:xfrm>
+      </p:grpSpPr>
+      <p:sp>
+        <p:nvSpPr>
+          <p:cNvPr id="2" name="Titel 1">
+            <a:extLst>
+              <a:ext uri="{FF2B5EF4-FFF2-40B4-BE49-F238E27FC236}">
+                <a16:creationId xmlns:a16="http://schemas.microsoft.com/office/drawing/2014/main" id="{C49C1DBF-08C5-3891-7F27-61372FB3BA9D}"/>
+              </a:ext>
+            </a:extLst>
+          </p:cNvPr>
+          <p:cNvSpPr>
+            <a:spLocks noGrp="1"/>
+          </p:cNvSpPr>
+          <p:nvPr>
+            <p:ph type="title"/>
+          </p:nvPr>
+        </p:nvSpPr>
+        <p:spPr/>
+        <p:txBody>
+          <a:bodyPr anchor="ctr">
+            <a:normAutofit/>
+          </a:bodyPr>
+          <a:lstStyle/>
+          <a:p>
+            <a:pPr>
+              <a:lnSpc>
+                <a:spcPct val="90000"/>
+              </a:lnSpc>
+            </a:pPr>
+            <a:r>
+              <a:rPr lang="de-DE" sz="2000"/>
+              <a:t>Web Mining	</a:t>
+            </a:r>
+          </a:p>
+        </p:txBody>
+      </p:sp>
+      <p:sp>
+        <p:nvSpPr>
+          <p:cNvPr id="3" name="Inhaltsplatzhalter 2">
+            <a:extLst>
+              <a:ext uri="{FF2B5EF4-FFF2-40B4-BE49-F238E27FC236}">
+                <a16:creationId xmlns:a16="http://schemas.microsoft.com/office/drawing/2014/main" id="{9AB422A3-1BF5-B6A5-4FDA-9BAFA8113A0A}"/>
+              </a:ext>
+            </a:extLst>
+          </p:cNvPr>
+          <p:cNvSpPr>
+            <a:spLocks noGrp="1"/>
+          </p:cNvSpPr>
+          <p:nvPr>
+            <p:ph idx="1"/>
+          </p:nvPr>
+        </p:nvSpPr>
+        <p:spPr/>
+        <p:txBody>
+          <a:bodyPr/>
+          <a:lstStyle/>
+          <a:p>
+            <a:endParaRPr lang="de-DE"/>
+          </a:p>
+        </p:txBody>
+      </p:sp>
+      <p:sp>
+        <p:nvSpPr>
+          <p:cNvPr id="4" name="Textplatzhalter 3">
+            <a:extLst>
+              <a:ext uri="{FF2B5EF4-FFF2-40B4-BE49-F238E27FC236}">
+                <a16:creationId xmlns:a16="http://schemas.microsoft.com/office/drawing/2014/main" id="{493EDF79-875E-82CF-D05E-06E2B216A261}"/>
+              </a:ext>
+            </a:extLst>
+          </p:cNvPr>
+          <p:cNvSpPr>
+            <a:spLocks noGrp="1"/>
+          </p:cNvSpPr>
+          <p:nvPr>
+            <p:ph type="body" sz="quarter" idx="12"/>
+          </p:nvPr>
+        </p:nvSpPr>
+        <p:spPr/>
+        <p:txBody>
+          <a:bodyPr anchor="ctr">
+            <a:normAutofit/>
+          </a:bodyPr>
+          <a:lstStyle/>
+          <a:p>
+            <a:pPr>
+              <a:lnSpc>
+                <a:spcPct val="90000"/>
+              </a:lnSpc>
+            </a:pPr>
+            <a:r>
+              <a:rPr lang="de-DE" sz="1300"/>
+              <a:t>Datenanalyse</a:t>
+            </a:r>
+          </a:p>
+        </p:txBody>
+      </p:sp>
+      <p:pic>
+        <p:nvPicPr>
+          <p:cNvPr id="3074" name="Picture 2">
+            <a:extLst>
+              <a:ext uri="{FF2B5EF4-FFF2-40B4-BE49-F238E27FC236}">
+                <a16:creationId xmlns:a16="http://schemas.microsoft.com/office/drawing/2014/main" id="{A492AABD-4421-66CE-C134-9215AC189D48}"/>
+              </a:ext>
+            </a:extLst>
+          </p:cNvPr>
+          <p:cNvPicPr>
+            <a:picLocks noChangeAspect="1" noChangeArrowheads="1"/>
+          </p:cNvPicPr>
+          <p:nvPr/>
+        </p:nvPicPr>
+        <p:blipFill>
+          <a:blip r:embed="rId2">
+            <a:extLst>
+              <a:ext uri="{28A0092B-C50C-407E-A947-70E740481C1C}">
+                <a14:useLocalDpi xmlns:a14="http://schemas.microsoft.com/office/drawing/2010/main" val="0"/>
+              </a:ext>
+            </a:extLst>
+          </a:blip>
+          <a:stretch>
+            <a:fillRect/>
+          </a:stretch>
+        </p:blipFill>
+        <p:spPr bwMode="auto">
+          <a:xfrm>
+            <a:off x="944307" y="1448672"/>
+            <a:ext cx="7322061" cy="4338321"/>
+          </a:xfrm>
+          <a:prstGeom prst="rect">
+            <a:avLst/>
+          </a:prstGeom>
+          <a:solidFill>
+            <a:srgbClr val="FFFFFF"/>
+          </a:solidFill>
+          <a:extLst>
+            <a:ext uri="{909E8E84-426E-40DD-AFC4-6F175D3DCCD1}">
+              <a14:hiddenFill xmlns:a14="http://schemas.microsoft.com/office/drawing/2010/main">
+                <a:solidFill>
+                  <a:srgbClr val="FFFFFF"/>
+                </a:solidFill>
+              </a14:hiddenFill>
+            </a:ext>
+          </a:extLst>
+        </p:spPr>
+      </p:pic>
+    </p:spTree>
+    <p:extLst>
+      <p:ext uri="{BB962C8B-B14F-4D97-AF65-F5344CB8AC3E}">
+        <p14:creationId xmlns:p14="http://schemas.microsoft.com/office/powerpoint/2010/main" val="3892605043"/>
+      </p:ext>
+    </p:extLst>
+  </p:cSld>
+  <p:clrMapOvr>
+    <a:masterClrMapping/>
+  </p:clrMapOvr>
+  <p:transition>
+    <p:dissolve/>
+  </p:transition>
+</p:sld>
+</file>
+
+<file path=ppt/slides/slide12.xml><?xml version="1.0" encoding="utf-8"?>
+<p:sld xmlns:a="http://schemas.openxmlformats.org/drawingml/2006/main" xmlns:r="http://schemas.openxmlformats.org/officeDocument/2006/relationships" xmlns:p="http://schemas.openxmlformats.org/presentationml/2006/main">
+  <p:cSld>
+    <p:spTree>
+      <p:nvGrpSpPr>
+        <p:cNvPr id="1" name=""/>
+        <p:cNvGrpSpPr/>
+        <p:nvPr/>
+      </p:nvGrpSpPr>
+      <p:grpSpPr>
+        <a:xfrm>
+          <a:off x="0" y="0"/>
+          <a:ext cx="0" cy="0"/>
+          <a:chOff x="0" y="0"/>
+          <a:chExt cx="0" cy="0"/>
+        </a:xfrm>
+      </p:grpSpPr>
+      <p:sp>
+        <p:nvSpPr>
+          <p:cNvPr id="2" name="Titel 1">
+            <a:extLst>
+              <a:ext uri="{FF2B5EF4-FFF2-40B4-BE49-F238E27FC236}">
+                <a16:creationId xmlns:a16="http://schemas.microsoft.com/office/drawing/2014/main" id="{C49C1DBF-08C5-3891-7F27-61372FB3BA9D}"/>
+              </a:ext>
+            </a:extLst>
+          </p:cNvPr>
+          <p:cNvSpPr>
+            <a:spLocks noGrp="1"/>
+          </p:cNvSpPr>
+          <p:nvPr>
+            <p:ph type="title"/>
+          </p:nvPr>
+        </p:nvSpPr>
+        <p:spPr/>
+        <p:txBody>
+          <a:bodyPr anchor="ctr">
+            <a:normAutofit/>
+          </a:bodyPr>
+          <a:lstStyle/>
+          <a:p>
+            <a:pPr>
+              <a:lnSpc>
+                <a:spcPct val="90000"/>
+              </a:lnSpc>
+            </a:pPr>
+            <a:r>
+              <a:rPr lang="de-DE" sz="2000"/>
+              <a:t>Web Mining	</a:t>
+            </a:r>
+          </a:p>
+        </p:txBody>
+      </p:sp>
+      <p:pic>
+        <p:nvPicPr>
+          <p:cNvPr id="4098" name="Picture 2">
+            <a:extLst>
+              <a:ext uri="{FF2B5EF4-FFF2-40B4-BE49-F238E27FC236}">
+                <a16:creationId xmlns:a16="http://schemas.microsoft.com/office/drawing/2014/main" id="{D51A6D85-3D71-3806-3060-B018A7DF89BD}"/>
+              </a:ext>
+            </a:extLst>
+          </p:cNvPr>
+          <p:cNvPicPr>
+            <a:picLocks noGrp="1" noChangeAspect="1" noChangeArrowheads="1"/>
+          </p:cNvPicPr>
+          <p:nvPr>
+            <p:ph idx="1"/>
+          </p:nvPr>
+        </p:nvPicPr>
+        <p:blipFill>
+          <a:blip r:embed="rId2">
+            <a:extLst>
+              <a:ext uri="{28A0092B-C50C-407E-A947-70E740481C1C}">
+                <a14:useLocalDpi xmlns:a14="http://schemas.microsoft.com/office/drawing/2010/main" val="0"/>
+              </a:ext>
+            </a:extLst>
+          </a:blip>
+          <a:stretch>
+            <a:fillRect/>
+          </a:stretch>
+        </p:blipFill>
+        <p:spPr bwMode="auto">
+          <a:xfrm>
+            <a:off x="1875848" y="1623755"/>
+            <a:ext cx="5458979" cy="4178816"/>
+          </a:xfrm>
+          <a:prstGeom prst="rect">
+            <a:avLst/>
+          </a:prstGeom>
+          <a:solidFill>
+            <a:srgbClr val="FFFFFF"/>
+          </a:solidFill>
+          <a:extLst>
+            <a:ext uri="{909E8E84-426E-40DD-AFC4-6F175D3DCCD1}">
+              <a14:hiddenFill xmlns:a14="http://schemas.microsoft.com/office/drawing/2010/main">
+                <a:solidFill>
+                  <a:srgbClr val="FFFFFF"/>
+                </a:solidFill>
+              </a14:hiddenFill>
+            </a:ext>
+          </a:extLst>
+        </p:spPr>
+      </p:pic>
+      <p:sp>
+        <p:nvSpPr>
+          <p:cNvPr id="4" name="Textplatzhalter 3">
+            <a:extLst>
+              <a:ext uri="{FF2B5EF4-FFF2-40B4-BE49-F238E27FC236}">
+                <a16:creationId xmlns:a16="http://schemas.microsoft.com/office/drawing/2014/main" id="{493EDF79-875E-82CF-D05E-06E2B216A261}"/>
+              </a:ext>
+            </a:extLst>
+          </p:cNvPr>
+          <p:cNvSpPr>
+            <a:spLocks noGrp="1"/>
+          </p:cNvSpPr>
+          <p:nvPr>
+            <p:ph type="body" sz="quarter" idx="12"/>
+          </p:nvPr>
+        </p:nvSpPr>
+        <p:spPr/>
+        <p:txBody>
+          <a:bodyPr anchor="ctr">
+            <a:normAutofit/>
+          </a:bodyPr>
+          <a:lstStyle/>
+          <a:p>
+            <a:pPr>
+              <a:lnSpc>
+                <a:spcPct val="90000"/>
+              </a:lnSpc>
+            </a:pPr>
+            <a:r>
+              <a:rPr lang="de-DE" sz="1300"/>
+              <a:t>Datenanalyse</a:t>
+            </a:r>
+          </a:p>
+        </p:txBody>
+      </p:sp>
+    </p:spTree>
+    <p:extLst>
+      <p:ext uri="{BB962C8B-B14F-4D97-AF65-F5344CB8AC3E}">
+        <p14:creationId xmlns:p14="http://schemas.microsoft.com/office/powerpoint/2010/main" val="3183754029"/>
+      </p:ext>
+    </p:extLst>
+  </p:cSld>
+  <p:clrMapOvr>
+    <a:masterClrMapping/>
+  </p:clrMapOvr>
+  <p:transition>
+    <p:dissolve/>
+  </p:transition>
+</p:sld>
+</file>
+
+<file path=ppt/slides/slide13.xml><?xml version="1.0" encoding="utf-8"?>
+<p:sld xmlns:a="http://schemas.openxmlformats.org/drawingml/2006/main" xmlns:r="http://schemas.openxmlformats.org/officeDocument/2006/relationships" xmlns:p="http://schemas.openxmlformats.org/presentationml/2006/main">
+  <p:cSld>
+    <p:spTree>
+      <p:nvGrpSpPr>
+        <p:cNvPr id="1" name=""/>
+        <p:cNvGrpSpPr/>
+        <p:nvPr/>
+      </p:nvGrpSpPr>
+      <p:grpSpPr>
+        <a:xfrm>
+          <a:off x="0" y="0"/>
+          <a:ext cx="0" cy="0"/>
+          <a:chOff x="0" y="0"/>
+          <a:chExt cx="0" cy="0"/>
+        </a:xfrm>
+      </p:grpSpPr>
+      <p:sp>
+        <p:nvSpPr>
+          <p:cNvPr id="2" name="Titel 1">
+            <a:extLst>
+              <a:ext uri="{FF2B5EF4-FFF2-40B4-BE49-F238E27FC236}">
+                <a16:creationId xmlns:a16="http://schemas.microsoft.com/office/drawing/2014/main" id="{C49C1DBF-08C5-3891-7F27-61372FB3BA9D}"/>
+              </a:ext>
+            </a:extLst>
+          </p:cNvPr>
+          <p:cNvSpPr>
+            <a:spLocks noGrp="1"/>
+          </p:cNvSpPr>
+          <p:nvPr>
+            <p:ph type="title"/>
+          </p:nvPr>
+        </p:nvSpPr>
+        <p:spPr/>
+        <p:txBody>
+          <a:bodyPr anchor="ctr">
+            <a:normAutofit/>
+          </a:bodyPr>
+          <a:lstStyle/>
+          <a:p>
+            <a:pPr>
+              <a:lnSpc>
+                <a:spcPct val="90000"/>
+              </a:lnSpc>
+            </a:pPr>
+            <a:r>
+              <a:rPr lang="de-DE" sz="2000"/>
+              <a:t>Web Mining	</a:t>
+            </a:r>
+          </a:p>
+        </p:txBody>
+      </p:sp>
+      <p:pic>
+        <p:nvPicPr>
+          <p:cNvPr id="4098" name="Picture 2">
+            <a:extLst>
+              <a:ext uri="{FF2B5EF4-FFF2-40B4-BE49-F238E27FC236}">
+                <a16:creationId xmlns:a16="http://schemas.microsoft.com/office/drawing/2014/main" id="{D51A6D85-3D71-3806-3060-B018A7DF89BD}"/>
+              </a:ext>
+            </a:extLst>
+          </p:cNvPr>
+          <p:cNvPicPr>
+            <a:picLocks noGrp="1" noChangeAspect="1" noChangeArrowheads="1"/>
+          </p:cNvPicPr>
+          <p:nvPr>
+            <p:ph idx="1"/>
+          </p:nvPr>
+        </p:nvPicPr>
+        <p:blipFill>
+          <a:blip r:embed="rId2">
+            <a:extLst>
+              <a:ext uri="{28A0092B-C50C-407E-A947-70E740481C1C}">
+                <a14:useLocalDpi xmlns:a14="http://schemas.microsoft.com/office/drawing/2010/main" val="0"/>
+              </a:ext>
+            </a:extLst>
+          </a:blip>
+          <a:stretch>
+            <a:fillRect/>
+          </a:stretch>
+        </p:blipFill>
+        <p:spPr bwMode="auto">
+          <a:xfrm>
+            <a:off x="1875848" y="1623755"/>
+            <a:ext cx="5458979" cy="4178816"/>
+          </a:xfrm>
+          <a:prstGeom prst="rect">
+            <a:avLst/>
+          </a:prstGeom>
+          <a:solidFill>
+            <a:srgbClr val="FFFFFF"/>
+          </a:solidFill>
+        </p:spPr>
+      </p:pic>
+      <p:sp>
+        <p:nvSpPr>
+          <p:cNvPr id="4" name="Textplatzhalter 3">
+            <a:extLst>
+              <a:ext uri="{FF2B5EF4-FFF2-40B4-BE49-F238E27FC236}">
+                <a16:creationId xmlns:a16="http://schemas.microsoft.com/office/drawing/2014/main" id="{493EDF79-875E-82CF-D05E-06E2B216A261}"/>
+              </a:ext>
+            </a:extLst>
+          </p:cNvPr>
+          <p:cNvSpPr>
+            <a:spLocks noGrp="1"/>
+          </p:cNvSpPr>
+          <p:nvPr>
+            <p:ph type="body" sz="quarter" idx="12"/>
+          </p:nvPr>
+        </p:nvSpPr>
+        <p:spPr/>
+        <p:txBody>
+          <a:bodyPr anchor="ctr">
+            <a:normAutofit/>
+          </a:bodyPr>
+          <a:lstStyle/>
+          <a:p>
+            <a:pPr>
+              <a:lnSpc>
+                <a:spcPct val="90000"/>
+              </a:lnSpc>
+            </a:pPr>
+            <a:r>
+              <a:rPr lang="de-DE" sz="1300"/>
+              <a:t>Datenanalyse</a:t>
+            </a:r>
+          </a:p>
+        </p:txBody>
+      </p:sp>
+    </p:spTree>
+    <p:extLst>
+      <p:ext uri="{BB962C8B-B14F-4D97-AF65-F5344CB8AC3E}">
+        <p14:creationId xmlns:p14="http://schemas.microsoft.com/office/powerpoint/2010/main" val="3518569522"/>
+      </p:ext>
+    </p:extLst>
+  </p:cSld>
+  <p:clrMapOvr>
+    <a:masterClrMapping/>
+  </p:clrMapOvr>
+  <p:transition>
+    <p:dissolve/>
+  </p:transition>
+</p:sld>
+</file>
+
+<file path=ppt/slides/slide14.xml><?xml version="1.0" encoding="utf-8"?>
+<p:sld xmlns:a="http://schemas.openxmlformats.org/drawingml/2006/main" xmlns:r="http://schemas.openxmlformats.org/officeDocument/2006/relationships" xmlns:p="http://schemas.openxmlformats.org/presentationml/2006/main">
+  <p:cSld>
+    <p:spTree>
+      <p:nvGrpSpPr>
+        <p:cNvPr id="1" name=""/>
+        <p:cNvGrpSpPr/>
+        <p:nvPr/>
+      </p:nvGrpSpPr>
+      <p:grpSpPr>
+        <a:xfrm>
+          <a:off x="0" y="0"/>
+          <a:ext cx="0" cy="0"/>
+          <a:chOff x="0" y="0"/>
+          <a:chExt cx="0" cy="0"/>
+        </a:xfrm>
+      </p:grpSpPr>
+      <p:sp>
+        <p:nvSpPr>
+          <p:cNvPr id="2" name="Titel 1">
+            <a:extLst>
+              <a:ext uri="{FF2B5EF4-FFF2-40B4-BE49-F238E27FC236}">
+                <a16:creationId xmlns:a16="http://schemas.microsoft.com/office/drawing/2014/main" id="{C49C1DBF-08C5-3891-7F27-61372FB3BA9D}"/>
+              </a:ext>
+            </a:extLst>
+          </p:cNvPr>
+          <p:cNvSpPr>
+            <a:spLocks noGrp="1"/>
+          </p:cNvSpPr>
+          <p:nvPr>
+            <p:ph type="title"/>
+          </p:nvPr>
+        </p:nvSpPr>
+        <p:spPr/>
+        <p:txBody>
+          <a:bodyPr anchor="ctr">
+            <a:normAutofit/>
+          </a:bodyPr>
+          <a:lstStyle/>
+          <a:p>
+            <a:pPr>
+              <a:lnSpc>
+                <a:spcPct val="90000"/>
+              </a:lnSpc>
+            </a:pPr>
+            <a:r>
+              <a:rPr lang="de-DE" sz="2000"/>
+              <a:t>Web Mining	</a:t>
+            </a:r>
+          </a:p>
+        </p:txBody>
+      </p:sp>
+      <p:sp>
+        <p:nvSpPr>
+          <p:cNvPr id="6" name="Inhaltsplatzhalter 5">
+            <a:extLst>
+              <a:ext uri="{FF2B5EF4-FFF2-40B4-BE49-F238E27FC236}">
+                <a16:creationId xmlns:a16="http://schemas.microsoft.com/office/drawing/2014/main" id="{7A53E07B-9265-78F5-9EAE-AC2FEC43E407}"/>
+              </a:ext>
+            </a:extLst>
+          </p:cNvPr>
+          <p:cNvSpPr>
+            <a:spLocks noGrp="1"/>
+          </p:cNvSpPr>
+          <p:nvPr>
+            <p:ph idx="1"/>
+          </p:nvPr>
+        </p:nvSpPr>
+        <p:spPr/>
+        <p:txBody>
+          <a:bodyPr/>
+          <a:lstStyle/>
+          <a:p>
+            <a:endParaRPr lang="de-DE"/>
+          </a:p>
+        </p:txBody>
+      </p:sp>
+      <p:sp>
+        <p:nvSpPr>
+          <p:cNvPr id="4" name="Textplatzhalter 3">
+            <a:extLst>
+              <a:ext uri="{FF2B5EF4-FFF2-40B4-BE49-F238E27FC236}">
+                <a16:creationId xmlns:a16="http://schemas.microsoft.com/office/drawing/2014/main" id="{493EDF79-875E-82CF-D05E-06E2B216A261}"/>
+              </a:ext>
+            </a:extLst>
+          </p:cNvPr>
+          <p:cNvSpPr>
+            <a:spLocks noGrp="1"/>
+          </p:cNvSpPr>
+          <p:nvPr>
+            <p:ph type="body" sz="quarter" idx="12"/>
+          </p:nvPr>
+        </p:nvSpPr>
+        <p:spPr/>
+        <p:txBody>
+          <a:bodyPr anchor="ctr">
+            <a:normAutofit/>
+          </a:bodyPr>
+          <a:lstStyle/>
+          <a:p>
+            <a:pPr>
+              <a:lnSpc>
+                <a:spcPct val="90000"/>
+              </a:lnSpc>
+            </a:pPr>
+            <a:r>
+              <a:rPr lang="de-DE" sz="1300"/>
+              <a:t>Datenanalyse</a:t>
+            </a:r>
+          </a:p>
+        </p:txBody>
+      </p:sp>
+      <p:pic>
+        <p:nvPicPr>
+          <p:cNvPr id="5122" name="Picture 2">
+            <a:extLst>
+              <a:ext uri="{FF2B5EF4-FFF2-40B4-BE49-F238E27FC236}">
+                <a16:creationId xmlns:a16="http://schemas.microsoft.com/office/drawing/2014/main" id="{D0CDF782-890E-9447-12F5-53DE59E6030D}"/>
+              </a:ext>
+            </a:extLst>
+          </p:cNvPr>
+          <p:cNvPicPr>
+            <a:picLocks noChangeAspect="1" noChangeArrowheads="1"/>
+          </p:cNvPicPr>
+          <p:nvPr/>
+        </p:nvPicPr>
+        <p:blipFill>
+          <a:blip r:embed="rId2">
+            <a:extLst>
+              <a:ext uri="{28A0092B-C50C-407E-A947-70E740481C1C}">
+                <a14:useLocalDpi xmlns:a14="http://schemas.microsoft.com/office/drawing/2010/main" val="0"/>
+              </a:ext>
+            </a:extLst>
+          </a:blip>
+          <a:stretch>
+            <a:fillRect/>
+          </a:stretch>
+        </p:blipFill>
+        <p:spPr bwMode="auto">
+          <a:xfrm>
+            <a:off x="1815421" y="1448672"/>
+            <a:ext cx="5579832" cy="4338321"/>
+          </a:xfrm>
+          <a:prstGeom prst="rect">
+            <a:avLst/>
+          </a:prstGeom>
+          <a:solidFill>
+            <a:srgbClr val="FFFFFF"/>
+          </a:solidFill>
+          <a:extLst>
+            <a:ext uri="{909E8E84-426E-40DD-AFC4-6F175D3DCCD1}">
+              <a14:hiddenFill xmlns:a14="http://schemas.microsoft.com/office/drawing/2010/main">
+                <a:solidFill>
+                  <a:srgbClr val="FFFFFF"/>
+                </a:solidFill>
+              </a14:hiddenFill>
+            </a:ext>
+          </a:extLst>
+        </p:spPr>
+      </p:pic>
+    </p:spTree>
+    <p:extLst>
+      <p:ext uri="{BB962C8B-B14F-4D97-AF65-F5344CB8AC3E}">
+        <p14:creationId xmlns:p14="http://schemas.microsoft.com/office/powerpoint/2010/main" val="1049637152"/>
+      </p:ext>
+    </p:extLst>
+  </p:cSld>
+  <p:clrMapOvr>
+    <a:masterClrMapping/>
+  </p:clrMapOvr>
+  <p:transition>
+    <p:dissolve/>
+  </p:transition>
+</p:sld>
+</file>
+
+<file path=ppt/slides/slide15.xml><?xml version="1.0" encoding="utf-8"?>
+<p:sld xmlns:a="http://schemas.openxmlformats.org/drawingml/2006/main" xmlns:r="http://schemas.openxmlformats.org/officeDocument/2006/relationships" xmlns:p="http://schemas.openxmlformats.org/presentationml/2006/main">
+  <p:cSld>
+    <p:spTree>
+      <p:nvGrpSpPr>
+        <p:cNvPr id="1" name=""/>
+        <p:cNvGrpSpPr/>
+        <p:nvPr/>
+      </p:nvGrpSpPr>
+      <p:grpSpPr>
+        <a:xfrm>
+          <a:off x="0" y="0"/>
+          <a:ext cx="0" cy="0"/>
+          <a:chOff x="0" y="0"/>
+          <a:chExt cx="0" cy="0"/>
+        </a:xfrm>
+      </p:grpSpPr>
+      <p:sp>
+        <p:nvSpPr>
+          <p:cNvPr id="2" name="Titel 1">
+            <a:extLst>
+              <a:ext uri="{FF2B5EF4-FFF2-40B4-BE49-F238E27FC236}">
+                <a16:creationId xmlns:a16="http://schemas.microsoft.com/office/drawing/2014/main" id="{C49C1DBF-08C5-3891-7F27-61372FB3BA9D}"/>
+              </a:ext>
+            </a:extLst>
+          </p:cNvPr>
+          <p:cNvSpPr>
+            <a:spLocks noGrp="1"/>
+          </p:cNvSpPr>
+          <p:nvPr>
+            <p:ph type="title"/>
+          </p:nvPr>
+        </p:nvSpPr>
+        <p:spPr/>
+        <p:txBody>
+          <a:bodyPr anchor="ctr">
+            <a:normAutofit/>
+          </a:bodyPr>
+          <a:lstStyle/>
+          <a:p>
+            <a:pPr>
+              <a:lnSpc>
+                <a:spcPct val="90000"/>
+              </a:lnSpc>
+            </a:pPr>
+            <a:r>
+              <a:rPr lang="de-DE" sz="2000"/>
+              <a:t>Web Mining	</a:t>
+            </a:r>
+          </a:p>
+        </p:txBody>
+      </p:sp>
+      <p:sp>
+        <p:nvSpPr>
+          <p:cNvPr id="3" name="Inhaltsplatzhalter 2">
+            <a:extLst>
+              <a:ext uri="{FF2B5EF4-FFF2-40B4-BE49-F238E27FC236}">
+                <a16:creationId xmlns:a16="http://schemas.microsoft.com/office/drawing/2014/main" id="{D2FF0AED-C5E0-C1F3-CB3A-BEFD0E448964}"/>
+              </a:ext>
+            </a:extLst>
+          </p:cNvPr>
+          <p:cNvSpPr>
+            <a:spLocks noGrp="1"/>
+          </p:cNvSpPr>
+          <p:nvPr>
+            <p:ph idx="1"/>
+          </p:nvPr>
+        </p:nvSpPr>
+        <p:spPr/>
+        <p:txBody>
+          <a:bodyPr/>
+          <a:lstStyle/>
+          <a:p>
+            <a:endParaRPr lang="de-DE"/>
+          </a:p>
+        </p:txBody>
+      </p:sp>
+      <p:sp>
+        <p:nvSpPr>
+          <p:cNvPr id="4" name="Textplatzhalter 3">
+            <a:extLst>
+              <a:ext uri="{FF2B5EF4-FFF2-40B4-BE49-F238E27FC236}">
+                <a16:creationId xmlns:a16="http://schemas.microsoft.com/office/drawing/2014/main" id="{493EDF79-875E-82CF-D05E-06E2B216A261}"/>
+              </a:ext>
+            </a:extLst>
+          </p:cNvPr>
+          <p:cNvSpPr>
+            <a:spLocks noGrp="1"/>
+          </p:cNvSpPr>
+          <p:nvPr>
+            <p:ph type="body" sz="quarter" idx="12"/>
+          </p:nvPr>
+        </p:nvSpPr>
+        <p:spPr/>
+        <p:txBody>
+          <a:bodyPr anchor="ctr">
+            <a:normAutofit/>
+          </a:bodyPr>
+          <a:lstStyle/>
+          <a:p>
+            <a:pPr>
+              <a:lnSpc>
+                <a:spcPct val="90000"/>
+              </a:lnSpc>
+            </a:pPr>
+            <a:r>
+              <a:rPr lang="de-DE" sz="1300"/>
+              <a:t>Datenanalyse</a:t>
+            </a:r>
+          </a:p>
+        </p:txBody>
+      </p:sp>
+      <p:pic>
+        <p:nvPicPr>
+          <p:cNvPr id="6146" name="Picture 2">
+            <a:extLst>
+              <a:ext uri="{FF2B5EF4-FFF2-40B4-BE49-F238E27FC236}">
+                <a16:creationId xmlns:a16="http://schemas.microsoft.com/office/drawing/2014/main" id="{40726E26-DDA9-3133-E8BB-13DAA836EC3B}"/>
+              </a:ext>
+            </a:extLst>
+          </p:cNvPr>
+          <p:cNvPicPr>
+            <a:picLocks noChangeAspect="1" noChangeArrowheads="1"/>
+          </p:cNvPicPr>
+          <p:nvPr/>
+        </p:nvPicPr>
+        <p:blipFill>
+          <a:blip r:embed="rId2">
+            <a:extLst>
+              <a:ext uri="{28A0092B-C50C-407E-A947-70E740481C1C}">
+                <a14:useLocalDpi xmlns:a14="http://schemas.microsoft.com/office/drawing/2010/main" val="0"/>
+              </a:ext>
+            </a:extLst>
+          </a:blip>
+          <a:stretch>
+            <a:fillRect/>
+          </a:stretch>
+        </p:blipFill>
+        <p:spPr bwMode="auto">
+          <a:xfrm>
+            <a:off x="959689" y="1448672"/>
+            <a:ext cx="7291296" cy="4338321"/>
+          </a:xfrm>
+          <a:prstGeom prst="rect">
+            <a:avLst/>
+          </a:prstGeom>
+          <a:solidFill>
+            <a:srgbClr val="FFFFFF"/>
+          </a:solidFill>
+          <a:extLst>
+            <a:ext uri="{909E8E84-426E-40DD-AFC4-6F175D3DCCD1}">
+              <a14:hiddenFill xmlns:a14="http://schemas.microsoft.com/office/drawing/2010/main">
+                <a:solidFill>
+                  <a:srgbClr val="FFFFFF"/>
+                </a:solidFill>
+              </a14:hiddenFill>
+            </a:ext>
+          </a:extLst>
+        </p:spPr>
+      </p:pic>
+    </p:spTree>
+    <p:extLst>
+      <p:ext uri="{BB962C8B-B14F-4D97-AF65-F5344CB8AC3E}">
+        <p14:creationId xmlns:p14="http://schemas.microsoft.com/office/powerpoint/2010/main" val="820473851"/>
+      </p:ext>
+    </p:extLst>
+  </p:cSld>
+  <p:clrMapOvr>
+    <a:masterClrMapping/>
+  </p:clrMapOvr>
+  <p:transition>
+    <p:dissolve/>
+  </p:transition>
+</p:sld>
+</file>
+
+<file path=ppt/slides/slide16.xml><?xml version="1.0" encoding="utf-8"?>
+<p:sld xmlns:a="http://schemas.openxmlformats.org/drawingml/2006/main" xmlns:r="http://schemas.openxmlformats.org/officeDocument/2006/relationships" xmlns:p="http://schemas.openxmlformats.org/presentationml/2006/main">
+  <p:cSld>
+    <p:spTree>
+      <p:nvGrpSpPr>
+        <p:cNvPr id="1" name=""/>
+        <p:cNvGrpSpPr/>
+        <p:nvPr/>
+      </p:nvGrpSpPr>
+      <p:grpSpPr>
+        <a:xfrm>
+          <a:off x="0" y="0"/>
+          <a:ext cx="0" cy="0"/>
+          <a:chOff x="0" y="0"/>
+          <a:chExt cx="0" cy="0"/>
+        </a:xfrm>
+      </p:grpSpPr>
+      <p:sp>
+        <p:nvSpPr>
+          <p:cNvPr id="2" name="Titel 1">
+            <a:extLst>
+              <a:ext uri="{FF2B5EF4-FFF2-40B4-BE49-F238E27FC236}">
+                <a16:creationId xmlns:a16="http://schemas.microsoft.com/office/drawing/2014/main" id="{C49C1DBF-08C5-3891-7F27-61372FB3BA9D}"/>
+              </a:ext>
+            </a:extLst>
+          </p:cNvPr>
+          <p:cNvSpPr>
+            <a:spLocks noGrp="1"/>
+          </p:cNvSpPr>
+          <p:nvPr>
+            <p:ph type="title"/>
+          </p:nvPr>
+        </p:nvSpPr>
+        <p:spPr/>
+        <p:txBody>
+          <a:bodyPr anchor="ctr">
+            <a:normAutofit/>
+          </a:bodyPr>
+          <a:lstStyle/>
+          <a:p>
+            <a:pPr>
+              <a:lnSpc>
+                <a:spcPct val="90000"/>
+              </a:lnSpc>
+            </a:pPr>
+            <a:r>
+              <a:rPr lang="de-DE" sz="2000"/>
+              <a:t>Web Mining	</a:t>
+            </a:r>
+          </a:p>
+        </p:txBody>
+      </p:sp>
+      <p:sp>
+        <p:nvSpPr>
+          <p:cNvPr id="4" name="Textplatzhalter 3">
+            <a:extLst>
+              <a:ext uri="{FF2B5EF4-FFF2-40B4-BE49-F238E27FC236}">
+                <a16:creationId xmlns:a16="http://schemas.microsoft.com/office/drawing/2014/main" id="{493EDF79-875E-82CF-D05E-06E2B216A261}"/>
+              </a:ext>
+            </a:extLst>
+          </p:cNvPr>
+          <p:cNvSpPr>
+            <a:spLocks noGrp="1"/>
+          </p:cNvSpPr>
+          <p:nvPr>
+            <p:ph type="body" sz="quarter" idx="12"/>
+          </p:nvPr>
+        </p:nvSpPr>
+        <p:spPr/>
+        <p:txBody>
+          <a:bodyPr anchor="ctr">
+            <a:normAutofit/>
+          </a:bodyPr>
+          <a:lstStyle/>
+          <a:p>
+            <a:pPr>
+              <a:lnSpc>
+                <a:spcPct val="90000"/>
+              </a:lnSpc>
+            </a:pPr>
+            <a:r>
+              <a:rPr lang="de-DE" sz="1300"/>
+              <a:t>Datenanalyse</a:t>
+            </a:r>
+          </a:p>
+        </p:txBody>
+      </p:sp>
+      <p:pic>
+        <p:nvPicPr>
+          <p:cNvPr id="7170" name="Picture 2">
+            <a:extLst>
+              <a:ext uri="{FF2B5EF4-FFF2-40B4-BE49-F238E27FC236}">
+                <a16:creationId xmlns:a16="http://schemas.microsoft.com/office/drawing/2014/main" id="{FF473940-278E-2B1A-AE54-97203F3B5AA1}"/>
+              </a:ext>
+            </a:extLst>
+          </p:cNvPr>
+          <p:cNvPicPr>
+            <a:picLocks noGrp="1" noChangeAspect="1" noChangeArrowheads="1"/>
+          </p:cNvPicPr>
+          <p:nvPr>
+            <p:ph idx="1"/>
+          </p:nvPr>
+        </p:nvPicPr>
+        <p:blipFill>
+          <a:blip r:embed="rId2">
+            <a:extLst>
+              <a:ext uri="{28A0092B-C50C-407E-A947-70E740481C1C}">
+                <a14:useLocalDpi xmlns:a14="http://schemas.microsoft.com/office/drawing/2010/main" val="0"/>
+              </a:ext>
+            </a:extLst>
+          </a:blip>
+          <a:srcRect/>
+          <a:stretch>
+            <a:fillRect/>
+          </a:stretch>
+        </p:blipFill>
+        <p:spPr bwMode="auto">
+          <a:xfrm>
+            <a:off x="791032" y="1449388"/>
+            <a:ext cx="7628611" cy="4527550"/>
+          </a:xfrm>
+          <a:prstGeom prst="rect">
+            <a:avLst/>
+          </a:prstGeom>
+          <a:noFill/>
+          <a:extLst>
+            <a:ext uri="{909E8E84-426E-40DD-AFC4-6F175D3DCCD1}">
+              <a14:hiddenFill xmlns:a14="http://schemas.microsoft.com/office/drawing/2010/main">
+                <a:solidFill>
+                  <a:srgbClr val="FFFFFF"/>
+                </a:solidFill>
+              </a14:hiddenFill>
+            </a:ext>
+          </a:extLst>
+        </p:spPr>
+      </p:pic>
+    </p:spTree>
+    <p:extLst>
+      <p:ext uri="{BB962C8B-B14F-4D97-AF65-F5344CB8AC3E}">
+        <p14:creationId xmlns:p14="http://schemas.microsoft.com/office/powerpoint/2010/main" val="2452312445"/>
+      </p:ext>
+    </p:extLst>
+  </p:cSld>
+  <p:clrMapOvr>
+    <a:masterClrMapping/>
+  </p:clrMapOvr>
+  <p:transition>
+    <p:dissolve/>
+  </p:transition>
+</p:sld>
+</file>
+
+<file path=ppt/slides/slide17.xml><?xml version="1.0" encoding="utf-8"?>
+<p:sld xmlns:a="http://schemas.openxmlformats.org/drawingml/2006/main" xmlns:r="http://schemas.openxmlformats.org/officeDocument/2006/relationships" xmlns:p="http://schemas.openxmlformats.org/presentationml/2006/main">
+  <p:cSld>
+    <p:spTree>
+      <p:nvGrpSpPr>
+        <p:cNvPr id="1" name=""/>
+        <p:cNvGrpSpPr/>
+        <p:nvPr/>
+      </p:nvGrpSpPr>
+      <p:grpSpPr>
+        <a:xfrm>
+          <a:off x="0" y="0"/>
+          <a:ext cx="0" cy="0"/>
+          <a:chOff x="0" y="0"/>
+          <a:chExt cx="0" cy="0"/>
+        </a:xfrm>
+      </p:grpSpPr>
+      <p:sp>
+        <p:nvSpPr>
+          <p:cNvPr id="2" name="Titel 1"/>
+          <p:cNvSpPr>
+            <a:spLocks noGrp="1"/>
+          </p:cNvSpPr>
+          <p:nvPr>
+            <p:ph type="title"/>
+          </p:nvPr>
+        </p:nvSpPr>
+        <p:spPr/>
+        <p:txBody>
+          <a:bodyPr/>
+          <a:lstStyle/>
+          <a:p>
+            <a:r>
+              <a:rPr lang="de-DE" dirty="0"/>
+              <a:t>Benchmark</a:t>
+            </a:r>
+          </a:p>
+        </p:txBody>
+      </p:sp>
+      <mc:AlternateContent xmlns:mc="http://schemas.openxmlformats.org/markup-compatibility/2006" xmlns:a14="http://schemas.microsoft.com/office/drawing/2010/main">
+        <mc:Choice Requires="a14">
+          <p:sp>
+            <p:nvSpPr>
+              <p:cNvPr id="3" name="Inhaltsplatzhalter 2"/>
+              <p:cNvSpPr>
+                <a:spLocks noGrp="1"/>
+              </p:cNvSpPr>
+              <p:nvPr>
+                <p:ph idx="1"/>
+              </p:nvPr>
+            </p:nvSpPr>
+            <p:spPr/>
+            <p:txBody>
+              <a:bodyPr/>
+              <a:lstStyle/>
+              <a:p>
+                <a:r>
+                  <a:rPr lang="de-DE" dirty="0"/>
+                  <a:t>Elo-Zahl misst die Mannschaftsstärke basierend auf vergangenen Ergebnissen</a:t>
+                </a:r>
+              </a:p>
+              <a:p>
+                <a:r>
+                  <a:rPr lang="de-DE" dirty="0"/>
+                  <a:t>Basierend der </a:t>
+                </a:r>
+                <a:r>
+                  <a:rPr lang="de-DE" dirty="0" err="1"/>
+                  <a:t>Elo</a:t>
+                </a:r>
+                <a:r>
+                  <a:rPr lang="de-DE" dirty="0"/>
+                  <a:t>-Zahl von 2 Mannschaften kann ein Erwartungswert für ein bevorstehendes Spiel berechnet werden</a:t>
+                </a:r>
+              </a:p>
+              <a:p>
+                <a:r>
+                  <a:rPr lang="de-DE" dirty="0"/>
+                  <a:t>Alle historischen </a:t>
+                </a:r>
+                <a:r>
+                  <a:rPr lang="de-DE" dirty="0" err="1"/>
+                  <a:t>Elo</a:t>
+                </a:r>
+                <a:r>
+                  <a:rPr lang="de-DE" dirty="0"/>
+                  <a:t>-Werte der Mannschaften liegen vor</a:t>
+                </a:r>
+              </a:p>
+              <a:p>
+                <a:endParaRPr lang="de-DE" dirty="0"/>
+              </a:p>
+              <a:p>
+                <a:r>
+                  <a:rPr lang="de-DE" dirty="0"/>
+                  <a:t> </a:t>
+                </a:r>
+                <a14:m>
+                  <m:oMath xmlns:m="http://schemas.openxmlformats.org/officeDocument/2006/math">
+                    <m:sSub>
+                      <m:sSubPr>
+                        <m:ctrlPr>
+                          <a:rPr lang="de-DE" b="0" i="1" smtClean="0">
+                            <a:latin typeface="Cambria Math" panose="02040503050406030204" pitchFamily="18" charset="0"/>
+                          </a:rPr>
+                        </m:ctrlPr>
+                      </m:sSubPr>
+                      <m:e>
+                        <m:r>
+                          <a:rPr lang="de-DE" b="0" i="1" smtClean="0">
+                            <a:latin typeface="Cambria Math" panose="02040503050406030204" pitchFamily="18" charset="0"/>
+                          </a:rPr>
+                          <m:t>𝑊</m:t>
+                        </m:r>
+                      </m:e>
+                      <m:sub>
+                        <m:r>
+                          <a:rPr lang="de-DE" b="0" i="1" smtClean="0">
+                            <a:latin typeface="Cambria Math" panose="02040503050406030204" pitchFamily="18" charset="0"/>
+                          </a:rPr>
+                          <m:t>𝑒</m:t>
+                        </m:r>
+                      </m:sub>
+                    </m:sSub>
+                    <m:r>
+                      <a:rPr lang="de-DE" b="0" i="1" smtClean="0">
+                        <a:latin typeface="Cambria Math" panose="02040503050406030204" pitchFamily="18" charset="0"/>
+                      </a:rPr>
+                      <m:t> </m:t>
+                    </m:r>
+                  </m:oMath>
+                </a14:m>
+                <a:r>
+                  <a:rPr lang="de-DE" dirty="0"/>
+                  <a:t>= Erwartungswert 	</a:t>
+                </a:r>
+                <a:endParaRPr lang="de-DE" b="0" i="1" dirty="0">
+                  <a:latin typeface="Cambria Math" panose="02040503050406030204" pitchFamily="18" charset="0"/>
+                </a:endParaRPr>
+              </a:p>
+              <a:p>
+                <a:pPr marL="2151063" lvl="5" indent="0">
+                  <a:buNone/>
+                </a:pPr>
+                <a:r>
+                  <a:rPr lang="de-DE" b="0" dirty="0"/>
+                  <a:t>	</a:t>
+                </a:r>
+                <a14:m>
+                  <m:oMath xmlns:m="http://schemas.openxmlformats.org/officeDocument/2006/math">
+                    <m:sSub>
+                      <m:sSubPr>
+                        <m:ctrlPr>
+                          <a:rPr lang="de-DE" b="0" i="1" smtClean="0">
+                            <a:latin typeface="Cambria Math" panose="02040503050406030204" pitchFamily="18" charset="0"/>
+                          </a:rPr>
+                        </m:ctrlPr>
+                      </m:sSubPr>
+                      <m:e>
+                        <m:r>
+                          <a:rPr lang="de-DE" b="0" i="1" smtClean="0">
+                            <a:latin typeface="Cambria Math" panose="02040503050406030204" pitchFamily="18" charset="0"/>
+                          </a:rPr>
+                          <m:t>𝑊</m:t>
+                        </m:r>
+                      </m:e>
+                      <m:sub>
+                        <m:r>
+                          <a:rPr lang="de-DE" b="0" i="1" smtClean="0">
+                            <a:latin typeface="Cambria Math" panose="02040503050406030204" pitchFamily="18" charset="0"/>
+                          </a:rPr>
+                          <m:t>𝑒</m:t>
+                        </m:r>
+                      </m:sub>
+                    </m:sSub>
+                    <m:r>
+                      <a:rPr lang="de-DE" b="0" i="1" smtClean="0">
+                        <a:latin typeface="Cambria Math" panose="02040503050406030204" pitchFamily="18" charset="0"/>
+                      </a:rPr>
+                      <m:t>= </m:t>
+                    </m:r>
+                    <m:f>
+                      <m:fPr>
+                        <m:ctrlPr>
+                          <a:rPr lang="de-DE" b="0" i="1" smtClean="0">
+                            <a:latin typeface="Cambria Math" panose="02040503050406030204" pitchFamily="18" charset="0"/>
+                          </a:rPr>
+                        </m:ctrlPr>
+                      </m:fPr>
+                      <m:num>
+                        <m:r>
+                          <a:rPr lang="de-DE" b="0" i="1" smtClean="0">
+                            <a:latin typeface="Cambria Math" panose="02040503050406030204" pitchFamily="18" charset="0"/>
+                          </a:rPr>
+                          <m:t>1</m:t>
+                        </m:r>
+                      </m:num>
+                      <m:den>
+                        <m:sSup>
+                          <m:sSupPr>
+                            <m:ctrlPr>
+                              <a:rPr lang="de-DE" b="0" i="1" smtClean="0">
+                                <a:latin typeface="Cambria Math" panose="02040503050406030204" pitchFamily="18" charset="0"/>
+                              </a:rPr>
+                            </m:ctrlPr>
+                          </m:sSupPr>
+                          <m:e>
+                            <m:r>
+                              <a:rPr lang="de-DE" b="0" i="1" smtClean="0">
+                                <a:latin typeface="Cambria Math" panose="02040503050406030204" pitchFamily="18" charset="0"/>
+                              </a:rPr>
+                              <m:t>10</m:t>
+                            </m:r>
+                          </m:e>
+                          <m:sup>
+                            <m:r>
+                              <a:rPr lang="de-DE" b="0" i="1" smtClean="0">
+                                <a:latin typeface="Cambria Math" panose="02040503050406030204" pitchFamily="18" charset="0"/>
+                              </a:rPr>
+                              <m:t>−</m:t>
+                            </m:r>
+                            <m:r>
+                              <a:rPr lang="de-DE" b="0" i="1" smtClean="0">
+                                <a:latin typeface="Cambria Math" panose="02040503050406030204" pitchFamily="18" charset="0"/>
+                              </a:rPr>
+                              <m:t>𝑑𝑟</m:t>
+                            </m:r>
+                            <m:r>
+                              <a:rPr lang="de-DE" b="0" i="1" smtClean="0">
+                                <a:latin typeface="Cambria Math" panose="02040503050406030204" pitchFamily="18" charset="0"/>
+                              </a:rPr>
+                              <m:t>/400</m:t>
+                            </m:r>
+                          </m:sup>
+                        </m:sSup>
+                        <m:r>
+                          <a:rPr lang="de-DE" b="0" i="1" smtClean="0">
+                            <a:latin typeface="Cambria Math" panose="02040503050406030204" pitchFamily="18" charset="0"/>
+                          </a:rPr>
+                          <m:t>+1</m:t>
+                        </m:r>
+                      </m:den>
+                    </m:f>
+                  </m:oMath>
+                </a14:m>
+                <a:endParaRPr lang="de-DE" dirty="0"/>
+              </a:p>
+              <a:p>
+                <a:pPr marL="2151063" lvl="5" indent="0">
+                  <a:buNone/>
+                </a:pPr>
+                <a:endParaRPr lang="de-DE" dirty="0"/>
+              </a:p>
+              <a:p>
+                <a:r>
+                  <a:rPr lang="de-DE" dirty="0"/>
+                  <a:t>0 → sicher erwartete Niederlage, 1  sicher erwarteten Sieg</a:t>
+                </a:r>
+              </a:p>
+              <a:p>
+                <a:r>
+                  <a:rPr lang="de-DE" dirty="0" err="1"/>
+                  <a:t>dr</a:t>
+                </a:r>
+                <a:r>
+                  <a:rPr lang="de-DE" dirty="0"/>
+                  <a:t> = Der Punkteabstand (positiv oder negativ) in der Wertung des gegnerischen Teams gegenüber dem zu bewertenden Team. Die Mannschaft mit Heimvorteil wird mit 100 Punkten besser bewertet.</a:t>
+                </a:r>
+              </a:p>
+            </p:txBody>
+          </p:sp>
+        </mc:Choice>
+        <mc:Fallback xmlns="">
+          <p:sp>
+            <p:nvSpPr>
+              <p:cNvPr id="3" name="Inhaltsplatzhalter 2"/>
+              <p:cNvSpPr>
+                <a:spLocks noGrp="1" noRot="1" noChangeAspect="1" noMove="1" noResize="1" noEditPoints="1" noAdjustHandles="1" noChangeArrowheads="1" noChangeShapeType="1" noTextEdit="1"/>
+              </p:cNvSpPr>
+              <p:nvPr>
+                <p:ph idx="1"/>
+              </p:nvPr>
+            </p:nvSpPr>
+            <p:spPr>
+              <a:blipFill>
+                <a:blip r:embed="rId2"/>
+                <a:stretch>
+                  <a:fillRect l="-302" t="-404"/>
+                </a:stretch>
+              </a:blipFill>
+            </p:spPr>
+            <p:txBody>
+              <a:bodyPr/>
+              <a:lstStyle/>
+              <a:p>
+                <a:r>
+                  <a:rPr lang="de-DE" dirty="0">
+                    <a:noFill/>
+                  </a:rPr>
+                  <a:t> </a:t>
+                </a:r>
+              </a:p>
+            </p:txBody>
+          </p:sp>
+        </mc:Fallback>
+      </mc:AlternateContent>
+      <p:sp>
+        <p:nvSpPr>
+          <p:cNvPr id="4" name="Textplatzhalter 3"/>
+          <p:cNvSpPr>
+            <a:spLocks noGrp="1"/>
+          </p:cNvSpPr>
+          <p:nvPr>
+            <p:ph type="body" sz="quarter" idx="12"/>
+          </p:nvPr>
+        </p:nvSpPr>
+        <p:spPr/>
+        <p:txBody>
+          <a:bodyPr/>
+          <a:lstStyle/>
+          <a:p>
+            <a:r>
+              <a:rPr lang="de-DE" dirty="0" err="1"/>
+              <a:t>Elo</a:t>
+            </a:r>
+            <a:r>
+              <a:rPr lang="de-DE" dirty="0"/>
+              <a:t> Rating</a:t>
+            </a:r>
+          </a:p>
+        </p:txBody>
+      </p:sp>
+    </p:spTree>
+  </p:cSld>
+  <p:clrMapOvr>
+    <a:masterClrMapping/>
+  </p:clrMapOvr>
+  <mc:AlternateContent xmlns:mc="http://schemas.openxmlformats.org/markup-compatibility/2006" xmlns:p14="http://schemas.microsoft.com/office/powerpoint/2010/main">
+    <mc:Choice Requires="p14">
+      <p:transition p14:dur="0"/>
+    </mc:Choice>
+    <mc:Fallback xmlns="">
+      <p:transition/>
+    </mc:Fallback>
+  </mc:AlternateContent>
+</p:sld>
+</file>
+
+<file path=ppt/slides/slide18.xml><?xml version="1.0" encoding="utf-8"?>
+<p:sld xmlns:a="http://schemas.openxmlformats.org/drawingml/2006/main" xmlns:r="http://schemas.openxmlformats.org/officeDocument/2006/relationships" xmlns:p="http://schemas.openxmlformats.org/presentationml/2006/main">
+  <p:cSld>
+    <p:spTree>
+      <p:nvGrpSpPr>
+        <p:cNvPr id="1" name=""/>
+        <p:cNvGrpSpPr/>
+        <p:nvPr/>
+      </p:nvGrpSpPr>
+      <p:grpSpPr>
+        <a:xfrm>
+          <a:off x="0" y="0"/>
+          <a:ext cx="0" cy="0"/>
+          <a:chOff x="0" y="0"/>
+          <a:chExt cx="0" cy="0"/>
+        </a:xfrm>
+      </p:grpSpPr>
+      <p:sp>
+        <p:nvSpPr>
+          <p:cNvPr id="2" name="Titel 1">
+            <a:extLst>
+              <a:ext uri="{FF2B5EF4-FFF2-40B4-BE49-F238E27FC236}">
+                <a16:creationId xmlns:a16="http://schemas.microsoft.com/office/drawing/2014/main" id="{0028F07C-0650-075C-382A-A1EEE94561FC}"/>
               </a:ext>
             </a:extLst>
           </p:cNvPr>
@@ -34243,8 +34980,8 @@
           </a:p>
         </p:txBody>
       </p:sp>
-      <mc:AlternateContent xmlns:mc="http://schemas.openxmlformats.org/markup-compatibility/2006">
-        <mc:Choice xmlns="" xmlns:a14="http://schemas.microsoft.com/office/drawing/2010/main" Requires="a14">
+      <mc:AlternateContent xmlns:mc="http://schemas.openxmlformats.org/markup-compatibility/2006" xmlns:a14="http://schemas.microsoft.com/office/drawing/2010/main">
+        <mc:Choice Requires="a14">
           <p:sp>
             <p:nvSpPr>
               <p:cNvPr id="3" name="Inhaltsplatzhalter 2">
@@ -34424,7 +35161,7 @@
             </p:txBody>
           </p:sp>
         </mc:Choice>
-        <mc:Fallback>
+        <mc:Fallback xmlns="">
           <p:sp>
             <p:nvSpPr>
               <p:cNvPr id="3" name="Inhaltsplatzhalter 2">
@@ -34469,7 +35206,7 @@
           <p:cNvPr id="4" name="Inhaltsplatzhalter 3">
             <a:extLst>
               <a:ext uri="{FF2B5EF4-FFF2-40B4-BE49-F238E27FC236}">
-                <a16:creationId xmlns="" xmlns:a16="http://schemas.microsoft.com/office/drawing/2014/main" id="{5BD51801-2E25-7842-3879-3F3D1DB0AA7D}"/>
+                <a16:creationId xmlns:a16="http://schemas.microsoft.com/office/drawing/2014/main" id="{5BD51801-2E25-7842-3879-3F3D1DB0AA7D}"/>
               </a:ext>
             </a:extLst>
           </p:cNvPr>
@@ -34494,7 +35231,7 @@
           <p:cNvPr id="5" name="Textplatzhalter 4">
             <a:extLst>
               <a:ext uri="{FF2B5EF4-FFF2-40B4-BE49-F238E27FC236}">
-                <a16:creationId xmlns="" xmlns:a16="http://schemas.microsoft.com/office/drawing/2014/main" id="{3D8EF560-B43C-E3DA-96BF-89ECADFCACAD}"/>
+                <a16:creationId xmlns:a16="http://schemas.microsoft.com/office/drawing/2014/main" id="{3D8EF560-B43C-E3DA-96BF-89ECADFCACAD}"/>
               </a:ext>
             </a:extLst>
           </p:cNvPr>
@@ -34517,7 +35254,7 @@
     </p:spTree>
     <p:extLst>
       <p:ext uri="{BB962C8B-B14F-4D97-AF65-F5344CB8AC3E}">
-        <p14:creationId xmlns="" xmlns:p14="http://schemas.microsoft.com/office/powerpoint/2010/main" val="2430394750"/>
+        <p14:creationId xmlns:p14="http://schemas.microsoft.com/office/powerpoint/2010/main" val="2430394750"/>
       </p:ext>
     </p:extLst>
   </p:cSld>
@@ -34530,7 +35267,7 @@
 </p:sld>
 </file>
 
-<file path=ppt/slides/slide11.xml><?xml version="1.0" encoding="utf-8"?>
+<file path=ppt/slides/slide19.xml><?xml version="1.0" encoding="utf-8"?>
 <p:sld xmlns:a="http://schemas.openxmlformats.org/drawingml/2006/main" xmlns:r="http://schemas.openxmlformats.org/officeDocument/2006/relationships" xmlns:p="http://schemas.openxmlformats.org/presentationml/2006/main">
   <p:cSld>
     <p:spTree>
@@ -34552,7 +35289,7 @@
           <p:cNvPr id="2" name="Titel 1">
             <a:extLst>
               <a:ext uri="{FF2B5EF4-FFF2-40B4-BE49-F238E27FC236}">
-                <a16:creationId xmlns="" xmlns:a16="http://schemas.microsoft.com/office/drawing/2014/main" id="{DAB5EF52-47A0-B3B0-3A5A-C338EE278B38}"/>
+                <a16:creationId xmlns:a16="http://schemas.microsoft.com/office/drawing/2014/main" id="{DAB5EF52-47A0-B3B0-3A5A-C338EE278B38}"/>
               </a:ext>
             </a:extLst>
           </p:cNvPr>
@@ -34580,7 +35317,7 @@
           <p:cNvPr id="4" name="Inhaltsplatzhalter 3">
             <a:extLst>
               <a:ext uri="{FF2B5EF4-FFF2-40B4-BE49-F238E27FC236}">
-                <a16:creationId xmlns="" xmlns:a16="http://schemas.microsoft.com/office/drawing/2014/main" id="{807D9122-B115-5742-5344-96AFEEBEC1D2}"/>
+                <a16:creationId xmlns:a16="http://schemas.microsoft.com/office/drawing/2014/main" id="{807D9122-B115-5742-5344-96AFEEBEC1D2}"/>
               </a:ext>
             </a:extLst>
           </p:cNvPr>
@@ -34611,7 +35348,7 @@
           <p:cNvPr id="5" name="Textplatzhalter 4">
             <a:extLst>
               <a:ext uri="{FF2B5EF4-FFF2-40B4-BE49-F238E27FC236}">
-                <a16:creationId xmlns="" xmlns:a16="http://schemas.microsoft.com/office/drawing/2014/main" id="{87921FBD-3BF8-F651-B28C-4A32C44D1431}"/>
+                <a16:creationId xmlns:a16="http://schemas.microsoft.com/office/drawing/2014/main" id="{87921FBD-3BF8-F651-B28C-4A32C44D1431}"/>
               </a:ext>
             </a:extLst>
           </p:cNvPr>
@@ -34639,7 +35376,7 @@
           <p:cNvPr id="8" name="Inhaltsplatzhalter 2">
             <a:extLst>
               <a:ext uri="{FF2B5EF4-FFF2-40B4-BE49-F238E27FC236}">
-                <a16:creationId xmlns="" xmlns:a16="http://schemas.microsoft.com/office/drawing/2014/main" id="{2D731793-C634-1050-2DD9-718A71AB7F9A}"/>
+                <a16:creationId xmlns:a16="http://schemas.microsoft.com/office/drawing/2014/main" id="{2D731793-C634-1050-2DD9-718A71AB7F9A}"/>
               </a:ext>
             </a:extLst>
           </p:cNvPr>
@@ -34676,7 +35413,7 @@
           <p:cNvPr id="10" name="Tabelle 9">
             <a:extLst>
               <a:ext uri="{FF2B5EF4-FFF2-40B4-BE49-F238E27FC236}">
-                <a16:creationId xmlns="" xmlns:a16="http://schemas.microsoft.com/office/drawing/2014/main" id="{37988F51-3C90-D9CD-8852-EC0E49EB504B}"/>
+                <a16:creationId xmlns:a16="http://schemas.microsoft.com/office/drawing/2014/main" id="{37988F51-3C90-D9CD-8852-EC0E49EB504B}"/>
               </a:ext>
             </a:extLst>
           </p:cNvPr>
@@ -34686,7 +35423,7 @@
           <p:nvPr>
             <p:extLst>
               <p:ext uri="{D42A27DB-BD31-4B8C-83A1-F6EECF244321}">
-                <p14:modId xmlns="" xmlns:p14="http://schemas.microsoft.com/office/powerpoint/2010/main" val="2101674415"/>
+                <p14:modId xmlns:p14="http://schemas.microsoft.com/office/powerpoint/2010/main" val="2101674415"/>
               </p:ext>
             </p:extLst>
           </p:nvPr>
@@ -34703,28 +35440,28 @@
                 <a:gridCol w="873324">
                   <a:extLst>
                     <a:ext uri="{9D8B030D-6E8A-4147-A177-3AD203B41FA5}">
-                      <a16:colId xmlns="" xmlns:a16="http://schemas.microsoft.com/office/drawing/2014/main" val="831428165"/>
+                      <a16:colId xmlns:a16="http://schemas.microsoft.com/office/drawing/2014/main" val="831428165"/>
                     </a:ext>
                   </a:extLst>
                 </a:gridCol>
                 <a:gridCol w="873324">
                   <a:extLst>
                     <a:ext uri="{9D8B030D-6E8A-4147-A177-3AD203B41FA5}">
-                      <a16:colId xmlns="" xmlns:a16="http://schemas.microsoft.com/office/drawing/2014/main" val="1022514035"/>
+                      <a16:colId xmlns:a16="http://schemas.microsoft.com/office/drawing/2014/main" val="1022514035"/>
                     </a:ext>
                   </a:extLst>
                 </a:gridCol>
                 <a:gridCol w="701476">
                   <a:extLst>
                     <a:ext uri="{9D8B030D-6E8A-4147-A177-3AD203B41FA5}">
-                      <a16:colId xmlns="" xmlns:a16="http://schemas.microsoft.com/office/drawing/2014/main" val="2323498985"/>
+                      <a16:colId xmlns:a16="http://schemas.microsoft.com/office/drawing/2014/main" val="2323498985"/>
                     </a:ext>
                   </a:extLst>
                 </a:gridCol>
                 <a:gridCol w="701476">
                   <a:extLst>
                     <a:ext uri="{9D8B030D-6E8A-4147-A177-3AD203B41FA5}">
-                      <a16:colId xmlns="" xmlns:a16="http://schemas.microsoft.com/office/drawing/2014/main" val="961538481"/>
+                      <a16:colId xmlns:a16="http://schemas.microsoft.com/office/drawing/2014/main" val="961538481"/>
                     </a:ext>
                   </a:extLst>
                 </a:gridCol>
@@ -34865,7 +35602,7 @@
                 </a:tc>
                 <a:extLst>
                   <a:ext uri="{0D108BD9-81ED-4DB2-BD59-A6C34878D82A}">
-                    <a16:rowId xmlns="" xmlns:a16="http://schemas.microsoft.com/office/drawing/2014/main" val="245697798"/>
+                    <a16:rowId xmlns:a16="http://schemas.microsoft.com/office/drawing/2014/main" val="245697798"/>
                   </a:ext>
                 </a:extLst>
               </a:tr>
@@ -35064,7 +35801,7 @@
                 </a:tc>
                 <a:extLst>
                   <a:ext uri="{0D108BD9-81ED-4DB2-BD59-A6C34878D82A}">
-                    <a16:rowId xmlns="" xmlns:a16="http://schemas.microsoft.com/office/drawing/2014/main" val="3784958998"/>
+                    <a16:rowId xmlns:a16="http://schemas.microsoft.com/office/drawing/2014/main" val="3784958998"/>
                   </a:ext>
                 </a:extLst>
               </a:tr>
@@ -35305,7 +36042,7 @@
                 </a:tc>
                 <a:extLst>
                   <a:ext uri="{0D108BD9-81ED-4DB2-BD59-A6C34878D82A}">
-                    <a16:rowId xmlns="" xmlns:a16="http://schemas.microsoft.com/office/drawing/2014/main" val="3571860362"/>
+                    <a16:rowId xmlns:a16="http://schemas.microsoft.com/office/drawing/2014/main" val="3571860362"/>
                   </a:ext>
                 </a:extLst>
               </a:tr>
@@ -35499,7 +36236,7 @@
                 </a:tc>
                 <a:extLst>
                   <a:ext uri="{0D108BD9-81ED-4DB2-BD59-A6C34878D82A}">
-                    <a16:rowId xmlns="" xmlns:a16="http://schemas.microsoft.com/office/drawing/2014/main" val="2554535751"/>
+                    <a16:rowId xmlns:a16="http://schemas.microsoft.com/office/drawing/2014/main" val="2554535751"/>
                   </a:ext>
                 </a:extLst>
               </a:tr>
@@ -35512,7 +36249,7 @@
           <p:cNvPr id="11" name="Tabelle 10">
             <a:extLst>
               <a:ext uri="{FF2B5EF4-FFF2-40B4-BE49-F238E27FC236}">
-                <a16:creationId xmlns="" xmlns:a16="http://schemas.microsoft.com/office/drawing/2014/main" id="{81B33DBF-4969-8B23-0C6A-D93434BC465E}"/>
+                <a16:creationId xmlns:a16="http://schemas.microsoft.com/office/drawing/2014/main" id="{81B33DBF-4969-8B23-0C6A-D93434BC465E}"/>
               </a:ext>
             </a:extLst>
           </p:cNvPr>
@@ -35522,7 +36259,7 @@
           <p:nvPr>
             <p:extLst>
               <p:ext uri="{D42A27DB-BD31-4B8C-83A1-F6EECF244321}">
-                <p14:modId xmlns="" xmlns:p14="http://schemas.microsoft.com/office/powerpoint/2010/main" val="3947677133"/>
+                <p14:modId xmlns:p14="http://schemas.microsoft.com/office/powerpoint/2010/main" val="3947677133"/>
               </p:ext>
             </p:extLst>
           </p:nvPr>
@@ -35539,28 +36276,28 @@
                 <a:gridCol w="873324">
                   <a:extLst>
                     <a:ext uri="{9D8B030D-6E8A-4147-A177-3AD203B41FA5}">
-                      <a16:colId xmlns="" xmlns:a16="http://schemas.microsoft.com/office/drawing/2014/main" val="777577525"/>
+                      <a16:colId xmlns:a16="http://schemas.microsoft.com/office/drawing/2014/main" val="777577525"/>
                     </a:ext>
                   </a:extLst>
                 </a:gridCol>
                 <a:gridCol w="873324">
                   <a:extLst>
                     <a:ext uri="{9D8B030D-6E8A-4147-A177-3AD203B41FA5}">
-                      <a16:colId xmlns="" xmlns:a16="http://schemas.microsoft.com/office/drawing/2014/main" val="3294933564"/>
+                      <a16:colId xmlns:a16="http://schemas.microsoft.com/office/drawing/2014/main" val="3294933564"/>
                     </a:ext>
                   </a:extLst>
                 </a:gridCol>
                 <a:gridCol w="701476">
                   <a:extLst>
                     <a:ext uri="{9D8B030D-6E8A-4147-A177-3AD203B41FA5}">
-                      <a16:colId xmlns="" xmlns:a16="http://schemas.microsoft.com/office/drawing/2014/main" val="1663674980"/>
+                      <a16:colId xmlns:a16="http://schemas.microsoft.com/office/drawing/2014/main" val="1663674980"/>
                     </a:ext>
                   </a:extLst>
                 </a:gridCol>
                 <a:gridCol w="701476">
                   <a:extLst>
                     <a:ext uri="{9D8B030D-6E8A-4147-A177-3AD203B41FA5}">
-                      <a16:colId xmlns="" xmlns:a16="http://schemas.microsoft.com/office/drawing/2014/main" val="2638895200"/>
+                      <a16:colId xmlns:a16="http://schemas.microsoft.com/office/drawing/2014/main" val="2638895200"/>
                     </a:ext>
                   </a:extLst>
                 </a:gridCol>
@@ -35701,7 +36438,7 @@
                 </a:tc>
                 <a:extLst>
                   <a:ext uri="{0D108BD9-81ED-4DB2-BD59-A6C34878D82A}">
-                    <a16:rowId xmlns="" xmlns:a16="http://schemas.microsoft.com/office/drawing/2014/main" val="3844247339"/>
+                    <a16:rowId xmlns:a16="http://schemas.microsoft.com/office/drawing/2014/main" val="3844247339"/>
                   </a:ext>
                 </a:extLst>
               </a:tr>
@@ -35900,7 +36637,7 @@
                 </a:tc>
                 <a:extLst>
                   <a:ext uri="{0D108BD9-81ED-4DB2-BD59-A6C34878D82A}">
-                    <a16:rowId xmlns="" xmlns:a16="http://schemas.microsoft.com/office/drawing/2014/main" val="2990176256"/>
+                    <a16:rowId xmlns:a16="http://schemas.microsoft.com/office/drawing/2014/main" val="2990176256"/>
                   </a:ext>
                 </a:extLst>
               </a:tr>
@@ -36141,7 +36878,7 @@
                 </a:tc>
                 <a:extLst>
                   <a:ext uri="{0D108BD9-81ED-4DB2-BD59-A6C34878D82A}">
-                    <a16:rowId xmlns="" xmlns:a16="http://schemas.microsoft.com/office/drawing/2014/main" val="451387206"/>
+                    <a16:rowId xmlns:a16="http://schemas.microsoft.com/office/drawing/2014/main" val="451387206"/>
                   </a:ext>
                 </a:extLst>
               </a:tr>
@@ -36335,7 +37072,7 @@
                 </a:tc>
                 <a:extLst>
                   <a:ext uri="{0D108BD9-81ED-4DB2-BD59-A6C34878D82A}">
-                    <a16:rowId xmlns="" xmlns:a16="http://schemas.microsoft.com/office/drawing/2014/main" val="2947898969"/>
+                    <a16:rowId xmlns:a16="http://schemas.microsoft.com/office/drawing/2014/main" val="2947898969"/>
                   </a:ext>
                 </a:extLst>
               </a:tr>
@@ -36343,8 +37080,8 @@
           </a:graphicData>
         </a:graphic>
       </p:graphicFrame>
-      <mc:AlternateContent xmlns:mc="http://schemas.openxmlformats.org/markup-compatibility/2006">
-        <mc:Choice xmlns="" xmlns:a14="http://schemas.microsoft.com/office/drawing/2010/main" Requires="a14">
+      <mc:AlternateContent xmlns:mc="http://schemas.openxmlformats.org/markup-compatibility/2006" xmlns:a14="http://schemas.microsoft.com/office/drawing/2010/main">
+        <mc:Choice Requires="a14">
           <p:sp>
             <p:nvSpPr>
               <p:cNvPr id="12" name="Inhaltsplatzhalter 2">
@@ -36847,7 +37584,7 @@
             </p:txBody>
           </p:sp>
         </mc:Choice>
-        <mc:Fallback>
+        <mc:Fallback xmlns="">
           <p:sp>
             <p:nvSpPr>
               <p:cNvPr id="12" name="Inhaltsplatzhalter 2">
@@ -36897,7 +37634,7 @@
           <p:cNvPr id="14" name="Tabelle 13">
             <a:extLst>
               <a:ext uri="{FF2B5EF4-FFF2-40B4-BE49-F238E27FC236}">
-                <a16:creationId xmlns="" xmlns:a16="http://schemas.microsoft.com/office/drawing/2014/main" id="{D6770FB0-48C5-018E-22DC-4AA26DB2B321}"/>
+                <a16:creationId xmlns:a16="http://schemas.microsoft.com/office/drawing/2014/main" id="{D6770FB0-48C5-018E-22DC-4AA26DB2B321}"/>
               </a:ext>
             </a:extLst>
           </p:cNvPr>
@@ -36907,7 +37644,7 @@
           <p:nvPr>
             <p:extLst>
               <p:ext uri="{D42A27DB-BD31-4B8C-83A1-F6EECF244321}">
-                <p14:modId xmlns="" xmlns:p14="http://schemas.microsoft.com/office/powerpoint/2010/main" val="1421828962"/>
+                <p14:modId xmlns:p14="http://schemas.microsoft.com/office/powerpoint/2010/main" val="1421828962"/>
               </p:ext>
             </p:extLst>
           </p:nvPr>
@@ -36924,49 +37661,49 @@
                 <a:gridCol w="433076">
                   <a:extLst>
                     <a:ext uri="{9D8B030D-6E8A-4147-A177-3AD203B41FA5}">
-                      <a16:colId xmlns="" xmlns:a16="http://schemas.microsoft.com/office/drawing/2014/main" val="1645983625"/>
+                      <a16:colId xmlns:a16="http://schemas.microsoft.com/office/drawing/2014/main" val="1645983625"/>
                     </a:ext>
                   </a:extLst>
                 </a:gridCol>
                 <a:gridCol w="1099348">
                   <a:extLst>
                     <a:ext uri="{9D8B030D-6E8A-4147-A177-3AD203B41FA5}">
-                      <a16:colId xmlns="" xmlns:a16="http://schemas.microsoft.com/office/drawing/2014/main" val="527897535"/>
+                      <a16:colId xmlns:a16="http://schemas.microsoft.com/office/drawing/2014/main" val="527897535"/>
                     </a:ext>
                   </a:extLst>
                 </a:gridCol>
                 <a:gridCol w="1132661">
                   <a:extLst>
                     <a:ext uri="{9D8B030D-6E8A-4147-A177-3AD203B41FA5}">
-                      <a16:colId xmlns="" xmlns:a16="http://schemas.microsoft.com/office/drawing/2014/main" val="1722899767"/>
+                      <a16:colId xmlns:a16="http://schemas.microsoft.com/office/drawing/2014/main" val="1722899767"/>
                     </a:ext>
                   </a:extLst>
                 </a:gridCol>
                 <a:gridCol w="1232602">
                   <a:extLst>
                     <a:ext uri="{9D8B030D-6E8A-4147-A177-3AD203B41FA5}">
-                      <a16:colId xmlns="" xmlns:a16="http://schemas.microsoft.com/office/drawing/2014/main" val="3566156408"/>
+                      <a16:colId xmlns:a16="http://schemas.microsoft.com/office/drawing/2014/main" val="3566156408"/>
                     </a:ext>
                   </a:extLst>
                 </a:gridCol>
                 <a:gridCol w="1232602">
                   <a:extLst>
                     <a:ext uri="{9D8B030D-6E8A-4147-A177-3AD203B41FA5}">
-                      <a16:colId xmlns="" xmlns:a16="http://schemas.microsoft.com/office/drawing/2014/main" val="1866810721"/>
+                      <a16:colId xmlns:a16="http://schemas.microsoft.com/office/drawing/2014/main" val="1866810721"/>
                     </a:ext>
                   </a:extLst>
                 </a:gridCol>
                 <a:gridCol w="1232602">
                   <a:extLst>
                     <a:ext uri="{9D8B030D-6E8A-4147-A177-3AD203B41FA5}">
-                      <a16:colId xmlns="" xmlns:a16="http://schemas.microsoft.com/office/drawing/2014/main" val="1768792432"/>
+                      <a16:colId xmlns:a16="http://schemas.microsoft.com/office/drawing/2014/main" val="1768792432"/>
                     </a:ext>
                   </a:extLst>
                 </a:gridCol>
                 <a:gridCol w="266509">
                   <a:extLst>
                     <a:ext uri="{9D8B030D-6E8A-4147-A177-3AD203B41FA5}">
-                      <a16:colId xmlns="" xmlns:a16="http://schemas.microsoft.com/office/drawing/2014/main" val="1714470662"/>
+                      <a16:colId xmlns:a16="http://schemas.microsoft.com/office/drawing/2014/main" val="1714470662"/>
                     </a:ext>
                   </a:extLst>
                 </a:gridCol>
@@ -37358,7 +38095,7 @@
                 </a:tc>
                 <a:extLst>
                   <a:ext uri="{0D108BD9-81ED-4DB2-BD59-A6C34878D82A}">
-                    <a16:rowId xmlns="" xmlns:a16="http://schemas.microsoft.com/office/drawing/2014/main" val="263784477"/>
+                    <a16:rowId xmlns:a16="http://schemas.microsoft.com/office/drawing/2014/main" val="263784477"/>
                   </a:ext>
                 </a:extLst>
               </a:tr>
@@ -37773,7 +38510,7 @@
                 </a:tc>
                 <a:extLst>
                   <a:ext uri="{0D108BD9-81ED-4DB2-BD59-A6C34878D82A}">
-                    <a16:rowId xmlns="" xmlns:a16="http://schemas.microsoft.com/office/drawing/2014/main" val="188329632"/>
+                    <a16:rowId xmlns:a16="http://schemas.microsoft.com/office/drawing/2014/main" val="188329632"/>
                   </a:ext>
                 </a:extLst>
               </a:tr>
@@ -38182,7 +38919,7 @@
                 </a:tc>
                 <a:extLst>
                   <a:ext uri="{0D108BD9-81ED-4DB2-BD59-A6C34878D82A}">
-                    <a16:rowId xmlns="" xmlns:a16="http://schemas.microsoft.com/office/drawing/2014/main" val="742263318"/>
+                    <a16:rowId xmlns:a16="http://schemas.microsoft.com/office/drawing/2014/main" val="742263318"/>
                   </a:ext>
                 </a:extLst>
               </a:tr>
@@ -38594,7 +39331,7 @@
                 </a:tc>
                 <a:extLst>
                   <a:ext uri="{0D108BD9-81ED-4DB2-BD59-A6C34878D82A}">
-                    <a16:rowId xmlns="" xmlns:a16="http://schemas.microsoft.com/office/drawing/2014/main" val="3358647352"/>
+                    <a16:rowId xmlns:a16="http://schemas.microsoft.com/office/drawing/2014/main" val="3358647352"/>
                   </a:ext>
                 </a:extLst>
               </a:tr>
@@ -39006,7 +39743,7 @@
                 </a:tc>
                 <a:extLst>
                   <a:ext uri="{0D108BD9-81ED-4DB2-BD59-A6C34878D82A}">
-                    <a16:rowId xmlns="" xmlns:a16="http://schemas.microsoft.com/office/drawing/2014/main" val="3463259831"/>
+                    <a16:rowId xmlns:a16="http://schemas.microsoft.com/office/drawing/2014/main" val="3463259831"/>
                   </a:ext>
                 </a:extLst>
               </a:tr>
@@ -39418,7 +40155,7 @@
                 </a:tc>
                 <a:extLst>
                   <a:ext uri="{0D108BD9-81ED-4DB2-BD59-A6C34878D82A}">
-                    <a16:rowId xmlns="" xmlns:a16="http://schemas.microsoft.com/office/drawing/2014/main" val="2549235089"/>
+                    <a16:rowId xmlns:a16="http://schemas.microsoft.com/office/drawing/2014/main" val="2549235089"/>
                   </a:ext>
                 </a:extLst>
               </a:tr>
@@ -39830,7 +40567,7 @@
                 </a:tc>
                 <a:extLst>
                   <a:ext uri="{0D108BD9-81ED-4DB2-BD59-A6C34878D82A}">
-                    <a16:rowId xmlns="" xmlns:a16="http://schemas.microsoft.com/office/drawing/2014/main" val="1945762129"/>
+                    <a16:rowId xmlns:a16="http://schemas.microsoft.com/office/drawing/2014/main" val="1945762129"/>
                   </a:ext>
                 </a:extLst>
               </a:tr>
@@ -40239,7 +40976,7 @@
                 </a:tc>
                 <a:extLst>
                   <a:ext uri="{0D108BD9-81ED-4DB2-BD59-A6C34878D82A}">
-                    <a16:rowId xmlns="" xmlns:a16="http://schemas.microsoft.com/office/drawing/2014/main" val="3679685350"/>
+                    <a16:rowId xmlns:a16="http://schemas.microsoft.com/office/drawing/2014/main" val="3679685350"/>
                   </a:ext>
                 </a:extLst>
               </a:tr>
@@ -40648,7 +41385,7 @@
                 </a:tc>
                 <a:extLst>
                   <a:ext uri="{0D108BD9-81ED-4DB2-BD59-A6C34878D82A}">
-                    <a16:rowId xmlns="" xmlns:a16="http://schemas.microsoft.com/office/drawing/2014/main" val="2153159486"/>
+                    <a16:rowId xmlns:a16="http://schemas.microsoft.com/office/drawing/2014/main" val="2153159486"/>
                   </a:ext>
                 </a:extLst>
               </a:tr>
@@ -41060,7 +41797,7 @@
                 </a:tc>
                 <a:extLst>
                   <a:ext uri="{0D108BD9-81ED-4DB2-BD59-A6C34878D82A}">
-                    <a16:rowId xmlns="" xmlns:a16="http://schemas.microsoft.com/office/drawing/2014/main" val="813299983"/>
+                    <a16:rowId xmlns:a16="http://schemas.microsoft.com/office/drawing/2014/main" val="813299983"/>
                   </a:ext>
                 </a:extLst>
               </a:tr>
@@ -41475,7 +42212,7 @@
                 </a:tc>
                 <a:extLst>
                   <a:ext uri="{0D108BD9-81ED-4DB2-BD59-A6C34878D82A}">
-                    <a16:rowId xmlns="" xmlns:a16="http://schemas.microsoft.com/office/drawing/2014/main" val="1579024415"/>
+                    <a16:rowId xmlns:a16="http://schemas.microsoft.com/office/drawing/2014/main" val="1579024415"/>
                   </a:ext>
                 </a:extLst>
               </a:tr>
@@ -41887,7 +42624,7 @@
                 </a:tc>
                 <a:extLst>
                   <a:ext uri="{0D108BD9-81ED-4DB2-BD59-A6C34878D82A}">
-                    <a16:rowId xmlns="" xmlns:a16="http://schemas.microsoft.com/office/drawing/2014/main" val="808314566"/>
+                    <a16:rowId xmlns:a16="http://schemas.microsoft.com/office/drawing/2014/main" val="808314566"/>
                   </a:ext>
                 </a:extLst>
               </a:tr>
@@ -42296,7 +43033,7 @@
                 </a:tc>
                 <a:extLst>
                   <a:ext uri="{0D108BD9-81ED-4DB2-BD59-A6C34878D82A}">
-                    <a16:rowId xmlns="" xmlns:a16="http://schemas.microsoft.com/office/drawing/2014/main" val="1139475899"/>
+                    <a16:rowId xmlns:a16="http://schemas.microsoft.com/office/drawing/2014/main" val="1139475899"/>
                   </a:ext>
                 </a:extLst>
               </a:tr>
@@ -42307,7 +43044,7 @@
     </p:spTree>
     <p:extLst>
       <p:ext uri="{BB962C8B-B14F-4D97-AF65-F5344CB8AC3E}">
-        <p14:creationId xmlns="" xmlns:p14="http://schemas.microsoft.com/office/powerpoint/2010/main" val="2669629437"/>
+        <p14:creationId xmlns:p14="http://schemas.microsoft.com/office/powerpoint/2010/main" val="2669629437"/>
       </p:ext>
     </p:extLst>
   </p:cSld>
@@ -42320,7 +43057,7 @@
 </p:sld>
 </file>
 
-<file path=ppt/slides/slide12.xml><?xml version="1.0" encoding="utf-8"?>
+<file path=ppt/slides/slide2.xml><?xml version="1.0" encoding="utf-8"?>
 <p:sld xmlns:a="http://schemas.openxmlformats.org/drawingml/2006/main" xmlns:r="http://schemas.openxmlformats.org/officeDocument/2006/relationships" xmlns:p="http://schemas.openxmlformats.org/presentationml/2006/main">
   <p:cSld>
     <p:spTree>
@@ -42342,7 +43079,127 @@
           <p:cNvPr id="2" name="Titel 1">
             <a:extLst>
               <a:ext uri="{FF2B5EF4-FFF2-40B4-BE49-F238E27FC236}">
-                <a16:creationId xmlns="" xmlns:a16="http://schemas.microsoft.com/office/drawing/2014/main" id="{A4074053-56C1-1343-4DBA-ADE4C8E128A7}"/>
+                <a16:creationId xmlns:a16="http://schemas.microsoft.com/office/drawing/2014/main" id="{A4074053-56C1-1343-4DBA-ADE4C8E128A7}"/>
+              </a:ext>
+            </a:extLst>
+          </p:cNvPr>
+          <p:cNvSpPr>
+            <a:spLocks noGrp="1"/>
+          </p:cNvSpPr>
+          <p:nvPr>
+            <p:ph type="title"/>
+          </p:nvPr>
+        </p:nvSpPr>
+        <p:spPr/>
+        <p:txBody>
+          <a:bodyPr/>
+          <a:lstStyle/>
+          <a:p>
+            <a:r>
+              <a:rPr lang="de-DE" dirty="0"/>
+              <a:t>Web Mining</a:t>
+            </a:r>
+          </a:p>
+        </p:txBody>
+      </p:sp>
+      <p:graphicFrame>
+        <p:nvGraphicFramePr>
+          <p:cNvPr id="5" name="Inhaltsplatzhalter 4">
+            <a:extLst>
+              <a:ext uri="{FF2B5EF4-FFF2-40B4-BE49-F238E27FC236}">
+                <a16:creationId xmlns:a16="http://schemas.microsoft.com/office/drawing/2014/main" id="{A1A3C1F0-2E62-1727-56CF-98E451E47C91}"/>
+              </a:ext>
+            </a:extLst>
+          </p:cNvPr>
+          <p:cNvGraphicFramePr>
+            <a:graphicFrameLocks noGrp="1"/>
+          </p:cNvGraphicFramePr>
+          <p:nvPr>
+            <p:ph idx="1"/>
+          </p:nvPr>
+        </p:nvGraphicFramePr>
+        <p:xfrm>
+          <a:off x="573088" y="1448672"/>
+          <a:ext cx="8063999" cy="4528382"/>
+        </p:xfrm>
+        <a:graphic>
+          <a:graphicData uri="http://schemas.openxmlformats.org/drawingml/2006/diagram">
+            <dgm:relIds xmlns:dgm="http://schemas.openxmlformats.org/drawingml/2006/diagram" xmlns:r="http://schemas.openxmlformats.org/officeDocument/2006/relationships" r:dm="rId2" r:lo="rId3" r:qs="rId4" r:cs="rId5"/>
+          </a:graphicData>
+        </a:graphic>
+      </p:graphicFrame>
+      <p:sp>
+        <p:nvSpPr>
+          <p:cNvPr id="4" name="Textplatzhalter 3">
+            <a:extLst>
+              <a:ext uri="{FF2B5EF4-FFF2-40B4-BE49-F238E27FC236}">
+                <a16:creationId xmlns:a16="http://schemas.microsoft.com/office/drawing/2014/main" id="{63EFE8DC-16BD-0256-C87F-2509C57363B0}"/>
+              </a:ext>
+            </a:extLst>
+          </p:cNvPr>
+          <p:cNvSpPr>
+            <a:spLocks noGrp="1"/>
+          </p:cNvSpPr>
+          <p:nvPr>
+            <p:ph type="body" sz="quarter" idx="12"/>
+          </p:nvPr>
+        </p:nvSpPr>
+        <p:spPr/>
+        <p:txBody>
+          <a:bodyPr/>
+          <a:lstStyle/>
+          <a:p>
+            <a:r>
+              <a:rPr lang="de-DE" dirty="0"/>
+              <a:t>Agenda</a:t>
+            </a:r>
+          </a:p>
+        </p:txBody>
+      </p:sp>
+    </p:spTree>
+    <p:extLst>
+      <p:ext uri="{BB962C8B-B14F-4D97-AF65-F5344CB8AC3E}">
+        <p14:creationId xmlns:p14="http://schemas.microsoft.com/office/powerpoint/2010/main" val="2242142240"/>
+      </p:ext>
+    </p:extLst>
+  </p:cSld>
+  <p:clrMapOvr>
+    <a:masterClrMapping/>
+  </p:clrMapOvr>
+  <mc:AlternateContent xmlns:mc="http://schemas.openxmlformats.org/markup-compatibility/2006" xmlns:p14="http://schemas.microsoft.com/office/powerpoint/2010/main">
+    <mc:Choice Requires="p14">
+      <p:transition p14:dur="0"/>
+    </mc:Choice>
+    <mc:Fallback xmlns="">
+      <p:transition/>
+    </mc:Fallback>
+  </mc:AlternateContent>
+</p:sld>
+</file>
+
+<file path=ppt/slides/slide20.xml><?xml version="1.0" encoding="utf-8"?>
+<p:sld xmlns:a="http://schemas.openxmlformats.org/drawingml/2006/main" xmlns:r="http://schemas.openxmlformats.org/officeDocument/2006/relationships" xmlns:p="http://schemas.openxmlformats.org/presentationml/2006/main" show="0">
+  <p:cSld>
+    <p:spTree>
+      <p:nvGrpSpPr>
+        <p:cNvPr id="1" name=""/>
+        <p:cNvGrpSpPr/>
+        <p:nvPr/>
+      </p:nvGrpSpPr>
+      <p:grpSpPr>
+        <a:xfrm>
+          <a:off x="0" y="0"/>
+          <a:ext cx="0" cy="0"/>
+          <a:chOff x="0" y="0"/>
+          <a:chExt cx="0" cy="0"/>
+        </a:xfrm>
+      </p:grpSpPr>
+      <p:sp>
+        <p:nvSpPr>
+          <p:cNvPr id="2" name="Titel 1">
+            <a:extLst>
+              <a:ext uri="{FF2B5EF4-FFF2-40B4-BE49-F238E27FC236}">
+                <a16:creationId xmlns:a16="http://schemas.microsoft.com/office/drawing/2014/main" id="{A4074053-56C1-1343-4DBA-ADE4C8E128A7}"/>
               </a:ext>
             </a:extLst>
           </p:cNvPr>
@@ -42370,7 +43227,7 @@
           <p:cNvPr id="4" name="Textplatzhalter 3">
             <a:extLst>
               <a:ext uri="{FF2B5EF4-FFF2-40B4-BE49-F238E27FC236}">
-                <a16:creationId xmlns="" xmlns:a16="http://schemas.microsoft.com/office/drawing/2014/main" id="{63EFE8DC-16BD-0256-C87F-2509C57363B0}"/>
+                <a16:creationId xmlns:a16="http://schemas.microsoft.com/office/drawing/2014/main" id="{63EFE8DC-16BD-0256-C87F-2509C57363B0}"/>
               </a:ext>
             </a:extLst>
           </p:cNvPr>
@@ -42403,7 +43260,7 @@
           <p:cNvPr id="7" name="Inhaltsplatzhalter 6">
             <a:extLst>
               <a:ext uri="{FF2B5EF4-FFF2-40B4-BE49-F238E27FC236}">
-                <a16:creationId xmlns="" xmlns:a16="http://schemas.microsoft.com/office/drawing/2014/main" id="{994AE0DE-D779-9236-245B-C92C185281CD}"/>
+                <a16:creationId xmlns:a16="http://schemas.microsoft.com/office/drawing/2014/main" id="{994AE0DE-D779-9236-245B-C92C185281CD}"/>
               </a:ext>
             </a:extLst>
           </p:cNvPr>
@@ -42414,7 +43271,7 @@
             <p:ph idx="1"/>
             <p:extLst>
               <p:ext uri="{D42A27DB-BD31-4B8C-83A1-F6EECF244321}">
-                <p14:modId xmlns="" xmlns:p14="http://schemas.microsoft.com/office/powerpoint/2010/main" val="2314218804"/>
+                <p14:modId xmlns:p14="http://schemas.microsoft.com/office/powerpoint/2010/main" val="2314218804"/>
               </p:ext>
             </p:extLst>
           </p:nvPr>
@@ -42432,7 +43289,7 @@
     </p:spTree>
     <p:extLst>
       <p:ext uri="{BB962C8B-B14F-4D97-AF65-F5344CB8AC3E}">
-        <p14:creationId xmlns="" xmlns:p14="http://schemas.microsoft.com/office/powerpoint/2010/main" val="3707271827"/>
+        <p14:creationId xmlns:p14="http://schemas.microsoft.com/office/powerpoint/2010/main" val="3707271827"/>
       </p:ext>
     </p:extLst>
   </p:cSld>
@@ -42440,7 +43297,7 @@
     <a:masterClrMapping/>
   </p:clrMapOvr>
   <mc:AlternateContent xmlns:mc="http://schemas.openxmlformats.org/markup-compatibility/2006">
-    <mc:Choice xmlns="" xmlns:p14="http://schemas.microsoft.com/office/powerpoint/2010/main" Requires="p14">
+    <mc:Choice xmlns:p14="http://schemas.microsoft.com/office/powerpoint/2010/main" Requires="p14">
       <p:transition p14:dur="0"/>
     </mc:Choice>
     <mc:Fallback>
@@ -42450,7 +43307,7 @@
 </p:sld>
 </file>
 
-<file path=ppt/slides/slide13.xml><?xml version="1.0" encoding="utf-8"?>
+<file path=ppt/slides/slide21.xml><?xml version="1.0" encoding="utf-8"?>
 <p:sld xmlns:a="http://schemas.openxmlformats.org/drawingml/2006/main" xmlns:r="http://schemas.openxmlformats.org/officeDocument/2006/relationships" xmlns:p="http://schemas.openxmlformats.org/presentationml/2006/main">
   <p:cSld>
     <p:spTree>
@@ -42472,7 +43329,7 @@
           <p:cNvPr id="2" name="Titel 1">
             <a:extLst>
               <a:ext uri="{FF2B5EF4-FFF2-40B4-BE49-F238E27FC236}">
-                <a16:creationId xmlns="" xmlns:a16="http://schemas.microsoft.com/office/drawing/2014/main" id="{CE398DD0-2837-19D0-3FC2-EC64AEE042F6}"/>
+                <a16:creationId xmlns:a16="http://schemas.microsoft.com/office/drawing/2014/main" id="{CE398DD0-2837-19D0-3FC2-EC64AEE042F6}"/>
               </a:ext>
             </a:extLst>
           </p:cNvPr>
@@ -42500,7 +43357,7 @@
           <p:cNvPr id="3" name="Inhaltsplatzhalter 2">
             <a:extLst>
               <a:ext uri="{FF2B5EF4-FFF2-40B4-BE49-F238E27FC236}">
-                <a16:creationId xmlns="" xmlns:a16="http://schemas.microsoft.com/office/drawing/2014/main" id="{EB07671E-AEB6-0476-39CB-E486D8CD43A3}"/>
+                <a16:creationId xmlns:a16="http://schemas.microsoft.com/office/drawing/2014/main" id="{EB07671E-AEB6-0476-39CB-E486D8CD43A3}"/>
               </a:ext>
             </a:extLst>
           </p:cNvPr>
@@ -42559,25 +43416,25 @@
     </p:spTree>
     <p:extLst>
       <p:ext uri="{BB962C8B-B14F-4D97-AF65-F5344CB8AC3E}">
-        <p14:creationId xmlns="" xmlns:p14="http://schemas.microsoft.com/office/powerpoint/2010/main" val="1230179063"/>
+        <p14:creationId xmlns:p14="http://schemas.microsoft.com/office/powerpoint/2010/main" val="1230179063"/>
       </p:ext>
     </p:extLst>
   </p:cSld>
   <p:clrMapOvr>
     <a:masterClrMapping/>
   </p:clrMapOvr>
-  <mc:AlternateContent xmlns:mc="http://schemas.openxmlformats.org/markup-compatibility/2006">
-    <mc:Choice xmlns="" xmlns:p14="http://schemas.microsoft.com/office/powerpoint/2010/main" Requires="p14">
+  <mc:AlternateContent xmlns:mc="http://schemas.openxmlformats.org/markup-compatibility/2006" xmlns:p14="http://schemas.microsoft.com/office/powerpoint/2010/main">
+    <mc:Choice Requires="p14">
       <p:transition p14:dur="0"/>
     </mc:Choice>
-    <mc:Fallback>
+    <mc:Fallback xmlns="">
       <p:transition/>
     </mc:Fallback>
   </mc:AlternateContent>
 </p:sld>
 </file>
 
-<file path=ppt/slides/slide14.xml><?xml version="1.0" encoding="utf-8"?>
+<file path=ppt/slides/slide22.xml><?xml version="1.0" encoding="utf-8"?>
 <p:sld xmlns:a="http://schemas.openxmlformats.org/drawingml/2006/main" xmlns:r="http://schemas.openxmlformats.org/officeDocument/2006/relationships" xmlns:p="http://schemas.openxmlformats.org/presentationml/2006/main">
   <p:cSld>
     <p:spTree>
@@ -42610,10 +43467,9 @@
           <a:lstStyle/>
           <a:p>
             <a:r>
-              <a:rPr lang="de-DE" dirty="0" smtClean="0"/>
+              <a:rPr lang="de-DE" dirty="0"/>
               <a:t>Prognose der Spielergebnisse</a:t>
             </a:r>
-            <a:endParaRPr lang="de-DE" dirty="0"/>
           </a:p>
         </p:txBody>
       </p:sp>
@@ -42633,10 +43489,9 @@
           <a:lstStyle/>
           <a:p>
             <a:r>
-              <a:rPr lang="de-DE" dirty="0" smtClean="0"/>
+              <a:rPr lang="de-DE" dirty="0"/>
               <a:t>Modelle</a:t>
             </a:r>
-            <a:endParaRPr lang="de-DE" dirty="0"/>
           </a:p>
         </p:txBody>
       </p:sp>
@@ -42674,7 +43529,7 @@
 </p:sld>
 </file>
 
-<file path=ppt/slides/slide15.xml><?xml version="1.0" encoding="utf-8"?>
+<file path=ppt/slides/slide23.xml><?xml version="1.0" encoding="utf-8"?>
 <p:sld xmlns:a="http://schemas.openxmlformats.org/drawingml/2006/main" xmlns:r="http://schemas.openxmlformats.org/officeDocument/2006/relationships" xmlns:p="http://schemas.openxmlformats.org/presentationml/2006/main">
   <p:cSld>
     <p:spTree>
@@ -42707,10 +43562,9 @@
           <a:lstStyle/>
           <a:p>
             <a:r>
-              <a:rPr lang="de-DE" dirty="0" smtClean="0"/>
+              <a:rPr lang="de-DE" dirty="0"/>
               <a:t>Prognose der Spielergebnisse</a:t>
             </a:r>
-            <a:endParaRPr lang="de-DE" dirty="0"/>
           </a:p>
         </p:txBody>
       </p:sp>
@@ -42730,11 +43584,11 @@
           <a:lstStyle/>
           <a:p>
             <a:r>
-              <a:rPr lang="de-DE" dirty="0" smtClean="0"/>
+              <a:rPr lang="de-DE" dirty="0"/>
               <a:t>Feature </a:t>
             </a:r>
             <a:r>
-              <a:rPr lang="de-DE" dirty="0" err="1" smtClean="0"/>
+              <a:rPr lang="de-DE" dirty="0" err="1"/>
               <a:t>importance</a:t>
             </a:r>
             <a:endParaRPr lang="de-DE" dirty="0"/>
@@ -42776,7 +43630,7 @@
 </p:sld>
 </file>
 
-<file path=ppt/slides/slide16.xml><?xml version="1.0" encoding="utf-8"?>
+<file path=ppt/slides/slide24.xml><?xml version="1.0" encoding="utf-8"?>
 <p:sld xmlns:a="http://schemas.openxmlformats.org/drawingml/2006/main" xmlns:r="http://schemas.openxmlformats.org/officeDocument/2006/relationships" xmlns:p="http://schemas.openxmlformats.org/presentationml/2006/main">
   <p:cSld>
     <p:spTree>
@@ -42809,10 +43663,9 @@
           <a:lstStyle/>
           <a:p>
             <a:r>
-              <a:rPr lang="de-DE" dirty="0" smtClean="0"/>
+              <a:rPr lang="de-DE" dirty="0"/>
               <a:t>Ergebnisanalyse</a:t>
             </a:r>
-            <a:endParaRPr lang="de-DE" dirty="0"/>
           </a:p>
         </p:txBody>
       </p:sp>
@@ -42855,10 +43708,9 @@
           <a:lstStyle/>
           <a:p>
             <a:r>
-              <a:rPr lang="de-DE" dirty="0" smtClean="0"/>
+              <a:rPr lang="de-DE" dirty="0"/>
               <a:t>Verteilung der Spielergebnisse</a:t>
             </a:r>
-            <a:endParaRPr lang="de-DE" dirty="0"/>
           </a:p>
         </p:txBody>
       </p:sp>
@@ -42873,7 +43725,7 @@
 </p:sld>
 </file>
 
-<file path=ppt/slides/slide17.xml><?xml version="1.0" encoding="utf-8"?>
+<file path=ppt/slides/slide25.xml><?xml version="1.0" encoding="utf-8"?>
 <p:sld xmlns:a="http://schemas.openxmlformats.org/drawingml/2006/main" xmlns:r="http://schemas.openxmlformats.org/officeDocument/2006/relationships" xmlns:p="http://schemas.openxmlformats.org/presentationml/2006/main">
   <p:cSld>
     <p:spTree>
@@ -42906,10 +43758,9 @@
           <a:lstStyle/>
           <a:p>
             <a:r>
-              <a:rPr lang="de-DE" dirty="0" smtClean="0"/>
+              <a:rPr lang="de-DE" dirty="0"/>
               <a:t>Ergebnisanalyse</a:t>
             </a:r>
-            <a:endParaRPr lang="de-DE" dirty="0"/>
           </a:p>
         </p:txBody>
       </p:sp>
@@ -42929,30 +43780,29 @@
           <a:lstStyle/>
           <a:p>
             <a:r>
-              <a:rPr lang="de-DE" dirty="0" err="1" smtClean="0"/>
+              <a:rPr lang="de-DE" dirty="0" err="1"/>
               <a:t>Metriken</a:t>
             </a:r>
             <a:r>
-              <a:rPr lang="de-DE" dirty="0" smtClean="0"/>
+              <a:rPr lang="de-DE" dirty="0"/>
               <a:t>, messen der </a:t>
             </a:r>
             <a:r>
-              <a:rPr lang="de-DE" dirty="0" err="1" smtClean="0"/>
+              <a:rPr lang="de-DE" dirty="0" err="1"/>
               <a:t>Prognoseergebnisse</a:t>
             </a:r>
             <a:r>
-              <a:rPr lang="de-DE" dirty="0" smtClean="0"/>
+              <a:rPr lang="de-DE" dirty="0"/>
               <a:t> (</a:t>
             </a:r>
             <a:r>
-              <a:rPr lang="de-DE" dirty="0" err="1" smtClean="0"/>
+              <a:rPr lang="de-DE" dirty="0" err="1"/>
               <a:t>Accuracy</a:t>
             </a:r>
             <a:r>
-              <a:rPr lang="de-DE" dirty="0" smtClean="0"/>
+              <a:rPr lang="de-DE" dirty="0"/>
               <a:t>)</a:t>
             </a:r>
-            <a:endParaRPr lang="de-DE" dirty="0"/>
           </a:p>
         </p:txBody>
       </p:sp>
@@ -43338,7 +44188,7 @@
 </p:sld>
 </file>
 
-<file path=ppt/slides/slide18.xml><?xml version="1.0" encoding="utf-8"?>
+<file path=ppt/slides/slide26.xml><?xml version="1.0" encoding="utf-8"?>
 <p:sld xmlns:a="http://schemas.openxmlformats.org/drawingml/2006/main" xmlns:r="http://schemas.openxmlformats.org/officeDocument/2006/relationships" xmlns:p="http://schemas.openxmlformats.org/presentationml/2006/main">
   <p:cSld>
     <p:spTree>
@@ -43371,10 +44221,9 @@
           <a:lstStyle/>
           <a:p>
             <a:r>
-              <a:rPr lang="de-DE" dirty="0" smtClean="0"/>
+              <a:rPr lang="de-DE" dirty="0"/>
               <a:t>Ergebnisanalyse</a:t>
             </a:r>
-            <a:endParaRPr lang="de-DE" dirty="0"/>
           </a:p>
         </p:txBody>
       </p:sp>
@@ -43394,22 +44243,21 @@
           <a:lstStyle/>
           <a:p>
             <a:r>
-              <a:rPr lang="de-DE" dirty="0" err="1" smtClean="0"/>
+              <a:rPr lang="de-DE" dirty="0" err="1"/>
               <a:t>Metriken</a:t>
             </a:r>
             <a:r>
-              <a:rPr lang="de-DE" dirty="0" smtClean="0"/>
+              <a:rPr lang="de-DE" dirty="0"/>
               <a:t>, messen der </a:t>
             </a:r>
             <a:r>
-              <a:rPr lang="de-DE" dirty="0" err="1" smtClean="0"/>
+              <a:rPr lang="de-DE" dirty="0" err="1"/>
               <a:t>Prognoseergebnisse</a:t>
             </a:r>
             <a:r>
-              <a:rPr lang="de-DE" dirty="0" smtClean="0"/>
+              <a:rPr lang="de-DE" dirty="0"/>
               <a:t> (F1-Score)</a:t>
             </a:r>
-            <a:endParaRPr lang="de-DE" dirty="0"/>
           </a:p>
         </p:txBody>
       </p:sp>
@@ -43795,7 +44643,7 @@
 </p:sld>
 </file>
 
-<file path=ppt/slides/slide19.xml><?xml version="1.0" encoding="utf-8"?>
+<file path=ppt/slides/slide27.xml><?xml version="1.0" encoding="utf-8"?>
 <p:sld xmlns:a="http://schemas.openxmlformats.org/drawingml/2006/main" xmlns:r="http://schemas.openxmlformats.org/officeDocument/2006/relationships" xmlns:p="http://schemas.openxmlformats.org/presentationml/2006/main">
   <p:cSld>
     <p:spTree>
@@ -43828,10 +44676,9 @@
           <a:lstStyle/>
           <a:p>
             <a:r>
-              <a:rPr lang="de-DE" dirty="0" smtClean="0"/>
+              <a:rPr lang="de-DE" dirty="0"/>
               <a:t>Ergebnisanalyse</a:t>
             </a:r>
-            <a:endParaRPr lang="de-DE" dirty="0"/>
           </a:p>
         </p:txBody>
       </p:sp>
@@ -43851,11 +44698,11 @@
           <a:lstStyle/>
           <a:p>
             <a:r>
-              <a:rPr lang="de-DE" dirty="0" smtClean="0"/>
+              <a:rPr lang="de-DE" dirty="0"/>
               <a:t>Total </a:t>
             </a:r>
             <a:r>
-              <a:rPr lang="de-DE" dirty="0" err="1" smtClean="0"/>
+              <a:rPr lang="de-DE" dirty="0" err="1"/>
               <a:t>Accuracy</a:t>
             </a:r>
             <a:endParaRPr lang="de-DE" dirty="0"/>
@@ -43894,144 +44741,10 @@
   <p:transition>
     <p:dissolve/>
   </p:transition>
-  <p:timing>
-    <p:tnLst>
-      <p:par>
-        <p:cTn id="1" dur="indefinite" restart="never" nodeType="tmRoot"/>
-      </p:par>
-    </p:tnLst>
-  </p:timing>
 </p:sld>
 </file>
 
-<file path=ppt/slides/slide2.xml><?xml version="1.0" encoding="utf-8"?>
-<p:sld xmlns:a="http://schemas.openxmlformats.org/drawingml/2006/main" xmlns:r="http://schemas.openxmlformats.org/officeDocument/2006/relationships" xmlns:p="http://schemas.openxmlformats.org/presentationml/2006/main">
-  <p:cSld>
-    <p:spTree>
-      <p:nvGrpSpPr>
-        <p:cNvPr id="1" name=""/>
-        <p:cNvGrpSpPr/>
-        <p:nvPr/>
-      </p:nvGrpSpPr>
-      <p:grpSpPr>
-        <a:xfrm>
-          <a:off x="0" y="0"/>
-          <a:ext cx="0" cy="0"/>
-          <a:chOff x="0" y="0"/>
-          <a:chExt cx="0" cy="0"/>
-        </a:xfrm>
-      </p:grpSpPr>
-      <p:sp>
-        <p:nvSpPr>
-          <p:cNvPr id="2" name="Titel 1">
-            <a:extLst>
-              <a:ext uri="{FF2B5EF4-FFF2-40B4-BE49-F238E27FC236}">
-                <a16:creationId xmlns="" xmlns:a16="http://schemas.microsoft.com/office/drawing/2014/main" id="{A4074053-56C1-1343-4DBA-ADE4C8E128A7}"/>
-              </a:ext>
-            </a:extLst>
-          </p:cNvPr>
-          <p:cNvSpPr>
-            <a:spLocks noGrp="1"/>
-          </p:cNvSpPr>
-          <p:nvPr>
-            <p:ph type="title"/>
-          </p:nvPr>
-        </p:nvSpPr>
-        <p:spPr/>
-        <p:txBody>
-          <a:bodyPr/>
-          <a:lstStyle/>
-          <a:p>
-            <a:r>
-              <a:rPr lang="de-DE" dirty="0"/>
-              <a:t>Web Mining</a:t>
-            </a:r>
-          </a:p>
-        </p:txBody>
-      </p:sp>
-      <p:graphicFrame>
-        <p:nvGraphicFramePr>
-          <p:cNvPr id="5" name="Inhaltsplatzhalter 4">
-            <a:extLst>
-              <a:ext uri="{FF2B5EF4-FFF2-40B4-BE49-F238E27FC236}">
-                <a16:creationId xmlns="" xmlns:a16="http://schemas.microsoft.com/office/drawing/2014/main" id="{A1A3C1F0-2E62-1727-56CF-98E451E47C91}"/>
-              </a:ext>
-            </a:extLst>
-          </p:cNvPr>
-          <p:cNvGraphicFramePr>
-            <a:graphicFrameLocks noGrp="1"/>
-          </p:cNvGraphicFramePr>
-          <p:nvPr>
-            <p:ph idx="1"/>
-          </p:nvPr>
-        </p:nvGraphicFramePr>
-        <p:xfrm>
-          <a:off x="573088" y="1448672"/>
-          <a:ext cx="8063999" cy="4528382"/>
-        </p:xfrm>
-        <a:graphic>
-          <a:graphicData uri="http://schemas.openxmlformats.org/drawingml/2006/diagram">
-            <dgm:relIds xmlns:dgm="http://schemas.openxmlformats.org/drawingml/2006/diagram" xmlns:r="http://schemas.openxmlformats.org/officeDocument/2006/relationships" r:dm="rId2" r:lo="rId3" r:qs="rId4" r:cs="rId5"/>
-          </a:graphicData>
-        </a:graphic>
-      </p:graphicFrame>
-      <p:sp>
-        <p:nvSpPr>
-          <p:cNvPr id="4" name="Textplatzhalter 3">
-            <a:extLst>
-              <a:ext uri="{FF2B5EF4-FFF2-40B4-BE49-F238E27FC236}">
-                <a16:creationId xmlns="" xmlns:a16="http://schemas.microsoft.com/office/drawing/2014/main" id="{63EFE8DC-16BD-0256-C87F-2509C57363B0}"/>
-              </a:ext>
-            </a:extLst>
-          </p:cNvPr>
-          <p:cNvSpPr>
-            <a:spLocks noGrp="1"/>
-          </p:cNvSpPr>
-          <p:nvPr>
-            <p:ph type="body" sz="quarter" idx="12"/>
-          </p:nvPr>
-        </p:nvSpPr>
-        <p:spPr/>
-        <p:txBody>
-          <a:bodyPr/>
-          <a:lstStyle/>
-          <a:p>
-            <a:r>
-              <a:rPr lang="de-DE" dirty="0"/>
-              <a:t>Agenda</a:t>
-            </a:r>
-          </a:p>
-        </p:txBody>
-      </p:sp>
-    </p:spTree>
-    <p:extLst>
-      <p:ext uri="{BB962C8B-B14F-4D97-AF65-F5344CB8AC3E}">
-        <p14:creationId xmlns="" xmlns:p14="http://schemas.microsoft.com/office/powerpoint/2010/main" val="2242142240"/>
-      </p:ext>
-    </p:extLst>
-  </p:cSld>
-  <p:clrMapOvr>
-    <a:masterClrMapping/>
-  </p:clrMapOvr>
-  <mc:AlternateContent xmlns:mc="http://schemas.openxmlformats.org/markup-compatibility/2006">
-    <mc:Choice xmlns="" xmlns:p14="http://schemas.microsoft.com/office/powerpoint/2010/main" Requires="p14">
-      <p:transition p14:dur="0"/>
-    </mc:Choice>
-    <mc:Fallback>
-      <p:transition/>
-    </mc:Fallback>
-  </mc:AlternateContent>
-  <p:timing>
-    <p:tnLst>
-      <p:par>
-        <p:cTn id="1" dur="indefinite" restart="never" nodeType="tmRoot"/>
-      </p:par>
-    </p:tnLst>
-  </p:timing>
-</p:sld>
-</file>
-
-<file path=ppt/slides/slide20.xml><?xml version="1.0" encoding="utf-8"?>
+<file path=ppt/slides/slide28.xml><?xml version="1.0" encoding="utf-8"?>
 <p:sld xmlns:a="http://schemas.openxmlformats.org/drawingml/2006/main" xmlns:r="http://schemas.openxmlformats.org/officeDocument/2006/relationships" xmlns:p="http://schemas.openxmlformats.org/presentationml/2006/main">
   <p:cSld>
     <p:spTree>
@@ -44064,10 +44777,9 @@
           <a:lstStyle/>
           <a:p>
             <a:r>
-              <a:rPr lang="de-DE" dirty="0" smtClean="0"/>
+              <a:rPr lang="de-DE" dirty="0"/>
               <a:t>Ergebnisanalyse</a:t>
             </a:r>
-            <a:endParaRPr lang="de-DE" dirty="0"/>
           </a:p>
         </p:txBody>
       </p:sp>
@@ -44087,19 +44799,19 @@
           <a:lstStyle/>
           <a:p>
             <a:r>
-              <a:rPr lang="de-DE" dirty="0" smtClean="0"/>
+              <a:rPr lang="de-DE" dirty="0"/>
               <a:t>Total </a:t>
             </a:r>
             <a:r>
-              <a:rPr lang="de-DE" dirty="0" err="1" smtClean="0"/>
+              <a:rPr lang="de-DE" dirty="0" err="1"/>
               <a:t>Balanced</a:t>
             </a:r>
             <a:r>
-              <a:rPr lang="de-DE" dirty="0" smtClean="0"/>
+              <a:rPr lang="de-DE" dirty="0"/>
               <a:t> </a:t>
             </a:r>
             <a:r>
-              <a:rPr lang="de-DE" dirty="0" err="1" smtClean="0"/>
+              <a:rPr lang="de-DE" dirty="0" err="1"/>
               <a:t>Accuracy</a:t>
             </a:r>
             <a:endParaRPr lang="de-DE" dirty="0"/>
@@ -44138,17 +44850,10 @@
   <p:transition>
     <p:dissolve/>
   </p:transition>
-  <p:timing>
-    <p:tnLst>
-      <p:par>
-        <p:cTn id="1" dur="indefinite" restart="never" nodeType="tmRoot"/>
-      </p:par>
-    </p:tnLst>
-  </p:timing>
 </p:sld>
 </file>
 
-<file path=ppt/slides/slide21.xml><?xml version="1.0" encoding="utf-8"?>
+<file path=ppt/slides/slide29.xml><?xml version="1.0" encoding="utf-8"?>
 <p:sld xmlns:a="http://schemas.openxmlformats.org/drawingml/2006/main" xmlns:r="http://schemas.openxmlformats.org/officeDocument/2006/relationships" xmlns:p="http://schemas.openxmlformats.org/presentationml/2006/main">
   <p:cSld>
     <p:spTree>
@@ -44181,10 +44886,9 @@
           <a:lstStyle/>
           <a:p>
             <a:r>
-              <a:rPr lang="de-DE" dirty="0" smtClean="0"/>
+              <a:rPr lang="de-DE" dirty="0"/>
               <a:t>Ergebnisanalyse</a:t>
             </a:r>
-            <a:endParaRPr lang="de-DE" dirty="0"/>
           </a:p>
         </p:txBody>
       </p:sp>
@@ -44204,34 +44908,33 @@
           <a:lstStyle/>
           <a:p>
             <a:r>
-              <a:rPr lang="de-DE" dirty="0" smtClean="0"/>
+              <a:rPr lang="de-DE" dirty="0"/>
               <a:t>Total F1-Score </a:t>
             </a:r>
             <a:r>
-              <a:rPr lang="de-DE" dirty="0" err="1" smtClean="0"/>
+              <a:rPr lang="de-DE" dirty="0" err="1"/>
               <a:t>class</a:t>
             </a:r>
             <a:r>
-              <a:rPr lang="de-DE" dirty="0" smtClean="0"/>
+              <a:rPr lang="de-DE" dirty="0"/>
               <a:t> 0 (</a:t>
             </a:r>
             <a:r>
-              <a:rPr lang="de-DE" dirty="0" err="1" smtClean="0"/>
+              <a:rPr lang="de-DE" dirty="0" err="1"/>
               <a:t>away</a:t>
             </a:r>
             <a:r>
-              <a:rPr lang="de-DE" dirty="0" smtClean="0"/>
+              <a:rPr lang="de-DE" dirty="0"/>
               <a:t> </a:t>
             </a:r>
             <a:r>
-              <a:rPr lang="de-DE" dirty="0" err="1" smtClean="0"/>
+              <a:rPr lang="de-DE" dirty="0" err="1"/>
               <a:t>win</a:t>
             </a:r>
             <a:r>
-              <a:rPr lang="de-DE" dirty="0" smtClean="0"/>
+              <a:rPr lang="de-DE" dirty="0"/>
               <a:t>)</a:t>
             </a:r>
-            <a:endParaRPr lang="de-DE" dirty="0"/>
           </a:p>
         </p:txBody>
       </p:sp>
@@ -44267,497 +44970,6 @@
   <p:transition>
     <p:dissolve/>
   </p:transition>
-  <p:timing>
-    <p:tnLst>
-      <p:par>
-        <p:cTn id="1" dur="indefinite" restart="never" nodeType="tmRoot"/>
-      </p:par>
-    </p:tnLst>
-  </p:timing>
-</p:sld>
-</file>
-
-<file path=ppt/slides/slide22.xml><?xml version="1.0" encoding="utf-8"?>
-<p:sld xmlns:a="http://schemas.openxmlformats.org/drawingml/2006/main" xmlns:r="http://schemas.openxmlformats.org/officeDocument/2006/relationships" xmlns:p="http://schemas.openxmlformats.org/presentationml/2006/main">
-  <p:cSld>
-    <p:spTree>
-      <p:nvGrpSpPr>
-        <p:cNvPr id="1" name=""/>
-        <p:cNvGrpSpPr/>
-        <p:nvPr/>
-      </p:nvGrpSpPr>
-      <p:grpSpPr>
-        <a:xfrm>
-          <a:off x="0" y="0"/>
-          <a:ext cx="0" cy="0"/>
-          <a:chOff x="0" y="0"/>
-          <a:chExt cx="0" cy="0"/>
-        </a:xfrm>
-      </p:grpSpPr>
-      <p:sp>
-        <p:nvSpPr>
-          <p:cNvPr id="2" name="Titel 1"/>
-          <p:cNvSpPr>
-            <a:spLocks noGrp="1"/>
-          </p:cNvSpPr>
-          <p:nvPr>
-            <p:ph type="title"/>
-          </p:nvPr>
-        </p:nvSpPr>
-        <p:spPr/>
-        <p:txBody>
-          <a:bodyPr/>
-          <a:lstStyle/>
-          <a:p>
-            <a:r>
-              <a:rPr lang="de-DE" dirty="0" smtClean="0"/>
-              <a:t>Ergebnisanalyse</a:t>
-            </a:r>
-            <a:endParaRPr lang="de-DE" dirty="0"/>
-          </a:p>
-        </p:txBody>
-      </p:sp>
-      <p:sp>
-        <p:nvSpPr>
-          <p:cNvPr id="4" name="Textplatzhalter 3"/>
-          <p:cNvSpPr>
-            <a:spLocks noGrp="1"/>
-          </p:cNvSpPr>
-          <p:nvPr>
-            <p:ph type="body" sz="quarter" idx="12"/>
-          </p:nvPr>
-        </p:nvSpPr>
-        <p:spPr/>
-        <p:txBody>
-          <a:bodyPr/>
-          <a:lstStyle/>
-          <a:p>
-            <a:r>
-              <a:rPr lang="de-DE" dirty="0" smtClean="0"/>
-              <a:t>Best </a:t>
-            </a:r>
-            <a:r>
-              <a:rPr lang="de-DE" dirty="0" err="1" smtClean="0"/>
-              <a:t>home</a:t>
-            </a:r>
-            <a:r>
-              <a:rPr lang="de-DE" dirty="0" smtClean="0"/>
-              <a:t> </a:t>
-            </a:r>
-            <a:r>
-              <a:rPr lang="de-DE" dirty="0" err="1" smtClean="0"/>
-              <a:t>Balanced</a:t>
-            </a:r>
-            <a:r>
-              <a:rPr lang="de-DE" dirty="0" smtClean="0"/>
-              <a:t> </a:t>
-            </a:r>
-            <a:r>
-              <a:rPr lang="de-DE" dirty="0" err="1" smtClean="0"/>
-              <a:t>Accuracy</a:t>
-            </a:r>
-            <a:endParaRPr lang="de-DE" dirty="0"/>
-          </a:p>
-        </p:txBody>
-      </p:sp>
-      <p:pic>
-        <p:nvPicPr>
-          <p:cNvPr id="5" name="Grafik 4" descr="Top 7 Clubs Based on home_balanced_accuracy.jpeg"/>
-          <p:cNvPicPr>
-            <a:picLocks noChangeAspect="1"/>
-          </p:cNvPicPr>
-          <p:nvPr/>
-        </p:nvPicPr>
-        <p:blipFill>
-          <a:blip r:embed="rId2"/>
-          <a:stretch>
-            <a:fillRect/>
-          </a:stretch>
-        </p:blipFill>
-        <p:spPr>
-          <a:xfrm>
-            <a:off x="681490" y="1112807"/>
-            <a:ext cx="7619280" cy="5079521"/>
-          </a:xfrm>
-          <a:prstGeom prst="rect">
-            <a:avLst/>
-          </a:prstGeom>
-        </p:spPr>
-      </p:pic>
-    </p:spTree>
-  </p:cSld>
-  <p:clrMapOvr>
-    <a:masterClrMapping/>
-  </p:clrMapOvr>
-  <p:transition>
-    <p:dissolve/>
-  </p:transition>
-  <p:timing>
-    <p:tnLst>
-      <p:par>
-        <p:cTn id="1" dur="indefinite" restart="never" nodeType="tmRoot"/>
-      </p:par>
-    </p:tnLst>
-  </p:timing>
-</p:sld>
-</file>
-
-<file path=ppt/slides/slide23.xml><?xml version="1.0" encoding="utf-8"?>
-<p:sld xmlns:a="http://schemas.openxmlformats.org/drawingml/2006/main" xmlns:r="http://schemas.openxmlformats.org/officeDocument/2006/relationships" xmlns:p="http://schemas.openxmlformats.org/presentationml/2006/main">
-  <p:cSld>
-    <p:spTree>
-      <p:nvGrpSpPr>
-        <p:cNvPr id="1" name=""/>
-        <p:cNvGrpSpPr/>
-        <p:nvPr/>
-      </p:nvGrpSpPr>
-      <p:grpSpPr>
-        <a:xfrm>
-          <a:off x="0" y="0"/>
-          <a:ext cx="0" cy="0"/>
-          <a:chOff x="0" y="0"/>
-          <a:chExt cx="0" cy="0"/>
-        </a:xfrm>
-      </p:grpSpPr>
-      <p:sp>
-        <p:nvSpPr>
-          <p:cNvPr id="2" name="Titel 1"/>
-          <p:cNvSpPr>
-            <a:spLocks noGrp="1"/>
-          </p:cNvSpPr>
-          <p:nvPr>
-            <p:ph type="title"/>
-          </p:nvPr>
-        </p:nvSpPr>
-        <p:spPr/>
-        <p:txBody>
-          <a:bodyPr/>
-          <a:lstStyle/>
-          <a:p>
-            <a:r>
-              <a:rPr lang="de-DE" dirty="0" smtClean="0"/>
-              <a:t>Ergebnisanalyse</a:t>
-            </a:r>
-            <a:endParaRPr lang="de-DE" dirty="0"/>
-          </a:p>
-        </p:txBody>
-      </p:sp>
-      <p:sp>
-        <p:nvSpPr>
-          <p:cNvPr id="4" name="Textplatzhalter 3"/>
-          <p:cNvSpPr>
-            <a:spLocks noGrp="1"/>
-          </p:cNvSpPr>
-          <p:nvPr>
-            <p:ph type="body" sz="quarter" idx="12"/>
-          </p:nvPr>
-        </p:nvSpPr>
-        <p:spPr/>
-        <p:txBody>
-          <a:bodyPr/>
-          <a:lstStyle/>
-          <a:p>
-            <a:r>
-              <a:rPr lang="de-DE" dirty="0" smtClean="0"/>
-              <a:t>Best </a:t>
-            </a:r>
-            <a:r>
-              <a:rPr lang="de-DE" dirty="0" err="1" smtClean="0"/>
-              <a:t>away</a:t>
-            </a:r>
-            <a:r>
-              <a:rPr lang="de-DE" dirty="0" smtClean="0"/>
-              <a:t> </a:t>
-            </a:r>
-            <a:r>
-              <a:rPr lang="de-DE" dirty="0" err="1" smtClean="0"/>
-              <a:t>Balanced</a:t>
-            </a:r>
-            <a:r>
-              <a:rPr lang="de-DE" dirty="0" smtClean="0"/>
-              <a:t> </a:t>
-            </a:r>
-            <a:r>
-              <a:rPr lang="de-DE" dirty="0" err="1" smtClean="0"/>
-              <a:t>Accuracy</a:t>
-            </a:r>
-            <a:endParaRPr lang="de-DE" dirty="0"/>
-          </a:p>
-        </p:txBody>
-      </p:sp>
-      <p:pic>
-        <p:nvPicPr>
-          <p:cNvPr id="5" name="Grafik 4" descr="Top 7 Clubs Based on away_balanced_accuracy.jpeg"/>
-          <p:cNvPicPr>
-            <a:picLocks noChangeAspect="1"/>
-          </p:cNvPicPr>
-          <p:nvPr/>
-        </p:nvPicPr>
-        <p:blipFill>
-          <a:blip r:embed="rId2"/>
-          <a:stretch>
-            <a:fillRect/>
-          </a:stretch>
-        </p:blipFill>
-        <p:spPr>
-          <a:xfrm>
-            <a:off x="621102" y="1118559"/>
-            <a:ext cx="7470475" cy="4980316"/>
-          </a:xfrm>
-          <a:prstGeom prst="rect">
-            <a:avLst/>
-          </a:prstGeom>
-        </p:spPr>
-      </p:pic>
-    </p:spTree>
-  </p:cSld>
-  <p:clrMapOvr>
-    <a:masterClrMapping/>
-  </p:clrMapOvr>
-  <p:transition>
-    <p:dissolve/>
-  </p:transition>
-  <p:timing>
-    <p:tnLst>
-      <p:par>
-        <p:cTn id="1" dur="indefinite" restart="never" nodeType="tmRoot"/>
-      </p:par>
-    </p:tnLst>
-  </p:timing>
-</p:sld>
-</file>
-
-<file path=ppt/slides/slide24.xml><?xml version="1.0" encoding="utf-8"?>
-<p:sld xmlns:a="http://schemas.openxmlformats.org/drawingml/2006/main" xmlns:r="http://schemas.openxmlformats.org/officeDocument/2006/relationships" xmlns:p="http://schemas.openxmlformats.org/presentationml/2006/main">
-  <p:cSld>
-    <p:spTree>
-      <p:nvGrpSpPr>
-        <p:cNvPr id="1" name=""/>
-        <p:cNvGrpSpPr/>
-        <p:nvPr/>
-      </p:nvGrpSpPr>
-      <p:grpSpPr>
-        <a:xfrm>
-          <a:off x="0" y="0"/>
-          <a:ext cx="0" cy="0"/>
-          <a:chOff x="0" y="0"/>
-          <a:chExt cx="0" cy="0"/>
-        </a:xfrm>
-      </p:grpSpPr>
-      <p:sp>
-        <p:nvSpPr>
-          <p:cNvPr id="2" name="Titel 1"/>
-          <p:cNvSpPr>
-            <a:spLocks noGrp="1"/>
-          </p:cNvSpPr>
-          <p:nvPr>
-            <p:ph type="title"/>
-          </p:nvPr>
-        </p:nvSpPr>
-        <p:spPr/>
-        <p:txBody>
-          <a:bodyPr/>
-          <a:lstStyle/>
-          <a:p>
-            <a:r>
-              <a:rPr lang="de-DE" dirty="0" smtClean="0"/>
-              <a:t>Ergebnisanalyse</a:t>
-            </a:r>
-            <a:endParaRPr lang="de-DE" dirty="0"/>
-          </a:p>
-        </p:txBody>
-      </p:sp>
-      <p:sp>
-        <p:nvSpPr>
-          <p:cNvPr id="4" name="Textplatzhalter 3"/>
-          <p:cNvSpPr>
-            <a:spLocks noGrp="1"/>
-          </p:cNvSpPr>
-          <p:nvPr>
-            <p:ph type="body" sz="quarter" idx="12"/>
-          </p:nvPr>
-        </p:nvSpPr>
-        <p:spPr/>
-        <p:txBody>
-          <a:bodyPr/>
-          <a:lstStyle/>
-          <a:p>
-            <a:r>
-              <a:rPr lang="de-DE" dirty="0" smtClean="0"/>
-              <a:t>Best F1-Score </a:t>
-            </a:r>
-            <a:r>
-              <a:rPr lang="de-DE" dirty="0" err="1" smtClean="0"/>
-              <a:t>home</a:t>
-            </a:r>
-            <a:r>
-              <a:rPr lang="de-DE" dirty="0" smtClean="0"/>
-              <a:t> </a:t>
-            </a:r>
-            <a:r>
-              <a:rPr lang="de-DE" dirty="0" err="1" smtClean="0"/>
-              <a:t>win</a:t>
-            </a:r>
-            <a:endParaRPr lang="de-DE" dirty="0"/>
-          </a:p>
-        </p:txBody>
-      </p:sp>
-      <p:pic>
-        <p:nvPicPr>
-          <p:cNvPr id="5" name="Grafik 4" descr="Top 7 Clubs Based on home_f1-score_class_2 _home win_.jpeg"/>
-          <p:cNvPicPr>
-            <a:picLocks noChangeAspect="1"/>
-          </p:cNvPicPr>
-          <p:nvPr/>
-        </p:nvPicPr>
-        <p:blipFill>
-          <a:blip r:embed="rId2"/>
-          <a:stretch>
-            <a:fillRect/>
-          </a:stretch>
-        </p:blipFill>
-        <p:spPr>
-          <a:xfrm>
-            <a:off x="681485" y="1108497"/>
-            <a:ext cx="7537327" cy="5024885"/>
-          </a:xfrm>
-          <a:prstGeom prst="rect">
-            <a:avLst/>
-          </a:prstGeom>
-        </p:spPr>
-      </p:pic>
-    </p:spTree>
-  </p:cSld>
-  <p:clrMapOvr>
-    <a:masterClrMapping/>
-  </p:clrMapOvr>
-  <p:transition>
-    <p:dissolve/>
-  </p:transition>
-  <p:timing>
-    <p:tnLst>
-      <p:par>
-        <p:cTn id="1" dur="indefinite" restart="never" nodeType="tmRoot"/>
-      </p:par>
-    </p:tnLst>
-  </p:timing>
-</p:sld>
-</file>
-
-<file path=ppt/slides/slide25.xml><?xml version="1.0" encoding="utf-8"?>
-<p:sld xmlns:a="http://schemas.openxmlformats.org/drawingml/2006/main" xmlns:r="http://schemas.openxmlformats.org/officeDocument/2006/relationships" xmlns:p="http://schemas.openxmlformats.org/presentationml/2006/main">
-  <p:cSld>
-    <p:spTree>
-      <p:nvGrpSpPr>
-        <p:cNvPr id="1" name=""/>
-        <p:cNvGrpSpPr/>
-        <p:nvPr/>
-      </p:nvGrpSpPr>
-      <p:grpSpPr>
-        <a:xfrm>
-          <a:off x="0" y="0"/>
-          <a:ext cx="0" cy="0"/>
-          <a:chOff x="0" y="0"/>
-          <a:chExt cx="0" cy="0"/>
-        </a:xfrm>
-      </p:grpSpPr>
-      <p:sp>
-        <p:nvSpPr>
-          <p:cNvPr id="2" name="Titel 1"/>
-          <p:cNvSpPr>
-            <a:spLocks noGrp="1"/>
-          </p:cNvSpPr>
-          <p:nvPr>
-            <p:ph type="title"/>
-          </p:nvPr>
-        </p:nvSpPr>
-        <p:spPr/>
-        <p:txBody>
-          <a:bodyPr/>
-          <a:lstStyle/>
-          <a:p>
-            <a:r>
-              <a:rPr lang="de-DE" dirty="0" smtClean="0"/>
-              <a:t>Ergebnisanalyse</a:t>
-            </a:r>
-            <a:endParaRPr lang="de-DE" dirty="0"/>
-          </a:p>
-        </p:txBody>
-      </p:sp>
-      <p:sp>
-        <p:nvSpPr>
-          <p:cNvPr id="4" name="Textplatzhalter 3"/>
-          <p:cNvSpPr>
-            <a:spLocks noGrp="1"/>
-          </p:cNvSpPr>
-          <p:nvPr>
-            <p:ph type="body" sz="quarter" idx="12"/>
-          </p:nvPr>
-        </p:nvSpPr>
-        <p:spPr/>
-        <p:txBody>
-          <a:bodyPr/>
-          <a:lstStyle/>
-          <a:p>
-            <a:r>
-              <a:rPr lang="de-DE" dirty="0" smtClean="0"/>
-              <a:t>Best F1-Score </a:t>
-            </a:r>
-            <a:r>
-              <a:rPr lang="de-DE" dirty="0" err="1" smtClean="0"/>
-              <a:t>away</a:t>
-            </a:r>
-            <a:r>
-              <a:rPr lang="de-DE" dirty="0" smtClean="0"/>
-              <a:t> </a:t>
-            </a:r>
-            <a:r>
-              <a:rPr lang="de-DE" dirty="0" err="1" smtClean="0"/>
-              <a:t>win</a:t>
-            </a:r>
-            <a:endParaRPr lang="de-DE" dirty="0"/>
-          </a:p>
-        </p:txBody>
-      </p:sp>
-      <p:pic>
-        <p:nvPicPr>
-          <p:cNvPr id="5" name="Grafik 4" descr="Top 7 Clubs Based on away_f1-score_class_2 _home win_.jpeg"/>
-          <p:cNvPicPr>
-            <a:picLocks noChangeAspect="1"/>
-          </p:cNvPicPr>
-          <p:nvPr/>
-        </p:nvPicPr>
-        <p:blipFill>
-          <a:blip r:embed="rId2"/>
-          <a:stretch>
-            <a:fillRect/>
-          </a:stretch>
-        </p:blipFill>
-        <p:spPr>
-          <a:xfrm>
-            <a:off x="552093" y="1111369"/>
-            <a:ext cx="7623596" cy="5082397"/>
-          </a:xfrm>
-          <a:prstGeom prst="rect">
-            <a:avLst/>
-          </a:prstGeom>
-        </p:spPr>
-      </p:pic>
-    </p:spTree>
-  </p:cSld>
-  <p:clrMapOvr>
-    <a:masterClrMapping/>
-  </p:clrMapOvr>
-  <p:transition>
-    <p:dissolve/>
-  </p:transition>
-  <p:timing>
-    <p:tnLst>
-      <p:par>
-        <p:cTn id="1" dur="indefinite" restart="never" nodeType="tmRoot"/>
-      </p:par>
-    </p:tnLst>
-  </p:timing>
 </p:sld>
 </file>
 
@@ -44858,21 +45070,473 @@
     </p:spTree>
     <p:extLst>
       <p:ext uri="{BB962C8B-B14F-4D97-AF65-F5344CB8AC3E}">
-        <p14:creationId xmlns="" xmlns:p14="http://schemas.microsoft.com/office/powerpoint/2010/main" val="3393414989"/>
+        <p14:creationId xmlns:p14="http://schemas.microsoft.com/office/powerpoint/2010/main" val="3393414989"/>
       </p:ext>
     </p:extLst>
   </p:cSld>
   <p:clrMapOvr>
     <a:masterClrMapping/>
   </p:clrMapOvr>
-  <mc:AlternateContent xmlns:mc="http://schemas.openxmlformats.org/markup-compatibility/2006">
-    <mc:Choice xmlns="" xmlns:p14="http://schemas.microsoft.com/office/powerpoint/2010/main" Requires="p14">
+  <mc:AlternateContent xmlns:mc="http://schemas.openxmlformats.org/markup-compatibility/2006" xmlns:p14="http://schemas.microsoft.com/office/powerpoint/2010/main">
+    <mc:Choice Requires="p14">
       <p:transition p14:dur="0"/>
     </mc:Choice>
-    <mc:Fallback>
+    <mc:Fallback xmlns="">
       <p:transition/>
     </mc:Fallback>
   </mc:AlternateContent>
+</p:sld>
+</file>
+
+<file path=ppt/slides/slide30.xml><?xml version="1.0" encoding="utf-8"?>
+<p:sld xmlns:a="http://schemas.openxmlformats.org/drawingml/2006/main" xmlns:r="http://schemas.openxmlformats.org/officeDocument/2006/relationships" xmlns:p="http://schemas.openxmlformats.org/presentationml/2006/main">
+  <p:cSld>
+    <p:spTree>
+      <p:nvGrpSpPr>
+        <p:cNvPr id="1" name=""/>
+        <p:cNvGrpSpPr/>
+        <p:nvPr/>
+      </p:nvGrpSpPr>
+      <p:grpSpPr>
+        <a:xfrm>
+          <a:off x="0" y="0"/>
+          <a:ext cx="0" cy="0"/>
+          <a:chOff x="0" y="0"/>
+          <a:chExt cx="0" cy="0"/>
+        </a:xfrm>
+      </p:grpSpPr>
+      <p:sp>
+        <p:nvSpPr>
+          <p:cNvPr id="2" name="Titel 1"/>
+          <p:cNvSpPr>
+            <a:spLocks noGrp="1"/>
+          </p:cNvSpPr>
+          <p:nvPr>
+            <p:ph type="title"/>
+          </p:nvPr>
+        </p:nvSpPr>
+        <p:spPr/>
+        <p:txBody>
+          <a:bodyPr/>
+          <a:lstStyle/>
+          <a:p>
+            <a:r>
+              <a:rPr lang="de-DE" dirty="0"/>
+              <a:t>Ergebnisanalyse</a:t>
+            </a:r>
+          </a:p>
+        </p:txBody>
+      </p:sp>
+      <p:sp>
+        <p:nvSpPr>
+          <p:cNvPr id="4" name="Textplatzhalter 3"/>
+          <p:cNvSpPr>
+            <a:spLocks noGrp="1"/>
+          </p:cNvSpPr>
+          <p:nvPr>
+            <p:ph type="body" sz="quarter" idx="12"/>
+          </p:nvPr>
+        </p:nvSpPr>
+        <p:spPr/>
+        <p:txBody>
+          <a:bodyPr/>
+          <a:lstStyle/>
+          <a:p>
+            <a:r>
+              <a:rPr lang="de-DE" dirty="0"/>
+              <a:t>Best </a:t>
+            </a:r>
+            <a:r>
+              <a:rPr lang="de-DE" dirty="0" err="1"/>
+              <a:t>home</a:t>
+            </a:r>
+            <a:r>
+              <a:rPr lang="de-DE" dirty="0"/>
+              <a:t> </a:t>
+            </a:r>
+            <a:r>
+              <a:rPr lang="de-DE" dirty="0" err="1"/>
+              <a:t>Balanced</a:t>
+            </a:r>
+            <a:r>
+              <a:rPr lang="de-DE" dirty="0"/>
+              <a:t> </a:t>
+            </a:r>
+            <a:r>
+              <a:rPr lang="de-DE" dirty="0" err="1"/>
+              <a:t>Accuracy</a:t>
+            </a:r>
+            <a:endParaRPr lang="de-DE" dirty="0"/>
+          </a:p>
+        </p:txBody>
+      </p:sp>
+      <p:pic>
+        <p:nvPicPr>
+          <p:cNvPr id="5" name="Grafik 4" descr="Top 7 Clubs Based on home_balanced_accuracy.jpeg"/>
+          <p:cNvPicPr>
+            <a:picLocks noChangeAspect="1"/>
+          </p:cNvPicPr>
+          <p:nvPr/>
+        </p:nvPicPr>
+        <p:blipFill>
+          <a:blip r:embed="rId2"/>
+          <a:stretch>
+            <a:fillRect/>
+          </a:stretch>
+        </p:blipFill>
+        <p:spPr>
+          <a:xfrm>
+            <a:off x="681490" y="1112807"/>
+            <a:ext cx="7619280" cy="5079521"/>
+          </a:xfrm>
+          <a:prstGeom prst="rect">
+            <a:avLst/>
+          </a:prstGeom>
+        </p:spPr>
+      </p:pic>
+    </p:spTree>
+  </p:cSld>
+  <p:clrMapOvr>
+    <a:masterClrMapping/>
+  </p:clrMapOvr>
+  <p:transition>
+    <p:dissolve/>
+  </p:transition>
+</p:sld>
+</file>
+
+<file path=ppt/slides/slide31.xml><?xml version="1.0" encoding="utf-8"?>
+<p:sld xmlns:a="http://schemas.openxmlformats.org/drawingml/2006/main" xmlns:r="http://schemas.openxmlformats.org/officeDocument/2006/relationships" xmlns:p="http://schemas.openxmlformats.org/presentationml/2006/main">
+  <p:cSld>
+    <p:spTree>
+      <p:nvGrpSpPr>
+        <p:cNvPr id="1" name=""/>
+        <p:cNvGrpSpPr/>
+        <p:nvPr/>
+      </p:nvGrpSpPr>
+      <p:grpSpPr>
+        <a:xfrm>
+          <a:off x="0" y="0"/>
+          <a:ext cx="0" cy="0"/>
+          <a:chOff x="0" y="0"/>
+          <a:chExt cx="0" cy="0"/>
+        </a:xfrm>
+      </p:grpSpPr>
+      <p:sp>
+        <p:nvSpPr>
+          <p:cNvPr id="2" name="Titel 1"/>
+          <p:cNvSpPr>
+            <a:spLocks noGrp="1"/>
+          </p:cNvSpPr>
+          <p:nvPr>
+            <p:ph type="title"/>
+          </p:nvPr>
+        </p:nvSpPr>
+        <p:spPr/>
+        <p:txBody>
+          <a:bodyPr/>
+          <a:lstStyle/>
+          <a:p>
+            <a:r>
+              <a:rPr lang="de-DE" dirty="0"/>
+              <a:t>Ergebnisanalyse</a:t>
+            </a:r>
+          </a:p>
+        </p:txBody>
+      </p:sp>
+      <p:sp>
+        <p:nvSpPr>
+          <p:cNvPr id="4" name="Textplatzhalter 3"/>
+          <p:cNvSpPr>
+            <a:spLocks noGrp="1"/>
+          </p:cNvSpPr>
+          <p:nvPr>
+            <p:ph type="body" sz="quarter" idx="12"/>
+          </p:nvPr>
+        </p:nvSpPr>
+        <p:spPr/>
+        <p:txBody>
+          <a:bodyPr/>
+          <a:lstStyle/>
+          <a:p>
+            <a:r>
+              <a:rPr lang="de-DE" dirty="0"/>
+              <a:t>Best </a:t>
+            </a:r>
+            <a:r>
+              <a:rPr lang="de-DE" dirty="0" err="1"/>
+              <a:t>away</a:t>
+            </a:r>
+            <a:r>
+              <a:rPr lang="de-DE" dirty="0"/>
+              <a:t> </a:t>
+            </a:r>
+            <a:r>
+              <a:rPr lang="de-DE" dirty="0" err="1"/>
+              <a:t>Balanced</a:t>
+            </a:r>
+            <a:r>
+              <a:rPr lang="de-DE" dirty="0"/>
+              <a:t> </a:t>
+            </a:r>
+            <a:r>
+              <a:rPr lang="de-DE" dirty="0" err="1"/>
+              <a:t>Accuracy</a:t>
+            </a:r>
+            <a:endParaRPr lang="de-DE" dirty="0"/>
+          </a:p>
+        </p:txBody>
+      </p:sp>
+      <p:pic>
+        <p:nvPicPr>
+          <p:cNvPr id="5" name="Grafik 4" descr="Top 7 Clubs Based on away_balanced_accuracy.jpeg"/>
+          <p:cNvPicPr>
+            <a:picLocks noChangeAspect="1"/>
+          </p:cNvPicPr>
+          <p:nvPr/>
+        </p:nvPicPr>
+        <p:blipFill>
+          <a:blip r:embed="rId2"/>
+          <a:stretch>
+            <a:fillRect/>
+          </a:stretch>
+        </p:blipFill>
+        <p:spPr>
+          <a:xfrm>
+            <a:off x="621102" y="1118559"/>
+            <a:ext cx="7470475" cy="4980316"/>
+          </a:xfrm>
+          <a:prstGeom prst="rect">
+            <a:avLst/>
+          </a:prstGeom>
+        </p:spPr>
+      </p:pic>
+    </p:spTree>
+  </p:cSld>
+  <p:clrMapOvr>
+    <a:masterClrMapping/>
+  </p:clrMapOvr>
+  <p:transition>
+    <p:dissolve/>
+  </p:transition>
+</p:sld>
+</file>
+
+<file path=ppt/slides/slide32.xml><?xml version="1.0" encoding="utf-8"?>
+<p:sld xmlns:a="http://schemas.openxmlformats.org/drawingml/2006/main" xmlns:r="http://schemas.openxmlformats.org/officeDocument/2006/relationships" xmlns:p="http://schemas.openxmlformats.org/presentationml/2006/main">
+  <p:cSld>
+    <p:spTree>
+      <p:nvGrpSpPr>
+        <p:cNvPr id="1" name=""/>
+        <p:cNvGrpSpPr/>
+        <p:nvPr/>
+      </p:nvGrpSpPr>
+      <p:grpSpPr>
+        <a:xfrm>
+          <a:off x="0" y="0"/>
+          <a:ext cx="0" cy="0"/>
+          <a:chOff x="0" y="0"/>
+          <a:chExt cx="0" cy="0"/>
+        </a:xfrm>
+      </p:grpSpPr>
+      <p:sp>
+        <p:nvSpPr>
+          <p:cNvPr id="2" name="Titel 1"/>
+          <p:cNvSpPr>
+            <a:spLocks noGrp="1"/>
+          </p:cNvSpPr>
+          <p:nvPr>
+            <p:ph type="title"/>
+          </p:nvPr>
+        </p:nvSpPr>
+        <p:spPr/>
+        <p:txBody>
+          <a:bodyPr/>
+          <a:lstStyle/>
+          <a:p>
+            <a:r>
+              <a:rPr lang="de-DE" dirty="0"/>
+              <a:t>Ergebnisanalyse</a:t>
+            </a:r>
+          </a:p>
+        </p:txBody>
+      </p:sp>
+      <p:sp>
+        <p:nvSpPr>
+          <p:cNvPr id="4" name="Textplatzhalter 3"/>
+          <p:cNvSpPr>
+            <a:spLocks noGrp="1"/>
+          </p:cNvSpPr>
+          <p:nvPr>
+            <p:ph type="body" sz="quarter" idx="12"/>
+          </p:nvPr>
+        </p:nvSpPr>
+        <p:spPr/>
+        <p:txBody>
+          <a:bodyPr/>
+          <a:lstStyle/>
+          <a:p>
+            <a:r>
+              <a:rPr lang="de-DE" dirty="0"/>
+              <a:t>Best F1-Score </a:t>
+            </a:r>
+            <a:r>
+              <a:rPr lang="de-DE" dirty="0" err="1"/>
+              <a:t>home</a:t>
+            </a:r>
+            <a:r>
+              <a:rPr lang="de-DE" dirty="0"/>
+              <a:t> </a:t>
+            </a:r>
+            <a:r>
+              <a:rPr lang="de-DE" dirty="0" err="1"/>
+              <a:t>win</a:t>
+            </a:r>
+            <a:endParaRPr lang="de-DE" dirty="0"/>
+          </a:p>
+        </p:txBody>
+      </p:sp>
+      <p:pic>
+        <p:nvPicPr>
+          <p:cNvPr id="5" name="Grafik 4" descr="Top 7 Clubs Based on home_f1-score_class_2 _home win_.jpeg"/>
+          <p:cNvPicPr>
+            <a:picLocks noChangeAspect="1"/>
+          </p:cNvPicPr>
+          <p:nvPr/>
+        </p:nvPicPr>
+        <p:blipFill>
+          <a:blip r:embed="rId2"/>
+          <a:stretch>
+            <a:fillRect/>
+          </a:stretch>
+        </p:blipFill>
+        <p:spPr>
+          <a:xfrm>
+            <a:off x="681485" y="1108497"/>
+            <a:ext cx="7537327" cy="5024885"/>
+          </a:xfrm>
+          <a:prstGeom prst="rect">
+            <a:avLst/>
+          </a:prstGeom>
+        </p:spPr>
+      </p:pic>
+    </p:spTree>
+  </p:cSld>
+  <p:clrMapOvr>
+    <a:masterClrMapping/>
+  </p:clrMapOvr>
+  <p:transition>
+    <p:dissolve/>
+  </p:transition>
+</p:sld>
+</file>
+
+<file path=ppt/slides/slide33.xml><?xml version="1.0" encoding="utf-8"?>
+<p:sld xmlns:a="http://schemas.openxmlformats.org/drawingml/2006/main" xmlns:r="http://schemas.openxmlformats.org/officeDocument/2006/relationships" xmlns:p="http://schemas.openxmlformats.org/presentationml/2006/main">
+  <p:cSld>
+    <p:spTree>
+      <p:nvGrpSpPr>
+        <p:cNvPr id="1" name=""/>
+        <p:cNvGrpSpPr/>
+        <p:nvPr/>
+      </p:nvGrpSpPr>
+      <p:grpSpPr>
+        <a:xfrm>
+          <a:off x="0" y="0"/>
+          <a:ext cx="0" cy="0"/>
+          <a:chOff x="0" y="0"/>
+          <a:chExt cx="0" cy="0"/>
+        </a:xfrm>
+      </p:grpSpPr>
+      <p:sp>
+        <p:nvSpPr>
+          <p:cNvPr id="2" name="Titel 1"/>
+          <p:cNvSpPr>
+            <a:spLocks noGrp="1"/>
+          </p:cNvSpPr>
+          <p:nvPr>
+            <p:ph type="title"/>
+          </p:nvPr>
+        </p:nvSpPr>
+        <p:spPr/>
+        <p:txBody>
+          <a:bodyPr/>
+          <a:lstStyle/>
+          <a:p>
+            <a:r>
+              <a:rPr lang="de-DE" dirty="0"/>
+              <a:t>Ergebnisanalyse</a:t>
+            </a:r>
+          </a:p>
+        </p:txBody>
+      </p:sp>
+      <p:sp>
+        <p:nvSpPr>
+          <p:cNvPr id="4" name="Textplatzhalter 3"/>
+          <p:cNvSpPr>
+            <a:spLocks noGrp="1"/>
+          </p:cNvSpPr>
+          <p:nvPr>
+            <p:ph type="body" sz="quarter" idx="12"/>
+          </p:nvPr>
+        </p:nvSpPr>
+        <p:spPr/>
+        <p:txBody>
+          <a:bodyPr/>
+          <a:lstStyle/>
+          <a:p>
+            <a:r>
+              <a:rPr lang="de-DE" dirty="0"/>
+              <a:t>Best F1-Score </a:t>
+            </a:r>
+            <a:r>
+              <a:rPr lang="de-DE" dirty="0" err="1"/>
+              <a:t>away</a:t>
+            </a:r>
+            <a:r>
+              <a:rPr lang="de-DE" dirty="0"/>
+              <a:t> </a:t>
+            </a:r>
+            <a:r>
+              <a:rPr lang="de-DE" dirty="0" err="1"/>
+              <a:t>win</a:t>
+            </a:r>
+            <a:endParaRPr lang="de-DE" dirty="0"/>
+          </a:p>
+        </p:txBody>
+      </p:sp>
+      <p:pic>
+        <p:nvPicPr>
+          <p:cNvPr id="5" name="Grafik 4" descr="Top 7 Clubs Based on away_f1-score_class_2 _home win_.jpeg"/>
+          <p:cNvPicPr>
+            <a:picLocks noChangeAspect="1"/>
+          </p:cNvPicPr>
+          <p:nvPr/>
+        </p:nvPicPr>
+        <p:blipFill>
+          <a:blip r:embed="rId2"/>
+          <a:stretch>
+            <a:fillRect/>
+          </a:stretch>
+        </p:blipFill>
+        <p:spPr>
+          <a:xfrm>
+            <a:off x="552093" y="1111369"/>
+            <a:ext cx="7623596" cy="5082397"/>
+          </a:xfrm>
+          <a:prstGeom prst="rect">
+            <a:avLst/>
+          </a:prstGeom>
+        </p:spPr>
+      </p:pic>
+    </p:spTree>
+  </p:cSld>
+  <p:clrMapOvr>
+    <a:masterClrMapping/>
+  </p:clrMapOvr>
+  <p:transition>
+    <p:dissolve/>
+  </p:transition>
 </p:sld>
 </file>
 
@@ -44920,7 +45584,7 @@
           <p:cNvPr id="6" name="Inhaltsplatzhalter 5">
             <a:extLst>
               <a:ext uri="{FF2B5EF4-FFF2-40B4-BE49-F238E27FC236}">
-                <a16:creationId xmlns="" xmlns:a16="http://schemas.microsoft.com/office/drawing/2014/main" id="{9E85D00F-AA0B-C2EF-75C1-6EB48B4FB3E2}"/>
+                <a16:creationId xmlns:a16="http://schemas.microsoft.com/office/drawing/2014/main" id="{9E85D00F-AA0B-C2EF-75C1-6EB48B4FB3E2}"/>
               </a:ext>
             </a:extLst>
           </p:cNvPr>
@@ -44931,7 +45595,7 @@
             <p:ph idx="1"/>
             <p:extLst>
               <p:ext uri="{D42A27DB-BD31-4B8C-83A1-F6EECF244321}">
-                <p14:modId xmlns="" xmlns:p14="http://schemas.microsoft.com/office/powerpoint/2010/main" val="3831135951"/>
+                <p14:modId xmlns:p14="http://schemas.microsoft.com/office/powerpoint/2010/main" val="3831135951"/>
               </p:ext>
             </p:extLst>
           </p:nvPr>
@@ -44973,11 +45637,11 @@
   <p:clrMapOvr>
     <a:masterClrMapping/>
   </p:clrMapOvr>
-  <mc:AlternateContent xmlns:mc="http://schemas.openxmlformats.org/markup-compatibility/2006">
-    <mc:Choice xmlns="" xmlns:p14="http://schemas.microsoft.com/office/powerpoint/2010/main" Requires="p14">
+  <mc:AlternateContent xmlns:mc="http://schemas.openxmlformats.org/markup-compatibility/2006" xmlns:p14="http://schemas.microsoft.com/office/powerpoint/2010/main">
+    <mc:Choice Requires="p14">
       <p:transition p14:dur="0"/>
     </mc:Choice>
-    <mc:Fallback>
+    <mc:Fallback xmlns="">
       <p:transition/>
     </mc:Fallback>
   </mc:AlternateContent>
@@ -45028,7 +45692,7 @@
           <p:cNvPr id="6" name="Inhaltsplatzhalter 5">
             <a:extLst>
               <a:ext uri="{FF2B5EF4-FFF2-40B4-BE49-F238E27FC236}">
-                <a16:creationId xmlns="" xmlns:a16="http://schemas.microsoft.com/office/drawing/2014/main" id="{CFF37613-30A3-A1F1-3C0B-DFD128871914}"/>
+                <a16:creationId xmlns:a16="http://schemas.microsoft.com/office/drawing/2014/main" id="{CFF37613-30A3-A1F1-3C0B-DFD128871914}"/>
               </a:ext>
             </a:extLst>
           </p:cNvPr>
@@ -45039,7 +45703,7 @@
             <p:ph idx="1"/>
             <p:extLst>
               <p:ext uri="{D42A27DB-BD31-4B8C-83A1-F6EECF244321}">
-                <p14:modId xmlns="" xmlns:p14="http://schemas.microsoft.com/office/powerpoint/2010/main" val="526663341"/>
+                <p14:modId xmlns:p14="http://schemas.microsoft.com/office/powerpoint/2010/main" val="526663341"/>
               </p:ext>
             </p:extLst>
           </p:nvPr>
@@ -45086,7 +45750,7 @@
           <p:cNvPr id="5" name="Textfeld 4">
             <a:extLst>
               <a:ext uri="{FF2B5EF4-FFF2-40B4-BE49-F238E27FC236}">
-                <a16:creationId xmlns="" xmlns:a16="http://schemas.microsoft.com/office/drawing/2014/main" id="{77051B69-01C7-D1DF-216B-5B76C763DA89}"/>
+                <a16:creationId xmlns:a16="http://schemas.microsoft.com/office/drawing/2014/main" id="{77051B69-01C7-D1DF-216B-5B76C763DA89}"/>
               </a:ext>
             </a:extLst>
           </p:cNvPr>
@@ -45134,7 +45798,7 @@
                 <a:hlinkClick r:id="rId7">
                   <a:extLst>
                     <a:ext uri="{A12FA001-AC4F-418D-AE19-62706E023703}">
-                      <ahyp:hlinkClr xmlns="" xmlns:ahyp="http://schemas.microsoft.com/office/drawing/2018/hyperlinkcolor" val="tx"/>
+                      <ahyp:hlinkClr xmlns:ahyp="http://schemas.microsoft.com/office/drawing/2018/hyperlinkcolor" val="tx"/>
                     </a:ext>
                   </a:extLst>
                 </a:hlinkClick>
@@ -45157,7 +45821,7 @@
           <p:cNvPr id="7" name="Textfeld 6">
             <a:extLst>
               <a:ext uri="{FF2B5EF4-FFF2-40B4-BE49-F238E27FC236}">
-                <a16:creationId xmlns="" xmlns:a16="http://schemas.microsoft.com/office/drawing/2014/main" id="{90455E42-75B9-0940-1B99-FD1A4D89C18D}"/>
+                <a16:creationId xmlns:a16="http://schemas.microsoft.com/office/drawing/2014/main" id="{90455E42-75B9-0940-1B99-FD1A4D89C18D}"/>
               </a:ext>
             </a:extLst>
           </p:cNvPr>
@@ -45259,7 +45923,7 @@
           <p:cNvPr id="8" name="Grafik 7">
             <a:extLst>
               <a:ext uri="{FF2B5EF4-FFF2-40B4-BE49-F238E27FC236}">
-                <a16:creationId xmlns="" xmlns:a16="http://schemas.microsoft.com/office/drawing/2014/main" id="{45DDE223-9D09-5527-0D73-8D37B8385778}"/>
+                <a16:creationId xmlns:a16="http://schemas.microsoft.com/office/drawing/2014/main" id="{45DDE223-9D09-5527-0D73-8D37B8385778}"/>
               </a:ext>
             </a:extLst>
           </p:cNvPr>
@@ -45289,11 +45953,11 @@
   <p:clrMapOvr>
     <a:masterClrMapping/>
   </p:clrMapOvr>
-  <mc:AlternateContent xmlns:mc="http://schemas.openxmlformats.org/markup-compatibility/2006">
-    <mc:Choice xmlns="" xmlns:p14="http://schemas.microsoft.com/office/powerpoint/2010/main" Requires="p14">
+  <mc:AlternateContent xmlns:mc="http://schemas.openxmlformats.org/markup-compatibility/2006" xmlns:p14="http://schemas.microsoft.com/office/powerpoint/2010/main">
+    <mc:Choice Requires="p14">
       <p:transition p14:dur="0"/>
     </mc:Choice>
-    <mc:Fallback>
+    <mc:Fallback xmlns="">
       <p:transition/>
     </mc:Fallback>
   </mc:AlternateContent>
@@ -45344,7 +46008,7 @@
           <p:cNvPr id="6" name="Inhaltsplatzhalter 5">
             <a:extLst>
               <a:ext uri="{FF2B5EF4-FFF2-40B4-BE49-F238E27FC236}">
-                <a16:creationId xmlns="" xmlns:a16="http://schemas.microsoft.com/office/drawing/2014/main" id="{CFF37613-30A3-A1F1-3C0B-DFD128871914}"/>
+                <a16:creationId xmlns:a16="http://schemas.microsoft.com/office/drawing/2014/main" id="{CFF37613-30A3-A1F1-3C0B-DFD128871914}"/>
               </a:ext>
             </a:extLst>
           </p:cNvPr>
@@ -45355,7 +46019,7 @@
             <p:ph idx="1"/>
             <p:extLst>
               <p:ext uri="{D42A27DB-BD31-4B8C-83A1-F6EECF244321}">
-                <p14:modId xmlns="" xmlns:p14="http://schemas.microsoft.com/office/powerpoint/2010/main" val="3828801984"/>
+                <p14:modId xmlns:p14="http://schemas.microsoft.com/office/powerpoint/2010/main" val="3828801984"/>
               </p:ext>
             </p:extLst>
           </p:nvPr>
@@ -45402,7 +46066,7 @@
           <p:cNvPr id="5" name="Textfeld 4">
             <a:extLst>
               <a:ext uri="{FF2B5EF4-FFF2-40B4-BE49-F238E27FC236}">
-                <a16:creationId xmlns="" xmlns:a16="http://schemas.microsoft.com/office/drawing/2014/main" id="{77051B69-01C7-D1DF-216B-5B76C763DA89}"/>
+                <a16:creationId xmlns:a16="http://schemas.microsoft.com/office/drawing/2014/main" id="{77051B69-01C7-D1DF-216B-5B76C763DA89}"/>
               </a:ext>
             </a:extLst>
           </p:cNvPr>
@@ -45450,7 +46114,7 @@
           <p:cNvPr id="7" name="Textfeld 6">
             <a:extLst>
               <a:ext uri="{FF2B5EF4-FFF2-40B4-BE49-F238E27FC236}">
-                <a16:creationId xmlns="" xmlns:a16="http://schemas.microsoft.com/office/drawing/2014/main" id="{90455E42-75B9-0940-1B99-FD1A4D89C18D}"/>
+                <a16:creationId xmlns:a16="http://schemas.microsoft.com/office/drawing/2014/main" id="{90455E42-75B9-0940-1B99-FD1A4D89C18D}"/>
               </a:ext>
             </a:extLst>
           </p:cNvPr>
@@ -45566,7 +46230,7 @@
           <p:cNvPr id="10" name="Grafik 9">
             <a:extLst>
               <a:ext uri="{FF2B5EF4-FFF2-40B4-BE49-F238E27FC236}">
-                <a16:creationId xmlns="" xmlns:a16="http://schemas.microsoft.com/office/drawing/2014/main" id="{8F15C77D-CDC2-587A-D8B5-0CBAA59635DC}"/>
+                <a16:creationId xmlns:a16="http://schemas.microsoft.com/office/drawing/2014/main" id="{8F15C77D-CDC2-587A-D8B5-0CBAA59635DC}"/>
               </a:ext>
             </a:extLst>
           </p:cNvPr>
@@ -45594,18 +46258,18 @@
     </p:spTree>
     <p:extLst>
       <p:ext uri="{BB962C8B-B14F-4D97-AF65-F5344CB8AC3E}">
-        <p14:creationId xmlns="" xmlns:p14="http://schemas.microsoft.com/office/powerpoint/2010/main" val="1034516053"/>
+        <p14:creationId xmlns:p14="http://schemas.microsoft.com/office/powerpoint/2010/main" val="1034516053"/>
       </p:ext>
     </p:extLst>
   </p:cSld>
   <p:clrMapOvr>
     <a:masterClrMapping/>
   </p:clrMapOvr>
-  <mc:AlternateContent xmlns:mc="http://schemas.openxmlformats.org/markup-compatibility/2006">
-    <mc:Choice xmlns="" xmlns:p14="http://schemas.microsoft.com/office/powerpoint/2010/main" Requires="p14">
+  <mc:AlternateContent xmlns:mc="http://schemas.openxmlformats.org/markup-compatibility/2006" xmlns:p14="http://schemas.microsoft.com/office/powerpoint/2010/main">
+    <mc:Choice Requires="p14">
       <p:transition p14:dur="0"/>
     </mc:Choice>
-    <mc:Fallback>
+    <mc:Fallback xmlns="">
       <p:transition/>
     </mc:Fallback>
   </mc:AlternateContent>
@@ -45656,7 +46320,7 @@
           <p:cNvPr id="6" name="Inhaltsplatzhalter 5">
             <a:extLst>
               <a:ext uri="{FF2B5EF4-FFF2-40B4-BE49-F238E27FC236}">
-                <a16:creationId xmlns="" xmlns:a16="http://schemas.microsoft.com/office/drawing/2014/main" id="{CFF37613-30A3-A1F1-3C0B-DFD128871914}"/>
+                <a16:creationId xmlns:a16="http://schemas.microsoft.com/office/drawing/2014/main" id="{CFF37613-30A3-A1F1-3C0B-DFD128871914}"/>
               </a:ext>
             </a:extLst>
           </p:cNvPr>
@@ -45667,7 +46331,7 @@
             <p:ph idx="1"/>
             <p:extLst>
               <p:ext uri="{D42A27DB-BD31-4B8C-83A1-F6EECF244321}">
-                <p14:modId xmlns="" xmlns:p14="http://schemas.microsoft.com/office/powerpoint/2010/main" val="2373249809"/>
+                <p14:modId xmlns:p14="http://schemas.microsoft.com/office/powerpoint/2010/main" val="2373249809"/>
               </p:ext>
             </p:extLst>
           </p:nvPr>
@@ -45714,7 +46378,7 @@
           <p:cNvPr id="5" name="Textfeld 4">
             <a:extLst>
               <a:ext uri="{FF2B5EF4-FFF2-40B4-BE49-F238E27FC236}">
-                <a16:creationId xmlns="" xmlns:a16="http://schemas.microsoft.com/office/drawing/2014/main" id="{77051B69-01C7-D1DF-216B-5B76C763DA89}"/>
+                <a16:creationId xmlns:a16="http://schemas.microsoft.com/office/drawing/2014/main" id="{77051B69-01C7-D1DF-216B-5B76C763DA89}"/>
               </a:ext>
             </a:extLst>
           </p:cNvPr>
@@ -45770,7 +46434,7 @@
           <p:cNvPr id="7" name="Textfeld 6">
             <a:extLst>
               <a:ext uri="{FF2B5EF4-FFF2-40B4-BE49-F238E27FC236}">
-                <a16:creationId xmlns="" xmlns:a16="http://schemas.microsoft.com/office/drawing/2014/main" id="{90455E42-75B9-0940-1B99-FD1A4D89C18D}"/>
+                <a16:creationId xmlns:a16="http://schemas.microsoft.com/office/drawing/2014/main" id="{90455E42-75B9-0940-1B99-FD1A4D89C18D}"/>
               </a:ext>
             </a:extLst>
           </p:cNvPr>
@@ -45872,7 +46536,7 @@
           <p:cNvPr id="12" name="Grafik 11">
             <a:extLst>
               <a:ext uri="{FF2B5EF4-FFF2-40B4-BE49-F238E27FC236}">
-                <a16:creationId xmlns="" xmlns:a16="http://schemas.microsoft.com/office/drawing/2014/main" id="{68010221-4AA1-D7B6-CEC4-1BA07ED4D5B9}"/>
+                <a16:creationId xmlns:a16="http://schemas.microsoft.com/office/drawing/2014/main" id="{68010221-4AA1-D7B6-CEC4-1BA07ED4D5B9}"/>
               </a:ext>
             </a:extLst>
           </p:cNvPr>
@@ -45900,18 +46564,18 @@
     </p:spTree>
     <p:extLst>
       <p:ext uri="{BB962C8B-B14F-4D97-AF65-F5344CB8AC3E}">
-        <p14:creationId xmlns="" xmlns:p14="http://schemas.microsoft.com/office/powerpoint/2010/main" val="1380225431"/>
+        <p14:creationId xmlns:p14="http://schemas.microsoft.com/office/powerpoint/2010/main" val="1380225431"/>
       </p:ext>
     </p:extLst>
   </p:cSld>
   <p:clrMapOvr>
     <a:masterClrMapping/>
   </p:clrMapOvr>
-  <mc:AlternateContent xmlns:mc="http://schemas.openxmlformats.org/markup-compatibility/2006">
-    <mc:Choice xmlns="" xmlns:p14="http://schemas.microsoft.com/office/powerpoint/2010/main" Requires="p14">
+  <mc:AlternateContent xmlns:mc="http://schemas.openxmlformats.org/markup-compatibility/2006" xmlns:p14="http://schemas.microsoft.com/office/powerpoint/2010/main">
+    <mc:Choice Requires="p14">
       <p:transition p14:dur="0"/>
     </mc:Choice>
-    <mc:Fallback>
+    <mc:Fallback xmlns="">
       <p:transition/>
     </mc:Fallback>
   </mc:AlternateContent>
@@ -45962,7 +46626,7 @@
           <p:cNvPr id="6" name="Inhaltsplatzhalter 5">
             <a:extLst>
               <a:ext uri="{FF2B5EF4-FFF2-40B4-BE49-F238E27FC236}">
-                <a16:creationId xmlns="" xmlns:a16="http://schemas.microsoft.com/office/drawing/2014/main" id="{CFF37613-30A3-A1F1-3C0B-DFD128871914}"/>
+                <a16:creationId xmlns:a16="http://schemas.microsoft.com/office/drawing/2014/main" id="{CFF37613-30A3-A1F1-3C0B-DFD128871914}"/>
               </a:ext>
             </a:extLst>
           </p:cNvPr>
@@ -45973,7 +46637,7 @@
             <p:ph idx="1"/>
             <p:extLst>
               <p:ext uri="{D42A27DB-BD31-4B8C-83A1-F6EECF244321}">
-                <p14:modId xmlns="" xmlns:p14="http://schemas.microsoft.com/office/powerpoint/2010/main" val="3262534166"/>
+                <p14:modId xmlns:p14="http://schemas.microsoft.com/office/powerpoint/2010/main" val="3262534166"/>
               </p:ext>
             </p:extLst>
           </p:nvPr>
@@ -46020,7 +46684,7 @@
           <p:cNvPr id="5" name="Textfeld 4">
             <a:extLst>
               <a:ext uri="{FF2B5EF4-FFF2-40B4-BE49-F238E27FC236}">
-                <a16:creationId xmlns="" xmlns:a16="http://schemas.microsoft.com/office/drawing/2014/main" id="{77051B69-01C7-D1DF-216B-5B76C763DA89}"/>
+                <a16:creationId xmlns:a16="http://schemas.microsoft.com/office/drawing/2014/main" id="{77051B69-01C7-D1DF-216B-5B76C763DA89}"/>
               </a:ext>
             </a:extLst>
           </p:cNvPr>
@@ -46068,7 +46732,7 @@
                 <a:hlinkClick r:id="rId7">
                   <a:extLst>
                     <a:ext uri="{A12FA001-AC4F-418D-AE19-62706E023703}">
-                      <ahyp:hlinkClr xmlns="" xmlns:ahyp="http://schemas.microsoft.com/office/drawing/2018/hyperlinkcolor" val="tx"/>
+                      <ahyp:hlinkClr xmlns:ahyp="http://schemas.microsoft.com/office/drawing/2018/hyperlinkcolor" val="tx"/>
                     </a:ext>
                   </a:extLst>
                 </a:hlinkClick>
@@ -46091,7 +46755,7 @@
           <p:cNvPr id="7" name="Textfeld 6">
             <a:extLst>
               <a:ext uri="{FF2B5EF4-FFF2-40B4-BE49-F238E27FC236}">
-                <a16:creationId xmlns="" xmlns:a16="http://schemas.microsoft.com/office/drawing/2014/main" id="{90455E42-75B9-0940-1B99-FD1A4D89C18D}"/>
+                <a16:creationId xmlns:a16="http://schemas.microsoft.com/office/drawing/2014/main" id="{90455E42-75B9-0940-1B99-FD1A4D89C18D}"/>
               </a:ext>
             </a:extLst>
           </p:cNvPr>
@@ -46270,7 +46934,7 @@
           <p:cNvPr id="10" name="Grafik 9">
             <a:extLst>
               <a:ext uri="{FF2B5EF4-FFF2-40B4-BE49-F238E27FC236}">
-                <a16:creationId xmlns="" xmlns:a16="http://schemas.microsoft.com/office/drawing/2014/main" id="{B05A71C2-3413-1CBC-1C06-0BCEAA4B35AE}"/>
+                <a16:creationId xmlns:a16="http://schemas.microsoft.com/office/drawing/2014/main" id="{B05A71C2-3413-1CBC-1C06-0BCEAA4B35AE}"/>
               </a:ext>
             </a:extLst>
           </p:cNvPr>
@@ -46298,18 +46962,18 @@
     </p:spTree>
     <p:extLst>
       <p:ext uri="{BB962C8B-B14F-4D97-AF65-F5344CB8AC3E}">
-        <p14:creationId xmlns="" xmlns:p14="http://schemas.microsoft.com/office/powerpoint/2010/main" val="2626745855"/>
+        <p14:creationId xmlns:p14="http://schemas.microsoft.com/office/powerpoint/2010/main" val="2626745855"/>
       </p:ext>
     </p:extLst>
   </p:cSld>
   <p:clrMapOvr>
     <a:masterClrMapping/>
   </p:clrMapOvr>
-  <mc:AlternateContent xmlns:mc="http://schemas.openxmlformats.org/markup-compatibility/2006">
-    <mc:Choice xmlns="" xmlns:p14="http://schemas.microsoft.com/office/powerpoint/2010/main" Requires="p14">
+  <mc:AlternateContent xmlns:mc="http://schemas.openxmlformats.org/markup-compatibility/2006" xmlns:p14="http://schemas.microsoft.com/office/powerpoint/2010/main">
+    <mc:Choice Requires="p14">
       <p:transition p14:dur="0"/>
     </mc:Choice>
-    <mc:Fallback>
+    <mc:Fallback xmlns="">
       <p:transition/>
     </mc:Fallback>
   </mc:AlternateContent>
@@ -46335,7 +46999,13 @@
       </p:grpSpPr>
       <p:sp>
         <p:nvSpPr>
-          <p:cNvPr id="2" name="Titel 1"/>
+          <p:cNvPr id="2" name="Titel 1">
+            <a:extLst>
+              <a:ext uri="{FF2B5EF4-FFF2-40B4-BE49-F238E27FC236}">
+                <a16:creationId xmlns:a16="http://schemas.microsoft.com/office/drawing/2014/main" id="{C49C1DBF-08C5-3891-7F27-61372FB3BA9D}"/>
+              </a:ext>
+            </a:extLst>
+          </p:cNvPr>
           <p:cNvSpPr>
             <a:spLocks noGrp="1"/>
           </p:cNvSpPr>
@@ -46349,283 +47019,21 @@
           <a:lstStyle/>
           <a:p>
             <a:r>
-              <a:rPr lang="de-DE" dirty="0" smtClean="0"/>
-              <a:t>Benchmark</a:t>
+              <a:rPr lang="de-DE" dirty="0"/>
+              <a:t>Web Mining	</a:t>
             </a:r>
-            <a:endParaRPr lang="de-DE" dirty="0"/>
           </a:p>
         </p:txBody>
       </p:sp>
-      <mc:AlternateContent xmlns:mc="http://schemas.openxmlformats.org/markup-compatibility/2006">
-        <mc:Choice xmlns="" xmlns:a14="http://schemas.microsoft.com/office/drawing/2010/main" Requires="a14">
-          <p:sp>
-            <p:nvSpPr>
-              <p:cNvPr id="3" name="Inhaltsplatzhalter 2"/>
-              <p:cNvSpPr>
-                <a:spLocks noGrp="1"/>
-              </p:cNvSpPr>
-              <p:nvPr>
-                <p:ph idx="1"/>
-              </p:nvPr>
-            </p:nvSpPr>
-            <p:spPr/>
-            <p:txBody>
-              <a:bodyPr/>
-              <a:lstStyle/>
-              <a:p>
-                <a:r>
-                  <a:rPr lang="de-DE" dirty="0"/>
-                  <a:t>Elo-Zahl misst die Mannschaftsstärke basierend auf vergangenen Ergebnissen</a:t>
-                </a:r>
-              </a:p>
-              <a:p>
-                <a:r>
-                  <a:rPr lang="de-DE" dirty="0"/>
-                  <a:t>Basierend der </a:t>
-                </a:r>
-                <a:r>
-                  <a:rPr lang="de-DE" dirty="0" err="1"/>
-                  <a:t>Elo</a:t>
-                </a:r>
-                <a:r>
-                  <a:rPr lang="de-DE" dirty="0"/>
-                  <a:t>-Zahl von 2 Mannschaften kann ein Erwartungswert für ein bevorstehendes Spiel berechnet werden</a:t>
-                </a:r>
-              </a:p>
-              <a:p>
-                <a:r>
-                  <a:rPr lang="de-DE" dirty="0"/>
-                  <a:t>Alle historischen </a:t>
-                </a:r>
-                <a:r>
-                  <a:rPr lang="de-DE" dirty="0" err="1"/>
-                  <a:t>Elo</a:t>
-                </a:r>
-                <a:r>
-                  <a:rPr lang="de-DE" dirty="0"/>
-                  <a:t>-Werte der Mannschaften liegen vor</a:t>
-                </a:r>
-              </a:p>
-              <a:p>
-                <a:endParaRPr lang="de-DE" dirty="0"/>
-              </a:p>
-              <a:p>
-                <a:r>
-                  <a:rPr lang="de-DE" dirty="0"/>
-                  <a:t> </a:t>
-                </a:r>
-                <a14:m>
-                  <m:oMath xmlns:m="http://schemas.openxmlformats.org/officeDocument/2006/math">
-                    <m:sSub>
-                      <m:sSubPr>
-                        <m:ctrlPr>
-                          <a:rPr lang="de-DE" b="0" i="1" smtClean="0">
-                            <a:latin typeface="Cambria Math" panose="02040503050406030204" pitchFamily="18" charset="0"/>
-                          </a:rPr>
-                        </m:ctrlPr>
-                      </m:sSubPr>
-                      <m:e>
-                        <m:r>
-                          <a:rPr lang="de-DE" b="0" i="1" smtClean="0">
-                            <a:latin typeface="Cambria Math" panose="02040503050406030204" pitchFamily="18" charset="0"/>
-                          </a:rPr>
-                          <m:t>𝑊</m:t>
-                        </m:r>
-                      </m:e>
-                      <m:sub>
-                        <m:r>
-                          <a:rPr lang="de-DE" b="0" i="1" smtClean="0">
-                            <a:latin typeface="Cambria Math" panose="02040503050406030204" pitchFamily="18" charset="0"/>
-                          </a:rPr>
-                          <m:t>𝑒</m:t>
-                        </m:r>
-                      </m:sub>
-                    </m:sSub>
-                    <m:r>
-                      <a:rPr lang="de-DE" b="0" i="1" smtClean="0">
-                        <a:latin typeface="Cambria Math" panose="02040503050406030204" pitchFamily="18" charset="0"/>
-                      </a:rPr>
-                      <m:t> </m:t>
-                    </m:r>
-                  </m:oMath>
-                </a14:m>
-                <a:r>
-                  <a:rPr lang="de-DE" dirty="0"/>
-                  <a:t>= Erwartungswert 	</a:t>
-                </a:r>
-                <a:endParaRPr lang="de-DE" b="0" i="1" dirty="0">
-                  <a:latin typeface="Cambria Math" panose="02040503050406030204" pitchFamily="18" charset="0"/>
-                </a:endParaRPr>
-              </a:p>
-              <a:p>
-                <a:pPr marL="2151063" lvl="5" indent="0">
-                  <a:buNone/>
-                </a:pPr>
-                <a:r>
-                  <a:rPr lang="de-DE" b="0" dirty="0"/>
-                  <a:t>	</a:t>
-                </a:r>
-                <a14:m>
-                  <m:oMath xmlns:m="http://schemas.openxmlformats.org/officeDocument/2006/math">
-                    <m:sSub>
-                      <m:sSubPr>
-                        <m:ctrlPr>
-                          <a:rPr lang="de-DE" b="0" i="1" smtClean="0">
-                            <a:latin typeface="Cambria Math" panose="02040503050406030204" pitchFamily="18" charset="0"/>
-                          </a:rPr>
-                        </m:ctrlPr>
-                      </m:sSubPr>
-                      <m:e>
-                        <m:r>
-                          <a:rPr lang="de-DE" b="0" i="1" smtClean="0">
-                            <a:latin typeface="Cambria Math" panose="02040503050406030204" pitchFamily="18" charset="0"/>
-                          </a:rPr>
-                          <m:t>𝑊</m:t>
-                        </m:r>
-                      </m:e>
-                      <m:sub>
-                        <m:r>
-                          <a:rPr lang="de-DE" b="0" i="1" smtClean="0">
-                            <a:latin typeface="Cambria Math" panose="02040503050406030204" pitchFamily="18" charset="0"/>
-                          </a:rPr>
-                          <m:t>𝑒</m:t>
-                        </m:r>
-                      </m:sub>
-                    </m:sSub>
-                    <m:r>
-                      <a:rPr lang="de-DE" b="0" i="1" smtClean="0">
-                        <a:latin typeface="Cambria Math" panose="02040503050406030204" pitchFamily="18" charset="0"/>
-                      </a:rPr>
-                      <m:t>= </m:t>
-                    </m:r>
-                    <m:f>
-                      <m:fPr>
-                        <m:ctrlPr>
-                          <a:rPr lang="de-DE" b="0" i="1" smtClean="0">
-                            <a:latin typeface="Cambria Math" panose="02040503050406030204" pitchFamily="18" charset="0"/>
-                          </a:rPr>
-                        </m:ctrlPr>
-                      </m:fPr>
-                      <m:num>
-                        <m:r>
-                          <a:rPr lang="de-DE" b="0" i="1" smtClean="0">
-                            <a:latin typeface="Cambria Math" panose="02040503050406030204" pitchFamily="18" charset="0"/>
-                          </a:rPr>
-                          <m:t>1</m:t>
-                        </m:r>
-                      </m:num>
-                      <m:den>
-                        <m:sSup>
-                          <m:sSupPr>
-                            <m:ctrlPr>
-                              <a:rPr lang="de-DE" b="0" i="1" smtClean="0">
-                                <a:latin typeface="Cambria Math" panose="02040503050406030204" pitchFamily="18" charset="0"/>
-                              </a:rPr>
-                            </m:ctrlPr>
-                          </m:sSupPr>
-                          <m:e>
-                            <m:r>
-                              <a:rPr lang="de-DE" b="0" i="1" smtClean="0">
-                                <a:latin typeface="Cambria Math" panose="02040503050406030204" pitchFamily="18" charset="0"/>
-                              </a:rPr>
-                              <m:t>10</m:t>
-                            </m:r>
-                          </m:e>
-                          <m:sup>
-                            <m:r>
-                              <a:rPr lang="de-DE" b="0" i="1" smtClean="0">
-                                <a:latin typeface="Cambria Math" panose="02040503050406030204" pitchFamily="18" charset="0"/>
-                              </a:rPr>
-                              <m:t>−</m:t>
-                            </m:r>
-                            <m:r>
-                              <a:rPr lang="de-DE" b="0" i="1" smtClean="0">
-                                <a:latin typeface="Cambria Math" panose="02040503050406030204" pitchFamily="18" charset="0"/>
-                              </a:rPr>
-                              <m:t>𝑑𝑟</m:t>
-                            </m:r>
-                            <m:r>
-                              <a:rPr lang="de-DE" b="0" i="1" smtClean="0">
-                                <a:latin typeface="Cambria Math" panose="02040503050406030204" pitchFamily="18" charset="0"/>
-                              </a:rPr>
-                              <m:t>/400</m:t>
-                            </m:r>
-                          </m:sup>
-                        </m:sSup>
-                        <m:r>
-                          <a:rPr lang="de-DE" b="0" i="1" smtClean="0">
-                            <a:latin typeface="Cambria Math" panose="02040503050406030204" pitchFamily="18" charset="0"/>
-                          </a:rPr>
-                          <m:t>+1</m:t>
-                        </m:r>
-                      </m:den>
-                    </m:f>
-                  </m:oMath>
-                </a14:m>
-                <a:endParaRPr lang="de-DE" dirty="0"/>
-              </a:p>
-              <a:p>
-                <a:pPr marL="2151063" lvl="5" indent="0">
-                  <a:buNone/>
-                </a:pPr>
-                <a:endParaRPr lang="de-DE" dirty="0"/>
-              </a:p>
-              <a:p>
-                <a:r>
-                  <a:rPr lang="de-DE" dirty="0"/>
-                  <a:t>0 → sicher erwartete Niederlage, 1  sicher erwarteten Sieg</a:t>
-                </a:r>
-              </a:p>
-              <a:p>
-                <a:r>
-                  <a:rPr lang="de-DE" dirty="0" err="1"/>
-                  <a:t>dr</a:t>
-                </a:r>
-                <a:r>
-                  <a:rPr lang="de-DE" dirty="0"/>
-                  <a:t> = Der Punkteabstand (positiv oder negativ) in der Wertung des gegnerischen Teams gegenüber dem zu bewertenden Team. Die Mannschaft mit Heimvorteil wird mit 100 Punkten besser bewertet.</a:t>
-                </a:r>
-              </a:p>
-            </p:txBody>
-          </p:sp>
-        </mc:Choice>
-        <mc:Fallback>
-          <p:sp>
-            <p:nvSpPr>
-              <p:cNvPr id="3" name="Inhaltsplatzhalter 2"/>
-              <p:cNvSpPr>
-                <a:spLocks noGrp="1" noRot="1" noChangeAspect="1" noMove="1" noResize="1" noEditPoints="1" noAdjustHandles="1" noChangeArrowheads="1" noChangeShapeType="1" noTextEdit="1"/>
-              </p:cNvSpPr>
-              <p:nvPr>
-                <p:ph idx="1"/>
-              </p:nvPr>
-            </p:nvSpPr>
-            <p:spPr>
-              <a:blipFill>
-                <a:blip r:embed="rId2"/>
-                <a:stretch>
-                  <a:fillRect l="-302" t="-404"/>
-                </a:stretch>
-              </a:blipFill>
-            </p:spPr>
-            <p:txBody>
-              <a:bodyPr/>
-              <a:lstStyle/>
-              <a:p>
-                <a:r>
-                  <a:rPr lang="de-DE" dirty="0">
-                    <a:noFill/>
-                  </a:rPr>
-                  <a:t> </a:t>
-                </a:r>
-              </a:p>
-            </p:txBody>
-          </p:sp>
-        </mc:Fallback>
-      </mc:AlternateContent>
       <p:sp>
         <p:nvSpPr>
-          <p:cNvPr id="4" name="Textplatzhalter 3"/>
+          <p:cNvPr id="4" name="Textplatzhalter 3">
+            <a:extLst>
+              <a:ext uri="{FF2B5EF4-FFF2-40B4-BE49-F238E27FC236}">
+                <a16:creationId xmlns:a16="http://schemas.microsoft.com/office/drawing/2014/main" id="{493EDF79-875E-82CF-D05E-06E2B216A261}"/>
+              </a:ext>
+            </a:extLst>
+          </p:cNvPr>
           <p:cNvSpPr>
             <a:spLocks noGrp="1"/>
           </p:cNvSpPr>
@@ -46639,33 +47047,74 @@
           <a:lstStyle/>
           <a:p>
             <a:r>
-              <a:rPr lang="de-DE" dirty="0" err="1" smtClean="0"/>
-              <a:t>Elo</a:t>
-            </a:r>
-            <a:r>
-              <a:rPr lang="de-DE" dirty="0" smtClean="0"/>
-              <a:t> </a:t>
-            </a:r>
-            <a:r>
               <a:rPr lang="de-DE" dirty="0"/>
-              <a:t>Rating</a:t>
+              <a:t>Datenanalyse</a:t>
             </a:r>
           </a:p>
         </p:txBody>
       </p:sp>
+      <p:pic>
+        <p:nvPicPr>
+          <p:cNvPr id="1026" name="Picture 2">
+            <a:extLst>
+              <a:ext uri="{FF2B5EF4-FFF2-40B4-BE49-F238E27FC236}">
+                <a16:creationId xmlns:a16="http://schemas.microsoft.com/office/drawing/2014/main" id="{50B8DBCA-6FC7-4F83-CE7D-2AE1886194BF}"/>
+              </a:ext>
+            </a:extLst>
+          </p:cNvPr>
+          <p:cNvPicPr>
+            <a:picLocks noGrp="1" noChangeAspect="1" noChangeArrowheads="1"/>
+          </p:cNvPicPr>
+          <p:nvPr>
+            <p:ph idx="1"/>
+          </p:nvPr>
+        </p:nvPicPr>
+        <p:blipFill>
+          <a:blip r:embed="rId2">
+            <a:extLst>
+              <a:ext uri="{28A0092B-C50C-407E-A947-70E740481C1C}">
+                <a14:useLocalDpi xmlns:a14="http://schemas.microsoft.com/office/drawing/2010/main" val="0"/>
+              </a:ext>
+            </a:extLst>
+          </a:blip>
+          <a:srcRect/>
+          <a:stretch>
+            <a:fillRect/>
+          </a:stretch>
+        </p:blipFill>
+        <p:spPr bwMode="auto">
+          <a:xfrm>
+            <a:off x="1958144" y="1578035"/>
+            <a:ext cx="5294387" cy="4270256"/>
+          </a:xfrm>
+          <a:prstGeom prst="rect">
+            <a:avLst/>
+          </a:prstGeom>
+          <a:noFill/>
+          <a:extLst>
+            <a:ext uri="{909E8E84-426E-40DD-AFC4-6F175D3DCCD1}">
+              <a14:hiddenFill xmlns:a14="http://schemas.microsoft.com/office/drawing/2010/main">
+                <a:solidFill>
+                  <a:srgbClr val="FFFFFF"/>
+                </a:solidFill>
+              </a14:hiddenFill>
+            </a:ext>
+          </a:extLst>
+        </p:spPr>
+      </p:pic>
     </p:spTree>
+    <p:extLst>
+      <p:ext uri="{BB962C8B-B14F-4D97-AF65-F5344CB8AC3E}">
+        <p14:creationId xmlns:p14="http://schemas.microsoft.com/office/powerpoint/2010/main" val="2587038663"/>
+      </p:ext>
+    </p:extLst>
   </p:cSld>
   <p:clrMapOvr>
     <a:masterClrMapping/>
   </p:clrMapOvr>
-  <mc:AlternateContent xmlns:mc="http://schemas.openxmlformats.org/markup-compatibility/2006">
-    <mc:Choice xmlns="" xmlns:p14="http://schemas.microsoft.com/office/powerpoint/2010/main" Requires="p14">
-      <p:transition p14:dur="0"/>
-    </mc:Choice>
-    <mc:Fallback>
-      <p:transition/>
-    </mc:Fallback>
-  </mc:AlternateContent>
+  <p:transition>
+    <p:dissolve/>
+  </p:transition>
 </p:sld>
 </file>
 
@@ -46925,14 +47374,14 @@
         <a:effectLst/>
         <a:extLst>
           <a:ext uri="{909E8E84-426E-40dd-AFC4-6F175D3DCCD1}">
-            <a14:hiddenFill xmlns:a14="http://schemas.microsoft.com/office/drawing/2010/main" xmlns="">
+            <a14:hiddenFill xmlns="" xmlns:a14="http://schemas.microsoft.com/office/drawing/2010/main">
               <a:solidFill>
                 <a:schemeClr val="accent2"/>
               </a:solidFill>
             </a14:hiddenFill>
           </a:ext>
           <a:ext uri="{AF507438-7753-43e0-B8FC-AC1667EBCBE1}">
-            <a14:hiddenEffects xmlns:a14="http://schemas.microsoft.com/office/drawing/2010/main" xmlns="">
+            <a14:hiddenEffects xmlns="" xmlns:a14="http://schemas.microsoft.com/office/drawing/2010/main">
               <a:effectLst>
                 <a:outerShdw blurRad="63500" dist="35921" dir="2700000" algn="ctr" rotWithShape="0">
                   <a:schemeClr val="bg2"/>
@@ -47005,14 +47454,14 @@
         <a:effectLst/>
         <a:extLst>
           <a:ext uri="{909E8E84-426E-40dd-AFC4-6F175D3DCCD1}">
-            <a14:hiddenFill xmlns:a14="http://schemas.microsoft.com/office/drawing/2010/main" xmlns="">
+            <a14:hiddenFill xmlns="" xmlns:a14="http://schemas.microsoft.com/office/drawing/2010/main">
               <a:solidFill>
                 <a:schemeClr val="accent2"/>
               </a:solidFill>
             </a14:hiddenFill>
           </a:ext>
           <a:ext uri="{AF507438-7753-43e0-B8FC-AC1667EBCBE1}">
-            <a14:hiddenEffects xmlns:a14="http://schemas.microsoft.com/office/drawing/2010/main" xmlns="">
+            <a14:hiddenEffects xmlns="" xmlns:a14="http://schemas.microsoft.com/office/drawing/2010/main">
               <a:effectLst>
                 <a:outerShdw blurRad="63500" dist="35921" dir="2700000" algn="ctr" rotWithShape="0">
                   <a:schemeClr val="bg2"/>
